--- a/Telelocalización y Captura de Imágenes.pptx
+++ b/Telelocalización y Captura de Imágenes.pptx
@@ -15,8 +15,9 @@
     <p:sldId id="266" r:id="rId9"/>
     <p:sldId id="267" r:id="rId10"/>
     <p:sldId id="268" r:id="rId11"/>
-    <p:sldId id="262" r:id="rId12"/>
-    <p:sldId id="263" r:id="rId13"/>
+    <p:sldId id="269" r:id="rId12"/>
+    <p:sldId id="262" r:id="rId13"/>
+    <p:sldId id="263" r:id="rId14"/>
   </p:sldIdLst>
   <p:sldSz cx="12192000" cy="6858000"/>
   <p:notesSz cx="6858000" cy="9144000"/>
@@ -117,7 +118,18 @@
   </p:defaultTextStyle>
   <p:extLst>
     <p:ext uri="{EFAFB233-063F-42B5-8137-9DF3F51BA10A}">
-      <p15:sldGuideLst xmlns:p15="http://schemas.microsoft.com/office/powerpoint/2012/main" xmlns=""/>
+      <p15:sldGuideLst xmlns:p15="http://schemas.microsoft.com/office/powerpoint/2012/main">
+        <p15:guide id="1" orient="horz" pos="2160">
+          <p15:clr>
+            <a:srgbClr val="A4A3A4"/>
+          </p15:clr>
+        </p15:guide>
+        <p15:guide id="2" pos="3840">
+          <p15:clr>
+            <a:srgbClr val="A4A3A4"/>
+          </p15:clr>
+        </p15:guide>
+      </p15:sldGuideLst>
     </p:ext>
   </p:extLst>
 </p:presentation>
@@ -254,7 +266,7 @@
           <a:p>
             <a:fld id="{F3D66D49-C998-4448-A9A4-08248D17FD06}" type="datetimeFigureOut">
               <a:rPr lang="es-PE" smtClean="0"/>
-              <a:t>23/11/2015</a:t>
+              <a:t>24/11/2015</a:t>
             </a:fld>
             <a:endParaRPr lang="es-PE"/>
           </a:p>
@@ -424,7 +436,7 @@
           <a:p>
             <a:fld id="{F3D66D49-C998-4448-A9A4-08248D17FD06}" type="datetimeFigureOut">
               <a:rPr lang="es-PE" smtClean="0"/>
-              <a:t>23/11/2015</a:t>
+              <a:t>24/11/2015</a:t>
             </a:fld>
             <a:endParaRPr lang="es-PE"/>
           </a:p>
@@ -604,7 +616,7 @@
           <a:p>
             <a:fld id="{F3D66D49-C998-4448-A9A4-08248D17FD06}" type="datetimeFigureOut">
               <a:rPr lang="es-PE" smtClean="0"/>
-              <a:t>23/11/2015</a:t>
+              <a:t>24/11/2015</a:t>
             </a:fld>
             <a:endParaRPr lang="es-PE"/>
           </a:p>
@@ -774,7 +786,7 @@
           <a:p>
             <a:fld id="{F3D66D49-C998-4448-A9A4-08248D17FD06}" type="datetimeFigureOut">
               <a:rPr lang="es-PE" smtClean="0"/>
-              <a:t>23/11/2015</a:t>
+              <a:t>24/11/2015</a:t>
             </a:fld>
             <a:endParaRPr lang="es-PE"/>
           </a:p>
@@ -1020,7 +1032,7 @@
           <a:p>
             <a:fld id="{F3D66D49-C998-4448-A9A4-08248D17FD06}" type="datetimeFigureOut">
               <a:rPr lang="es-PE" smtClean="0"/>
-              <a:t>23/11/2015</a:t>
+              <a:t>24/11/2015</a:t>
             </a:fld>
             <a:endParaRPr lang="es-PE"/>
           </a:p>
@@ -1252,7 +1264,7 @@
           <a:p>
             <a:fld id="{F3D66D49-C998-4448-A9A4-08248D17FD06}" type="datetimeFigureOut">
               <a:rPr lang="es-PE" smtClean="0"/>
-              <a:t>23/11/2015</a:t>
+              <a:t>24/11/2015</a:t>
             </a:fld>
             <a:endParaRPr lang="es-PE"/>
           </a:p>
@@ -1619,7 +1631,7 @@
           <a:p>
             <a:fld id="{F3D66D49-C998-4448-A9A4-08248D17FD06}" type="datetimeFigureOut">
               <a:rPr lang="es-PE" smtClean="0"/>
-              <a:t>23/11/2015</a:t>
+              <a:t>24/11/2015</a:t>
             </a:fld>
             <a:endParaRPr lang="es-PE"/>
           </a:p>
@@ -1737,7 +1749,7 @@
           <a:p>
             <a:fld id="{F3D66D49-C998-4448-A9A4-08248D17FD06}" type="datetimeFigureOut">
               <a:rPr lang="es-PE" smtClean="0"/>
-              <a:t>23/11/2015</a:t>
+              <a:t>24/11/2015</a:t>
             </a:fld>
             <a:endParaRPr lang="es-PE"/>
           </a:p>
@@ -1832,7 +1844,7 @@
           <a:p>
             <a:fld id="{F3D66D49-C998-4448-A9A4-08248D17FD06}" type="datetimeFigureOut">
               <a:rPr lang="es-PE" smtClean="0"/>
-              <a:t>23/11/2015</a:t>
+              <a:t>24/11/2015</a:t>
             </a:fld>
             <a:endParaRPr lang="es-PE"/>
           </a:p>
@@ -2109,7 +2121,7 @@
           <a:p>
             <a:fld id="{F3D66D49-C998-4448-A9A4-08248D17FD06}" type="datetimeFigureOut">
               <a:rPr lang="es-PE" smtClean="0"/>
-              <a:t>23/11/2015</a:t>
+              <a:t>24/11/2015</a:t>
             </a:fld>
             <a:endParaRPr lang="es-PE"/>
           </a:p>
@@ -2362,7 +2374,7 @@
           <a:p>
             <a:fld id="{F3D66D49-C998-4448-A9A4-08248D17FD06}" type="datetimeFigureOut">
               <a:rPr lang="es-PE" smtClean="0"/>
-              <a:t>23/11/2015</a:t>
+              <a:t>24/11/2015</a:t>
             </a:fld>
             <a:endParaRPr lang="es-PE"/>
           </a:p>
@@ -2575,7 +2587,7 @@
           <a:p>
             <a:fld id="{F3D66D49-C998-4448-A9A4-08248D17FD06}" type="datetimeFigureOut">
               <a:rPr lang="es-PE" smtClean="0"/>
-              <a:t>23/11/2015</a:t>
+              <a:t>24/11/2015</a:t>
             </a:fld>
             <a:endParaRPr lang="es-PE"/>
           </a:p>
@@ -3065,6 +3077,35 @@
           <a:chExt cx="0" cy="0"/>
         </a:xfrm>
       </p:grpSpPr>
+      <p:pic>
+        <p:nvPicPr>
+          <p:cNvPr id="8" name="Imagen 7"/>
+          <p:cNvPicPr>
+            <a:picLocks noChangeAspect="1"/>
+          </p:cNvPicPr>
+          <p:nvPr/>
+        </p:nvPicPr>
+        <p:blipFill rotWithShape="1">
+          <a:blip r:embed="rId2" cstate="print">
+            <a:extLst>
+              <a:ext uri="{28A0092B-C50C-407E-A947-70E740481C1C}">
+                <a14:useLocalDpi xmlns:a14="http://schemas.microsoft.com/office/drawing/2010/main" val="0"/>
+              </a:ext>
+            </a:extLst>
+          </a:blip>
+          <a:srcRect l="15315" r="11580" b="12468"/>
+          <a:stretch/>
+        </p:blipFill>
+        <p:spPr>
+          <a:xfrm rot="730320">
+            <a:off x="1903575" y="2055403"/>
+            <a:ext cx="2618220" cy="2505813"/>
+          </a:xfrm>
+          <a:prstGeom prst="rect">
+            <a:avLst/>
+          </a:prstGeom>
+        </p:spPr>
+      </p:pic>
       <p:sp>
         <p:nvSpPr>
           <p:cNvPr id="2" name="1 Título"/>
@@ -3088,59 +3129,92 @@
           </a:p>
         </p:txBody>
       </p:sp>
-      <p:sp>
-        <p:nvSpPr>
-          <p:cNvPr id="12" name="11 Marcador de contenido"/>
-          <p:cNvSpPr>
-            <a:spLocks noGrp="1"/>
-          </p:cNvSpPr>
-          <p:nvPr>
-            <p:ph idx="1"/>
-          </p:nvPr>
-        </p:nvSpPr>
-        <p:spPr>
-          <a:xfrm>
-            <a:off x="4769552" y="4212771"/>
-            <a:ext cx="6584247" cy="1964192"/>
-          </a:xfrm>
-        </p:spPr>
-        <p:txBody>
-          <a:bodyPr/>
-          <a:lstStyle/>
-          <a:p>
-            <a:pPr algn="r"/>
-            <a:r>
-              <a:rPr lang="es-ES" dirty="0" smtClean="0"/>
-              <a:t>Módulos electrónicos</a:t>
-            </a:r>
-          </a:p>
-          <a:p>
-            <a:pPr algn="r"/>
-            <a:r>
-              <a:rPr lang="es-ES" dirty="0" smtClean="0"/>
-              <a:t>Módulos GSM, GPS, Cámara</a:t>
-            </a:r>
-          </a:p>
-          <a:p>
-            <a:pPr algn="r"/>
-            <a:r>
-              <a:rPr lang="es-ES" dirty="0" smtClean="0"/>
-              <a:t>Sensor magnético</a:t>
-            </a:r>
-            <a:endParaRPr lang="es-ES" dirty="0"/>
-          </a:p>
-        </p:txBody>
-      </p:sp>
       <p:pic>
         <p:nvPicPr>
-          <p:cNvPr id="9" name="8 Imagen"/>
+          <p:cNvPr id="5" name="Imagen 4"/>
           <p:cNvPicPr>
             <a:picLocks noChangeAspect="1"/>
           </p:cNvPicPr>
           <p:nvPr/>
         </p:nvPicPr>
         <p:blipFill>
-          <a:blip r:embed="rId2" cstate="print">
+          <a:blip r:embed="rId3" cstate="print">
+            <a:extLst>
+              <a:ext uri="{28A0092B-C50C-407E-A947-70E740481C1C}">
+                <a14:useLocalDpi xmlns:a14="http://schemas.microsoft.com/office/drawing/2010/main" val="0"/>
+              </a:ext>
+            </a:extLst>
+          </a:blip>
+          <a:stretch>
+            <a:fillRect/>
+          </a:stretch>
+        </p:blipFill>
+        <p:spPr>
+          <a:xfrm rot="1955264">
+            <a:off x="5057974" y="2582397"/>
+            <a:ext cx="2076052" cy="1726193"/>
+          </a:xfrm>
+          <a:prstGeom prst="rect">
+            <a:avLst/>
+          </a:prstGeom>
+        </p:spPr>
+      </p:pic>
+      <p:sp>
+        <p:nvSpPr>
+          <p:cNvPr id="12" name="11 Marcador de contenido"/>
+          <p:cNvSpPr>
+            <a:spLocks noGrp="1"/>
+          </p:cNvSpPr>
+          <p:nvPr>
+            <p:ph idx="1"/>
+          </p:nvPr>
+        </p:nvSpPr>
+        <p:spPr>
+          <a:xfrm>
+            <a:off x="1327685" y="4986737"/>
+            <a:ext cx="7527955" cy="1281716"/>
+          </a:xfrm>
+          <a:solidFill>
+            <a:schemeClr val="bg1"/>
+          </a:solidFill>
+        </p:spPr>
+        <p:txBody>
+          <a:bodyPr/>
+          <a:lstStyle/>
+          <a:p>
+            <a:r>
+              <a:rPr lang="es-ES" dirty="0" smtClean="0"/>
+              <a:t>Módulos </a:t>
+            </a:r>
+            <a:r>
+              <a:rPr lang="es-ES" dirty="0" smtClean="0"/>
+              <a:t>electrónicos GSM/GPRS y GPS</a:t>
+            </a:r>
+            <a:endParaRPr lang="es-ES" dirty="0" smtClean="0"/>
+          </a:p>
+          <a:p>
+            <a:r>
+              <a:rPr lang="es-ES" dirty="0" smtClean="0"/>
+              <a:t>Sensor </a:t>
+            </a:r>
+            <a:r>
+              <a:rPr lang="es-ES" dirty="0" smtClean="0"/>
+              <a:t>magnético</a:t>
+            </a:r>
+            <a:endParaRPr lang="es-ES" dirty="0"/>
+          </a:p>
+        </p:txBody>
+      </p:sp>
+      <p:pic>
+        <p:nvPicPr>
+          <p:cNvPr id="13" name="Imagen 12"/>
+          <p:cNvPicPr>
+            <a:picLocks noChangeAspect="1"/>
+          </p:cNvPicPr>
+          <p:nvPr/>
+        </p:nvPicPr>
+        <p:blipFill>
+          <a:blip r:embed="rId4" cstate="print">
             <a:extLst>
               <a:ext uri="{28A0092B-C50C-407E-A947-70E740481C1C}">
                 <a14:useLocalDpi xmlns:a14="http://schemas.microsoft.com/office/drawing/2010/main" val="0"/>
@@ -3153,8 +3227,8 @@
         </p:blipFill>
         <p:spPr>
           <a:xfrm>
-            <a:off x="2406235" y="2890578"/>
-            <a:ext cx="3042767" cy="2366032"/>
+            <a:off x="8350566" y="2370672"/>
+            <a:ext cx="2081012" cy="2081012"/>
           </a:xfrm>
           <a:prstGeom prst="rect">
             <a:avLst/>
@@ -3200,6 +3274,217 @@
       </p:grpSpPr>
       <p:sp>
         <p:nvSpPr>
+          <p:cNvPr id="5" name="CuadroTexto 4"/>
+          <p:cNvSpPr txBox="1"/>
+          <p:nvPr/>
+        </p:nvSpPr>
+        <p:spPr>
+          <a:xfrm>
+            <a:off x="4606833" y="2066440"/>
+            <a:ext cx="3556102" cy="707886"/>
+          </a:xfrm>
+          <a:prstGeom prst="rect">
+            <a:avLst/>
+          </a:prstGeom>
+          <a:noFill/>
+        </p:spPr>
+        <p:txBody>
+          <a:bodyPr wrap="none" rtlCol="0">
+            <a:spAutoFit/>
+          </a:bodyPr>
+          <a:lstStyle/>
+          <a:p>
+            <a:pPr marL="342900" indent="-342900">
+              <a:buAutoNum type="arabicPeriod"/>
+            </a:pPr>
+            <a:r>
+              <a:rPr lang="es-PE" sz="4000" dirty="0" smtClean="0"/>
+              <a:t>HARDWARE</a:t>
+            </a:r>
+          </a:p>
+        </p:txBody>
+      </p:sp>
+      <p:sp>
+        <p:nvSpPr>
+          <p:cNvPr id="15" name="14 Rectángulo redondeado"/>
+          <p:cNvSpPr/>
+          <p:nvPr/>
+        </p:nvSpPr>
+        <p:spPr>
+          <a:xfrm>
+            <a:off x="1851072" y="2131754"/>
+            <a:ext cx="2539293" cy="2423916"/>
+          </a:xfrm>
+          <a:prstGeom prst="roundRect">
+            <a:avLst/>
+          </a:prstGeom>
+          <a:noFill/>
+          <a:ln w="19050"/>
+        </p:spPr>
+        <p:style>
+          <a:lnRef idx="2">
+            <a:schemeClr val="accent1">
+              <a:shade val="50000"/>
+            </a:schemeClr>
+          </a:lnRef>
+          <a:fillRef idx="1">
+            <a:schemeClr val="accent1"/>
+          </a:fillRef>
+          <a:effectRef idx="0">
+            <a:schemeClr val="accent1"/>
+          </a:effectRef>
+          <a:fontRef idx="minor">
+            <a:schemeClr val="lt1"/>
+          </a:fontRef>
+        </p:style>
+        <p:txBody>
+          <a:bodyPr rtlCol="0" anchor="ctr"/>
+          <a:lstStyle/>
+          <a:p>
+            <a:pPr algn="ctr"/>
+            <a:r>
+              <a:rPr lang="es-ES" sz="3600" b="1" dirty="0" smtClean="0">
+                <a:solidFill>
+                  <a:srgbClr val="00B050"/>
+                </a:solidFill>
+              </a:rPr>
+              <a:t>Prototipo</a:t>
+            </a:r>
+          </a:p>
+          <a:p>
+            <a:pPr algn="ctr"/>
+            <a:r>
+              <a:rPr lang="es-ES" sz="3600" b="1" dirty="0" smtClean="0">
+                <a:solidFill>
+                  <a:schemeClr val="tx1"/>
+                </a:solidFill>
+              </a:rPr>
+              <a:t>+</a:t>
+            </a:r>
+          </a:p>
+          <a:p>
+            <a:pPr algn="ctr"/>
+            <a:r>
+              <a:rPr lang="es-ES" sz="3600" b="1" dirty="0" smtClean="0">
+                <a:solidFill>
+                  <a:srgbClr val="0070C0"/>
+                </a:solidFill>
+              </a:rPr>
+              <a:t>Servidor</a:t>
+            </a:r>
+            <a:endParaRPr lang="es-ES" sz="3600" b="1" dirty="0">
+              <a:solidFill>
+                <a:srgbClr val="0070C0"/>
+              </a:solidFill>
+            </a:endParaRPr>
+          </a:p>
+        </p:txBody>
+      </p:sp>
+      <p:sp>
+        <p:nvSpPr>
+          <p:cNvPr id="4" name="CuadroTexto 4"/>
+          <p:cNvSpPr txBox="1"/>
+          <p:nvPr/>
+        </p:nvSpPr>
+        <p:spPr>
+          <a:xfrm>
+            <a:off x="4606833" y="2774326"/>
+            <a:ext cx="6156365" cy="1569660"/>
+          </a:xfrm>
+          <a:prstGeom prst="rect">
+            <a:avLst/>
+          </a:prstGeom>
+          <a:noFill/>
+        </p:spPr>
+        <p:txBody>
+          <a:bodyPr wrap="none" rtlCol="0">
+            <a:spAutoFit/>
+          </a:bodyPr>
+          <a:lstStyle/>
+          <a:p>
+            <a:pPr marL="571500" indent="-571500">
+              <a:buFont typeface="Arial" pitchFamily="34" charset="0"/>
+              <a:buChar char="•"/>
+            </a:pPr>
+            <a:r>
+              <a:rPr lang="es-PE" sz="2400" dirty="0" smtClean="0"/>
+              <a:t>Basado en </a:t>
+            </a:r>
+            <a:r>
+              <a:rPr lang="es-PE" sz="2400" dirty="0" smtClean="0"/>
+              <a:t>un MICROCONTROLADOR</a:t>
+            </a:r>
+            <a:endParaRPr lang="es-PE" sz="2400" dirty="0"/>
+          </a:p>
+          <a:p>
+            <a:pPr marL="571500" indent="-571500">
+              <a:buFont typeface="Arial" pitchFamily="34" charset="0"/>
+              <a:buChar char="•"/>
+            </a:pPr>
+            <a:r>
+              <a:rPr lang="es-PE" sz="2400" dirty="0" smtClean="0"/>
+              <a:t>Empleo de MODULOS y SENSOR</a:t>
+            </a:r>
+            <a:endParaRPr lang="es-PE" sz="2400" i="1" dirty="0" smtClean="0"/>
+          </a:p>
+          <a:p>
+            <a:pPr marL="571500" indent="-571500">
+              <a:buFont typeface="Arial" pitchFamily="34" charset="0"/>
+              <a:buChar char="•"/>
+            </a:pPr>
+            <a:r>
+              <a:rPr lang="es-PE" sz="2400" dirty="0"/>
+              <a:t> </a:t>
+            </a:r>
+            <a:endParaRPr lang="es-PE" sz="2400" dirty="0"/>
+          </a:p>
+          <a:p>
+            <a:r>
+              <a:rPr lang="es-PE" sz="2400" dirty="0" smtClean="0"/>
+              <a:t> </a:t>
+            </a:r>
+          </a:p>
+        </p:txBody>
+      </p:sp>
+    </p:spTree>
+    <p:extLst>
+      <p:ext uri="{BB962C8B-B14F-4D97-AF65-F5344CB8AC3E}">
+        <p14:creationId xmlns:p14="http://schemas.microsoft.com/office/powerpoint/2010/main" val="2899903485"/>
+      </p:ext>
+    </p:extLst>
+  </p:cSld>
+  <p:clrMapOvr>
+    <a:masterClrMapping/>
+  </p:clrMapOvr>
+  <p:timing>
+    <p:tnLst>
+      <p:par>
+        <p:cTn id="1" dur="indefinite" restart="never" nodeType="tmRoot"/>
+      </p:par>
+    </p:tnLst>
+  </p:timing>
+</p:sld>
+</file>
+
+<file path=ppt/slides/slide12.xml><?xml version="1.0" encoding="utf-8"?>
+<p:sld xmlns:a="http://schemas.openxmlformats.org/drawingml/2006/main" xmlns:r="http://schemas.openxmlformats.org/officeDocument/2006/relationships" xmlns:p="http://schemas.openxmlformats.org/presentationml/2006/main">
+  <p:cSld>
+    <p:spTree>
+      <p:nvGrpSpPr>
+        <p:cNvPr id="1" name=""/>
+        <p:cNvGrpSpPr/>
+        <p:nvPr/>
+      </p:nvGrpSpPr>
+      <p:grpSpPr>
+        <a:xfrm>
+          <a:off x="0" y="0"/>
+          <a:ext cx="0" cy="0"/>
+          <a:chOff x="0" y="0"/>
+          <a:chExt cx="0" cy="0"/>
+        </a:xfrm>
+      </p:grpSpPr>
+      <p:sp>
+        <p:nvSpPr>
           <p:cNvPr id="4" name="Título 3"/>
           <p:cNvSpPr>
             <a:spLocks noGrp="1"/>
@@ -3260,7 +3545,7 @@
 </p:sld>
 </file>
 
-<file path=ppt/slides/slide12.xml><?xml version="1.0" encoding="utf-8"?>
+<file path=ppt/slides/slide13.xml><?xml version="1.0" encoding="utf-8"?>
 <p:sld xmlns:a="http://schemas.openxmlformats.org/drawingml/2006/main" xmlns:r="http://schemas.openxmlformats.org/officeDocument/2006/relationships" xmlns:p="http://schemas.openxmlformats.org/presentationml/2006/main">
   <p:cSld>
     <p:spTree>
@@ -3608,15 +3893,7 @@
           <a:p>
             <a:r>
               <a:rPr lang="es-PE" dirty="0" smtClean="0"/>
-              <a:t>Fotos del </a:t>
-            </a:r>
-            <a:r>
-              <a:rPr lang="es-PE" dirty="0" smtClean="0"/>
-              <a:t>interior o exterior </a:t>
-            </a:r>
-            <a:r>
-              <a:rPr lang="es-PE" dirty="0" smtClean="0"/>
-              <a:t>del automóvil</a:t>
+              <a:t>Fotos del interior o exterior del automóvil</a:t>
             </a:r>
           </a:p>
           <a:p>
@@ -4770,11 +5047,7 @@
             <a:pPr lvl="1"/>
             <a:r>
               <a:rPr lang="es-PE" dirty="0" smtClean="0"/>
-              <a:t>Servidor básico con </a:t>
-            </a:r>
-            <a:r>
-              <a:rPr lang="es-PE" dirty="0" smtClean="0"/>
-              <a:t>almacenamiento de imágenes</a:t>
+              <a:t>Servidor básico con almacenamiento de imágenes</a:t>
             </a:r>
             <a:endParaRPr lang="es-PE" dirty="0"/>
           </a:p>
@@ -5220,7 +5493,6 @@
               <a:rPr lang="es-PE" sz="4000" dirty="0" smtClean="0"/>
               <a:t>FUNCIONAMIENTO</a:t>
             </a:r>
-            <a:endParaRPr lang="es-PE" sz="4000" dirty="0" smtClean="0"/>
           </a:p>
           <a:p>
             <a:pPr marL="342900" indent="-342900">
@@ -5382,7 +5654,7 @@
         </p:nvSpPr>
         <p:spPr>
           <a:xfrm>
-            <a:off x="4769552" y="4212771"/>
+            <a:off x="4769552" y="4609810"/>
             <a:ext cx="6584247" cy="1964192"/>
           </a:xfrm>
         </p:spPr>
@@ -5465,7 +5737,7 @@
         </p:blipFill>
         <p:spPr>
           <a:xfrm>
-            <a:off x="5138761" y="1403900"/>
+            <a:off x="5798091" y="1102207"/>
             <a:ext cx="3265714" cy="2669694"/>
           </a:xfrm>
           <a:prstGeom prst="rect">
@@ -5481,8 +5753,8 @@
         </p:nvSpPr>
         <p:spPr>
           <a:xfrm rot="19935040">
-            <a:off x="3438567" y="2231810"/>
-            <a:ext cx="2027194" cy="1130143"/>
+            <a:off x="3377952" y="1986417"/>
+            <a:ext cx="3081279" cy="1130143"/>
           </a:xfrm>
           <a:prstGeom prst="curvedDownArrow">
             <a:avLst>
@@ -5566,7 +5838,7 @@
         </p:nvSpPr>
         <p:spPr>
           <a:xfrm>
-            <a:off x="4939342" y="2066440"/>
+            <a:off x="4606833" y="2066440"/>
             <a:ext cx="3556102" cy="707886"/>
           </a:xfrm>
           <a:prstGeom prst="rect">
@@ -5598,7 +5870,7 @@
         </p:nvSpPr>
         <p:spPr>
           <a:xfrm>
-            <a:off x="2090057" y="2131754"/>
+            <a:off x="1851072" y="2131754"/>
             <a:ext cx="2539293" cy="2423916"/>
           </a:xfrm>
           <a:prstGeom prst="roundRect">
@@ -5674,8 +5946,8 @@
         </p:nvSpPr>
         <p:spPr>
           <a:xfrm>
-            <a:off x="4939342" y="2774326"/>
-            <a:ext cx="7058535" cy="1815882"/>
+            <a:off x="4606833" y="2774326"/>
+            <a:ext cx="6156365" cy="1569660"/>
           </a:xfrm>
           <a:prstGeom prst="rect">
             <a:avLst/>
@@ -5693,14 +5965,14 @@
               <a:buChar char="•"/>
             </a:pPr>
             <a:r>
-              <a:rPr lang="es-PE" sz="2800" dirty="0" smtClean="0"/>
-              <a:t>Basado en el microcontrolador </a:t>
-            </a:r>
-            <a:r>
-              <a:rPr lang="es-PE" sz="2800" dirty="0" err="1" smtClean="0"/>
-              <a:t>ATMega</a:t>
-            </a:r>
-            <a:endParaRPr lang="es-PE" sz="2800" dirty="0"/>
+              <a:rPr lang="es-PE" sz="2400" dirty="0" smtClean="0"/>
+              <a:t>Basado en </a:t>
+            </a:r>
+            <a:r>
+              <a:rPr lang="es-PE" sz="2400" dirty="0" smtClean="0"/>
+              <a:t>un MICROCONTROLADOR</a:t>
+            </a:r>
+            <a:endParaRPr lang="es-PE" sz="2400" dirty="0"/>
           </a:p>
           <a:p>
             <a:pPr marL="571500" indent="-571500">
@@ -5708,7 +5980,7 @@
               <a:buChar char="•"/>
             </a:pPr>
             <a:r>
-              <a:rPr lang="es-PE" sz="2800" i="1" dirty="0" smtClean="0"/>
+              <a:rPr lang="es-PE" sz="2400" i="1" dirty="0" smtClean="0"/>
               <a:t> </a:t>
             </a:r>
           </a:p>
@@ -5718,14 +5990,14 @@
               <a:buChar char="•"/>
             </a:pPr>
             <a:r>
-              <a:rPr lang="es-PE" sz="2800" dirty="0" smtClean="0"/>
+              <a:rPr lang="es-PE" sz="2400" dirty="0" smtClean="0"/>
               <a:t> </a:t>
             </a:r>
-            <a:endParaRPr lang="es-PE" sz="2800" dirty="0"/>
-          </a:p>
-          <a:p>
-            <a:r>
-              <a:rPr lang="es-PE" sz="2800" dirty="0" smtClean="0"/>
+            <a:endParaRPr lang="es-PE" sz="2400" dirty="0"/>
+          </a:p>
+          <a:p>
+            <a:r>
+              <a:rPr lang="es-PE" sz="2400" dirty="0" smtClean="0"/>
               <a:t> </a:t>
             </a:r>
           </a:p>
@@ -5946,7 +6218,7 @@
   <a:extraClrSchemeLst/>
   <a:extLst>
     <a:ext uri="{05A4C25C-085E-4340-85A3-A5531E510DB2}">
-      <thm15:themeFamily xmlns:thm15="http://schemas.microsoft.com/office/thememl/2012/main" xmlns="" name="Office Theme" id="{62F939B6-93AF-4DB8-9C6B-D6C7DFDC589F}" vid="{4A3C46E8-61CC-4603-A589-7422A47A8E4A}"/>
+      <thm15:themeFamily xmlns:thm15="http://schemas.microsoft.com/office/thememl/2012/main" name="Office Theme" id="{62F939B6-93AF-4DB8-9C6B-D6C7DFDC589F}" vid="{4A3C46E8-61CC-4603-A589-7422A47A8E4A}"/>
     </a:ext>
   </a:extLst>
 </a:theme>

--- a/Telelocalización y Captura de Imágenes.pptx
+++ b/Telelocalización y Captura de Imágenes.pptx
@@ -15,9 +15,10 @@
     <p:sldId id="266" r:id="rId9"/>
     <p:sldId id="267" r:id="rId10"/>
     <p:sldId id="268" r:id="rId11"/>
-    <p:sldId id="269" r:id="rId12"/>
-    <p:sldId id="262" r:id="rId13"/>
-    <p:sldId id="263" r:id="rId14"/>
+    <p:sldId id="270" r:id="rId12"/>
+    <p:sldId id="269" r:id="rId13"/>
+    <p:sldId id="262" r:id="rId14"/>
+    <p:sldId id="263" r:id="rId15"/>
   </p:sldIdLst>
   <p:sldSz cx="12192000" cy="6858000"/>
   <p:notesSz cx="6858000" cy="9144000"/>
@@ -266,7 +267,7 @@
           <a:p>
             <a:fld id="{F3D66D49-C998-4448-A9A4-08248D17FD06}" type="datetimeFigureOut">
               <a:rPr lang="es-PE" smtClean="0"/>
-              <a:t>24/11/2015</a:t>
+              <a:t>26/11/2015</a:t>
             </a:fld>
             <a:endParaRPr lang="es-PE"/>
           </a:p>
@@ -436,7 +437,7 @@
           <a:p>
             <a:fld id="{F3D66D49-C998-4448-A9A4-08248D17FD06}" type="datetimeFigureOut">
               <a:rPr lang="es-PE" smtClean="0"/>
-              <a:t>24/11/2015</a:t>
+              <a:t>26/11/2015</a:t>
             </a:fld>
             <a:endParaRPr lang="es-PE"/>
           </a:p>
@@ -616,7 +617,7 @@
           <a:p>
             <a:fld id="{F3D66D49-C998-4448-A9A4-08248D17FD06}" type="datetimeFigureOut">
               <a:rPr lang="es-PE" smtClean="0"/>
-              <a:t>24/11/2015</a:t>
+              <a:t>26/11/2015</a:t>
             </a:fld>
             <a:endParaRPr lang="es-PE"/>
           </a:p>
@@ -786,7 +787,7 @@
           <a:p>
             <a:fld id="{F3D66D49-C998-4448-A9A4-08248D17FD06}" type="datetimeFigureOut">
               <a:rPr lang="es-PE" smtClean="0"/>
-              <a:t>24/11/2015</a:t>
+              <a:t>26/11/2015</a:t>
             </a:fld>
             <a:endParaRPr lang="es-PE"/>
           </a:p>
@@ -1032,7 +1033,7 @@
           <a:p>
             <a:fld id="{F3D66D49-C998-4448-A9A4-08248D17FD06}" type="datetimeFigureOut">
               <a:rPr lang="es-PE" smtClean="0"/>
-              <a:t>24/11/2015</a:t>
+              <a:t>26/11/2015</a:t>
             </a:fld>
             <a:endParaRPr lang="es-PE"/>
           </a:p>
@@ -1264,7 +1265,7 @@
           <a:p>
             <a:fld id="{F3D66D49-C998-4448-A9A4-08248D17FD06}" type="datetimeFigureOut">
               <a:rPr lang="es-PE" smtClean="0"/>
-              <a:t>24/11/2015</a:t>
+              <a:t>26/11/2015</a:t>
             </a:fld>
             <a:endParaRPr lang="es-PE"/>
           </a:p>
@@ -1631,7 +1632,7 @@
           <a:p>
             <a:fld id="{F3D66D49-C998-4448-A9A4-08248D17FD06}" type="datetimeFigureOut">
               <a:rPr lang="es-PE" smtClean="0"/>
-              <a:t>24/11/2015</a:t>
+              <a:t>26/11/2015</a:t>
             </a:fld>
             <a:endParaRPr lang="es-PE"/>
           </a:p>
@@ -1749,7 +1750,7 @@
           <a:p>
             <a:fld id="{F3D66D49-C998-4448-A9A4-08248D17FD06}" type="datetimeFigureOut">
               <a:rPr lang="es-PE" smtClean="0"/>
-              <a:t>24/11/2015</a:t>
+              <a:t>26/11/2015</a:t>
             </a:fld>
             <a:endParaRPr lang="es-PE"/>
           </a:p>
@@ -1844,7 +1845,7 @@
           <a:p>
             <a:fld id="{F3D66D49-C998-4448-A9A4-08248D17FD06}" type="datetimeFigureOut">
               <a:rPr lang="es-PE" smtClean="0"/>
-              <a:t>24/11/2015</a:t>
+              <a:t>26/11/2015</a:t>
             </a:fld>
             <a:endParaRPr lang="es-PE"/>
           </a:p>
@@ -2121,7 +2122,7 @@
           <a:p>
             <a:fld id="{F3D66D49-C998-4448-A9A4-08248D17FD06}" type="datetimeFigureOut">
               <a:rPr lang="es-PE" smtClean="0"/>
-              <a:t>24/11/2015</a:t>
+              <a:t>26/11/2015</a:t>
             </a:fld>
             <a:endParaRPr lang="es-PE"/>
           </a:p>
@@ -2374,7 +2375,7 @@
           <a:p>
             <a:fld id="{F3D66D49-C998-4448-A9A4-08248D17FD06}" type="datetimeFigureOut">
               <a:rPr lang="es-PE" smtClean="0"/>
-              <a:t>24/11/2015</a:t>
+              <a:t>26/11/2015</a:t>
             </a:fld>
             <a:endParaRPr lang="es-PE"/>
           </a:p>
@@ -2587,7 +2588,7 @@
           <a:p>
             <a:fld id="{F3D66D49-C998-4448-A9A4-08248D17FD06}" type="datetimeFigureOut">
               <a:rPr lang="es-PE" smtClean="0"/>
-              <a:t>24/11/2015</a:t>
+              <a:t>26/11/2015</a:t>
             </a:fld>
             <a:endParaRPr lang="es-PE"/>
           </a:p>
@@ -3098,8 +3099,8 @@
         </p:blipFill>
         <p:spPr>
           <a:xfrm rot="730320">
-            <a:off x="1903575" y="2055403"/>
-            <a:ext cx="2618220" cy="2505813"/>
+            <a:off x="2019109" y="1564887"/>
+            <a:ext cx="2677373" cy="2562426"/>
           </a:xfrm>
           <a:prstGeom prst="rect">
             <a:avLst/>
@@ -3129,9 +3130,103 @@
           </a:p>
         </p:txBody>
       </p:sp>
+      <p:sp>
+        <p:nvSpPr>
+          <p:cNvPr id="12" name="11 Marcador de contenido"/>
+          <p:cNvSpPr>
+            <a:spLocks noGrp="1"/>
+          </p:cNvSpPr>
+          <p:nvPr>
+            <p:ph idx="1"/>
+          </p:nvPr>
+        </p:nvSpPr>
+        <p:spPr>
+          <a:xfrm>
+            <a:off x="5804703" y="2040412"/>
+            <a:ext cx="5115008" cy="1611377"/>
+          </a:xfrm>
+          <a:solidFill>
+            <a:schemeClr val="bg1"/>
+          </a:solidFill>
+        </p:spPr>
+        <p:txBody>
+          <a:bodyPr>
+            <a:normAutofit fontScale="92500"/>
+          </a:bodyPr>
+          <a:lstStyle/>
+          <a:p>
+            <a:pPr>
+              <a:buFont typeface="Wingdings" panose="05000000000000000000" pitchFamily="2" charset="2"/>
+              <a:buChar char="§"/>
+            </a:pPr>
+            <a:r>
+              <a:rPr lang="es-ES" dirty="0" smtClean="0"/>
+              <a:t>Modem transmisor GSM/GPRS</a:t>
+            </a:r>
+          </a:p>
+          <a:p>
+            <a:pPr>
+              <a:buFont typeface="Wingdings" panose="05000000000000000000" pitchFamily="2" charset="2"/>
+              <a:buChar char="§"/>
+            </a:pPr>
+            <a:r>
+              <a:rPr lang="es-ES" dirty="0" smtClean="0"/>
+              <a:t>Tecnología 2G y 2.5G</a:t>
+            </a:r>
+          </a:p>
+          <a:p>
+            <a:pPr>
+              <a:buFont typeface="Wingdings" panose="05000000000000000000" pitchFamily="2" charset="2"/>
+              <a:buChar char="§"/>
+            </a:pPr>
+            <a:r>
+              <a:rPr lang="es-ES" dirty="0" smtClean="0"/>
+              <a:t>Velocidad de 56 a 114 Kbps</a:t>
+            </a:r>
+            <a:endParaRPr lang="es-ES" dirty="0"/>
+          </a:p>
+        </p:txBody>
+      </p:sp>
+      <p:cxnSp>
+        <p:nvCxnSpPr>
+          <p:cNvPr id="14" name="Conector recto 13"/>
+          <p:cNvCxnSpPr/>
+          <p:nvPr/>
+        </p:nvCxnSpPr>
+        <p:spPr>
+          <a:xfrm>
+            <a:off x="5370615" y="1795725"/>
+            <a:ext cx="0" cy="2100750"/>
+          </a:xfrm>
+          <a:prstGeom prst="line">
+            <a:avLst/>
+          </a:prstGeom>
+          <a:ln w="38100">
+            <a:solidFill>
+              <a:schemeClr val="bg1">
+                <a:lumMod val="65000"/>
+              </a:schemeClr>
+            </a:solidFill>
+          </a:ln>
+        </p:spPr>
+        <p:style>
+          <a:lnRef idx="1">
+            <a:schemeClr val="accent1"/>
+          </a:lnRef>
+          <a:fillRef idx="0">
+            <a:schemeClr val="accent1"/>
+          </a:fillRef>
+          <a:effectRef idx="0">
+            <a:schemeClr val="accent1"/>
+          </a:effectRef>
+          <a:fontRef idx="minor">
+            <a:schemeClr val="tx1"/>
+          </a:fontRef>
+        </p:style>
+      </p:cxnSp>
       <p:pic>
         <p:nvPicPr>
-          <p:cNvPr id="5" name="Imagen 4"/>
+          <p:cNvPr id="15" name="Imagen 14"/>
           <p:cNvPicPr>
             <a:picLocks noChangeAspect="1"/>
           </p:cNvPicPr>
@@ -3151,7 +3246,7 @@
         </p:blipFill>
         <p:spPr>
           <a:xfrm rot="1955264">
-            <a:off x="5057974" y="2582397"/>
+            <a:off x="2559040" y="4435806"/>
             <a:ext cx="2076052" cy="1726193"/>
           </a:xfrm>
           <a:prstGeom prst="rect">
@@ -3159,82 +3254,264 @@
           </a:prstGeom>
         </p:spPr>
       </p:pic>
-      <p:sp>
-        <p:nvSpPr>
-          <p:cNvPr id="12" name="11 Marcador de contenido"/>
-          <p:cNvSpPr>
-            <a:spLocks noGrp="1"/>
-          </p:cNvSpPr>
-          <p:nvPr>
-            <p:ph idx="1"/>
-          </p:nvPr>
-        </p:nvSpPr>
+      <p:cxnSp>
+        <p:nvCxnSpPr>
+          <p:cNvPr id="16" name="Conector recto 15"/>
+          <p:cNvCxnSpPr/>
+          <p:nvPr/>
+        </p:nvCxnSpPr>
         <p:spPr>
           <a:xfrm>
-            <a:off x="1327685" y="4986737"/>
-            <a:ext cx="7527955" cy="1281716"/>
+            <a:off x="5355275" y="4430824"/>
+            <a:ext cx="0" cy="1736157"/>
           </a:xfrm>
+          <a:prstGeom prst="line">
+            <a:avLst/>
+          </a:prstGeom>
+          <a:ln w="38100">
+            <a:solidFill>
+              <a:schemeClr val="bg1">
+                <a:lumMod val="65000"/>
+              </a:schemeClr>
+            </a:solidFill>
+          </a:ln>
+        </p:spPr>
+        <p:style>
+          <a:lnRef idx="1">
+            <a:schemeClr val="accent1"/>
+          </a:lnRef>
+          <a:fillRef idx="0">
+            <a:schemeClr val="accent1"/>
+          </a:fillRef>
+          <a:effectRef idx="0">
+            <a:schemeClr val="accent1"/>
+          </a:effectRef>
+          <a:fontRef idx="minor">
+            <a:schemeClr val="tx1"/>
+          </a:fontRef>
+        </p:style>
+      </p:cxnSp>
+      <p:sp>
+        <p:nvSpPr>
+          <p:cNvPr id="17" name="11 Marcador de contenido"/>
+          <p:cNvSpPr txBox="1">
+            <a:spLocks/>
+          </p:cNvSpPr>
+          <p:nvPr/>
+        </p:nvSpPr>
+        <p:spPr>
+          <a:xfrm>
+            <a:off x="5774022" y="4493213"/>
+            <a:ext cx="5115008" cy="1611377"/>
+          </a:xfrm>
+          <a:prstGeom prst="rect">
+            <a:avLst/>
+          </a:prstGeom>
           <a:solidFill>
             <a:schemeClr val="bg1"/>
           </a:solidFill>
         </p:spPr>
         <p:txBody>
-          <a:bodyPr/>
-          <a:lstStyle/>
-          <a:p>
+          <a:bodyPr vert="horz" lIns="91440" tIns="45720" rIns="91440" bIns="45720" rtlCol="0">
+            <a:normAutofit/>
+          </a:bodyPr>
+          <a:lstStyle>
+            <a:lvl1pPr marL="228600" indent="-228600" algn="l" defTabSz="914400" rtl="0" eaLnBrk="1" latinLnBrk="0" hangingPunct="1">
+              <a:lnSpc>
+                <a:spcPct val="90000"/>
+              </a:lnSpc>
+              <a:spcBef>
+                <a:spcPts val="1000"/>
+              </a:spcBef>
+              <a:buFont typeface="Arial" panose="020B0604020202020204" pitchFamily="34" charset="0"/>
+              <a:buChar char="•"/>
+              <a:defRPr sz="2800" kern="1200">
+                <a:solidFill>
+                  <a:schemeClr val="tx1"/>
+                </a:solidFill>
+                <a:latin typeface="+mn-lt"/>
+                <a:ea typeface="+mn-ea"/>
+                <a:cs typeface="+mn-cs"/>
+              </a:defRPr>
+            </a:lvl1pPr>
+            <a:lvl2pPr marL="685800" indent="-228600" algn="l" defTabSz="914400" rtl="0" eaLnBrk="1" latinLnBrk="0" hangingPunct="1">
+              <a:lnSpc>
+                <a:spcPct val="90000"/>
+              </a:lnSpc>
+              <a:spcBef>
+                <a:spcPts val="500"/>
+              </a:spcBef>
+              <a:buFont typeface="Arial" panose="020B0604020202020204" pitchFamily="34" charset="0"/>
+              <a:buChar char="•"/>
+              <a:defRPr sz="2400" kern="1200">
+                <a:solidFill>
+                  <a:schemeClr val="tx1"/>
+                </a:solidFill>
+                <a:latin typeface="+mn-lt"/>
+                <a:ea typeface="+mn-ea"/>
+                <a:cs typeface="+mn-cs"/>
+              </a:defRPr>
+            </a:lvl2pPr>
+            <a:lvl3pPr marL="1143000" indent="-228600" algn="l" defTabSz="914400" rtl="0" eaLnBrk="1" latinLnBrk="0" hangingPunct="1">
+              <a:lnSpc>
+                <a:spcPct val="90000"/>
+              </a:lnSpc>
+              <a:spcBef>
+                <a:spcPts val="500"/>
+              </a:spcBef>
+              <a:buFont typeface="Arial" panose="020B0604020202020204" pitchFamily="34" charset="0"/>
+              <a:buChar char="•"/>
+              <a:defRPr sz="2000" kern="1200">
+                <a:solidFill>
+                  <a:schemeClr val="tx1"/>
+                </a:solidFill>
+                <a:latin typeface="+mn-lt"/>
+                <a:ea typeface="+mn-ea"/>
+                <a:cs typeface="+mn-cs"/>
+              </a:defRPr>
+            </a:lvl3pPr>
+            <a:lvl4pPr marL="1600200" indent="-228600" algn="l" defTabSz="914400" rtl="0" eaLnBrk="1" latinLnBrk="0" hangingPunct="1">
+              <a:lnSpc>
+                <a:spcPct val="90000"/>
+              </a:lnSpc>
+              <a:spcBef>
+                <a:spcPts val="500"/>
+              </a:spcBef>
+              <a:buFont typeface="Arial" panose="020B0604020202020204" pitchFamily="34" charset="0"/>
+              <a:buChar char="•"/>
+              <a:defRPr sz="1800" kern="1200">
+                <a:solidFill>
+                  <a:schemeClr val="tx1"/>
+                </a:solidFill>
+                <a:latin typeface="+mn-lt"/>
+                <a:ea typeface="+mn-ea"/>
+                <a:cs typeface="+mn-cs"/>
+              </a:defRPr>
+            </a:lvl4pPr>
+            <a:lvl5pPr marL="2057400" indent="-228600" algn="l" defTabSz="914400" rtl="0" eaLnBrk="1" latinLnBrk="0" hangingPunct="1">
+              <a:lnSpc>
+                <a:spcPct val="90000"/>
+              </a:lnSpc>
+              <a:spcBef>
+                <a:spcPts val="500"/>
+              </a:spcBef>
+              <a:buFont typeface="Arial" panose="020B0604020202020204" pitchFamily="34" charset="0"/>
+              <a:buChar char="•"/>
+              <a:defRPr sz="1800" kern="1200">
+                <a:solidFill>
+                  <a:schemeClr val="tx1"/>
+                </a:solidFill>
+                <a:latin typeface="+mn-lt"/>
+                <a:ea typeface="+mn-ea"/>
+                <a:cs typeface="+mn-cs"/>
+              </a:defRPr>
+            </a:lvl5pPr>
+            <a:lvl6pPr marL="2514600" indent="-228600" algn="l" defTabSz="914400" rtl="0" eaLnBrk="1" latinLnBrk="0" hangingPunct="1">
+              <a:lnSpc>
+                <a:spcPct val="90000"/>
+              </a:lnSpc>
+              <a:spcBef>
+                <a:spcPts val="500"/>
+              </a:spcBef>
+              <a:buFont typeface="Arial" panose="020B0604020202020204" pitchFamily="34" charset="0"/>
+              <a:buChar char="•"/>
+              <a:defRPr sz="1800" kern="1200">
+                <a:solidFill>
+                  <a:schemeClr val="tx1"/>
+                </a:solidFill>
+                <a:latin typeface="+mn-lt"/>
+                <a:ea typeface="+mn-ea"/>
+                <a:cs typeface="+mn-cs"/>
+              </a:defRPr>
+            </a:lvl6pPr>
+            <a:lvl7pPr marL="2971800" indent="-228600" algn="l" defTabSz="914400" rtl="0" eaLnBrk="1" latinLnBrk="0" hangingPunct="1">
+              <a:lnSpc>
+                <a:spcPct val="90000"/>
+              </a:lnSpc>
+              <a:spcBef>
+                <a:spcPts val="500"/>
+              </a:spcBef>
+              <a:buFont typeface="Arial" panose="020B0604020202020204" pitchFamily="34" charset="0"/>
+              <a:buChar char="•"/>
+              <a:defRPr sz="1800" kern="1200">
+                <a:solidFill>
+                  <a:schemeClr val="tx1"/>
+                </a:solidFill>
+                <a:latin typeface="+mn-lt"/>
+                <a:ea typeface="+mn-ea"/>
+                <a:cs typeface="+mn-cs"/>
+              </a:defRPr>
+            </a:lvl7pPr>
+            <a:lvl8pPr marL="3429000" indent="-228600" algn="l" defTabSz="914400" rtl="0" eaLnBrk="1" latinLnBrk="0" hangingPunct="1">
+              <a:lnSpc>
+                <a:spcPct val="90000"/>
+              </a:lnSpc>
+              <a:spcBef>
+                <a:spcPts val="500"/>
+              </a:spcBef>
+              <a:buFont typeface="Arial" panose="020B0604020202020204" pitchFamily="34" charset="0"/>
+              <a:buChar char="•"/>
+              <a:defRPr sz="1800" kern="1200">
+                <a:solidFill>
+                  <a:schemeClr val="tx1"/>
+                </a:solidFill>
+                <a:latin typeface="+mn-lt"/>
+                <a:ea typeface="+mn-ea"/>
+                <a:cs typeface="+mn-cs"/>
+              </a:defRPr>
+            </a:lvl8pPr>
+            <a:lvl9pPr marL="3886200" indent="-228600" algn="l" defTabSz="914400" rtl="0" eaLnBrk="1" latinLnBrk="0" hangingPunct="1">
+              <a:lnSpc>
+                <a:spcPct val="90000"/>
+              </a:lnSpc>
+              <a:spcBef>
+                <a:spcPts val="500"/>
+              </a:spcBef>
+              <a:buFont typeface="Arial" panose="020B0604020202020204" pitchFamily="34" charset="0"/>
+              <a:buChar char="•"/>
+              <a:defRPr sz="1800" kern="1200">
+                <a:solidFill>
+                  <a:schemeClr val="tx1"/>
+                </a:solidFill>
+                <a:latin typeface="+mn-lt"/>
+                <a:ea typeface="+mn-ea"/>
+                <a:cs typeface="+mn-cs"/>
+              </a:defRPr>
+            </a:lvl9pPr>
+          </a:lstStyle>
+          <a:p>
+            <a:pPr>
+              <a:buFont typeface="Wingdings" panose="05000000000000000000" pitchFamily="2" charset="2"/>
+              <a:buChar char="§"/>
+            </a:pPr>
             <a:r>
               <a:rPr lang="es-ES" dirty="0" smtClean="0"/>
-              <a:t>Módulos </a:t>
-            </a:r>
+              <a:t>Receptor GPS</a:t>
+            </a:r>
+          </a:p>
+          <a:p>
+            <a:pPr>
+              <a:buFont typeface="Wingdings" panose="05000000000000000000" pitchFamily="2" charset="2"/>
+              <a:buChar char="§"/>
+            </a:pPr>
             <a:r>
               <a:rPr lang="es-ES" dirty="0" smtClean="0"/>
-              <a:t>electrónicos GSM/GPRS y GPS</a:t>
-            </a:r>
-            <a:endParaRPr lang="es-ES" dirty="0" smtClean="0"/>
-          </a:p>
-          <a:p>
+              <a:t>Decodifica datos de posición</a:t>
+            </a:r>
+          </a:p>
+          <a:p>
+            <a:pPr>
+              <a:buFont typeface="Wingdings" panose="05000000000000000000" pitchFamily="2" charset="2"/>
+              <a:buChar char="§"/>
+            </a:pPr>
             <a:r>
               <a:rPr lang="es-ES" dirty="0" smtClean="0"/>
-              <a:t>Sensor </a:t>
-            </a:r>
-            <a:r>
-              <a:rPr lang="es-ES" dirty="0" smtClean="0"/>
-              <a:t>magnético</a:t>
+              <a:t>Estándar NMEA</a:t>
             </a:r>
             <a:endParaRPr lang="es-ES" dirty="0"/>
           </a:p>
         </p:txBody>
       </p:sp>
-      <p:pic>
-        <p:nvPicPr>
-          <p:cNvPr id="13" name="Imagen 12"/>
-          <p:cNvPicPr>
-            <a:picLocks noChangeAspect="1"/>
-          </p:cNvPicPr>
-          <p:nvPr/>
-        </p:nvPicPr>
-        <p:blipFill>
-          <a:blip r:embed="rId4" cstate="print">
-            <a:extLst>
-              <a:ext uri="{28A0092B-C50C-407E-A947-70E740481C1C}">
-                <a14:useLocalDpi xmlns:a14="http://schemas.microsoft.com/office/drawing/2010/main" val="0"/>
-              </a:ext>
-            </a:extLst>
-          </a:blip>
-          <a:stretch>
-            <a:fillRect/>
-          </a:stretch>
-        </p:blipFill>
-        <p:spPr>
-          <a:xfrm>
-            <a:off x="8350566" y="2370672"/>
-            <a:ext cx="2081012" cy="2081012"/>
-          </a:xfrm>
-          <a:prstGeom prst="rect">
-            <a:avLst/>
-          </a:prstGeom>
-        </p:spPr>
-      </p:pic>
     </p:spTree>
     <p:extLst>
       <p:ext uri="{BB962C8B-B14F-4D97-AF65-F5344CB8AC3E}">
@@ -3274,174 +3551,62 @@
       </p:grpSpPr>
       <p:sp>
         <p:nvSpPr>
-          <p:cNvPr id="5" name="CuadroTexto 4"/>
-          <p:cNvSpPr txBox="1"/>
-          <p:nvPr/>
+          <p:cNvPr id="2" name="1 Título"/>
+          <p:cNvSpPr>
+            <a:spLocks noGrp="1"/>
+          </p:cNvSpPr>
+          <p:nvPr>
+            <p:ph type="title"/>
+          </p:nvPr>
+        </p:nvSpPr>
+        <p:spPr/>
+        <p:txBody>
+          <a:bodyPr/>
+          <a:lstStyle/>
+          <a:p>
+            <a:r>
+              <a:rPr lang="es-ES" dirty="0" smtClean="0"/>
+              <a:t>1. HARDWARE</a:t>
+            </a:r>
+            <a:endParaRPr lang="es-ES" dirty="0"/>
+          </a:p>
+        </p:txBody>
+      </p:sp>
+      <p:sp>
+        <p:nvSpPr>
+          <p:cNvPr id="12" name="11 Marcador de contenido"/>
+          <p:cNvSpPr>
+            <a:spLocks noGrp="1"/>
+          </p:cNvSpPr>
+          <p:nvPr>
+            <p:ph idx="1"/>
+          </p:nvPr>
         </p:nvSpPr>
         <p:spPr>
           <a:xfrm>
-            <a:off x="4606833" y="2066440"/>
-            <a:ext cx="3556102" cy="707886"/>
+            <a:off x="1296512" y="4706183"/>
+            <a:ext cx="7527955" cy="1281716"/>
           </a:xfrm>
-          <a:prstGeom prst="rect">
-            <a:avLst/>
-          </a:prstGeom>
-          <a:noFill/>
+          <a:solidFill>
+            <a:schemeClr val="bg1"/>
+          </a:solidFill>
         </p:spPr>
         <p:txBody>
-          <a:bodyPr wrap="none" rtlCol="0">
-            <a:spAutoFit/>
+          <a:bodyPr>
+            <a:normAutofit/>
           </a:bodyPr>
           <a:lstStyle/>
           <a:p>
-            <a:pPr marL="342900" indent="-342900">
-              <a:buAutoNum type="arabicPeriod"/>
-            </a:pPr>
-            <a:r>
-              <a:rPr lang="es-PE" sz="4000" dirty="0" smtClean="0"/>
-              <a:t>HARDWARE</a:t>
-            </a:r>
-          </a:p>
-        </p:txBody>
-      </p:sp>
-      <p:sp>
-        <p:nvSpPr>
-          <p:cNvPr id="15" name="14 Rectángulo redondeado"/>
-          <p:cNvSpPr/>
-          <p:nvPr/>
-        </p:nvSpPr>
-        <p:spPr>
-          <a:xfrm>
-            <a:off x="1851072" y="2131754"/>
-            <a:ext cx="2539293" cy="2423916"/>
-          </a:xfrm>
-          <a:prstGeom prst="roundRect">
-            <a:avLst/>
-          </a:prstGeom>
-          <a:noFill/>
-          <a:ln w="19050"/>
-        </p:spPr>
-        <p:style>
-          <a:lnRef idx="2">
-            <a:schemeClr val="accent1">
-              <a:shade val="50000"/>
-            </a:schemeClr>
-          </a:lnRef>
-          <a:fillRef idx="1">
-            <a:schemeClr val="accent1"/>
-          </a:fillRef>
-          <a:effectRef idx="0">
-            <a:schemeClr val="accent1"/>
-          </a:effectRef>
-          <a:fontRef idx="minor">
-            <a:schemeClr val="lt1"/>
-          </a:fontRef>
-        </p:style>
-        <p:txBody>
-          <a:bodyPr rtlCol="0" anchor="ctr"/>
-          <a:lstStyle/>
-          <a:p>
-            <a:pPr algn="ctr"/>
-            <a:r>
-              <a:rPr lang="es-ES" sz="3600" b="1" dirty="0" smtClean="0">
-                <a:solidFill>
-                  <a:srgbClr val="00B050"/>
-                </a:solidFill>
-              </a:rPr>
-              <a:t>Prototipo</a:t>
-            </a:r>
-          </a:p>
-          <a:p>
-            <a:pPr algn="ctr"/>
-            <a:r>
-              <a:rPr lang="es-ES" sz="3600" b="1" dirty="0" smtClean="0">
-                <a:solidFill>
-                  <a:schemeClr val="tx1"/>
-                </a:solidFill>
-              </a:rPr>
-              <a:t>+</a:t>
-            </a:r>
-          </a:p>
-          <a:p>
-            <a:pPr algn="ctr"/>
-            <a:r>
-              <a:rPr lang="es-ES" sz="3600" b="1" dirty="0" smtClean="0">
-                <a:solidFill>
-                  <a:srgbClr val="0070C0"/>
-                </a:solidFill>
-              </a:rPr>
-              <a:t>Servidor</a:t>
-            </a:r>
-            <a:endParaRPr lang="es-ES" sz="3600" b="1" dirty="0">
-              <a:solidFill>
-                <a:srgbClr val="0070C0"/>
-              </a:solidFill>
-            </a:endParaRPr>
-          </a:p>
-        </p:txBody>
-      </p:sp>
-      <p:sp>
-        <p:nvSpPr>
-          <p:cNvPr id="4" name="CuadroTexto 4"/>
-          <p:cNvSpPr txBox="1"/>
-          <p:nvPr/>
-        </p:nvSpPr>
-        <p:spPr>
-          <a:xfrm>
-            <a:off x="4606833" y="2774326"/>
-            <a:ext cx="6156365" cy="1569660"/>
-          </a:xfrm>
-          <a:prstGeom prst="rect">
-            <a:avLst/>
-          </a:prstGeom>
-          <a:noFill/>
-        </p:spPr>
-        <p:txBody>
-          <a:bodyPr wrap="none" rtlCol="0">
-            <a:spAutoFit/>
-          </a:bodyPr>
-          <a:lstStyle/>
-          <a:p>
-            <a:pPr marL="571500" indent="-571500">
-              <a:buFont typeface="Arial" pitchFamily="34" charset="0"/>
-              <a:buChar char="•"/>
-            </a:pPr>
-            <a:r>
-              <a:rPr lang="es-PE" sz="2400" dirty="0" smtClean="0"/>
-              <a:t>Basado en </a:t>
-            </a:r>
-            <a:r>
-              <a:rPr lang="es-PE" sz="2400" dirty="0" smtClean="0"/>
-              <a:t>un MICROCONTROLADOR</a:t>
-            </a:r>
-            <a:endParaRPr lang="es-PE" sz="2400" dirty="0"/>
-          </a:p>
-          <a:p>
-            <a:pPr marL="571500" indent="-571500">
-              <a:buFont typeface="Arial" pitchFamily="34" charset="0"/>
-              <a:buChar char="•"/>
-            </a:pPr>
-            <a:r>
-              <a:rPr lang="es-PE" sz="2400" dirty="0" smtClean="0"/>
-              <a:t>Empleo de MODULOS y SENSOR</a:t>
-            </a:r>
-            <a:endParaRPr lang="es-PE" sz="2400" i="1" dirty="0" smtClean="0"/>
-          </a:p>
-          <a:p>
-            <a:pPr marL="571500" indent="-571500">
-              <a:buFont typeface="Arial" pitchFamily="34" charset="0"/>
-              <a:buChar char="•"/>
-            </a:pPr>
-            <a:r>
-              <a:rPr lang="es-PE" sz="2400" dirty="0"/>
-              <a:t> </a:t>
-            </a:r>
-            <a:endParaRPr lang="es-PE" sz="2400" dirty="0"/>
-          </a:p>
-          <a:p>
-            <a:r>
-              <a:rPr lang="es-PE" sz="2400" dirty="0" smtClean="0"/>
-              <a:t> </a:t>
+            <a:r>
+              <a:rPr lang="es-ES" dirty="0" smtClean="0"/>
+              <a:t>Empleo de módulos electrónicos</a:t>
+            </a:r>
+            <a:endParaRPr lang="es-ES" dirty="0"/>
+          </a:p>
+          <a:p>
+            <a:r>
+              <a:rPr lang="es-ES" dirty="0" smtClean="0"/>
+              <a:t>Receptor GPS y transmisor GSM/GPRS</a:t>
             </a:r>
           </a:p>
         </p:txBody>
@@ -3449,7 +3614,7 @@
     </p:spTree>
     <p:extLst>
       <p:ext uri="{BB962C8B-B14F-4D97-AF65-F5344CB8AC3E}">
-        <p14:creationId xmlns:p14="http://schemas.microsoft.com/office/powerpoint/2010/main" val="2899903485"/>
+        <p14:creationId xmlns:p14="http://schemas.microsoft.com/office/powerpoint/2010/main" val="4001018398"/>
       </p:ext>
     </p:extLst>
   </p:cSld>
@@ -3485,6 +3650,206 @@
       </p:grpSpPr>
       <p:sp>
         <p:nvSpPr>
+          <p:cNvPr id="5" name="CuadroTexto 4"/>
+          <p:cNvSpPr txBox="1"/>
+          <p:nvPr/>
+        </p:nvSpPr>
+        <p:spPr>
+          <a:xfrm>
+            <a:off x="4606833" y="2066440"/>
+            <a:ext cx="3556102" cy="707886"/>
+          </a:xfrm>
+          <a:prstGeom prst="rect">
+            <a:avLst/>
+          </a:prstGeom>
+          <a:noFill/>
+        </p:spPr>
+        <p:txBody>
+          <a:bodyPr wrap="none" rtlCol="0">
+            <a:spAutoFit/>
+          </a:bodyPr>
+          <a:lstStyle/>
+          <a:p>
+            <a:pPr marL="342900" indent="-342900">
+              <a:buAutoNum type="arabicPeriod"/>
+            </a:pPr>
+            <a:r>
+              <a:rPr lang="es-PE" sz="4000" dirty="0" smtClean="0"/>
+              <a:t>HARDWARE</a:t>
+            </a:r>
+          </a:p>
+        </p:txBody>
+      </p:sp>
+      <p:sp>
+        <p:nvSpPr>
+          <p:cNvPr id="15" name="14 Rectángulo redondeado"/>
+          <p:cNvSpPr/>
+          <p:nvPr/>
+        </p:nvSpPr>
+        <p:spPr>
+          <a:xfrm>
+            <a:off x="1851072" y="2131754"/>
+            <a:ext cx="2539293" cy="2423916"/>
+          </a:xfrm>
+          <a:prstGeom prst="roundRect">
+            <a:avLst/>
+          </a:prstGeom>
+          <a:noFill/>
+          <a:ln w="19050"/>
+        </p:spPr>
+        <p:style>
+          <a:lnRef idx="2">
+            <a:schemeClr val="accent1">
+              <a:shade val="50000"/>
+            </a:schemeClr>
+          </a:lnRef>
+          <a:fillRef idx="1">
+            <a:schemeClr val="accent1"/>
+          </a:fillRef>
+          <a:effectRef idx="0">
+            <a:schemeClr val="accent1"/>
+          </a:effectRef>
+          <a:fontRef idx="minor">
+            <a:schemeClr val="lt1"/>
+          </a:fontRef>
+        </p:style>
+        <p:txBody>
+          <a:bodyPr rtlCol="0" anchor="ctr"/>
+          <a:lstStyle/>
+          <a:p>
+            <a:pPr algn="ctr"/>
+            <a:r>
+              <a:rPr lang="es-ES" sz="3600" b="1" dirty="0" smtClean="0">
+                <a:solidFill>
+                  <a:srgbClr val="00B050"/>
+                </a:solidFill>
+              </a:rPr>
+              <a:t>Prototipo</a:t>
+            </a:r>
+          </a:p>
+          <a:p>
+            <a:pPr algn="ctr"/>
+            <a:r>
+              <a:rPr lang="es-ES" sz="3600" b="1" dirty="0" smtClean="0">
+                <a:solidFill>
+                  <a:schemeClr val="tx1"/>
+                </a:solidFill>
+              </a:rPr>
+              <a:t>+</a:t>
+            </a:r>
+          </a:p>
+          <a:p>
+            <a:pPr algn="ctr"/>
+            <a:r>
+              <a:rPr lang="es-ES" sz="3600" b="1" dirty="0" smtClean="0">
+                <a:solidFill>
+                  <a:srgbClr val="0070C0"/>
+                </a:solidFill>
+              </a:rPr>
+              <a:t>Servidor</a:t>
+            </a:r>
+            <a:endParaRPr lang="es-ES" sz="3600" b="1" dirty="0">
+              <a:solidFill>
+                <a:srgbClr val="0070C0"/>
+              </a:solidFill>
+            </a:endParaRPr>
+          </a:p>
+        </p:txBody>
+      </p:sp>
+      <p:sp>
+        <p:nvSpPr>
+          <p:cNvPr id="4" name="CuadroTexto 4"/>
+          <p:cNvSpPr txBox="1"/>
+          <p:nvPr/>
+        </p:nvSpPr>
+        <p:spPr>
+          <a:xfrm>
+            <a:off x="4606833" y="2774326"/>
+            <a:ext cx="6850080" cy="1200329"/>
+          </a:xfrm>
+          <a:prstGeom prst="rect">
+            <a:avLst/>
+          </a:prstGeom>
+          <a:noFill/>
+        </p:spPr>
+        <p:txBody>
+          <a:bodyPr wrap="none" rtlCol="0">
+            <a:spAutoFit/>
+          </a:bodyPr>
+          <a:lstStyle/>
+          <a:p>
+            <a:pPr marL="571500" indent="-571500">
+              <a:buFont typeface="Arial" pitchFamily="34" charset="0"/>
+              <a:buChar char="•"/>
+            </a:pPr>
+            <a:r>
+              <a:rPr lang="es-PE" sz="2400" dirty="0" smtClean="0"/>
+              <a:t>Basado en un MICROCONTROLADOR</a:t>
+            </a:r>
+            <a:endParaRPr lang="es-PE" sz="2400" dirty="0"/>
+          </a:p>
+          <a:p>
+            <a:pPr marL="571500" indent="-571500">
+              <a:buFont typeface="Arial" pitchFamily="34" charset="0"/>
+              <a:buChar char="•"/>
+            </a:pPr>
+            <a:r>
+              <a:rPr lang="es-PE" sz="2400" dirty="0" smtClean="0"/>
+              <a:t>Empleo de </a:t>
+            </a:r>
+            <a:r>
+              <a:rPr lang="es-PE" sz="2400" dirty="0" smtClean="0"/>
+              <a:t>MODULOS receptor y transmisor</a:t>
+            </a:r>
+            <a:endParaRPr lang="es-PE" sz="2400" dirty="0"/>
+          </a:p>
+          <a:p>
+            <a:r>
+              <a:rPr lang="es-PE" sz="2400" dirty="0" smtClean="0"/>
+              <a:t> </a:t>
+            </a:r>
+          </a:p>
+        </p:txBody>
+      </p:sp>
+    </p:spTree>
+    <p:extLst>
+      <p:ext uri="{BB962C8B-B14F-4D97-AF65-F5344CB8AC3E}">
+        <p14:creationId xmlns:p14="http://schemas.microsoft.com/office/powerpoint/2010/main" val="2899903485"/>
+      </p:ext>
+    </p:extLst>
+  </p:cSld>
+  <p:clrMapOvr>
+    <a:masterClrMapping/>
+  </p:clrMapOvr>
+  <p:timing>
+    <p:tnLst>
+      <p:par>
+        <p:cTn id="1" dur="indefinite" restart="never" nodeType="tmRoot"/>
+      </p:par>
+    </p:tnLst>
+  </p:timing>
+</p:sld>
+</file>
+
+<file path=ppt/slides/slide13.xml><?xml version="1.0" encoding="utf-8"?>
+<p:sld xmlns:a="http://schemas.openxmlformats.org/drawingml/2006/main" xmlns:r="http://schemas.openxmlformats.org/officeDocument/2006/relationships" xmlns:p="http://schemas.openxmlformats.org/presentationml/2006/main">
+  <p:cSld>
+    <p:spTree>
+      <p:nvGrpSpPr>
+        <p:cNvPr id="1" name=""/>
+        <p:cNvGrpSpPr/>
+        <p:nvPr/>
+      </p:nvGrpSpPr>
+      <p:grpSpPr>
+        <a:xfrm>
+          <a:off x="0" y="0"/>
+          <a:ext cx="0" cy="0"/>
+          <a:chOff x="0" y="0"/>
+          <a:chExt cx="0" cy="0"/>
+        </a:xfrm>
+      </p:grpSpPr>
+      <p:sp>
+        <p:nvSpPr>
           <p:cNvPr id="4" name="Título 3"/>
           <p:cNvSpPr>
             <a:spLocks noGrp="1"/>
@@ -3545,7 +3910,7 @@
 </p:sld>
 </file>
 
-<file path=ppt/slides/slide13.xml><?xml version="1.0" encoding="utf-8"?>
+<file path=ppt/slides/slide14.xml><?xml version="1.0" encoding="utf-8"?>
 <p:sld xmlns:a="http://schemas.openxmlformats.org/drawingml/2006/main" xmlns:r="http://schemas.openxmlformats.org/officeDocument/2006/relationships" xmlns:p="http://schemas.openxmlformats.org/presentationml/2006/main">
   <p:cSld>
     <p:spTree>
@@ -5966,11 +6331,7 @@
             </a:pPr>
             <a:r>
               <a:rPr lang="es-PE" sz="2400" dirty="0" smtClean="0"/>
-              <a:t>Basado en </a:t>
-            </a:r>
-            <a:r>
-              <a:rPr lang="es-PE" sz="2400" dirty="0" smtClean="0"/>
-              <a:t>un MICROCONTROLADOR</a:t>
+              <a:t>Basado en un MICROCONTROLADOR</a:t>
             </a:r>
             <a:endParaRPr lang="es-PE" sz="2400" dirty="0"/>
           </a:p>

--- a/Telelocalización y Captura de Imágenes.pptx
+++ b/Telelocalización y Captura de Imágenes.pptx
@@ -12,13 +12,16 @@
     <p:sldId id="265" r:id="rId6"/>
     <p:sldId id="259" r:id="rId7"/>
     <p:sldId id="264" r:id="rId8"/>
-    <p:sldId id="266" r:id="rId9"/>
+    <p:sldId id="271" r:id="rId9"/>
     <p:sldId id="267" r:id="rId10"/>
-    <p:sldId id="268" r:id="rId11"/>
-    <p:sldId id="270" r:id="rId12"/>
-    <p:sldId id="269" r:id="rId13"/>
-    <p:sldId id="262" r:id="rId14"/>
-    <p:sldId id="263" r:id="rId15"/>
+    <p:sldId id="266" r:id="rId11"/>
+    <p:sldId id="269" r:id="rId12"/>
+    <p:sldId id="273" r:id="rId13"/>
+    <p:sldId id="268" r:id="rId14"/>
+    <p:sldId id="274" r:id="rId15"/>
+    <p:sldId id="272" r:id="rId16"/>
+    <p:sldId id="262" r:id="rId17"/>
+    <p:sldId id="263" r:id="rId18"/>
   </p:sldIdLst>
   <p:sldSz cx="12192000" cy="6858000"/>
   <p:notesSz cx="6858000" cy="9144000"/>
@@ -267,7 +270,7 @@
           <a:p>
             <a:fld id="{F3D66D49-C998-4448-A9A4-08248D17FD06}" type="datetimeFigureOut">
               <a:rPr lang="es-PE" smtClean="0"/>
-              <a:t>26/11/2015</a:t>
+              <a:t>02/12/2015</a:t>
             </a:fld>
             <a:endParaRPr lang="es-PE"/>
           </a:p>
@@ -437,7 +440,7 @@
           <a:p>
             <a:fld id="{F3D66D49-C998-4448-A9A4-08248D17FD06}" type="datetimeFigureOut">
               <a:rPr lang="es-PE" smtClean="0"/>
-              <a:t>26/11/2015</a:t>
+              <a:t>02/12/2015</a:t>
             </a:fld>
             <a:endParaRPr lang="es-PE"/>
           </a:p>
@@ -617,7 +620,7 @@
           <a:p>
             <a:fld id="{F3D66D49-C998-4448-A9A4-08248D17FD06}" type="datetimeFigureOut">
               <a:rPr lang="es-PE" smtClean="0"/>
-              <a:t>26/11/2015</a:t>
+              <a:t>02/12/2015</a:t>
             </a:fld>
             <a:endParaRPr lang="es-PE"/>
           </a:p>
@@ -787,7 +790,7 @@
           <a:p>
             <a:fld id="{F3D66D49-C998-4448-A9A4-08248D17FD06}" type="datetimeFigureOut">
               <a:rPr lang="es-PE" smtClean="0"/>
-              <a:t>26/11/2015</a:t>
+              <a:t>02/12/2015</a:t>
             </a:fld>
             <a:endParaRPr lang="es-PE"/>
           </a:p>
@@ -1033,7 +1036,7 @@
           <a:p>
             <a:fld id="{F3D66D49-C998-4448-A9A4-08248D17FD06}" type="datetimeFigureOut">
               <a:rPr lang="es-PE" smtClean="0"/>
-              <a:t>26/11/2015</a:t>
+              <a:t>02/12/2015</a:t>
             </a:fld>
             <a:endParaRPr lang="es-PE"/>
           </a:p>
@@ -1265,7 +1268,7 @@
           <a:p>
             <a:fld id="{F3D66D49-C998-4448-A9A4-08248D17FD06}" type="datetimeFigureOut">
               <a:rPr lang="es-PE" smtClean="0"/>
-              <a:t>26/11/2015</a:t>
+              <a:t>02/12/2015</a:t>
             </a:fld>
             <a:endParaRPr lang="es-PE"/>
           </a:p>
@@ -1632,7 +1635,7 @@
           <a:p>
             <a:fld id="{F3D66D49-C998-4448-A9A4-08248D17FD06}" type="datetimeFigureOut">
               <a:rPr lang="es-PE" smtClean="0"/>
-              <a:t>26/11/2015</a:t>
+              <a:t>02/12/2015</a:t>
             </a:fld>
             <a:endParaRPr lang="es-PE"/>
           </a:p>
@@ -1750,7 +1753,7 @@
           <a:p>
             <a:fld id="{F3D66D49-C998-4448-A9A4-08248D17FD06}" type="datetimeFigureOut">
               <a:rPr lang="es-PE" smtClean="0"/>
-              <a:t>26/11/2015</a:t>
+              <a:t>02/12/2015</a:t>
             </a:fld>
             <a:endParaRPr lang="es-PE"/>
           </a:p>
@@ -1845,7 +1848,7 @@
           <a:p>
             <a:fld id="{F3D66D49-C998-4448-A9A4-08248D17FD06}" type="datetimeFigureOut">
               <a:rPr lang="es-PE" smtClean="0"/>
-              <a:t>26/11/2015</a:t>
+              <a:t>02/12/2015</a:t>
             </a:fld>
             <a:endParaRPr lang="es-PE"/>
           </a:p>
@@ -2122,7 +2125,7 @@
           <a:p>
             <a:fld id="{F3D66D49-C998-4448-A9A4-08248D17FD06}" type="datetimeFigureOut">
               <a:rPr lang="es-PE" smtClean="0"/>
-              <a:t>26/11/2015</a:t>
+              <a:t>02/12/2015</a:t>
             </a:fld>
             <a:endParaRPr lang="es-PE"/>
           </a:p>
@@ -2375,7 +2378,7 @@
           <a:p>
             <a:fld id="{F3D66D49-C998-4448-A9A4-08248D17FD06}" type="datetimeFigureOut">
               <a:rPr lang="es-PE" smtClean="0"/>
-              <a:t>26/11/2015</a:t>
+              <a:t>02/12/2015</a:t>
             </a:fld>
             <a:endParaRPr lang="es-PE"/>
           </a:p>
@@ -2588,7 +2591,7 @@
           <a:p>
             <a:fld id="{F3D66D49-C998-4448-A9A4-08248D17FD06}" type="datetimeFigureOut">
               <a:rPr lang="es-PE" smtClean="0"/>
-              <a:t>26/11/2015</a:t>
+              <a:t>02/12/2015</a:t>
             </a:fld>
             <a:endParaRPr lang="es-PE"/>
           </a:p>
@@ -3078,6 +3081,679 @@
           <a:chExt cx="0" cy="0"/>
         </a:xfrm>
       </p:grpSpPr>
+      <p:sp>
+        <p:nvSpPr>
+          <p:cNvPr id="2" name="1 Título"/>
+          <p:cNvSpPr>
+            <a:spLocks noGrp="1"/>
+          </p:cNvSpPr>
+          <p:nvPr>
+            <p:ph type="title"/>
+          </p:nvPr>
+        </p:nvSpPr>
+        <p:spPr/>
+        <p:txBody>
+          <a:bodyPr/>
+          <a:lstStyle/>
+          <a:p>
+            <a:r>
+              <a:rPr lang="es-ES" dirty="0" smtClean="0"/>
+              <a:t>1. HARDWARE</a:t>
+            </a:r>
+            <a:endParaRPr lang="es-ES" dirty="0"/>
+          </a:p>
+        </p:txBody>
+      </p:sp>
+      <p:sp>
+        <p:nvSpPr>
+          <p:cNvPr id="12" name="11 Marcador de contenido"/>
+          <p:cNvSpPr>
+            <a:spLocks noGrp="1"/>
+          </p:cNvSpPr>
+          <p:nvPr>
+            <p:ph idx="1"/>
+          </p:nvPr>
+        </p:nvSpPr>
+        <p:spPr>
+          <a:xfrm>
+            <a:off x="4769553" y="4968792"/>
+            <a:ext cx="6584247" cy="1188317"/>
+          </a:xfrm>
+        </p:spPr>
+        <p:txBody>
+          <a:bodyPr/>
+          <a:lstStyle/>
+          <a:p>
+            <a:r>
+              <a:rPr lang="es-ES" dirty="0" smtClean="0"/>
+              <a:t>Plataforma de desarrollo</a:t>
+            </a:r>
+          </a:p>
+          <a:p>
+            <a:r>
+              <a:rPr lang="es-ES" dirty="0" smtClean="0"/>
+              <a:t>Microcontrolador </a:t>
+            </a:r>
+            <a:r>
+              <a:rPr lang="es-ES" dirty="0" err="1" smtClean="0"/>
+              <a:t>Atmel</a:t>
+            </a:r>
+            <a:r>
+              <a:rPr lang="es-ES" dirty="0" smtClean="0"/>
+              <a:t> ATMega328</a:t>
+            </a:r>
+            <a:endParaRPr lang="es-ES" dirty="0"/>
+          </a:p>
+        </p:txBody>
+      </p:sp>
+      <p:pic>
+        <p:nvPicPr>
+          <p:cNvPr id="4" name="3 Imagen"/>
+          <p:cNvPicPr>
+            <a:picLocks noChangeAspect="1"/>
+          </p:cNvPicPr>
+          <p:nvPr/>
+        </p:nvPicPr>
+        <p:blipFill>
+          <a:blip r:embed="rId2" cstate="print">
+            <a:extLst>
+              <a:ext uri="{28A0092B-C50C-407E-A947-70E740481C1C}">
+                <a14:useLocalDpi xmlns:a14="http://schemas.microsoft.com/office/drawing/2010/main" val="0"/>
+              </a:ext>
+            </a:extLst>
+          </a:blip>
+          <a:stretch>
+            <a:fillRect/>
+          </a:stretch>
+        </p:blipFill>
+        <p:spPr>
+          <a:xfrm>
+            <a:off x="2406235" y="2890578"/>
+            <a:ext cx="3042767" cy="2366032"/>
+          </a:xfrm>
+          <a:prstGeom prst="rect">
+            <a:avLst/>
+          </a:prstGeom>
+        </p:spPr>
+      </p:pic>
+      <p:pic>
+        <p:nvPicPr>
+          <p:cNvPr id="6" name="5 Imagen"/>
+          <p:cNvPicPr>
+            <a:picLocks noChangeAspect="1"/>
+          </p:cNvPicPr>
+          <p:nvPr/>
+        </p:nvPicPr>
+        <p:blipFill rotWithShape="1">
+          <a:blip r:embed="rId3" cstate="print">
+            <a:extLst>
+              <a:ext uri="{28A0092B-C50C-407E-A947-70E740481C1C}">
+                <a14:useLocalDpi xmlns:a14="http://schemas.microsoft.com/office/drawing/2010/main" val="0"/>
+              </a:ext>
+            </a:extLst>
+          </a:blip>
+          <a:srcRect b="18251"/>
+          <a:stretch/>
+        </p:blipFill>
+        <p:spPr>
+          <a:xfrm>
+            <a:off x="5798091" y="1102207"/>
+            <a:ext cx="3265714" cy="2669694"/>
+          </a:xfrm>
+          <a:prstGeom prst="rect">
+            <a:avLst/>
+          </a:prstGeom>
+        </p:spPr>
+      </p:pic>
+      <p:sp>
+        <p:nvSpPr>
+          <p:cNvPr id="10" name="9 Flecha curvada hacia abajo"/>
+          <p:cNvSpPr/>
+          <p:nvPr/>
+        </p:nvSpPr>
+        <p:spPr>
+          <a:xfrm rot="19935040">
+            <a:off x="3377952" y="1986417"/>
+            <a:ext cx="3081279" cy="1130143"/>
+          </a:xfrm>
+          <a:prstGeom prst="curvedDownArrow">
+            <a:avLst>
+              <a:gd name="adj1" fmla="val 19996"/>
+              <a:gd name="adj2" fmla="val 42314"/>
+              <a:gd name="adj3" fmla="val 34561"/>
+            </a:avLst>
+          </a:prstGeom>
+        </p:spPr>
+        <p:style>
+          <a:lnRef idx="2">
+            <a:schemeClr val="accent1">
+              <a:shade val="50000"/>
+            </a:schemeClr>
+          </a:lnRef>
+          <a:fillRef idx="1">
+            <a:schemeClr val="accent1"/>
+          </a:fillRef>
+          <a:effectRef idx="0">
+            <a:schemeClr val="accent1"/>
+          </a:effectRef>
+          <a:fontRef idx="minor">
+            <a:schemeClr val="lt1"/>
+          </a:fontRef>
+        </p:style>
+        <p:txBody>
+          <a:bodyPr rtlCol="0" anchor="ctr"/>
+          <a:lstStyle/>
+          <a:p>
+            <a:pPr algn="ctr"/>
+            <a:endParaRPr lang="es-ES">
+              <a:solidFill>
+                <a:schemeClr val="tx1"/>
+              </a:solidFill>
+            </a:endParaRPr>
+          </a:p>
+        </p:txBody>
+      </p:sp>
+    </p:spTree>
+    <p:extLst>
+      <p:ext uri="{BB962C8B-B14F-4D97-AF65-F5344CB8AC3E}">
+        <p14:creationId xmlns:p14="http://schemas.microsoft.com/office/powerpoint/2010/main" val="470410634"/>
+      </p:ext>
+    </p:extLst>
+  </p:cSld>
+  <p:clrMapOvr>
+    <a:masterClrMapping/>
+  </p:clrMapOvr>
+  <p:timing>
+    <p:tnLst>
+      <p:par>
+        <p:cTn id="1" dur="indefinite" restart="never" nodeType="tmRoot"/>
+      </p:par>
+    </p:tnLst>
+  </p:timing>
+</p:sld>
+</file>
+
+<file path=ppt/slides/slide11.xml><?xml version="1.0" encoding="utf-8"?>
+<p:sld xmlns:a="http://schemas.openxmlformats.org/drawingml/2006/main" xmlns:r="http://schemas.openxmlformats.org/officeDocument/2006/relationships" xmlns:p="http://schemas.openxmlformats.org/presentationml/2006/main">
+  <p:cSld>
+    <p:spTree>
+      <p:nvGrpSpPr>
+        <p:cNvPr id="1" name=""/>
+        <p:cNvGrpSpPr/>
+        <p:nvPr/>
+      </p:nvGrpSpPr>
+      <p:grpSpPr>
+        <a:xfrm>
+          <a:off x="0" y="0"/>
+          <a:ext cx="0" cy="0"/>
+          <a:chOff x="0" y="0"/>
+          <a:chExt cx="0" cy="0"/>
+        </a:xfrm>
+      </p:grpSpPr>
+      <p:sp>
+        <p:nvSpPr>
+          <p:cNvPr id="5" name="CuadroTexto 4"/>
+          <p:cNvSpPr txBox="1"/>
+          <p:nvPr/>
+        </p:nvSpPr>
+        <p:spPr>
+          <a:xfrm>
+            <a:off x="4606833" y="2066440"/>
+            <a:ext cx="3556102" cy="707886"/>
+          </a:xfrm>
+          <a:prstGeom prst="rect">
+            <a:avLst/>
+          </a:prstGeom>
+          <a:noFill/>
+        </p:spPr>
+        <p:txBody>
+          <a:bodyPr wrap="none" rtlCol="0">
+            <a:spAutoFit/>
+          </a:bodyPr>
+          <a:lstStyle/>
+          <a:p>
+            <a:pPr marL="342900" indent="-342900">
+              <a:buAutoNum type="arabicPeriod"/>
+            </a:pPr>
+            <a:r>
+              <a:rPr lang="es-PE" sz="4000" dirty="0" smtClean="0"/>
+              <a:t>HARDWARE</a:t>
+            </a:r>
+          </a:p>
+        </p:txBody>
+      </p:sp>
+      <p:sp>
+        <p:nvSpPr>
+          <p:cNvPr id="15" name="14 Rectángulo redondeado"/>
+          <p:cNvSpPr/>
+          <p:nvPr/>
+        </p:nvSpPr>
+        <p:spPr>
+          <a:xfrm>
+            <a:off x="1851072" y="2131754"/>
+            <a:ext cx="2539293" cy="2423916"/>
+          </a:xfrm>
+          <a:prstGeom prst="roundRect">
+            <a:avLst/>
+          </a:prstGeom>
+          <a:noFill/>
+          <a:ln w="19050"/>
+        </p:spPr>
+        <p:style>
+          <a:lnRef idx="2">
+            <a:schemeClr val="accent1">
+              <a:shade val="50000"/>
+            </a:schemeClr>
+          </a:lnRef>
+          <a:fillRef idx="1">
+            <a:schemeClr val="accent1"/>
+          </a:fillRef>
+          <a:effectRef idx="0">
+            <a:schemeClr val="accent1"/>
+          </a:effectRef>
+          <a:fontRef idx="minor">
+            <a:schemeClr val="lt1"/>
+          </a:fontRef>
+        </p:style>
+        <p:txBody>
+          <a:bodyPr rtlCol="0" anchor="ctr"/>
+          <a:lstStyle/>
+          <a:p>
+            <a:pPr algn="ctr"/>
+            <a:r>
+              <a:rPr lang="es-ES" sz="3600" b="1" dirty="0" smtClean="0">
+                <a:solidFill>
+                  <a:srgbClr val="00B050"/>
+                </a:solidFill>
+              </a:rPr>
+              <a:t>Prototipo</a:t>
+            </a:r>
+          </a:p>
+          <a:p>
+            <a:pPr algn="ctr"/>
+            <a:r>
+              <a:rPr lang="es-ES" sz="3600" b="1" dirty="0" smtClean="0">
+                <a:solidFill>
+                  <a:schemeClr val="tx1"/>
+                </a:solidFill>
+              </a:rPr>
+              <a:t>+</a:t>
+            </a:r>
+          </a:p>
+          <a:p>
+            <a:pPr algn="ctr"/>
+            <a:r>
+              <a:rPr lang="es-ES" sz="3600" b="1" dirty="0" smtClean="0">
+                <a:solidFill>
+                  <a:srgbClr val="0070C0"/>
+                </a:solidFill>
+              </a:rPr>
+              <a:t>Servidor</a:t>
+            </a:r>
+            <a:endParaRPr lang="es-ES" sz="3600" b="1" dirty="0">
+              <a:solidFill>
+                <a:srgbClr val="0070C0"/>
+              </a:solidFill>
+            </a:endParaRPr>
+          </a:p>
+        </p:txBody>
+      </p:sp>
+      <p:sp>
+        <p:nvSpPr>
+          <p:cNvPr id="4" name="CuadroTexto 4"/>
+          <p:cNvSpPr txBox="1"/>
+          <p:nvPr/>
+        </p:nvSpPr>
+        <p:spPr>
+          <a:xfrm>
+            <a:off x="4606833" y="2774326"/>
+            <a:ext cx="6156365" cy="1200329"/>
+          </a:xfrm>
+          <a:prstGeom prst="rect">
+            <a:avLst/>
+          </a:prstGeom>
+          <a:noFill/>
+        </p:spPr>
+        <p:txBody>
+          <a:bodyPr wrap="none" rtlCol="0">
+            <a:spAutoFit/>
+          </a:bodyPr>
+          <a:lstStyle/>
+          <a:p>
+            <a:pPr marL="571500" indent="-571500">
+              <a:buFont typeface="Arial" pitchFamily="34" charset="0"/>
+              <a:buChar char="•"/>
+            </a:pPr>
+            <a:r>
+              <a:rPr lang="es-PE" sz="2400" dirty="0" smtClean="0"/>
+              <a:t>Diseño MODULAR</a:t>
+            </a:r>
+            <a:endParaRPr lang="es-PE" sz="2400" dirty="0"/>
+          </a:p>
+          <a:p>
+            <a:pPr marL="571500" indent="-571500">
+              <a:buFont typeface="Arial" pitchFamily="34" charset="0"/>
+              <a:buChar char="•"/>
+            </a:pPr>
+            <a:r>
+              <a:rPr lang="es-PE" sz="2400" dirty="0"/>
+              <a:t>Basado en un MICROCONTROLADOR</a:t>
+            </a:r>
+          </a:p>
+          <a:p>
+            <a:pPr marL="571500" indent="-571500">
+              <a:buFont typeface="Arial" pitchFamily="34" charset="0"/>
+              <a:buChar char="•"/>
+            </a:pPr>
+            <a:r>
+              <a:rPr lang="es-PE" sz="2400" dirty="0" smtClean="0"/>
+              <a:t> </a:t>
+            </a:r>
+            <a:endParaRPr lang="es-PE" sz="2400" dirty="0"/>
+          </a:p>
+        </p:txBody>
+      </p:sp>
+    </p:spTree>
+    <p:extLst>
+      <p:ext uri="{BB962C8B-B14F-4D97-AF65-F5344CB8AC3E}">
+        <p14:creationId xmlns:p14="http://schemas.microsoft.com/office/powerpoint/2010/main" val="2899903485"/>
+      </p:ext>
+    </p:extLst>
+  </p:cSld>
+  <p:clrMapOvr>
+    <a:masterClrMapping/>
+  </p:clrMapOvr>
+  <p:timing>
+    <p:tnLst>
+      <p:par>
+        <p:cTn id="1" dur="indefinite" restart="never" nodeType="tmRoot"/>
+      </p:par>
+    </p:tnLst>
+  </p:timing>
+</p:sld>
+</file>
+
+<file path=ppt/slides/slide12.xml><?xml version="1.0" encoding="utf-8"?>
+<p:sld xmlns:a="http://schemas.openxmlformats.org/drawingml/2006/main" xmlns:r="http://schemas.openxmlformats.org/officeDocument/2006/relationships" xmlns:p="http://schemas.openxmlformats.org/presentationml/2006/main">
+  <p:cSld>
+    <p:spTree>
+      <p:nvGrpSpPr>
+        <p:cNvPr id="1" name=""/>
+        <p:cNvGrpSpPr/>
+        <p:nvPr/>
+      </p:nvGrpSpPr>
+      <p:grpSpPr>
+        <a:xfrm>
+          <a:off x="0" y="0"/>
+          <a:ext cx="0" cy="0"/>
+          <a:chOff x="0" y="0"/>
+          <a:chExt cx="0" cy="0"/>
+        </a:xfrm>
+      </p:grpSpPr>
+      <p:sp>
+        <p:nvSpPr>
+          <p:cNvPr id="2" name="1 Título"/>
+          <p:cNvSpPr>
+            <a:spLocks noGrp="1"/>
+          </p:cNvSpPr>
+          <p:nvPr>
+            <p:ph type="title"/>
+          </p:nvPr>
+        </p:nvSpPr>
+        <p:spPr/>
+        <p:txBody>
+          <a:bodyPr/>
+          <a:lstStyle/>
+          <a:p>
+            <a:r>
+              <a:rPr lang="es-ES" dirty="0" smtClean="0"/>
+              <a:t>1. HARDWARE</a:t>
+            </a:r>
+            <a:endParaRPr lang="es-ES" dirty="0"/>
+          </a:p>
+        </p:txBody>
+      </p:sp>
+      <p:sp>
+        <p:nvSpPr>
+          <p:cNvPr id="3" name="Marcador de contenido 2"/>
+          <p:cNvSpPr>
+            <a:spLocks noGrp="1"/>
+          </p:cNvSpPr>
+          <p:nvPr>
+            <p:ph idx="1"/>
+          </p:nvPr>
+        </p:nvSpPr>
+        <p:spPr/>
+        <p:txBody>
+          <a:bodyPr/>
+          <a:lstStyle/>
+          <a:p>
+            <a:r>
+              <a:rPr lang="es-PE" dirty="0" smtClean="0"/>
+              <a:t>Receptor GPS</a:t>
+            </a:r>
+          </a:p>
+          <a:p>
+            <a:r>
+              <a:rPr lang="es-PE" dirty="0" smtClean="0"/>
+              <a:t>Transmisor GSM/GPRS</a:t>
+            </a:r>
+            <a:endParaRPr lang="es-PE" dirty="0"/>
+          </a:p>
+        </p:txBody>
+      </p:sp>
+      <p:pic>
+        <p:nvPicPr>
+          <p:cNvPr id="7" name="Imagen 6"/>
+          <p:cNvPicPr>
+            <a:picLocks noChangeAspect="1"/>
+          </p:cNvPicPr>
+          <p:nvPr/>
+        </p:nvPicPr>
+        <p:blipFill>
+          <a:blip r:embed="rId2" cstate="print">
+            <a:extLst>
+              <a:ext uri="{28A0092B-C50C-407E-A947-70E740481C1C}">
+                <a14:useLocalDpi xmlns:a14="http://schemas.microsoft.com/office/drawing/2010/main" val="0"/>
+              </a:ext>
+            </a:extLst>
+          </a:blip>
+          <a:stretch>
+            <a:fillRect/>
+          </a:stretch>
+        </p:blipFill>
+        <p:spPr>
+          <a:xfrm>
+            <a:off x="1314290" y="3240821"/>
+            <a:ext cx="1096560" cy="1096560"/>
+          </a:xfrm>
+          <a:prstGeom prst="rect">
+            <a:avLst/>
+          </a:prstGeom>
+          <a:scene3d>
+            <a:camera prst="orthographicFront">
+              <a:rot lat="0" lon="0" rev="6300000"/>
+            </a:camera>
+            <a:lightRig rig="threePt" dir="t"/>
+          </a:scene3d>
+        </p:spPr>
+      </p:pic>
+      <p:sp>
+        <p:nvSpPr>
+          <p:cNvPr id="8" name="Rectángulo redondeado 7"/>
+          <p:cNvSpPr/>
+          <p:nvPr/>
+        </p:nvSpPr>
+        <p:spPr>
+          <a:xfrm>
+            <a:off x="4900864" y="4685878"/>
+            <a:ext cx="1925052" cy="1046748"/>
+          </a:xfrm>
+          <a:prstGeom prst="roundRect">
+            <a:avLst/>
+          </a:prstGeom>
+          <a:ln w="34925">
+            <a:solidFill>
+              <a:srgbClr val="FFFFFF"/>
+            </a:solidFill>
+          </a:ln>
+          <a:effectLst>
+            <a:outerShdw blurRad="317500" dir="2700000" algn="ctr">
+              <a:srgbClr val="000000">
+                <a:alpha val="43000"/>
+              </a:srgbClr>
+            </a:outerShdw>
+          </a:effectLst>
+          <a:scene3d>
+            <a:camera prst="perspectiveFront" fov="2700000">
+              <a:rot lat="19086000" lon="19067999" rev="3108000"/>
+            </a:camera>
+            <a:lightRig rig="threePt" dir="t">
+              <a:rot lat="0" lon="0" rev="0"/>
+            </a:lightRig>
+          </a:scene3d>
+          <a:sp3d extrusionH="38100" prstMaterial="clear">
+            <a:bevelT w="260350" h="50800" prst="softRound"/>
+            <a:bevelB prst="softRound"/>
+          </a:sp3d>
+        </p:spPr>
+        <p:style>
+          <a:lnRef idx="2">
+            <a:schemeClr val="accent1">
+              <a:shade val="50000"/>
+            </a:schemeClr>
+          </a:lnRef>
+          <a:fillRef idx="1">
+            <a:schemeClr val="accent1"/>
+          </a:fillRef>
+          <a:effectRef idx="0">
+            <a:schemeClr val="accent1"/>
+          </a:effectRef>
+          <a:fontRef idx="minor">
+            <a:schemeClr val="lt1"/>
+          </a:fontRef>
+        </p:style>
+        <p:txBody>
+          <a:bodyPr rtlCol="0" anchor="ctr"/>
+          <a:lstStyle/>
+          <a:p>
+            <a:pPr algn="ctr"/>
+            <a:r>
+              <a:rPr lang="es-PE" dirty="0" smtClean="0"/>
+              <a:t>Prototipo</a:t>
+            </a:r>
+          </a:p>
+        </p:txBody>
+      </p:sp>
+      <p:cxnSp>
+        <p:nvCxnSpPr>
+          <p:cNvPr id="11" name="Conector recto de flecha 10"/>
+          <p:cNvCxnSpPr/>
+          <p:nvPr/>
+        </p:nvCxnSpPr>
+        <p:spPr>
+          <a:xfrm>
+            <a:off x="2767263" y="4113728"/>
+            <a:ext cx="2249586" cy="1009363"/>
+          </a:xfrm>
+          <a:prstGeom prst="straightConnector1">
+            <a:avLst/>
+          </a:prstGeom>
+          <a:ln>
+            <a:solidFill>
+              <a:schemeClr val="tx1"/>
+            </a:solidFill>
+            <a:tailEnd type="triangle"/>
+          </a:ln>
+        </p:spPr>
+        <p:style>
+          <a:lnRef idx="1">
+            <a:schemeClr val="accent1"/>
+          </a:lnRef>
+          <a:fillRef idx="0">
+            <a:schemeClr val="accent1"/>
+          </a:fillRef>
+          <a:effectRef idx="0">
+            <a:schemeClr val="accent1"/>
+          </a:effectRef>
+          <a:fontRef idx="minor">
+            <a:schemeClr val="tx1"/>
+          </a:fontRef>
+        </p:style>
+      </p:cxnSp>
+      <p:cxnSp>
+        <p:nvCxnSpPr>
+          <p:cNvPr id="14" name="Conector recto de flecha 13"/>
+          <p:cNvCxnSpPr/>
+          <p:nvPr/>
+        </p:nvCxnSpPr>
+        <p:spPr>
+          <a:xfrm flipV="1">
+            <a:off x="6825916" y="4685878"/>
+            <a:ext cx="1732547" cy="409075"/>
+          </a:xfrm>
+          <a:prstGeom prst="straightConnector1">
+            <a:avLst/>
+          </a:prstGeom>
+          <a:ln>
+            <a:solidFill>
+              <a:schemeClr val="tx1"/>
+            </a:solidFill>
+            <a:tailEnd type="triangle"/>
+          </a:ln>
+        </p:spPr>
+        <p:style>
+          <a:lnRef idx="1">
+            <a:schemeClr val="accent1"/>
+          </a:lnRef>
+          <a:fillRef idx="0">
+            <a:schemeClr val="accent1"/>
+          </a:fillRef>
+          <a:effectRef idx="0">
+            <a:schemeClr val="accent1"/>
+          </a:effectRef>
+          <a:fontRef idx="minor">
+            <a:schemeClr val="tx1"/>
+          </a:fontRef>
+        </p:style>
+      </p:cxnSp>
+    </p:spTree>
+    <p:extLst>
+      <p:ext uri="{BB962C8B-B14F-4D97-AF65-F5344CB8AC3E}">
+        <p14:creationId xmlns:p14="http://schemas.microsoft.com/office/powerpoint/2010/main" val="442165108"/>
+      </p:ext>
+    </p:extLst>
+  </p:cSld>
+  <p:clrMapOvr>
+    <a:masterClrMapping/>
+  </p:clrMapOvr>
+  <p:timing>
+    <p:tnLst>
+      <p:par>
+        <p:cTn id="1" dur="indefinite" restart="never" nodeType="tmRoot"/>
+      </p:par>
+    </p:tnLst>
+  </p:timing>
+</p:sld>
+</file>
+
+<file path=ppt/slides/slide13.xml><?xml version="1.0" encoding="utf-8"?>
+<p:sld xmlns:a="http://schemas.openxmlformats.org/drawingml/2006/main" xmlns:r="http://schemas.openxmlformats.org/officeDocument/2006/relationships" xmlns:p="http://schemas.openxmlformats.org/presentationml/2006/main">
+  <p:cSld>
+    <p:spTree>
+      <p:nvGrpSpPr>
+        <p:cNvPr id="1" name=""/>
+        <p:cNvGrpSpPr/>
+        <p:nvPr/>
+      </p:nvGrpSpPr>
+      <p:grpSpPr>
+        <a:xfrm>
+          <a:off x="0" y="0"/>
+          <a:ext cx="0" cy="0"/>
+          <a:chOff x="0" y="0"/>
+          <a:chExt cx="0" cy="0"/>
+        </a:xfrm>
+      </p:grpSpPr>
       <p:pic>
         <p:nvPicPr>
           <p:cNvPr id="8" name="Imagen 7"/>
@@ -3532,106 +4208,7 @@
 </p:sld>
 </file>
 
-<file path=ppt/slides/slide11.xml><?xml version="1.0" encoding="utf-8"?>
-<p:sld xmlns:a="http://schemas.openxmlformats.org/drawingml/2006/main" xmlns:r="http://schemas.openxmlformats.org/officeDocument/2006/relationships" xmlns:p="http://schemas.openxmlformats.org/presentationml/2006/main">
-  <p:cSld>
-    <p:spTree>
-      <p:nvGrpSpPr>
-        <p:cNvPr id="1" name=""/>
-        <p:cNvGrpSpPr/>
-        <p:nvPr/>
-      </p:nvGrpSpPr>
-      <p:grpSpPr>
-        <a:xfrm>
-          <a:off x="0" y="0"/>
-          <a:ext cx="0" cy="0"/>
-          <a:chOff x="0" y="0"/>
-          <a:chExt cx="0" cy="0"/>
-        </a:xfrm>
-      </p:grpSpPr>
-      <p:sp>
-        <p:nvSpPr>
-          <p:cNvPr id="2" name="1 Título"/>
-          <p:cNvSpPr>
-            <a:spLocks noGrp="1"/>
-          </p:cNvSpPr>
-          <p:nvPr>
-            <p:ph type="title"/>
-          </p:nvPr>
-        </p:nvSpPr>
-        <p:spPr/>
-        <p:txBody>
-          <a:bodyPr/>
-          <a:lstStyle/>
-          <a:p>
-            <a:r>
-              <a:rPr lang="es-ES" dirty="0" smtClean="0"/>
-              <a:t>1. HARDWARE</a:t>
-            </a:r>
-            <a:endParaRPr lang="es-ES" dirty="0"/>
-          </a:p>
-        </p:txBody>
-      </p:sp>
-      <p:sp>
-        <p:nvSpPr>
-          <p:cNvPr id="12" name="11 Marcador de contenido"/>
-          <p:cNvSpPr>
-            <a:spLocks noGrp="1"/>
-          </p:cNvSpPr>
-          <p:nvPr>
-            <p:ph idx="1"/>
-          </p:nvPr>
-        </p:nvSpPr>
-        <p:spPr>
-          <a:xfrm>
-            <a:off x="1296512" y="4706183"/>
-            <a:ext cx="7527955" cy="1281716"/>
-          </a:xfrm>
-          <a:solidFill>
-            <a:schemeClr val="bg1"/>
-          </a:solidFill>
-        </p:spPr>
-        <p:txBody>
-          <a:bodyPr>
-            <a:normAutofit/>
-          </a:bodyPr>
-          <a:lstStyle/>
-          <a:p>
-            <a:r>
-              <a:rPr lang="es-ES" dirty="0" smtClean="0"/>
-              <a:t>Empleo de módulos electrónicos</a:t>
-            </a:r>
-            <a:endParaRPr lang="es-ES" dirty="0"/>
-          </a:p>
-          <a:p>
-            <a:r>
-              <a:rPr lang="es-ES" dirty="0" smtClean="0"/>
-              <a:t>Receptor GPS y transmisor GSM/GPRS</a:t>
-            </a:r>
-          </a:p>
-        </p:txBody>
-      </p:sp>
-    </p:spTree>
-    <p:extLst>
-      <p:ext uri="{BB962C8B-B14F-4D97-AF65-F5344CB8AC3E}">
-        <p14:creationId xmlns:p14="http://schemas.microsoft.com/office/powerpoint/2010/main" val="4001018398"/>
-      </p:ext>
-    </p:extLst>
-  </p:cSld>
-  <p:clrMapOvr>
-    <a:masterClrMapping/>
-  </p:clrMapOvr>
-  <p:timing>
-    <p:tnLst>
-      <p:par>
-        <p:cTn id="1" dur="indefinite" restart="never" nodeType="tmRoot"/>
-      </p:par>
-    </p:tnLst>
-  </p:timing>
-</p:sld>
-</file>
-
-<file path=ppt/slides/slide12.xml><?xml version="1.0" encoding="utf-8"?>
+<file path=ppt/slides/slide14.xml><?xml version="1.0" encoding="utf-8"?>
 <p:sld xmlns:a="http://schemas.openxmlformats.org/drawingml/2006/main" xmlns:r="http://schemas.openxmlformats.org/officeDocument/2006/relationships" xmlns:p="http://schemas.openxmlformats.org/presentationml/2006/main">
   <p:cSld>
     <p:spTree>
@@ -3765,7 +4342,7 @@
         <p:spPr>
           <a:xfrm>
             <a:off x="4606833" y="2774326"/>
-            <a:ext cx="6850080" cy="1200329"/>
+            <a:ext cx="6332311" cy="1569660"/>
           </a:xfrm>
           <a:prstGeom prst="rect">
             <a:avLst/>
@@ -3784,7 +4361,7 @@
             </a:pPr>
             <a:r>
               <a:rPr lang="es-PE" sz="2400" dirty="0" smtClean="0"/>
-              <a:t>Basado en un MICROCONTROLADOR</a:t>
+              <a:t>Diseño MODULAR</a:t>
             </a:r>
             <a:endParaRPr lang="es-PE" sz="2400" dirty="0"/>
           </a:p>
@@ -3794,27 +4371,33 @@
               <a:buChar char="•"/>
             </a:pPr>
             <a:r>
+              <a:rPr lang="es-PE" sz="2400" dirty="0"/>
+              <a:t>Basado en un MICROCONTROLADOR</a:t>
+            </a:r>
+          </a:p>
+          <a:p>
+            <a:pPr marL="571500" indent="-571500">
+              <a:buFont typeface="Arial" pitchFamily="34" charset="0"/>
+              <a:buChar char="•"/>
+            </a:pPr>
+            <a:r>
               <a:rPr lang="es-PE" sz="2400" dirty="0" smtClean="0"/>
-              <a:t>Empleo de </a:t>
-            </a:r>
-            <a:r>
-              <a:rPr lang="es-PE" sz="2400" dirty="0" smtClean="0"/>
-              <a:t>MODULOS receptor y transmisor</a:t>
-            </a:r>
+              <a:t>Receptor GPS y transmisor GSM/GPRS</a:t>
+            </a:r>
+          </a:p>
+          <a:p>
+            <a:pPr marL="571500" indent="-571500">
+              <a:buFont typeface="Arial" pitchFamily="34" charset="0"/>
+              <a:buChar char="•"/>
+            </a:pPr>
             <a:endParaRPr lang="es-PE" sz="2400" dirty="0"/>
-          </a:p>
-          <a:p>
-            <a:r>
-              <a:rPr lang="es-PE" sz="2400" dirty="0" smtClean="0"/>
-              <a:t> </a:t>
-            </a:r>
           </a:p>
         </p:txBody>
       </p:sp>
     </p:spTree>
     <p:extLst>
       <p:ext uri="{BB962C8B-B14F-4D97-AF65-F5344CB8AC3E}">
-        <p14:creationId xmlns:p14="http://schemas.microsoft.com/office/powerpoint/2010/main" val="2899903485"/>
+        <p14:creationId xmlns:p14="http://schemas.microsoft.com/office/powerpoint/2010/main" val="1729308610"/>
       </p:ext>
     </p:extLst>
   </p:cSld>
@@ -3831,7 +4414,101 @@
 </p:sld>
 </file>
 
-<file path=ppt/slides/slide13.xml><?xml version="1.0" encoding="utf-8"?>
+<file path=ppt/slides/slide15.xml><?xml version="1.0" encoding="utf-8"?>
+<p:sld xmlns:a="http://schemas.openxmlformats.org/drawingml/2006/main" xmlns:r="http://schemas.openxmlformats.org/officeDocument/2006/relationships" xmlns:p="http://schemas.openxmlformats.org/presentationml/2006/main">
+  <p:cSld>
+    <p:spTree>
+      <p:nvGrpSpPr>
+        <p:cNvPr id="1" name=""/>
+        <p:cNvGrpSpPr/>
+        <p:nvPr/>
+      </p:nvGrpSpPr>
+      <p:grpSpPr>
+        <a:xfrm>
+          <a:off x="0" y="0"/>
+          <a:ext cx="0" cy="0"/>
+          <a:chOff x="0" y="0"/>
+          <a:chExt cx="0" cy="0"/>
+        </a:xfrm>
+      </p:grpSpPr>
+      <p:sp>
+        <p:nvSpPr>
+          <p:cNvPr id="2" name="1 Título"/>
+          <p:cNvSpPr>
+            <a:spLocks noGrp="1"/>
+          </p:cNvSpPr>
+          <p:nvPr>
+            <p:ph type="title"/>
+          </p:nvPr>
+        </p:nvSpPr>
+        <p:spPr/>
+        <p:txBody>
+          <a:bodyPr/>
+          <a:lstStyle/>
+          <a:p>
+            <a:r>
+              <a:rPr lang="es-ES" dirty="0" smtClean="0"/>
+              <a:t>1. HARDWARE</a:t>
+            </a:r>
+            <a:endParaRPr lang="es-ES" dirty="0"/>
+          </a:p>
+        </p:txBody>
+      </p:sp>
+      <p:sp>
+        <p:nvSpPr>
+          <p:cNvPr id="3" name="Marcador de contenido 2"/>
+          <p:cNvSpPr>
+            <a:spLocks noGrp="1"/>
+          </p:cNvSpPr>
+          <p:nvPr>
+            <p:ph idx="1"/>
+          </p:nvPr>
+        </p:nvSpPr>
+        <p:spPr/>
+        <p:txBody>
+          <a:bodyPr/>
+          <a:lstStyle/>
+          <a:p>
+            <a:r>
+              <a:rPr lang="es-PE" dirty="0" smtClean="0"/>
+              <a:t>Empleo de una </a:t>
+            </a:r>
+            <a:r>
+              <a:rPr lang="es-PE" dirty="0" smtClean="0"/>
+              <a:t>CAMARA IR serial</a:t>
+            </a:r>
+            <a:endParaRPr lang="es-PE" dirty="0" smtClean="0"/>
+          </a:p>
+          <a:p>
+            <a:r>
+              <a:rPr lang="es-PE" dirty="0" smtClean="0"/>
+              <a:t>Conexión de un Sensor magnético</a:t>
+            </a:r>
+            <a:endParaRPr lang="es-PE" dirty="0"/>
+          </a:p>
+        </p:txBody>
+      </p:sp>
+    </p:spTree>
+    <p:extLst>
+      <p:ext uri="{BB962C8B-B14F-4D97-AF65-F5344CB8AC3E}">
+        <p14:creationId xmlns:p14="http://schemas.microsoft.com/office/powerpoint/2010/main" val="945995512"/>
+      </p:ext>
+    </p:extLst>
+  </p:cSld>
+  <p:clrMapOvr>
+    <a:masterClrMapping/>
+  </p:clrMapOvr>
+  <p:timing>
+    <p:tnLst>
+      <p:par>
+        <p:cTn id="1" dur="indefinite" restart="never" nodeType="tmRoot"/>
+      </p:par>
+    </p:tnLst>
+  </p:timing>
+</p:sld>
+</file>
+
+<file path=ppt/slides/slide16.xml><?xml version="1.0" encoding="utf-8"?>
 <p:sld xmlns:a="http://schemas.openxmlformats.org/drawingml/2006/main" xmlns:r="http://schemas.openxmlformats.org/officeDocument/2006/relationships" xmlns:p="http://schemas.openxmlformats.org/presentationml/2006/main">
   <p:cSld>
     <p:spTree>
@@ -3910,7 +4587,7 @@
 </p:sld>
 </file>
 
-<file path=ppt/slides/slide14.xml><?xml version="1.0" encoding="utf-8"?>
+<file path=ppt/slides/slide17.xml><?xml version="1.0" encoding="utf-8"?>
 <p:sld xmlns:a="http://schemas.openxmlformats.org/drawingml/2006/main" xmlns:r="http://schemas.openxmlformats.org/officeDocument/2006/relationships" xmlns:p="http://schemas.openxmlformats.org/presentationml/2006/main">
   <p:cSld>
     <p:spTree>
@@ -6009,7 +6686,7 @@
       </p:sp>
       <p:sp>
         <p:nvSpPr>
-          <p:cNvPr id="12" name="11 Marcador de contenido"/>
+          <p:cNvPr id="3" name="Marcador de contenido 2"/>
           <p:cNvSpPr>
             <a:spLocks noGrp="1"/>
           </p:cNvSpPr>
@@ -6019,115 +6696,71 @@
         </p:nvSpPr>
         <p:spPr>
           <a:xfrm>
-            <a:off x="4769552" y="4609810"/>
-            <a:ext cx="6584247" cy="1964192"/>
+            <a:off x="838201" y="1859606"/>
+            <a:ext cx="4718130" cy="4351338"/>
           </a:xfrm>
         </p:spPr>
         <p:txBody>
           <a:bodyPr/>
           <a:lstStyle/>
           <a:p>
-            <a:pPr algn="r"/>
-            <a:r>
-              <a:rPr lang="es-ES" dirty="0" smtClean="0"/>
-              <a:t>Plataforma de desarrollo</a:t>
-            </a:r>
-          </a:p>
-          <a:p>
-            <a:pPr algn="r"/>
-            <a:r>
-              <a:rPr lang="es-ES" dirty="0" smtClean="0"/>
-              <a:t>Microcontrolador </a:t>
-            </a:r>
-            <a:r>
-              <a:rPr lang="es-ES" dirty="0" err="1" smtClean="0"/>
-              <a:t>Atmel</a:t>
-            </a:r>
-            <a:r>
-              <a:rPr lang="es-ES" dirty="0" smtClean="0"/>
-              <a:t> ATMega328</a:t>
-            </a:r>
-            <a:endParaRPr lang="es-ES" dirty="0"/>
-          </a:p>
-        </p:txBody>
-      </p:sp>
-      <p:pic>
-        <p:nvPicPr>
-          <p:cNvPr id="4" name="3 Imagen"/>
-          <p:cNvPicPr>
-            <a:picLocks noChangeAspect="1"/>
-          </p:cNvPicPr>
+            <a:r>
+              <a:rPr lang="es-PE" dirty="0" smtClean="0"/>
+              <a:t>Diseño </a:t>
+            </a:r>
+            <a:r>
+              <a:rPr lang="es-PE" dirty="0" smtClean="0"/>
+              <a:t>MODULAR</a:t>
+            </a:r>
+          </a:p>
+          <a:p>
+            <a:r>
+              <a:rPr lang="es-PE" dirty="0" smtClean="0"/>
+              <a:t>Permite actualizar cada parte por separado</a:t>
+            </a:r>
+            <a:endParaRPr lang="es-PE" dirty="0" smtClean="0"/>
+          </a:p>
+        </p:txBody>
+      </p:sp>
+      <p:sp>
+        <p:nvSpPr>
+          <p:cNvPr id="4" name="Rectángulo redondeado 3"/>
+          <p:cNvSpPr/>
           <p:nvPr/>
-        </p:nvPicPr>
-        <p:blipFill>
-          <a:blip r:embed="rId2" cstate="print">
-            <a:extLst>
-              <a:ext uri="{28A0092B-C50C-407E-A947-70E740481C1C}">
-                <a14:useLocalDpi xmlns:a14="http://schemas.microsoft.com/office/drawing/2010/main" val="0"/>
-              </a:ext>
-            </a:extLst>
-          </a:blip>
-          <a:stretch>
-            <a:fillRect/>
-          </a:stretch>
-        </p:blipFill>
+        </p:nvSpPr>
         <p:spPr>
           <a:xfrm>
-            <a:off x="2406235" y="2890578"/>
-            <a:ext cx="3042767" cy="2366032"/>
+            <a:off x="2740289" y="4889899"/>
+            <a:ext cx="3645565" cy="951588"/>
           </a:xfrm>
-          <a:prstGeom prst="rect">
+          <a:prstGeom prst="roundRect">
             <a:avLst/>
           </a:prstGeom>
-        </p:spPr>
-      </p:pic>
-      <p:pic>
-        <p:nvPicPr>
-          <p:cNvPr id="6" name="5 Imagen"/>
-          <p:cNvPicPr>
-            <a:picLocks noChangeAspect="1"/>
-          </p:cNvPicPr>
-          <p:nvPr/>
-        </p:nvPicPr>
-        <p:blipFill rotWithShape="1">
-          <a:blip r:embed="rId3" cstate="print">
-            <a:extLst>
-              <a:ext uri="{28A0092B-C50C-407E-A947-70E740481C1C}">
-                <a14:useLocalDpi xmlns:a14="http://schemas.microsoft.com/office/drawing/2010/main" val="0"/>
-              </a:ext>
-            </a:extLst>
-          </a:blip>
-          <a:srcRect b="18251"/>
-          <a:stretch/>
-        </p:blipFill>
-        <p:spPr>
-          <a:xfrm>
-            <a:off x="5798091" y="1102207"/>
-            <a:ext cx="3265714" cy="2669694"/>
-          </a:xfrm>
-          <a:prstGeom prst="rect">
-            <a:avLst/>
-          </a:prstGeom>
-        </p:spPr>
-      </p:pic>
-      <p:sp>
-        <p:nvSpPr>
-          <p:cNvPr id="10" name="9 Flecha curvada hacia abajo"/>
-          <p:cNvSpPr/>
-          <p:nvPr/>
-        </p:nvSpPr>
-        <p:spPr>
-          <a:xfrm rot="19935040">
-            <a:off x="3377952" y="1986417"/>
-            <a:ext cx="3081279" cy="1130143"/>
-          </a:xfrm>
-          <a:prstGeom prst="curvedDownArrow">
-            <a:avLst>
-              <a:gd name="adj1" fmla="val 19996"/>
-              <a:gd name="adj2" fmla="val 42314"/>
-              <a:gd name="adj3" fmla="val 34561"/>
-            </a:avLst>
-          </a:prstGeom>
+          <a:solidFill>
+            <a:schemeClr val="accent1">
+              <a:lumMod val="75000"/>
+            </a:schemeClr>
+          </a:solidFill>
+          <a:ln>
+            <a:solidFill>
+              <a:schemeClr val="bg1">
+                <a:lumMod val="50000"/>
+              </a:schemeClr>
+            </a:solidFill>
+          </a:ln>
+          <a:scene3d>
+            <a:camera prst="perspectiveRelaxedModerately"/>
+            <a:lightRig rig="threePt" dir="t"/>
+          </a:scene3d>
+          <a:sp3d extrusionH="63500">
+            <a:bevelT w="107950"/>
+            <a:bevelB/>
+            <a:extrusionClr>
+              <a:schemeClr val="bg1">
+                <a:lumMod val="50000"/>
+              </a:schemeClr>
+            </a:extrusionClr>
+          </a:sp3d>
         </p:spPr>
         <p:style>
           <a:lnRef idx="2">
@@ -6150,7 +6783,88 @@
           <a:lstStyle/>
           <a:p>
             <a:pPr algn="ctr"/>
-            <a:endParaRPr lang="es-ES">
+            <a:r>
+              <a:rPr lang="es-PE" sz="2000" dirty="0" smtClean="0">
+                <a:solidFill>
+                  <a:schemeClr val="tx1"/>
+                </a:solidFill>
+              </a:rPr>
+              <a:t>PLATAFORMA</a:t>
+            </a:r>
+          </a:p>
+        </p:txBody>
+      </p:sp>
+      <p:sp>
+        <p:nvSpPr>
+          <p:cNvPr id="13" name="Rectángulo redondeado 12"/>
+          <p:cNvSpPr/>
+          <p:nvPr/>
+        </p:nvSpPr>
+        <p:spPr>
+          <a:xfrm>
+            <a:off x="4137956" y="4181591"/>
+            <a:ext cx="3080084" cy="951588"/>
+          </a:xfrm>
+          <a:prstGeom prst="roundRect">
+            <a:avLst/>
+          </a:prstGeom>
+          <a:solidFill>
+            <a:schemeClr val="accent6">
+              <a:lumMod val="60000"/>
+              <a:lumOff val="40000"/>
+            </a:schemeClr>
+          </a:solidFill>
+          <a:ln>
+            <a:solidFill>
+              <a:schemeClr val="accent6">
+                <a:lumMod val="50000"/>
+              </a:schemeClr>
+            </a:solidFill>
+          </a:ln>
+          <a:scene3d>
+            <a:camera prst="perspectiveRelaxedModerately"/>
+            <a:lightRig rig="threePt" dir="t"/>
+          </a:scene3d>
+          <a:sp3d extrusionH="63500">
+            <a:bevelT w="107950"/>
+            <a:bevelB/>
+            <a:extrusionClr>
+              <a:schemeClr val="accent6">
+                <a:lumMod val="75000"/>
+              </a:schemeClr>
+            </a:extrusionClr>
+          </a:sp3d>
+        </p:spPr>
+        <p:style>
+          <a:lnRef idx="2">
+            <a:schemeClr val="accent1">
+              <a:shade val="50000"/>
+            </a:schemeClr>
+          </a:lnRef>
+          <a:fillRef idx="1">
+            <a:schemeClr val="accent1"/>
+          </a:fillRef>
+          <a:effectRef idx="0">
+            <a:schemeClr val="accent1"/>
+          </a:effectRef>
+          <a:fontRef idx="minor">
+            <a:schemeClr val="lt1"/>
+          </a:fontRef>
+        </p:style>
+        <p:txBody>
+          <a:bodyPr rtlCol="0" anchor="ctr"/>
+          <a:lstStyle/>
+          <a:p>
+            <a:pPr algn="ctr"/>
+            <a:r>
+              <a:rPr lang="es-PE" sz="2000" dirty="0" smtClean="0">
+                <a:solidFill>
+                  <a:schemeClr val="tx1"/>
+                </a:solidFill>
+              </a:rPr>
+              <a:t>RECEPTOR</a:t>
+            </a:r>
+            <a:endParaRPr lang="es-PE" sz="2000" dirty="0">
               <a:solidFill>
                 <a:schemeClr val="tx1"/>
               </a:solidFill>
@@ -6158,10 +6872,155 @@
           </a:p>
         </p:txBody>
       </p:sp>
+      <p:sp>
+        <p:nvSpPr>
+          <p:cNvPr id="23" name="Rectángulo redondeado 22"/>
+          <p:cNvSpPr/>
+          <p:nvPr/>
+        </p:nvSpPr>
+        <p:spPr>
+          <a:xfrm>
+            <a:off x="5677998" y="3484343"/>
+            <a:ext cx="3080084" cy="951588"/>
+          </a:xfrm>
+          <a:prstGeom prst="roundRect">
+            <a:avLst/>
+          </a:prstGeom>
+          <a:solidFill>
+            <a:schemeClr val="accent4">
+              <a:lumMod val="60000"/>
+              <a:lumOff val="40000"/>
+            </a:schemeClr>
+          </a:solidFill>
+          <a:ln>
+            <a:solidFill>
+              <a:schemeClr val="tx1">
+                <a:lumMod val="50000"/>
+                <a:lumOff val="50000"/>
+              </a:schemeClr>
+            </a:solidFill>
+          </a:ln>
+          <a:scene3d>
+            <a:camera prst="perspectiveRelaxedModerately"/>
+            <a:lightRig rig="threePt" dir="t"/>
+          </a:scene3d>
+          <a:sp3d extrusionH="63500">
+            <a:bevelT w="107950"/>
+            <a:bevelB/>
+            <a:extrusionClr>
+              <a:schemeClr val="bg1">
+                <a:lumMod val="50000"/>
+              </a:schemeClr>
+            </a:extrusionClr>
+          </a:sp3d>
+        </p:spPr>
+        <p:style>
+          <a:lnRef idx="2">
+            <a:schemeClr val="accent1">
+              <a:shade val="50000"/>
+            </a:schemeClr>
+          </a:lnRef>
+          <a:fillRef idx="1">
+            <a:schemeClr val="accent1"/>
+          </a:fillRef>
+          <a:effectRef idx="0">
+            <a:schemeClr val="accent1"/>
+          </a:effectRef>
+          <a:fontRef idx="minor">
+            <a:schemeClr val="lt1"/>
+          </a:fontRef>
+        </p:style>
+        <p:txBody>
+          <a:bodyPr rtlCol="0" anchor="ctr"/>
+          <a:lstStyle/>
+          <a:p>
+            <a:pPr algn="ctr"/>
+            <a:r>
+              <a:rPr lang="es-PE" sz="2000" dirty="0" smtClean="0">
+                <a:solidFill>
+                  <a:schemeClr val="tx1"/>
+                </a:solidFill>
+              </a:rPr>
+              <a:t>CAMARA</a:t>
+            </a:r>
+            <a:endParaRPr lang="es-PE" sz="2000" dirty="0">
+              <a:solidFill>
+                <a:schemeClr val="tx1"/>
+              </a:solidFill>
+            </a:endParaRPr>
+          </a:p>
+        </p:txBody>
+      </p:sp>
+      <p:sp>
+        <p:nvSpPr>
+          <p:cNvPr id="11" name="Rectángulo redondeado 10"/>
+          <p:cNvSpPr/>
+          <p:nvPr/>
+        </p:nvSpPr>
+        <p:spPr>
+          <a:xfrm>
+            <a:off x="7096372" y="2803130"/>
+            <a:ext cx="3080084" cy="951588"/>
+          </a:xfrm>
+          <a:prstGeom prst="roundRect">
+            <a:avLst/>
+          </a:prstGeom>
+          <a:solidFill>
+            <a:schemeClr val="accent5">
+              <a:lumMod val="60000"/>
+              <a:lumOff val="40000"/>
+            </a:schemeClr>
+          </a:solidFill>
+          <a:scene3d>
+            <a:camera prst="perspectiveRelaxedModerately"/>
+            <a:lightRig rig="threePt" dir="t"/>
+          </a:scene3d>
+          <a:sp3d extrusionH="63500">
+            <a:bevelT w="107950"/>
+            <a:bevelB/>
+          </a:sp3d>
+        </p:spPr>
+        <p:style>
+          <a:lnRef idx="2">
+            <a:schemeClr val="accent1">
+              <a:shade val="50000"/>
+            </a:schemeClr>
+          </a:lnRef>
+          <a:fillRef idx="1">
+            <a:schemeClr val="accent1"/>
+          </a:fillRef>
+          <a:effectRef idx="0">
+            <a:schemeClr val="accent1"/>
+          </a:effectRef>
+          <a:fontRef idx="minor">
+            <a:schemeClr val="lt1"/>
+          </a:fontRef>
+        </p:style>
+        <p:txBody>
+          <a:bodyPr rtlCol="0" anchor="ctr"/>
+          <a:lstStyle/>
+          <a:p>
+            <a:pPr algn="ctr"/>
+            <a:r>
+              <a:rPr lang="es-PE" sz="2000" dirty="0" smtClean="0">
+                <a:solidFill>
+                  <a:schemeClr val="tx1"/>
+                </a:solidFill>
+              </a:rPr>
+              <a:t>MODEM TRANSMISOR</a:t>
+            </a:r>
+            <a:endParaRPr lang="es-PE" sz="2000" dirty="0">
+              <a:solidFill>
+                <a:schemeClr val="tx1"/>
+              </a:solidFill>
+            </a:endParaRPr>
+          </a:p>
+        </p:txBody>
+      </p:sp>
     </p:spTree>
     <p:extLst>
       <p:ext uri="{BB962C8B-B14F-4D97-AF65-F5344CB8AC3E}">
-        <p14:creationId xmlns:p14="http://schemas.microsoft.com/office/powerpoint/2010/main" val="470410634"/>
+        <p14:creationId xmlns:p14="http://schemas.microsoft.com/office/powerpoint/2010/main" val="4229967801"/>
       </p:ext>
     </p:extLst>
   </p:cSld>
@@ -6312,7 +7171,7 @@
         <p:spPr>
           <a:xfrm>
             <a:off x="4606833" y="2774326"/>
-            <a:ext cx="6156365" cy="1569660"/>
+            <a:ext cx="3347391" cy="1569660"/>
           </a:xfrm>
           <a:prstGeom prst="rect">
             <a:avLst/>
@@ -6331,7 +7190,7 @@
             </a:pPr>
             <a:r>
               <a:rPr lang="es-PE" sz="2400" dirty="0" smtClean="0"/>
-              <a:t>Basado en un MICROCONTROLADOR</a:t>
+              <a:t>Diseño MODULAR</a:t>
             </a:r>
             <a:endParaRPr lang="es-PE" sz="2400" dirty="0"/>
           </a:p>

--- a/Telelocalización y Captura de Imágenes.pptx
+++ b/Telelocalización y Captura de Imágenes.pptx
@@ -15,13 +15,15 @@
     <p:sldId id="271" r:id="rId9"/>
     <p:sldId id="267" r:id="rId10"/>
     <p:sldId id="266" r:id="rId11"/>
-    <p:sldId id="269" r:id="rId12"/>
-    <p:sldId id="273" r:id="rId13"/>
-    <p:sldId id="268" r:id="rId14"/>
-    <p:sldId id="274" r:id="rId15"/>
-    <p:sldId id="272" r:id="rId16"/>
-    <p:sldId id="262" r:id="rId17"/>
-    <p:sldId id="263" r:id="rId18"/>
+    <p:sldId id="275" r:id="rId12"/>
+    <p:sldId id="269" r:id="rId13"/>
+    <p:sldId id="273" r:id="rId14"/>
+    <p:sldId id="268" r:id="rId15"/>
+    <p:sldId id="274" r:id="rId16"/>
+    <p:sldId id="272" r:id="rId17"/>
+    <p:sldId id="276" r:id="rId18"/>
+    <p:sldId id="262" r:id="rId19"/>
+    <p:sldId id="263" r:id="rId20"/>
   </p:sldIdLst>
   <p:sldSz cx="12192000" cy="6858000"/>
   <p:notesSz cx="6858000" cy="9144000"/>
@@ -270,7 +272,7 @@
           <a:p>
             <a:fld id="{F3D66D49-C998-4448-A9A4-08248D17FD06}" type="datetimeFigureOut">
               <a:rPr lang="es-PE" smtClean="0"/>
-              <a:t>02/12/2015</a:t>
+              <a:t>03/12/2015</a:t>
             </a:fld>
             <a:endParaRPr lang="es-PE"/>
           </a:p>
@@ -440,7 +442,7 @@
           <a:p>
             <a:fld id="{F3D66D49-C998-4448-A9A4-08248D17FD06}" type="datetimeFigureOut">
               <a:rPr lang="es-PE" smtClean="0"/>
-              <a:t>02/12/2015</a:t>
+              <a:t>03/12/2015</a:t>
             </a:fld>
             <a:endParaRPr lang="es-PE"/>
           </a:p>
@@ -620,7 +622,7 @@
           <a:p>
             <a:fld id="{F3D66D49-C998-4448-A9A4-08248D17FD06}" type="datetimeFigureOut">
               <a:rPr lang="es-PE" smtClean="0"/>
-              <a:t>02/12/2015</a:t>
+              <a:t>03/12/2015</a:t>
             </a:fld>
             <a:endParaRPr lang="es-PE"/>
           </a:p>
@@ -790,7 +792,7 @@
           <a:p>
             <a:fld id="{F3D66D49-C998-4448-A9A4-08248D17FD06}" type="datetimeFigureOut">
               <a:rPr lang="es-PE" smtClean="0"/>
-              <a:t>02/12/2015</a:t>
+              <a:t>03/12/2015</a:t>
             </a:fld>
             <a:endParaRPr lang="es-PE"/>
           </a:p>
@@ -1036,7 +1038,7 @@
           <a:p>
             <a:fld id="{F3D66D49-C998-4448-A9A4-08248D17FD06}" type="datetimeFigureOut">
               <a:rPr lang="es-PE" smtClean="0"/>
-              <a:t>02/12/2015</a:t>
+              <a:t>03/12/2015</a:t>
             </a:fld>
             <a:endParaRPr lang="es-PE"/>
           </a:p>
@@ -1268,7 +1270,7 @@
           <a:p>
             <a:fld id="{F3D66D49-C998-4448-A9A4-08248D17FD06}" type="datetimeFigureOut">
               <a:rPr lang="es-PE" smtClean="0"/>
-              <a:t>02/12/2015</a:t>
+              <a:t>03/12/2015</a:t>
             </a:fld>
             <a:endParaRPr lang="es-PE"/>
           </a:p>
@@ -1635,7 +1637,7 @@
           <a:p>
             <a:fld id="{F3D66D49-C998-4448-A9A4-08248D17FD06}" type="datetimeFigureOut">
               <a:rPr lang="es-PE" smtClean="0"/>
-              <a:t>02/12/2015</a:t>
+              <a:t>03/12/2015</a:t>
             </a:fld>
             <a:endParaRPr lang="es-PE"/>
           </a:p>
@@ -1753,7 +1755,7 @@
           <a:p>
             <a:fld id="{F3D66D49-C998-4448-A9A4-08248D17FD06}" type="datetimeFigureOut">
               <a:rPr lang="es-PE" smtClean="0"/>
-              <a:t>02/12/2015</a:t>
+              <a:t>03/12/2015</a:t>
             </a:fld>
             <a:endParaRPr lang="es-PE"/>
           </a:p>
@@ -1848,7 +1850,7 @@
           <a:p>
             <a:fld id="{F3D66D49-C998-4448-A9A4-08248D17FD06}" type="datetimeFigureOut">
               <a:rPr lang="es-PE" smtClean="0"/>
-              <a:t>02/12/2015</a:t>
+              <a:t>03/12/2015</a:t>
             </a:fld>
             <a:endParaRPr lang="es-PE"/>
           </a:p>
@@ -2125,7 +2127,7 @@
           <a:p>
             <a:fld id="{F3D66D49-C998-4448-A9A4-08248D17FD06}" type="datetimeFigureOut">
               <a:rPr lang="es-PE" smtClean="0"/>
-              <a:t>02/12/2015</a:t>
+              <a:t>03/12/2015</a:t>
             </a:fld>
             <a:endParaRPr lang="es-PE"/>
           </a:p>
@@ -2378,7 +2380,7 @@
           <a:p>
             <a:fld id="{F3D66D49-C998-4448-A9A4-08248D17FD06}" type="datetimeFigureOut">
               <a:rPr lang="es-PE" smtClean="0"/>
-              <a:t>02/12/2015</a:t>
+              <a:t>03/12/2015</a:t>
             </a:fld>
             <a:endParaRPr lang="es-PE"/>
           </a:p>
@@ -2591,7 +2593,7 @@
           <a:p>
             <a:fld id="{F3D66D49-C998-4448-A9A4-08248D17FD06}" type="datetimeFigureOut">
               <a:rPr lang="es-PE" smtClean="0"/>
-              <a:t>02/12/2015</a:t>
+              <a:t>03/12/2015</a:t>
             </a:fld>
             <a:endParaRPr lang="es-PE"/>
           </a:p>
@@ -3292,171 +3294,102 @@
       </p:grpSpPr>
       <p:sp>
         <p:nvSpPr>
-          <p:cNvPr id="5" name="CuadroTexto 4"/>
-          <p:cNvSpPr txBox="1"/>
-          <p:nvPr/>
+          <p:cNvPr id="2" name="1 Título"/>
+          <p:cNvSpPr>
+            <a:spLocks noGrp="1"/>
+          </p:cNvSpPr>
+          <p:nvPr>
+            <p:ph type="title"/>
+          </p:nvPr>
+        </p:nvSpPr>
+        <p:spPr/>
+        <p:txBody>
+          <a:bodyPr/>
+          <a:lstStyle/>
+          <a:p>
+            <a:r>
+              <a:rPr lang="es-ES" dirty="0" smtClean="0"/>
+              <a:t>1. HARDWARE</a:t>
+            </a:r>
+            <a:endParaRPr lang="es-ES" dirty="0"/>
+          </a:p>
+        </p:txBody>
+      </p:sp>
+      <p:sp>
+        <p:nvSpPr>
+          <p:cNvPr id="12" name="11 Marcador de contenido"/>
+          <p:cNvSpPr>
+            <a:spLocks noGrp="1"/>
+          </p:cNvSpPr>
+          <p:nvPr>
+            <p:ph idx="1"/>
+          </p:nvPr>
         </p:nvSpPr>
         <p:spPr>
           <a:xfrm>
-            <a:off x="4606833" y="2066440"/>
-            <a:ext cx="3556102" cy="707886"/>
+            <a:off x="5517573" y="1953492"/>
+            <a:ext cx="5836227" cy="4203618"/>
+          </a:xfrm>
+        </p:spPr>
+        <p:txBody>
+          <a:bodyPr/>
+          <a:lstStyle/>
+          <a:p>
+            <a:r>
+              <a:rPr lang="es-ES" dirty="0" smtClean="0"/>
+              <a:t>Plataforma de desarrollo</a:t>
+            </a:r>
+          </a:p>
+          <a:p>
+            <a:r>
+              <a:rPr lang="es-ES" dirty="0" smtClean="0"/>
+              <a:t>Microcontrolador </a:t>
+            </a:r>
+            <a:r>
+              <a:rPr lang="es-ES" dirty="0" err="1" smtClean="0"/>
+              <a:t>Atmel</a:t>
+            </a:r>
+            <a:r>
+              <a:rPr lang="es-ES" dirty="0" smtClean="0"/>
+              <a:t> ATMega328</a:t>
+            </a:r>
+            <a:endParaRPr lang="es-ES" dirty="0"/>
+          </a:p>
+        </p:txBody>
+      </p:sp>
+      <p:pic>
+        <p:nvPicPr>
+          <p:cNvPr id="6" name="5 Imagen"/>
+          <p:cNvPicPr>
+            <a:picLocks noChangeAspect="1"/>
+          </p:cNvPicPr>
+          <p:nvPr/>
+        </p:nvPicPr>
+        <p:blipFill rotWithShape="1">
+          <a:blip r:embed="rId2" cstate="print">
+            <a:extLst>
+              <a:ext uri="{28A0092B-C50C-407E-A947-70E740481C1C}">
+                <a14:useLocalDpi xmlns:a14="http://schemas.microsoft.com/office/drawing/2010/main" val="0"/>
+              </a:ext>
+            </a:extLst>
+          </a:blip>
+          <a:srcRect b="18251"/>
+          <a:stretch/>
+        </p:blipFill>
+        <p:spPr>
+          <a:xfrm>
+            <a:off x="1600164" y="2172470"/>
+            <a:ext cx="3265714" cy="2669694"/>
           </a:xfrm>
           <a:prstGeom prst="rect">
             <a:avLst/>
           </a:prstGeom>
-          <a:noFill/>
         </p:spPr>
-        <p:txBody>
-          <a:bodyPr wrap="none" rtlCol="0">
-            <a:spAutoFit/>
-          </a:bodyPr>
-          <a:lstStyle/>
-          <a:p>
-            <a:pPr marL="342900" indent="-342900">
-              <a:buAutoNum type="arabicPeriod"/>
-            </a:pPr>
-            <a:r>
-              <a:rPr lang="es-PE" sz="4000" dirty="0" smtClean="0"/>
-              <a:t>HARDWARE</a:t>
-            </a:r>
-          </a:p>
-        </p:txBody>
-      </p:sp>
-      <p:sp>
-        <p:nvSpPr>
-          <p:cNvPr id="15" name="14 Rectángulo redondeado"/>
-          <p:cNvSpPr/>
-          <p:nvPr/>
-        </p:nvSpPr>
-        <p:spPr>
-          <a:xfrm>
-            <a:off x="1851072" y="2131754"/>
-            <a:ext cx="2539293" cy="2423916"/>
-          </a:xfrm>
-          <a:prstGeom prst="roundRect">
-            <a:avLst/>
-          </a:prstGeom>
-          <a:noFill/>
-          <a:ln w="19050"/>
-        </p:spPr>
-        <p:style>
-          <a:lnRef idx="2">
-            <a:schemeClr val="accent1">
-              <a:shade val="50000"/>
-            </a:schemeClr>
-          </a:lnRef>
-          <a:fillRef idx="1">
-            <a:schemeClr val="accent1"/>
-          </a:fillRef>
-          <a:effectRef idx="0">
-            <a:schemeClr val="accent1"/>
-          </a:effectRef>
-          <a:fontRef idx="minor">
-            <a:schemeClr val="lt1"/>
-          </a:fontRef>
-        </p:style>
-        <p:txBody>
-          <a:bodyPr rtlCol="0" anchor="ctr"/>
-          <a:lstStyle/>
-          <a:p>
-            <a:pPr algn="ctr"/>
-            <a:r>
-              <a:rPr lang="es-ES" sz="3600" b="1" dirty="0" smtClean="0">
-                <a:solidFill>
-                  <a:srgbClr val="00B050"/>
-                </a:solidFill>
-              </a:rPr>
-              <a:t>Prototipo</a:t>
-            </a:r>
-          </a:p>
-          <a:p>
-            <a:pPr algn="ctr"/>
-            <a:r>
-              <a:rPr lang="es-ES" sz="3600" b="1" dirty="0" smtClean="0">
-                <a:solidFill>
-                  <a:schemeClr val="tx1"/>
-                </a:solidFill>
-              </a:rPr>
-              <a:t>+</a:t>
-            </a:r>
-          </a:p>
-          <a:p>
-            <a:pPr algn="ctr"/>
-            <a:r>
-              <a:rPr lang="es-ES" sz="3600" b="1" dirty="0" smtClean="0">
-                <a:solidFill>
-                  <a:srgbClr val="0070C0"/>
-                </a:solidFill>
-              </a:rPr>
-              <a:t>Servidor</a:t>
-            </a:r>
-            <a:endParaRPr lang="es-ES" sz="3600" b="1" dirty="0">
-              <a:solidFill>
-                <a:srgbClr val="0070C0"/>
-              </a:solidFill>
-            </a:endParaRPr>
-          </a:p>
-        </p:txBody>
-      </p:sp>
-      <p:sp>
-        <p:nvSpPr>
-          <p:cNvPr id="4" name="CuadroTexto 4"/>
-          <p:cNvSpPr txBox="1"/>
-          <p:nvPr/>
-        </p:nvSpPr>
-        <p:spPr>
-          <a:xfrm>
-            <a:off x="4606833" y="2774326"/>
-            <a:ext cx="6156365" cy="1200329"/>
-          </a:xfrm>
-          <a:prstGeom prst="rect">
-            <a:avLst/>
-          </a:prstGeom>
-          <a:noFill/>
-        </p:spPr>
-        <p:txBody>
-          <a:bodyPr wrap="none" rtlCol="0">
-            <a:spAutoFit/>
-          </a:bodyPr>
-          <a:lstStyle/>
-          <a:p>
-            <a:pPr marL="571500" indent="-571500">
-              <a:buFont typeface="Arial" pitchFamily="34" charset="0"/>
-              <a:buChar char="•"/>
-            </a:pPr>
-            <a:r>
-              <a:rPr lang="es-PE" sz="2400" dirty="0" smtClean="0"/>
-              <a:t>Diseño MODULAR</a:t>
-            </a:r>
-            <a:endParaRPr lang="es-PE" sz="2400" dirty="0"/>
-          </a:p>
-          <a:p>
-            <a:pPr marL="571500" indent="-571500">
-              <a:buFont typeface="Arial" pitchFamily="34" charset="0"/>
-              <a:buChar char="•"/>
-            </a:pPr>
-            <a:r>
-              <a:rPr lang="es-PE" sz="2400" dirty="0"/>
-              <a:t>Basado en un MICROCONTROLADOR</a:t>
-            </a:r>
-          </a:p>
-          <a:p>
-            <a:pPr marL="571500" indent="-571500">
-              <a:buFont typeface="Arial" pitchFamily="34" charset="0"/>
-              <a:buChar char="•"/>
-            </a:pPr>
-            <a:r>
-              <a:rPr lang="es-PE" sz="2400" dirty="0" smtClean="0"/>
-              <a:t> </a:t>
-            </a:r>
-            <a:endParaRPr lang="es-PE" sz="2400" dirty="0"/>
-          </a:p>
-        </p:txBody>
-      </p:sp>
+      </p:pic>
     </p:spTree>
     <p:extLst>
       <p:ext uri="{BB962C8B-B14F-4D97-AF65-F5344CB8AC3E}">
-        <p14:creationId xmlns:p14="http://schemas.microsoft.com/office/powerpoint/2010/main" val="2899903485"/>
+        <p14:creationId xmlns:p14="http://schemas.microsoft.com/office/powerpoint/2010/main" val="3559310170"/>
       </p:ext>
     </p:extLst>
   </p:cSld>
@@ -3492,130 +3425,52 @@
       </p:grpSpPr>
       <p:sp>
         <p:nvSpPr>
-          <p:cNvPr id="2" name="1 Título"/>
-          <p:cNvSpPr>
-            <a:spLocks noGrp="1"/>
-          </p:cNvSpPr>
-          <p:nvPr>
-            <p:ph type="title"/>
-          </p:nvPr>
-        </p:nvSpPr>
-        <p:spPr/>
-        <p:txBody>
-          <a:bodyPr/>
-          <a:lstStyle/>
-          <a:p>
-            <a:r>
-              <a:rPr lang="es-ES" dirty="0" smtClean="0"/>
-              <a:t>1. HARDWARE</a:t>
-            </a:r>
-            <a:endParaRPr lang="es-ES" dirty="0"/>
-          </a:p>
-        </p:txBody>
-      </p:sp>
-      <p:sp>
-        <p:nvSpPr>
-          <p:cNvPr id="3" name="Marcador de contenido 2"/>
-          <p:cNvSpPr>
-            <a:spLocks noGrp="1"/>
-          </p:cNvSpPr>
-          <p:nvPr>
-            <p:ph idx="1"/>
-          </p:nvPr>
-        </p:nvSpPr>
-        <p:spPr/>
-        <p:txBody>
-          <a:bodyPr/>
-          <a:lstStyle/>
-          <a:p>
-            <a:r>
-              <a:rPr lang="es-PE" dirty="0" smtClean="0"/>
-              <a:t>Receptor GPS</a:t>
-            </a:r>
-          </a:p>
-          <a:p>
-            <a:r>
-              <a:rPr lang="es-PE" dirty="0" smtClean="0"/>
-              <a:t>Transmisor GSM/GPRS</a:t>
-            </a:r>
-            <a:endParaRPr lang="es-PE" dirty="0"/>
-          </a:p>
-        </p:txBody>
-      </p:sp>
-      <p:pic>
-        <p:nvPicPr>
-          <p:cNvPr id="7" name="Imagen 6"/>
-          <p:cNvPicPr>
-            <a:picLocks noChangeAspect="1"/>
-          </p:cNvPicPr>
+          <p:cNvPr id="5" name="CuadroTexto 4"/>
+          <p:cNvSpPr txBox="1"/>
           <p:nvPr/>
-        </p:nvPicPr>
-        <p:blipFill>
-          <a:blip r:embed="rId2" cstate="print">
-            <a:extLst>
-              <a:ext uri="{28A0092B-C50C-407E-A947-70E740481C1C}">
-                <a14:useLocalDpi xmlns:a14="http://schemas.microsoft.com/office/drawing/2010/main" val="0"/>
-              </a:ext>
-            </a:extLst>
-          </a:blip>
-          <a:stretch>
-            <a:fillRect/>
-          </a:stretch>
-        </p:blipFill>
+        </p:nvSpPr>
         <p:spPr>
           <a:xfrm>
-            <a:off x="1314290" y="3240821"/>
-            <a:ext cx="1096560" cy="1096560"/>
+            <a:off x="4606833" y="2066440"/>
+            <a:ext cx="3556102" cy="707886"/>
           </a:xfrm>
           <a:prstGeom prst="rect">
             <a:avLst/>
           </a:prstGeom>
-          <a:scene3d>
-            <a:camera prst="orthographicFront">
-              <a:rot lat="0" lon="0" rev="6300000"/>
-            </a:camera>
-            <a:lightRig rig="threePt" dir="t"/>
-          </a:scene3d>
+          <a:noFill/>
         </p:spPr>
-      </p:pic>
-      <p:sp>
-        <p:nvSpPr>
-          <p:cNvPr id="8" name="Rectángulo redondeado 7"/>
+        <p:txBody>
+          <a:bodyPr wrap="none" rtlCol="0">
+            <a:spAutoFit/>
+          </a:bodyPr>
+          <a:lstStyle/>
+          <a:p>
+            <a:pPr marL="342900" indent="-342900">
+              <a:buAutoNum type="arabicPeriod"/>
+            </a:pPr>
+            <a:r>
+              <a:rPr lang="es-PE" sz="4000" dirty="0" smtClean="0"/>
+              <a:t>HARDWARE</a:t>
+            </a:r>
+          </a:p>
+        </p:txBody>
+      </p:sp>
+      <p:sp>
+        <p:nvSpPr>
+          <p:cNvPr id="15" name="14 Rectángulo redondeado"/>
           <p:cNvSpPr/>
           <p:nvPr/>
         </p:nvSpPr>
         <p:spPr>
           <a:xfrm>
-            <a:off x="4900864" y="4685878"/>
-            <a:ext cx="1925052" cy="1046748"/>
+            <a:off x="1851072" y="2131754"/>
+            <a:ext cx="2539293" cy="2423916"/>
           </a:xfrm>
           <a:prstGeom prst="roundRect">
             <a:avLst/>
           </a:prstGeom>
-          <a:ln w="34925">
-            <a:solidFill>
-              <a:srgbClr val="FFFFFF"/>
-            </a:solidFill>
-          </a:ln>
-          <a:effectLst>
-            <a:outerShdw blurRad="317500" dir="2700000" algn="ctr">
-              <a:srgbClr val="000000">
-                <a:alpha val="43000"/>
-              </a:srgbClr>
-            </a:outerShdw>
-          </a:effectLst>
-          <a:scene3d>
-            <a:camera prst="perspectiveFront" fov="2700000">
-              <a:rot lat="19086000" lon="19067999" rev="3108000"/>
-            </a:camera>
-            <a:lightRig rig="threePt" dir="t">
-              <a:rot lat="0" lon="0" rev="0"/>
-            </a:lightRig>
-          </a:scene3d>
-          <a:sp3d extrusionH="38100" prstMaterial="clear">
-            <a:bevelT w="260350" h="50800" prst="softRound"/>
-            <a:bevelB prst="softRound"/>
-          </a:sp3d>
+          <a:noFill/>
+          <a:ln w="19050"/>
         </p:spPr>
         <p:style>
           <a:lnRef idx="2">
@@ -3639,7 +3494,271 @@
           <a:p>
             <a:pPr algn="ctr"/>
             <a:r>
-              <a:rPr lang="es-PE" dirty="0" smtClean="0"/>
+              <a:rPr lang="es-ES" sz="3600" b="1" dirty="0" smtClean="0">
+                <a:solidFill>
+                  <a:srgbClr val="00B050"/>
+                </a:solidFill>
+              </a:rPr>
+              <a:t>Prototipo</a:t>
+            </a:r>
+          </a:p>
+          <a:p>
+            <a:pPr algn="ctr"/>
+            <a:r>
+              <a:rPr lang="es-ES" sz="3600" b="1" dirty="0" smtClean="0">
+                <a:solidFill>
+                  <a:schemeClr val="tx1"/>
+                </a:solidFill>
+              </a:rPr>
+              <a:t>+</a:t>
+            </a:r>
+          </a:p>
+          <a:p>
+            <a:pPr algn="ctr"/>
+            <a:r>
+              <a:rPr lang="es-ES" sz="3600" b="1" dirty="0" smtClean="0">
+                <a:solidFill>
+                  <a:srgbClr val="0070C0"/>
+                </a:solidFill>
+              </a:rPr>
+              <a:t>Servidor</a:t>
+            </a:r>
+            <a:endParaRPr lang="es-ES" sz="3600" b="1" dirty="0">
+              <a:solidFill>
+                <a:srgbClr val="0070C0"/>
+              </a:solidFill>
+            </a:endParaRPr>
+          </a:p>
+        </p:txBody>
+      </p:sp>
+      <p:sp>
+        <p:nvSpPr>
+          <p:cNvPr id="4" name="CuadroTexto 4"/>
+          <p:cNvSpPr txBox="1"/>
+          <p:nvPr/>
+        </p:nvSpPr>
+        <p:spPr>
+          <a:xfrm>
+            <a:off x="4606833" y="2774326"/>
+            <a:ext cx="6156365" cy="1200329"/>
+          </a:xfrm>
+          <a:prstGeom prst="rect">
+            <a:avLst/>
+          </a:prstGeom>
+          <a:noFill/>
+        </p:spPr>
+        <p:txBody>
+          <a:bodyPr wrap="none" rtlCol="0">
+            <a:spAutoFit/>
+          </a:bodyPr>
+          <a:lstStyle/>
+          <a:p>
+            <a:pPr marL="571500" indent="-571500">
+              <a:buFont typeface="Arial" pitchFamily="34" charset="0"/>
+              <a:buChar char="•"/>
+            </a:pPr>
+            <a:r>
+              <a:rPr lang="es-PE" sz="2400" dirty="0" smtClean="0"/>
+              <a:t>Diseño MODULAR</a:t>
+            </a:r>
+            <a:endParaRPr lang="es-PE" sz="2400" dirty="0"/>
+          </a:p>
+          <a:p>
+            <a:pPr marL="571500" indent="-571500">
+              <a:buFont typeface="Arial" pitchFamily="34" charset="0"/>
+              <a:buChar char="•"/>
+            </a:pPr>
+            <a:r>
+              <a:rPr lang="es-PE" sz="2400" dirty="0"/>
+              <a:t>Basado en un MICROCONTROLADOR</a:t>
+            </a:r>
+          </a:p>
+          <a:p>
+            <a:pPr marL="571500" indent="-571500">
+              <a:buFont typeface="Arial" pitchFamily="34" charset="0"/>
+              <a:buChar char="•"/>
+            </a:pPr>
+            <a:r>
+              <a:rPr lang="es-PE" sz="2400" dirty="0" smtClean="0"/>
+              <a:t> </a:t>
+            </a:r>
+            <a:endParaRPr lang="es-PE" sz="2400" dirty="0"/>
+          </a:p>
+        </p:txBody>
+      </p:sp>
+    </p:spTree>
+    <p:extLst>
+      <p:ext uri="{BB962C8B-B14F-4D97-AF65-F5344CB8AC3E}">
+        <p14:creationId xmlns:p14="http://schemas.microsoft.com/office/powerpoint/2010/main" val="2899903485"/>
+      </p:ext>
+    </p:extLst>
+  </p:cSld>
+  <p:clrMapOvr>
+    <a:masterClrMapping/>
+  </p:clrMapOvr>
+  <p:timing>
+    <p:tnLst>
+      <p:par>
+        <p:cTn id="1" dur="indefinite" restart="never" nodeType="tmRoot"/>
+      </p:par>
+    </p:tnLst>
+  </p:timing>
+</p:sld>
+</file>
+
+<file path=ppt/slides/slide13.xml><?xml version="1.0" encoding="utf-8"?>
+<p:sld xmlns:a="http://schemas.openxmlformats.org/drawingml/2006/main" xmlns:r="http://schemas.openxmlformats.org/officeDocument/2006/relationships" xmlns:p="http://schemas.openxmlformats.org/presentationml/2006/main">
+  <p:cSld>
+    <p:spTree>
+      <p:nvGrpSpPr>
+        <p:cNvPr id="1" name=""/>
+        <p:cNvGrpSpPr/>
+        <p:nvPr/>
+      </p:nvGrpSpPr>
+      <p:grpSpPr>
+        <a:xfrm>
+          <a:off x="0" y="0"/>
+          <a:ext cx="0" cy="0"/>
+          <a:chOff x="0" y="0"/>
+          <a:chExt cx="0" cy="0"/>
+        </a:xfrm>
+      </p:grpSpPr>
+      <p:sp>
+        <p:nvSpPr>
+          <p:cNvPr id="2" name="1 Título"/>
+          <p:cNvSpPr>
+            <a:spLocks noGrp="1"/>
+          </p:cNvSpPr>
+          <p:nvPr>
+            <p:ph type="title"/>
+          </p:nvPr>
+        </p:nvSpPr>
+        <p:spPr/>
+        <p:txBody>
+          <a:bodyPr/>
+          <a:lstStyle/>
+          <a:p>
+            <a:r>
+              <a:rPr lang="es-ES" dirty="0" smtClean="0"/>
+              <a:t>1. HARDWARE</a:t>
+            </a:r>
+            <a:endParaRPr lang="es-ES" dirty="0"/>
+          </a:p>
+        </p:txBody>
+      </p:sp>
+      <p:pic>
+        <p:nvPicPr>
+          <p:cNvPr id="17" name="Marcador de contenido 16"/>
+          <p:cNvPicPr>
+            <a:picLocks noGrp="1" noChangeAspect="1"/>
+          </p:cNvPicPr>
+          <p:nvPr>
+            <p:ph idx="1"/>
+          </p:nvPr>
+        </p:nvPicPr>
+        <p:blipFill>
+          <a:blip r:embed="rId2" cstate="print">
+            <a:extLst>
+              <a:ext uri="{28A0092B-C50C-407E-A947-70E740481C1C}">
+                <a14:useLocalDpi xmlns:a14="http://schemas.microsoft.com/office/drawing/2010/main" val="0"/>
+              </a:ext>
+            </a:extLst>
+          </a:blip>
+          <a:stretch>
+            <a:fillRect/>
+          </a:stretch>
+        </p:blipFill>
+        <p:spPr>
+          <a:xfrm>
+            <a:off x="9615505" y="2034916"/>
+            <a:ext cx="980660" cy="1961319"/>
+          </a:xfrm>
+        </p:spPr>
+      </p:pic>
+      <p:pic>
+        <p:nvPicPr>
+          <p:cNvPr id="7" name="Imagen 6"/>
+          <p:cNvPicPr>
+            <a:picLocks noChangeAspect="1"/>
+          </p:cNvPicPr>
+          <p:nvPr/>
+        </p:nvPicPr>
+        <p:blipFill>
+          <a:blip r:embed="rId3" cstate="print">
+            <a:extLst>
+              <a:ext uri="{28A0092B-C50C-407E-A947-70E740481C1C}">
+                <a14:useLocalDpi xmlns:a14="http://schemas.microsoft.com/office/drawing/2010/main" val="0"/>
+              </a:ext>
+            </a:extLst>
+          </a:blip>
+          <a:stretch>
+            <a:fillRect/>
+          </a:stretch>
+        </p:blipFill>
+        <p:spPr>
+          <a:xfrm>
+            <a:off x="1765836" y="2195519"/>
+            <a:ext cx="998670" cy="998670"/>
+          </a:xfrm>
+          <a:prstGeom prst="rect">
+            <a:avLst/>
+          </a:prstGeom>
+          <a:scene3d>
+            <a:camera prst="orthographicFront">
+              <a:rot lat="0" lon="0" rev="6300000"/>
+            </a:camera>
+            <a:lightRig rig="threePt" dir="t"/>
+          </a:scene3d>
+        </p:spPr>
+      </p:pic>
+      <p:sp>
+        <p:nvSpPr>
+          <p:cNvPr id="8" name="Rectángulo redondeado 7"/>
+          <p:cNvSpPr/>
+          <p:nvPr/>
+        </p:nvSpPr>
+        <p:spPr>
+          <a:xfrm>
+            <a:off x="5415437" y="3194189"/>
+            <a:ext cx="1925052" cy="1046748"/>
+          </a:xfrm>
+          <a:prstGeom prst="roundRect">
+            <a:avLst/>
+          </a:prstGeom>
+          <a:ln w="6350">
+            <a:solidFill>
+              <a:schemeClr val="tx1"/>
+            </a:solidFill>
+          </a:ln>
+          <a:effectLst/>
+        </p:spPr>
+        <p:style>
+          <a:lnRef idx="2">
+            <a:schemeClr val="accent1">
+              <a:shade val="50000"/>
+            </a:schemeClr>
+          </a:lnRef>
+          <a:fillRef idx="1">
+            <a:schemeClr val="accent1"/>
+          </a:fillRef>
+          <a:effectRef idx="0">
+            <a:schemeClr val="accent1"/>
+          </a:effectRef>
+          <a:fontRef idx="minor">
+            <a:schemeClr val="lt1"/>
+          </a:fontRef>
+        </p:style>
+        <p:txBody>
+          <a:bodyPr rtlCol="0" anchor="ctr"/>
+          <a:lstStyle/>
+          <a:p>
+            <a:pPr algn="ctr"/>
+            <a:r>
+              <a:rPr lang="es-PE" dirty="0" smtClean="0">
+                <a:solidFill>
+                  <a:schemeClr val="tx1"/>
+                </a:solidFill>
+              </a:rPr>
               <a:t>Prototipo</a:t>
             </a:r>
           </a:p>
@@ -3648,13 +3767,15 @@
       <p:cxnSp>
         <p:nvCxnSpPr>
           <p:cNvPr id="11" name="Conector recto de flecha 10"/>
-          <p:cNvCxnSpPr/>
+          <p:cNvCxnSpPr>
+            <a:endCxn id="8" idx="1"/>
+          </p:cNvCxnSpPr>
           <p:nvPr/>
         </p:nvCxnSpPr>
         <p:spPr>
           <a:xfrm>
-            <a:off x="2767263" y="4113728"/>
-            <a:ext cx="2249586" cy="1009363"/>
+            <a:off x="2888673" y="3044536"/>
+            <a:ext cx="2526764" cy="673027"/>
           </a:xfrm>
           <a:prstGeom prst="straightConnector1">
             <a:avLst/>
@@ -3684,13 +3805,16 @@
       <p:cxnSp>
         <p:nvCxnSpPr>
           <p:cNvPr id="14" name="Conector recto de flecha 13"/>
-          <p:cNvCxnSpPr/>
+          <p:cNvCxnSpPr>
+            <a:stCxn id="8" idx="3"/>
+            <a:endCxn id="17" idx="1"/>
+          </p:cNvCxnSpPr>
           <p:nvPr/>
         </p:nvCxnSpPr>
         <p:spPr>
           <a:xfrm flipV="1">
-            <a:off x="6825916" y="4685878"/>
-            <a:ext cx="1732547" cy="409075"/>
+            <a:off x="7340489" y="3015576"/>
+            <a:ext cx="2275016" cy="701987"/>
           </a:xfrm>
           <a:prstGeom prst="straightConnector1">
             <a:avLst/>
@@ -3717,6 +3841,169 @@
           </a:fontRef>
         </p:style>
       </p:cxnSp>
+      <p:sp>
+        <p:nvSpPr>
+          <p:cNvPr id="9" name="CuadroTexto 8"/>
+          <p:cNvSpPr txBox="1"/>
+          <p:nvPr/>
+        </p:nvSpPr>
+        <p:spPr>
+          <a:xfrm>
+            <a:off x="2764506" y="2178741"/>
+            <a:ext cx="1865254" cy="523220"/>
+          </a:xfrm>
+          <a:prstGeom prst="rect">
+            <a:avLst/>
+          </a:prstGeom>
+          <a:noFill/>
+        </p:spPr>
+        <p:txBody>
+          <a:bodyPr wrap="none" rtlCol="0">
+            <a:spAutoFit/>
+          </a:bodyPr>
+          <a:lstStyle/>
+          <a:p>
+            <a:r>
+              <a:rPr lang="es-PE" sz="1400" dirty="0" smtClean="0"/>
+              <a:t>Latitud</a:t>
+            </a:r>
+            <a:r>
+              <a:rPr lang="es-PE" sz="1400" dirty="0"/>
+              <a:t>: -</a:t>
+            </a:r>
+            <a:r>
+              <a:rPr lang="es-PE" sz="1400" dirty="0" smtClean="0"/>
+              <a:t>12.180750</a:t>
+            </a:r>
+          </a:p>
+          <a:p>
+            <a:r>
+              <a:rPr lang="es-PE" sz="1400" dirty="0"/>
+              <a:t>Longitud: -76.994984</a:t>
+            </a:r>
+          </a:p>
+        </p:txBody>
+      </p:sp>
+      <p:sp>
+        <p:nvSpPr>
+          <p:cNvPr id="18" name="CuadroTexto 17"/>
+          <p:cNvSpPr txBox="1"/>
+          <p:nvPr/>
+        </p:nvSpPr>
+        <p:spPr>
+          <a:xfrm>
+            <a:off x="3952536" y="3780075"/>
+            <a:ext cx="1462901" cy="369332"/>
+          </a:xfrm>
+          <a:prstGeom prst="rect">
+            <a:avLst/>
+          </a:prstGeom>
+          <a:noFill/>
+        </p:spPr>
+        <p:txBody>
+          <a:bodyPr wrap="none" rtlCol="0">
+            <a:spAutoFit/>
+          </a:bodyPr>
+          <a:lstStyle/>
+          <a:p>
+            <a:r>
+              <a:rPr lang="es-PE" b="1" dirty="0" smtClean="0">
+                <a:solidFill>
+                  <a:srgbClr val="00B050"/>
+                </a:solidFill>
+              </a:rPr>
+              <a:t>RECEPTOR</a:t>
+            </a:r>
+            <a:endParaRPr lang="es-PE" b="1" dirty="0">
+              <a:solidFill>
+                <a:srgbClr val="00B050"/>
+              </a:solidFill>
+            </a:endParaRPr>
+          </a:p>
+        </p:txBody>
+      </p:sp>
+      <p:sp>
+        <p:nvSpPr>
+          <p:cNvPr id="27" name="CuadroTexto 26"/>
+          <p:cNvSpPr txBox="1"/>
+          <p:nvPr/>
+        </p:nvSpPr>
+        <p:spPr>
+          <a:xfrm>
+            <a:off x="1478056" y="5071411"/>
+            <a:ext cx="3716146" cy="830997"/>
+          </a:xfrm>
+          <a:prstGeom prst="rect">
+            <a:avLst/>
+          </a:prstGeom>
+          <a:noFill/>
+        </p:spPr>
+        <p:txBody>
+          <a:bodyPr wrap="none" rtlCol="0">
+            <a:spAutoFit/>
+          </a:bodyPr>
+          <a:lstStyle/>
+          <a:p>
+            <a:pPr marL="285750" indent="-285750">
+              <a:buFont typeface="Arial" panose="020B0604020202020204" pitchFamily="34" charset="0"/>
+              <a:buChar char="•"/>
+            </a:pPr>
+            <a:r>
+              <a:rPr lang="es-PE" sz="2400" dirty="0" smtClean="0"/>
+              <a:t>Receptor GPS</a:t>
+            </a:r>
+          </a:p>
+          <a:p>
+            <a:pPr marL="285750" indent="-285750">
+              <a:buFont typeface="Arial" panose="020B0604020202020204" pitchFamily="34" charset="0"/>
+              <a:buChar char="•"/>
+            </a:pPr>
+            <a:r>
+              <a:rPr lang="es-PE" sz="2400" dirty="0" smtClean="0"/>
+              <a:t>Transmisor GSM/GPRS</a:t>
+            </a:r>
+            <a:endParaRPr lang="es-PE" sz="2400" dirty="0"/>
+          </a:p>
+        </p:txBody>
+      </p:sp>
+      <p:sp>
+        <p:nvSpPr>
+          <p:cNvPr id="28" name="CuadroTexto 27"/>
+          <p:cNvSpPr txBox="1"/>
+          <p:nvPr/>
+        </p:nvSpPr>
+        <p:spPr>
+          <a:xfrm>
+            <a:off x="7340489" y="3780075"/>
+            <a:ext cx="1736373" cy="369332"/>
+          </a:xfrm>
+          <a:prstGeom prst="rect">
+            <a:avLst/>
+          </a:prstGeom>
+          <a:noFill/>
+        </p:spPr>
+        <p:txBody>
+          <a:bodyPr wrap="none" rtlCol="0">
+            <a:spAutoFit/>
+          </a:bodyPr>
+          <a:lstStyle/>
+          <a:p>
+            <a:r>
+              <a:rPr lang="es-PE" b="1" dirty="0" smtClean="0">
+                <a:solidFill>
+                  <a:srgbClr val="00B050"/>
+                </a:solidFill>
+              </a:rPr>
+              <a:t>TRANSMISOR</a:t>
+            </a:r>
+            <a:endParaRPr lang="es-PE" b="1" dirty="0">
+              <a:solidFill>
+                <a:srgbClr val="00B050"/>
+              </a:solidFill>
+            </a:endParaRPr>
+          </a:p>
+        </p:txBody>
+      </p:sp>
     </p:spTree>
     <p:extLst>
       <p:ext uri="{BB962C8B-B14F-4D97-AF65-F5344CB8AC3E}">
@@ -3737,7 +4024,7 @@
 </p:sld>
 </file>
 
-<file path=ppt/slides/slide13.xml><?xml version="1.0" encoding="utf-8"?>
+<file path=ppt/slides/slide14.xml><?xml version="1.0" encoding="utf-8"?>
 <p:sld xmlns:a="http://schemas.openxmlformats.org/drawingml/2006/main" xmlns:r="http://schemas.openxmlformats.org/officeDocument/2006/relationships" xmlns:p="http://schemas.openxmlformats.org/presentationml/2006/main">
   <p:cSld>
     <p:spTree>
@@ -4208,7 +4495,7 @@
 </p:sld>
 </file>
 
-<file path=ppt/slides/slide14.xml><?xml version="1.0" encoding="utf-8"?>
+<file path=ppt/slides/slide15.xml><?xml version="1.0" encoding="utf-8"?>
 <p:sld xmlns:a="http://schemas.openxmlformats.org/drawingml/2006/main" xmlns:r="http://schemas.openxmlformats.org/officeDocument/2006/relationships" xmlns:p="http://schemas.openxmlformats.org/presentationml/2006/main">
   <p:cSld>
     <p:spTree>
@@ -4398,100 +4685,6 @@
     <p:extLst>
       <p:ext uri="{BB962C8B-B14F-4D97-AF65-F5344CB8AC3E}">
         <p14:creationId xmlns:p14="http://schemas.microsoft.com/office/powerpoint/2010/main" val="1729308610"/>
-      </p:ext>
-    </p:extLst>
-  </p:cSld>
-  <p:clrMapOvr>
-    <a:masterClrMapping/>
-  </p:clrMapOvr>
-  <p:timing>
-    <p:tnLst>
-      <p:par>
-        <p:cTn id="1" dur="indefinite" restart="never" nodeType="tmRoot"/>
-      </p:par>
-    </p:tnLst>
-  </p:timing>
-</p:sld>
-</file>
-
-<file path=ppt/slides/slide15.xml><?xml version="1.0" encoding="utf-8"?>
-<p:sld xmlns:a="http://schemas.openxmlformats.org/drawingml/2006/main" xmlns:r="http://schemas.openxmlformats.org/officeDocument/2006/relationships" xmlns:p="http://schemas.openxmlformats.org/presentationml/2006/main">
-  <p:cSld>
-    <p:spTree>
-      <p:nvGrpSpPr>
-        <p:cNvPr id="1" name=""/>
-        <p:cNvGrpSpPr/>
-        <p:nvPr/>
-      </p:nvGrpSpPr>
-      <p:grpSpPr>
-        <a:xfrm>
-          <a:off x="0" y="0"/>
-          <a:ext cx="0" cy="0"/>
-          <a:chOff x="0" y="0"/>
-          <a:chExt cx="0" cy="0"/>
-        </a:xfrm>
-      </p:grpSpPr>
-      <p:sp>
-        <p:nvSpPr>
-          <p:cNvPr id="2" name="1 Título"/>
-          <p:cNvSpPr>
-            <a:spLocks noGrp="1"/>
-          </p:cNvSpPr>
-          <p:nvPr>
-            <p:ph type="title"/>
-          </p:nvPr>
-        </p:nvSpPr>
-        <p:spPr/>
-        <p:txBody>
-          <a:bodyPr/>
-          <a:lstStyle/>
-          <a:p>
-            <a:r>
-              <a:rPr lang="es-ES" dirty="0" smtClean="0"/>
-              <a:t>1. HARDWARE</a:t>
-            </a:r>
-            <a:endParaRPr lang="es-ES" dirty="0"/>
-          </a:p>
-        </p:txBody>
-      </p:sp>
-      <p:sp>
-        <p:nvSpPr>
-          <p:cNvPr id="3" name="Marcador de contenido 2"/>
-          <p:cNvSpPr>
-            <a:spLocks noGrp="1"/>
-          </p:cNvSpPr>
-          <p:nvPr>
-            <p:ph idx="1"/>
-          </p:nvPr>
-        </p:nvSpPr>
-        <p:spPr/>
-        <p:txBody>
-          <a:bodyPr/>
-          <a:lstStyle/>
-          <a:p>
-            <a:r>
-              <a:rPr lang="es-PE" dirty="0" smtClean="0"/>
-              <a:t>Empleo de una </a:t>
-            </a:r>
-            <a:r>
-              <a:rPr lang="es-PE" dirty="0" smtClean="0"/>
-              <a:t>CAMARA IR serial</a:t>
-            </a:r>
-            <a:endParaRPr lang="es-PE" dirty="0" smtClean="0"/>
-          </a:p>
-          <a:p>
-            <a:r>
-              <a:rPr lang="es-PE" dirty="0" smtClean="0"/>
-              <a:t>Conexión de un Sensor magnético</a:t>
-            </a:r>
-            <a:endParaRPr lang="es-PE" dirty="0"/>
-          </a:p>
-        </p:txBody>
-      </p:sp>
-    </p:spTree>
-    <p:extLst>
-      <p:ext uri="{BB962C8B-B14F-4D97-AF65-F5344CB8AC3E}">
-        <p14:creationId xmlns:p14="http://schemas.microsoft.com/office/powerpoint/2010/main" val="945995512"/>
       </p:ext>
     </p:extLst>
   </p:cSld>
@@ -4527,6 +4720,316 @@
       </p:grpSpPr>
       <p:sp>
         <p:nvSpPr>
+          <p:cNvPr id="2" name="1 Título"/>
+          <p:cNvSpPr>
+            <a:spLocks noGrp="1"/>
+          </p:cNvSpPr>
+          <p:nvPr>
+            <p:ph type="title"/>
+          </p:nvPr>
+        </p:nvSpPr>
+        <p:spPr/>
+        <p:txBody>
+          <a:bodyPr/>
+          <a:lstStyle/>
+          <a:p>
+            <a:r>
+              <a:rPr lang="es-ES" dirty="0" smtClean="0"/>
+              <a:t>1. HARDWARE</a:t>
+            </a:r>
+            <a:endParaRPr lang="es-ES" dirty="0"/>
+          </a:p>
+        </p:txBody>
+      </p:sp>
+      <p:sp>
+        <p:nvSpPr>
+          <p:cNvPr id="3" name="Marcador de contenido 2"/>
+          <p:cNvSpPr>
+            <a:spLocks noGrp="1"/>
+          </p:cNvSpPr>
+          <p:nvPr>
+            <p:ph idx="1"/>
+          </p:nvPr>
+        </p:nvSpPr>
+        <p:spPr/>
+        <p:txBody>
+          <a:bodyPr/>
+          <a:lstStyle/>
+          <a:p>
+            <a:r>
+              <a:rPr lang="es-PE" dirty="0" smtClean="0"/>
+              <a:t>Empleo de una CAMARA IR serial</a:t>
+            </a:r>
+          </a:p>
+          <a:p>
+            <a:r>
+              <a:rPr lang="es-PE" dirty="0" smtClean="0"/>
+              <a:t>Conexión de un Sensor magnético</a:t>
+            </a:r>
+            <a:endParaRPr lang="es-PE" dirty="0"/>
+          </a:p>
+        </p:txBody>
+      </p:sp>
+    </p:spTree>
+    <p:extLst>
+      <p:ext uri="{BB962C8B-B14F-4D97-AF65-F5344CB8AC3E}">
+        <p14:creationId xmlns:p14="http://schemas.microsoft.com/office/powerpoint/2010/main" val="945995512"/>
+      </p:ext>
+    </p:extLst>
+  </p:cSld>
+  <p:clrMapOvr>
+    <a:masterClrMapping/>
+  </p:clrMapOvr>
+  <p:timing>
+    <p:tnLst>
+      <p:par>
+        <p:cTn id="1" dur="indefinite" restart="never" nodeType="tmRoot"/>
+      </p:par>
+    </p:tnLst>
+  </p:timing>
+</p:sld>
+</file>
+
+<file path=ppt/slides/slide17.xml><?xml version="1.0" encoding="utf-8"?>
+<p:sld xmlns:a="http://schemas.openxmlformats.org/drawingml/2006/main" xmlns:r="http://schemas.openxmlformats.org/officeDocument/2006/relationships" xmlns:p="http://schemas.openxmlformats.org/presentationml/2006/main">
+  <p:cSld>
+    <p:spTree>
+      <p:nvGrpSpPr>
+        <p:cNvPr id="1" name=""/>
+        <p:cNvGrpSpPr/>
+        <p:nvPr/>
+      </p:nvGrpSpPr>
+      <p:grpSpPr>
+        <a:xfrm>
+          <a:off x="0" y="0"/>
+          <a:ext cx="0" cy="0"/>
+          <a:chOff x="0" y="0"/>
+          <a:chExt cx="0" cy="0"/>
+        </a:xfrm>
+      </p:grpSpPr>
+      <p:sp>
+        <p:nvSpPr>
+          <p:cNvPr id="5" name="CuadroTexto 4"/>
+          <p:cNvSpPr txBox="1"/>
+          <p:nvPr/>
+        </p:nvSpPr>
+        <p:spPr>
+          <a:xfrm>
+            <a:off x="4606833" y="2066440"/>
+            <a:ext cx="3556102" cy="707886"/>
+          </a:xfrm>
+          <a:prstGeom prst="rect">
+            <a:avLst/>
+          </a:prstGeom>
+          <a:noFill/>
+        </p:spPr>
+        <p:txBody>
+          <a:bodyPr wrap="none" rtlCol="0">
+            <a:spAutoFit/>
+          </a:bodyPr>
+          <a:lstStyle/>
+          <a:p>
+            <a:pPr marL="342900" indent="-342900">
+              <a:buAutoNum type="arabicPeriod"/>
+            </a:pPr>
+            <a:r>
+              <a:rPr lang="es-PE" sz="4000" dirty="0" smtClean="0"/>
+              <a:t>HARDWARE</a:t>
+            </a:r>
+          </a:p>
+        </p:txBody>
+      </p:sp>
+      <p:sp>
+        <p:nvSpPr>
+          <p:cNvPr id="15" name="14 Rectángulo redondeado"/>
+          <p:cNvSpPr/>
+          <p:nvPr/>
+        </p:nvSpPr>
+        <p:spPr>
+          <a:xfrm>
+            <a:off x="1851072" y="2131754"/>
+            <a:ext cx="2539293" cy="2423916"/>
+          </a:xfrm>
+          <a:prstGeom prst="roundRect">
+            <a:avLst/>
+          </a:prstGeom>
+          <a:noFill/>
+          <a:ln w="19050"/>
+        </p:spPr>
+        <p:style>
+          <a:lnRef idx="2">
+            <a:schemeClr val="accent1">
+              <a:shade val="50000"/>
+            </a:schemeClr>
+          </a:lnRef>
+          <a:fillRef idx="1">
+            <a:schemeClr val="accent1"/>
+          </a:fillRef>
+          <a:effectRef idx="0">
+            <a:schemeClr val="accent1"/>
+          </a:effectRef>
+          <a:fontRef idx="minor">
+            <a:schemeClr val="lt1"/>
+          </a:fontRef>
+        </p:style>
+        <p:txBody>
+          <a:bodyPr rtlCol="0" anchor="ctr"/>
+          <a:lstStyle/>
+          <a:p>
+            <a:pPr algn="ctr"/>
+            <a:r>
+              <a:rPr lang="es-ES" sz="3600" b="1" dirty="0" smtClean="0">
+                <a:solidFill>
+                  <a:srgbClr val="00B050"/>
+                </a:solidFill>
+              </a:rPr>
+              <a:t>Prototipo</a:t>
+            </a:r>
+          </a:p>
+          <a:p>
+            <a:pPr algn="ctr"/>
+            <a:r>
+              <a:rPr lang="es-ES" sz="3600" b="1" dirty="0" smtClean="0">
+                <a:solidFill>
+                  <a:schemeClr val="tx1"/>
+                </a:solidFill>
+              </a:rPr>
+              <a:t>+</a:t>
+            </a:r>
+          </a:p>
+          <a:p>
+            <a:pPr algn="ctr"/>
+            <a:r>
+              <a:rPr lang="es-ES" sz="3600" b="1" dirty="0" smtClean="0">
+                <a:solidFill>
+                  <a:srgbClr val="0070C0"/>
+                </a:solidFill>
+              </a:rPr>
+              <a:t>Servidor</a:t>
+            </a:r>
+            <a:endParaRPr lang="es-ES" sz="3600" b="1" dirty="0">
+              <a:solidFill>
+                <a:srgbClr val="0070C0"/>
+              </a:solidFill>
+            </a:endParaRPr>
+          </a:p>
+        </p:txBody>
+      </p:sp>
+      <p:sp>
+        <p:nvSpPr>
+          <p:cNvPr id="4" name="CuadroTexto 4"/>
+          <p:cNvSpPr txBox="1"/>
+          <p:nvPr/>
+        </p:nvSpPr>
+        <p:spPr>
+          <a:xfrm>
+            <a:off x="4606833" y="2774326"/>
+            <a:ext cx="6247351" cy="1938992"/>
+          </a:xfrm>
+          <a:prstGeom prst="rect">
+            <a:avLst/>
+          </a:prstGeom>
+          <a:noFill/>
+        </p:spPr>
+        <p:txBody>
+          <a:bodyPr wrap="none" rtlCol="0">
+            <a:spAutoFit/>
+          </a:bodyPr>
+          <a:lstStyle/>
+          <a:p>
+            <a:pPr marL="571500" indent="-571500">
+              <a:buFont typeface="Arial" pitchFamily="34" charset="0"/>
+              <a:buChar char="•"/>
+            </a:pPr>
+            <a:r>
+              <a:rPr lang="es-PE" sz="2400" dirty="0" smtClean="0"/>
+              <a:t>Diseño MODULAR</a:t>
+            </a:r>
+            <a:endParaRPr lang="es-PE" sz="2400" dirty="0"/>
+          </a:p>
+          <a:p>
+            <a:pPr marL="571500" indent="-571500">
+              <a:buFont typeface="Arial" pitchFamily="34" charset="0"/>
+              <a:buChar char="•"/>
+            </a:pPr>
+            <a:r>
+              <a:rPr lang="es-PE" sz="2400" dirty="0"/>
+              <a:t>Basado en un MICROCONTROLADOR</a:t>
+            </a:r>
+          </a:p>
+          <a:p>
+            <a:pPr marL="571500" indent="-571500">
+              <a:buFont typeface="Arial" pitchFamily="34" charset="0"/>
+              <a:buChar char="•"/>
+            </a:pPr>
+            <a:r>
+              <a:rPr lang="es-PE" sz="2400" dirty="0" smtClean="0"/>
+              <a:t>Receptor GPS y transmisor </a:t>
+            </a:r>
+            <a:r>
+              <a:rPr lang="es-PE" sz="2400" dirty="0" smtClean="0"/>
+              <a:t>GSM/GPRS</a:t>
+            </a:r>
+          </a:p>
+          <a:p>
+            <a:pPr marL="571500" indent="-571500">
+              <a:buFont typeface="Arial" pitchFamily="34" charset="0"/>
+              <a:buChar char="•"/>
+            </a:pPr>
+            <a:r>
+              <a:rPr lang="es-PE" sz="2400" dirty="0" smtClean="0"/>
+              <a:t>CAMARA IR y sensor magnético</a:t>
+            </a:r>
+            <a:endParaRPr lang="es-PE" sz="2400" dirty="0" smtClean="0"/>
+          </a:p>
+          <a:p>
+            <a:pPr marL="571500" indent="-571500">
+              <a:buFont typeface="Arial" pitchFamily="34" charset="0"/>
+              <a:buChar char="•"/>
+            </a:pPr>
+            <a:endParaRPr lang="es-PE" sz="2400" dirty="0"/>
+          </a:p>
+        </p:txBody>
+      </p:sp>
+    </p:spTree>
+    <p:extLst>
+      <p:ext uri="{BB962C8B-B14F-4D97-AF65-F5344CB8AC3E}">
+        <p14:creationId xmlns:p14="http://schemas.microsoft.com/office/powerpoint/2010/main" val="2341241448"/>
+      </p:ext>
+    </p:extLst>
+  </p:cSld>
+  <p:clrMapOvr>
+    <a:masterClrMapping/>
+  </p:clrMapOvr>
+  <p:timing>
+    <p:tnLst>
+      <p:par>
+        <p:cTn id="1" dur="indefinite" restart="never" nodeType="tmRoot"/>
+      </p:par>
+    </p:tnLst>
+  </p:timing>
+</p:sld>
+</file>
+
+<file path=ppt/slides/slide18.xml><?xml version="1.0" encoding="utf-8"?>
+<p:sld xmlns:a="http://schemas.openxmlformats.org/drawingml/2006/main" xmlns:r="http://schemas.openxmlformats.org/officeDocument/2006/relationships" xmlns:p="http://schemas.openxmlformats.org/presentationml/2006/main">
+  <p:cSld>
+    <p:spTree>
+      <p:nvGrpSpPr>
+        <p:cNvPr id="1" name=""/>
+        <p:cNvGrpSpPr/>
+        <p:nvPr/>
+      </p:nvGrpSpPr>
+      <p:grpSpPr>
+        <a:xfrm>
+          <a:off x="0" y="0"/>
+          <a:ext cx="0" cy="0"/>
+          <a:chOff x="0" y="0"/>
+          <a:chExt cx="0" cy="0"/>
+        </a:xfrm>
+      </p:grpSpPr>
+      <p:sp>
+        <p:nvSpPr>
           <p:cNvPr id="4" name="Título 3"/>
           <p:cNvSpPr>
             <a:spLocks noGrp="1"/>
@@ -4587,7 +5090,7 @@
 </p:sld>
 </file>
 
-<file path=ppt/slides/slide17.xml><?xml version="1.0" encoding="utf-8"?>
+<file path=ppt/slides/slide19.xml><?xml version="1.0" encoding="utf-8"?>
 <p:sld xmlns:a="http://schemas.openxmlformats.org/drawingml/2006/main" xmlns:r="http://schemas.openxmlformats.org/officeDocument/2006/relationships" xmlns:p="http://schemas.openxmlformats.org/presentationml/2006/main">
   <p:cSld>
     <p:spTree>
@@ -6696,8 +7199,8 @@
         </p:nvSpPr>
         <p:spPr>
           <a:xfrm>
-            <a:off x="838201" y="1859606"/>
-            <a:ext cx="4718130" cy="4351338"/>
+            <a:off x="838200" y="1859606"/>
+            <a:ext cx="5313218" cy="4351338"/>
           </a:xfrm>
         </p:spPr>
         <p:txBody>
@@ -6710,15 +7213,15 @@
             </a:r>
             <a:r>
               <a:rPr lang="es-PE" dirty="0" smtClean="0"/>
-              <a:t>MODULAR</a:t>
-            </a:r>
+              <a:t>MODULAR: Escalable</a:t>
+            </a:r>
+            <a:endParaRPr lang="es-PE" dirty="0" smtClean="0"/>
           </a:p>
           <a:p>
             <a:r>
               <a:rPr lang="es-PE" dirty="0" smtClean="0"/>
               <a:t>Permite actualizar cada parte por separado</a:t>
             </a:r>
-            <a:endParaRPr lang="es-PE" dirty="0" smtClean="0"/>
           </a:p>
         </p:txBody>
       </p:sp>
@@ -7171,7 +7674,7 @@
         <p:spPr>
           <a:xfrm>
             <a:off x="4606833" y="2774326"/>
-            <a:ext cx="3347391" cy="1569660"/>
+            <a:ext cx="4832670" cy="1569660"/>
           </a:xfrm>
           <a:prstGeom prst="rect">
             <a:avLst/>
@@ -7190,7 +7693,11 @@
             </a:pPr>
             <a:r>
               <a:rPr lang="es-PE" sz="2400" dirty="0" smtClean="0"/>
-              <a:t>Diseño MODULAR</a:t>
+              <a:t>Diseño </a:t>
+            </a:r>
+            <a:r>
+              <a:rPr lang="es-PE" sz="2400" dirty="0" smtClean="0"/>
+              <a:t>MODULAR: Escalable</a:t>
             </a:r>
             <a:endParaRPr lang="es-PE" sz="2400" dirty="0"/>
           </a:p>

--- a/Telelocalización y Captura de Imágenes.pptx
+++ b/Telelocalización y Captura de Imágenes.pptx
@@ -13,17 +13,18 @@
     <p:sldId id="259" r:id="rId7"/>
     <p:sldId id="264" r:id="rId8"/>
     <p:sldId id="271" r:id="rId9"/>
-    <p:sldId id="267" r:id="rId10"/>
-    <p:sldId id="266" r:id="rId11"/>
-    <p:sldId id="275" r:id="rId12"/>
-    <p:sldId id="269" r:id="rId13"/>
-    <p:sldId id="273" r:id="rId14"/>
-    <p:sldId id="268" r:id="rId15"/>
-    <p:sldId id="274" r:id="rId16"/>
-    <p:sldId id="272" r:id="rId17"/>
-    <p:sldId id="276" r:id="rId18"/>
-    <p:sldId id="262" r:id="rId19"/>
-    <p:sldId id="263" r:id="rId20"/>
+    <p:sldId id="279" r:id="rId10"/>
+    <p:sldId id="267" r:id="rId11"/>
+    <p:sldId id="266" r:id="rId12"/>
+    <p:sldId id="275" r:id="rId13"/>
+    <p:sldId id="269" r:id="rId14"/>
+    <p:sldId id="273" r:id="rId15"/>
+    <p:sldId id="268" r:id="rId16"/>
+    <p:sldId id="274" r:id="rId17"/>
+    <p:sldId id="272" r:id="rId18"/>
+    <p:sldId id="276" r:id="rId19"/>
+    <p:sldId id="262" r:id="rId20"/>
+    <p:sldId id="263" r:id="rId21"/>
   </p:sldIdLst>
   <p:sldSz cx="12192000" cy="6858000"/>
   <p:notesSz cx="6858000" cy="9144000"/>
@@ -124,7 +125,7 @@
   </p:defaultTextStyle>
   <p:extLst>
     <p:ext uri="{EFAFB233-063F-42B5-8137-9DF3F51BA10A}">
-      <p15:sldGuideLst xmlns:p15="http://schemas.microsoft.com/office/powerpoint/2012/main">
+      <p15:sldGuideLst xmlns:p15="http://schemas.microsoft.com/office/powerpoint/2012/main" xmlns="">
         <p15:guide id="1" orient="horz" pos="2160">
           <p15:clr>
             <a:srgbClr val="A4A3A4"/>
@@ -272,7 +273,7 @@
           <a:p>
             <a:fld id="{F3D66D49-C998-4448-A9A4-08248D17FD06}" type="datetimeFigureOut">
               <a:rPr lang="es-PE" smtClean="0"/>
-              <a:t>03/12/2015</a:t>
+              <a:t>07/12/2015</a:t>
             </a:fld>
             <a:endParaRPr lang="es-PE"/>
           </a:p>
@@ -442,7 +443,7 @@
           <a:p>
             <a:fld id="{F3D66D49-C998-4448-A9A4-08248D17FD06}" type="datetimeFigureOut">
               <a:rPr lang="es-PE" smtClean="0"/>
-              <a:t>03/12/2015</a:t>
+              <a:t>07/12/2015</a:t>
             </a:fld>
             <a:endParaRPr lang="es-PE"/>
           </a:p>
@@ -622,7 +623,7 @@
           <a:p>
             <a:fld id="{F3D66D49-C998-4448-A9A4-08248D17FD06}" type="datetimeFigureOut">
               <a:rPr lang="es-PE" smtClean="0"/>
-              <a:t>03/12/2015</a:t>
+              <a:t>07/12/2015</a:t>
             </a:fld>
             <a:endParaRPr lang="es-PE"/>
           </a:p>
@@ -792,7 +793,7 @@
           <a:p>
             <a:fld id="{F3D66D49-C998-4448-A9A4-08248D17FD06}" type="datetimeFigureOut">
               <a:rPr lang="es-PE" smtClean="0"/>
-              <a:t>03/12/2015</a:t>
+              <a:t>07/12/2015</a:t>
             </a:fld>
             <a:endParaRPr lang="es-PE"/>
           </a:p>
@@ -1038,7 +1039,7 @@
           <a:p>
             <a:fld id="{F3D66D49-C998-4448-A9A4-08248D17FD06}" type="datetimeFigureOut">
               <a:rPr lang="es-PE" smtClean="0"/>
-              <a:t>03/12/2015</a:t>
+              <a:t>07/12/2015</a:t>
             </a:fld>
             <a:endParaRPr lang="es-PE"/>
           </a:p>
@@ -1270,7 +1271,7 @@
           <a:p>
             <a:fld id="{F3D66D49-C998-4448-A9A4-08248D17FD06}" type="datetimeFigureOut">
               <a:rPr lang="es-PE" smtClean="0"/>
-              <a:t>03/12/2015</a:t>
+              <a:t>07/12/2015</a:t>
             </a:fld>
             <a:endParaRPr lang="es-PE"/>
           </a:p>
@@ -1637,7 +1638,7 @@
           <a:p>
             <a:fld id="{F3D66D49-C998-4448-A9A4-08248D17FD06}" type="datetimeFigureOut">
               <a:rPr lang="es-PE" smtClean="0"/>
-              <a:t>03/12/2015</a:t>
+              <a:t>07/12/2015</a:t>
             </a:fld>
             <a:endParaRPr lang="es-PE"/>
           </a:p>
@@ -1755,7 +1756,7 @@
           <a:p>
             <a:fld id="{F3D66D49-C998-4448-A9A4-08248D17FD06}" type="datetimeFigureOut">
               <a:rPr lang="es-PE" smtClean="0"/>
-              <a:t>03/12/2015</a:t>
+              <a:t>07/12/2015</a:t>
             </a:fld>
             <a:endParaRPr lang="es-PE"/>
           </a:p>
@@ -1850,7 +1851,7 @@
           <a:p>
             <a:fld id="{F3D66D49-C998-4448-A9A4-08248D17FD06}" type="datetimeFigureOut">
               <a:rPr lang="es-PE" smtClean="0"/>
-              <a:t>03/12/2015</a:t>
+              <a:t>07/12/2015</a:t>
             </a:fld>
             <a:endParaRPr lang="es-PE"/>
           </a:p>
@@ -2127,7 +2128,7 @@
           <a:p>
             <a:fld id="{F3D66D49-C998-4448-A9A4-08248D17FD06}" type="datetimeFigureOut">
               <a:rPr lang="es-PE" smtClean="0"/>
-              <a:t>03/12/2015</a:t>
+              <a:t>07/12/2015</a:t>
             </a:fld>
             <a:endParaRPr lang="es-PE"/>
           </a:p>
@@ -2380,7 +2381,7 @@
           <a:p>
             <a:fld id="{F3D66D49-C998-4448-A9A4-08248D17FD06}" type="datetimeFigureOut">
               <a:rPr lang="es-PE" smtClean="0"/>
-              <a:t>03/12/2015</a:t>
+              <a:t>07/12/2015</a:t>
             </a:fld>
             <a:endParaRPr lang="es-PE"/>
           </a:p>
@@ -2593,7 +2594,7 @@
           <a:p>
             <a:fld id="{F3D66D49-C998-4448-A9A4-08248D17FD06}" type="datetimeFigureOut">
               <a:rPr lang="es-PE" smtClean="0"/>
-              <a:t>03/12/2015</a:t>
+              <a:t>07/12/2015</a:t>
             </a:fld>
             <a:endParaRPr lang="es-PE"/>
           </a:p>
@@ -3085,146 +3086,52 @@
       </p:grpSpPr>
       <p:sp>
         <p:nvSpPr>
-          <p:cNvPr id="2" name="1 Título"/>
-          <p:cNvSpPr>
-            <a:spLocks noGrp="1"/>
-          </p:cNvSpPr>
-          <p:nvPr>
-            <p:ph type="title"/>
-          </p:nvPr>
-        </p:nvSpPr>
-        <p:spPr/>
-        <p:txBody>
-          <a:bodyPr/>
-          <a:lstStyle/>
-          <a:p>
-            <a:r>
-              <a:rPr lang="es-ES" dirty="0" smtClean="0"/>
-              <a:t>1. HARDWARE</a:t>
-            </a:r>
-            <a:endParaRPr lang="es-ES" dirty="0"/>
-          </a:p>
-        </p:txBody>
-      </p:sp>
-      <p:sp>
-        <p:nvSpPr>
-          <p:cNvPr id="12" name="11 Marcador de contenido"/>
-          <p:cNvSpPr>
-            <a:spLocks noGrp="1"/>
-          </p:cNvSpPr>
-          <p:nvPr>
-            <p:ph idx="1"/>
-          </p:nvPr>
+          <p:cNvPr id="5" name="CuadroTexto 4"/>
+          <p:cNvSpPr txBox="1"/>
+          <p:nvPr/>
         </p:nvSpPr>
         <p:spPr>
           <a:xfrm>
-            <a:off x="4769553" y="4968792"/>
-            <a:ext cx="6584247" cy="1188317"/>
-          </a:xfrm>
-        </p:spPr>
-        <p:txBody>
-          <a:bodyPr/>
-          <a:lstStyle/>
-          <a:p>
-            <a:r>
-              <a:rPr lang="es-ES" dirty="0" smtClean="0"/>
-              <a:t>Plataforma de desarrollo</a:t>
-            </a:r>
-          </a:p>
-          <a:p>
-            <a:r>
-              <a:rPr lang="es-ES" dirty="0" smtClean="0"/>
-              <a:t>Microcontrolador </a:t>
-            </a:r>
-            <a:r>
-              <a:rPr lang="es-ES" dirty="0" err="1" smtClean="0"/>
-              <a:t>Atmel</a:t>
-            </a:r>
-            <a:r>
-              <a:rPr lang="es-ES" dirty="0" smtClean="0"/>
-              <a:t> ATMega328</a:t>
-            </a:r>
-            <a:endParaRPr lang="es-ES" dirty="0"/>
-          </a:p>
-        </p:txBody>
-      </p:sp>
-      <p:pic>
-        <p:nvPicPr>
-          <p:cNvPr id="4" name="3 Imagen"/>
-          <p:cNvPicPr>
-            <a:picLocks noChangeAspect="1"/>
-          </p:cNvPicPr>
-          <p:nvPr/>
-        </p:nvPicPr>
-        <p:blipFill>
-          <a:blip r:embed="rId2" cstate="print">
-            <a:extLst>
-              <a:ext uri="{28A0092B-C50C-407E-A947-70E740481C1C}">
-                <a14:useLocalDpi xmlns:a14="http://schemas.microsoft.com/office/drawing/2010/main" val="0"/>
-              </a:ext>
-            </a:extLst>
-          </a:blip>
-          <a:stretch>
-            <a:fillRect/>
-          </a:stretch>
-        </p:blipFill>
-        <p:spPr>
-          <a:xfrm>
-            <a:off x="2406235" y="2890578"/>
-            <a:ext cx="3042767" cy="2366032"/>
+            <a:off x="4606833" y="2066440"/>
+            <a:ext cx="3556102" cy="707886"/>
           </a:xfrm>
           <a:prstGeom prst="rect">
             <a:avLst/>
           </a:prstGeom>
-        </p:spPr>
-      </p:pic>
-      <p:pic>
-        <p:nvPicPr>
-          <p:cNvPr id="6" name="5 Imagen"/>
-          <p:cNvPicPr>
-            <a:picLocks noChangeAspect="1"/>
-          </p:cNvPicPr>
+          <a:noFill/>
+        </p:spPr>
+        <p:txBody>
+          <a:bodyPr wrap="none" rtlCol="0">
+            <a:spAutoFit/>
+          </a:bodyPr>
+          <a:lstStyle/>
+          <a:p>
+            <a:pPr marL="342900" indent="-342900">
+              <a:buAutoNum type="arabicPeriod"/>
+            </a:pPr>
+            <a:r>
+              <a:rPr lang="es-PE" sz="4000" dirty="0" smtClean="0"/>
+              <a:t>HARDWARE</a:t>
+            </a:r>
+          </a:p>
+        </p:txBody>
+      </p:sp>
+      <p:sp>
+        <p:nvSpPr>
+          <p:cNvPr id="15" name="14 Rectángulo redondeado"/>
+          <p:cNvSpPr/>
           <p:nvPr/>
-        </p:nvPicPr>
-        <p:blipFill rotWithShape="1">
-          <a:blip r:embed="rId3" cstate="print">
-            <a:extLst>
-              <a:ext uri="{28A0092B-C50C-407E-A947-70E740481C1C}">
-                <a14:useLocalDpi xmlns:a14="http://schemas.microsoft.com/office/drawing/2010/main" val="0"/>
-              </a:ext>
-            </a:extLst>
-          </a:blip>
-          <a:srcRect b="18251"/>
-          <a:stretch/>
-        </p:blipFill>
+        </p:nvSpPr>
         <p:spPr>
           <a:xfrm>
-            <a:off x="5798091" y="1102207"/>
-            <a:ext cx="3265714" cy="2669694"/>
-          </a:xfrm>
-          <a:prstGeom prst="rect">
+            <a:off x="1851072" y="2131754"/>
+            <a:ext cx="2539293" cy="2423916"/>
+          </a:xfrm>
+          <a:prstGeom prst="roundRect">
             <a:avLst/>
           </a:prstGeom>
-        </p:spPr>
-      </p:pic>
-      <p:sp>
-        <p:nvSpPr>
-          <p:cNvPr id="10" name="9 Flecha curvada hacia abajo"/>
-          <p:cNvSpPr/>
-          <p:nvPr/>
-        </p:nvSpPr>
-        <p:spPr>
-          <a:xfrm rot="19935040">
-            <a:off x="3377952" y="1986417"/>
-            <a:ext cx="3081279" cy="1130143"/>
-          </a:xfrm>
-          <a:prstGeom prst="curvedDownArrow">
-            <a:avLst>
-              <a:gd name="adj1" fmla="val 19996"/>
-              <a:gd name="adj2" fmla="val 42314"/>
-              <a:gd name="adj3" fmla="val 34561"/>
-            </a:avLst>
-          </a:prstGeom>
+          <a:noFill/>
+          <a:ln w="19050"/>
         </p:spPr>
         <p:style>
           <a:lnRef idx="2">
@@ -3247,18 +3154,135 @@
           <a:lstStyle/>
           <a:p>
             <a:pPr algn="ctr"/>
-            <a:endParaRPr lang="es-ES">
+            <a:r>
+              <a:rPr lang="es-ES" sz="3600" b="1" dirty="0" smtClean="0">
+                <a:solidFill>
+                  <a:srgbClr val="00B050"/>
+                </a:solidFill>
+              </a:rPr>
+              <a:t>Prototipo</a:t>
+            </a:r>
+          </a:p>
+          <a:p>
+            <a:pPr algn="ctr"/>
+            <a:r>
+              <a:rPr lang="es-ES" sz="3600" b="1" dirty="0" smtClean="0">
+                <a:solidFill>
+                  <a:schemeClr val="tx1"/>
+                </a:solidFill>
+              </a:rPr>
+              <a:t>+</a:t>
+            </a:r>
+          </a:p>
+          <a:p>
+            <a:pPr algn="ctr"/>
+            <a:r>
+              <a:rPr lang="es-ES" sz="3600" b="1" dirty="0" smtClean="0">
+                <a:solidFill>
+                  <a:srgbClr val="0070C0"/>
+                </a:solidFill>
+              </a:rPr>
+              <a:t>Servidor</a:t>
+            </a:r>
+            <a:endParaRPr lang="es-ES" sz="3600" b="1" dirty="0">
               <a:solidFill>
-                <a:schemeClr val="tx1"/>
+                <a:srgbClr val="0070C0"/>
               </a:solidFill>
             </a:endParaRPr>
+          </a:p>
+        </p:txBody>
+      </p:sp>
+      <p:sp>
+        <p:nvSpPr>
+          <p:cNvPr id="4" name="CuadroTexto 4"/>
+          <p:cNvSpPr txBox="1"/>
+          <p:nvPr/>
+        </p:nvSpPr>
+        <p:spPr>
+          <a:xfrm>
+            <a:off x="4606833" y="2774326"/>
+            <a:ext cx="4832670" cy="1938992"/>
+          </a:xfrm>
+          <a:prstGeom prst="rect">
+            <a:avLst/>
+          </a:prstGeom>
+          <a:noFill/>
+        </p:spPr>
+        <p:txBody>
+          <a:bodyPr wrap="none" rtlCol="0">
+            <a:spAutoFit/>
+          </a:bodyPr>
+          <a:lstStyle/>
+          <a:p>
+            <a:pPr marL="571500" indent="-571500">
+              <a:buFont typeface="Arial" pitchFamily="34" charset="0"/>
+              <a:buChar char="•"/>
+            </a:pPr>
+            <a:r>
+              <a:rPr lang="es-PE" sz="2400" dirty="0" smtClean="0"/>
+              <a:t>Diseño MODULAR: Escalable</a:t>
+            </a:r>
+            <a:endParaRPr lang="es-PE" sz="2400" dirty="0"/>
+          </a:p>
+          <a:p>
+            <a:pPr marL="571500" indent="-571500">
+              <a:buClr>
+                <a:schemeClr val="bg1">
+                  <a:lumMod val="65000"/>
+                </a:schemeClr>
+              </a:buClr>
+              <a:buFont typeface="Arial" pitchFamily="34" charset="0"/>
+              <a:buChar char="•"/>
+            </a:pPr>
+            <a:r>
+              <a:rPr lang="es-PE" sz="2400" i="1" dirty="0" smtClean="0"/>
+              <a:t> </a:t>
+            </a:r>
+          </a:p>
+          <a:p>
+            <a:pPr marL="571500" indent="-571500">
+              <a:buClr>
+                <a:schemeClr val="bg1">
+                  <a:lumMod val="65000"/>
+                </a:schemeClr>
+              </a:buClr>
+              <a:buFont typeface="Arial" pitchFamily="34" charset="0"/>
+              <a:buChar char="•"/>
+            </a:pPr>
+            <a:r>
+              <a:rPr lang="es-PE" sz="2400" dirty="0" smtClean="0"/>
+              <a:t> </a:t>
+            </a:r>
+            <a:endParaRPr lang="es-PE" sz="2400" dirty="0" smtClean="0"/>
+          </a:p>
+          <a:p>
+            <a:pPr marL="571500" indent="-571500">
+              <a:buClr>
+                <a:schemeClr val="bg1">
+                  <a:lumMod val="65000"/>
+                </a:schemeClr>
+              </a:buClr>
+              <a:buFont typeface="Arial" pitchFamily="34" charset="0"/>
+              <a:buChar char="•"/>
+            </a:pPr>
+            <a:r>
+              <a:rPr lang="es-PE" sz="2400" dirty="0"/>
+              <a:t> </a:t>
+            </a:r>
+            <a:endParaRPr lang="es-PE" sz="2400" dirty="0"/>
+          </a:p>
+          <a:p>
+            <a:r>
+              <a:rPr lang="es-PE" sz="2400" dirty="0" smtClean="0"/>
+              <a:t> </a:t>
+            </a:r>
           </a:p>
         </p:txBody>
       </p:sp>
     </p:spTree>
     <p:extLst>
       <p:ext uri="{BB962C8B-B14F-4D97-AF65-F5344CB8AC3E}">
-        <p14:creationId xmlns:p14="http://schemas.microsoft.com/office/powerpoint/2010/main" val="470410634"/>
+        <p14:creationId xmlns:p14="http://schemas.microsoft.com/office/powerpoint/2010/main" val="1523573905"/>
       </p:ext>
     </p:extLst>
   </p:cSld>
@@ -3327,8 +3351,8 @@
         </p:nvSpPr>
         <p:spPr>
           <a:xfrm>
-            <a:off x="5517573" y="1953492"/>
-            <a:ext cx="5836227" cy="4203618"/>
+            <a:off x="4769553" y="4968792"/>
+            <a:ext cx="6584247" cy="1188317"/>
           </a:xfrm>
         </p:spPr>
         <p:txBody>
@@ -3357,6 +3381,36 @@
           </a:p>
         </p:txBody>
       </p:sp>
+      <p:pic>
+        <p:nvPicPr>
+          <p:cNvPr id="4" name="3 Imagen"/>
+          <p:cNvPicPr>
+            <a:picLocks noChangeAspect="1"/>
+          </p:cNvPicPr>
+          <p:nvPr/>
+        </p:nvPicPr>
+        <p:blipFill>
+          <a:blip r:embed="rId2" cstate="print">
+            <a:extLst>
+              <a:ext uri="{28A0092B-C50C-407E-A947-70E740481C1C}">
+                <a14:useLocalDpi xmlns:a14="http://schemas.microsoft.com/office/drawing/2010/main" val="0"/>
+              </a:ext>
+            </a:extLst>
+          </a:blip>
+          <a:stretch>
+            <a:fillRect/>
+          </a:stretch>
+        </p:blipFill>
+        <p:spPr>
+          <a:xfrm>
+            <a:off x="2406235" y="2890578"/>
+            <a:ext cx="3042767" cy="2366032"/>
+          </a:xfrm>
+          <a:prstGeom prst="rect">
+            <a:avLst/>
+          </a:prstGeom>
+        </p:spPr>
+      </p:pic>
       <p:pic>
         <p:nvPicPr>
           <p:cNvPr id="6" name="5 Imagen"/>
@@ -3366,7 +3420,7 @@
           <p:nvPr/>
         </p:nvPicPr>
         <p:blipFill rotWithShape="1">
-          <a:blip r:embed="rId2" cstate="print">
+          <a:blip r:embed="rId3" cstate="print">
             <a:extLst>
               <a:ext uri="{28A0092B-C50C-407E-A947-70E740481C1C}">
                 <a14:useLocalDpi xmlns:a14="http://schemas.microsoft.com/office/drawing/2010/main" val="0"/>
@@ -3378,7 +3432,7 @@
         </p:blipFill>
         <p:spPr>
           <a:xfrm>
-            <a:off x="1600164" y="2172470"/>
+            <a:off x="5798091" y="1102207"/>
             <a:ext cx="3265714" cy="2669694"/>
           </a:xfrm>
           <a:prstGeom prst="rect">
@@ -3386,10 +3440,58 @@
           </a:prstGeom>
         </p:spPr>
       </p:pic>
+      <p:sp>
+        <p:nvSpPr>
+          <p:cNvPr id="10" name="9 Flecha curvada hacia abajo"/>
+          <p:cNvSpPr/>
+          <p:nvPr/>
+        </p:nvSpPr>
+        <p:spPr>
+          <a:xfrm rot="19935040">
+            <a:off x="3377952" y="1986417"/>
+            <a:ext cx="3081279" cy="1130143"/>
+          </a:xfrm>
+          <a:prstGeom prst="curvedDownArrow">
+            <a:avLst>
+              <a:gd name="adj1" fmla="val 19996"/>
+              <a:gd name="adj2" fmla="val 42314"/>
+              <a:gd name="adj3" fmla="val 34561"/>
+            </a:avLst>
+          </a:prstGeom>
+        </p:spPr>
+        <p:style>
+          <a:lnRef idx="2">
+            <a:schemeClr val="accent1">
+              <a:shade val="50000"/>
+            </a:schemeClr>
+          </a:lnRef>
+          <a:fillRef idx="1">
+            <a:schemeClr val="accent1"/>
+          </a:fillRef>
+          <a:effectRef idx="0">
+            <a:schemeClr val="accent1"/>
+          </a:effectRef>
+          <a:fontRef idx="minor">
+            <a:schemeClr val="lt1"/>
+          </a:fontRef>
+        </p:style>
+        <p:txBody>
+          <a:bodyPr rtlCol="0" anchor="ctr"/>
+          <a:lstStyle/>
+          <a:p>
+            <a:pPr algn="ctr"/>
+            <a:endParaRPr lang="es-ES">
+              <a:solidFill>
+                <a:schemeClr val="tx1"/>
+              </a:solidFill>
+            </a:endParaRPr>
+          </a:p>
+        </p:txBody>
+      </p:sp>
     </p:spTree>
     <p:extLst>
       <p:ext uri="{BB962C8B-B14F-4D97-AF65-F5344CB8AC3E}">
-        <p14:creationId xmlns:p14="http://schemas.microsoft.com/office/powerpoint/2010/main" val="3559310170"/>
+        <p14:creationId xmlns:p14="http://schemas.microsoft.com/office/powerpoint/2010/main" val="470410634"/>
       </p:ext>
     </p:extLst>
   </p:cSld>
@@ -3425,171 +3527,170 @@
       </p:grpSpPr>
       <p:sp>
         <p:nvSpPr>
-          <p:cNvPr id="5" name="CuadroTexto 4"/>
-          <p:cNvSpPr txBox="1"/>
+          <p:cNvPr id="2" name="1 Título"/>
+          <p:cNvSpPr>
+            <a:spLocks noGrp="1"/>
+          </p:cNvSpPr>
+          <p:nvPr>
+            <p:ph type="title"/>
+          </p:nvPr>
+        </p:nvSpPr>
+        <p:spPr/>
+        <p:txBody>
+          <a:bodyPr/>
+          <a:lstStyle/>
+          <a:p>
+            <a:r>
+              <a:rPr lang="es-ES" dirty="0" smtClean="0"/>
+              <a:t>1. HARDWARE</a:t>
+            </a:r>
+            <a:endParaRPr lang="es-ES" dirty="0"/>
+          </a:p>
+        </p:txBody>
+      </p:sp>
+      <p:sp>
+        <p:nvSpPr>
+          <p:cNvPr id="12" name="11 Marcador de contenido"/>
+          <p:cNvSpPr>
+            <a:spLocks noGrp="1"/>
+          </p:cNvSpPr>
+          <p:nvPr>
+            <p:ph idx="1"/>
+          </p:nvPr>
+        </p:nvSpPr>
+        <p:spPr>
+          <a:xfrm>
+            <a:off x="5517573" y="1953492"/>
+            <a:ext cx="5836227" cy="4203618"/>
+          </a:xfrm>
+        </p:spPr>
+        <p:txBody>
+          <a:bodyPr/>
+          <a:lstStyle/>
+          <a:p>
+            <a:r>
+              <a:rPr lang="es-ES" dirty="0" smtClean="0"/>
+              <a:t>Flash: 32 kb</a:t>
+            </a:r>
+          </a:p>
+          <a:p>
+            <a:r>
+              <a:rPr lang="es-ES" dirty="0" smtClean="0"/>
+              <a:t>SRAM: 2 kb</a:t>
+            </a:r>
+          </a:p>
+          <a:p>
+            <a:r>
+              <a:rPr lang="es-ES" dirty="0" smtClean="0"/>
+              <a:t>Frecuencia: 20 </a:t>
+            </a:r>
+            <a:r>
+              <a:rPr lang="es-ES" dirty="0" err="1" smtClean="0"/>
+              <a:t>Mhz</a:t>
+            </a:r>
+            <a:endParaRPr lang="es-ES" dirty="0" smtClean="0"/>
+          </a:p>
+          <a:p>
+            <a:r>
+              <a:rPr lang="es-ES" dirty="0" smtClean="0"/>
+              <a:t>Pines de E/S: 26</a:t>
+            </a:r>
+          </a:p>
+          <a:p>
+            <a:r>
+              <a:rPr lang="es-ES" dirty="0" smtClean="0"/>
+              <a:t>Puerto serial: 1</a:t>
+            </a:r>
+          </a:p>
+          <a:p>
+            <a:r>
+              <a:rPr lang="es-ES" dirty="0" smtClean="0"/>
+              <a:t>Puerto serial soft</a:t>
+            </a:r>
+            <a:r>
+              <a:rPr lang="es-ES" dirty="0" smtClean="0"/>
+              <a:t>ware: n</a:t>
+            </a:r>
+          </a:p>
+          <a:p>
+            <a:r>
+              <a:rPr lang="es-ES" dirty="0" smtClean="0"/>
+              <a:t>Consumo: 4mA</a:t>
+            </a:r>
+            <a:endParaRPr lang="es-ES" dirty="0" smtClean="0"/>
+          </a:p>
+        </p:txBody>
+      </p:sp>
+      <p:pic>
+        <p:nvPicPr>
+          <p:cNvPr id="6" name="5 Imagen"/>
+          <p:cNvPicPr>
+            <a:picLocks noChangeAspect="1"/>
+          </p:cNvPicPr>
           <p:nvPr/>
-        </p:nvSpPr>
+        </p:nvPicPr>
+        <p:blipFill rotWithShape="1">
+          <a:blip r:embed="rId2" cstate="print">
+            <a:extLst>
+              <a:ext uri="{28A0092B-C50C-407E-A947-70E740481C1C}">
+                <a14:useLocalDpi xmlns:a14="http://schemas.microsoft.com/office/drawing/2010/main" val="0"/>
+              </a:ext>
+            </a:extLst>
+          </a:blip>
+          <a:srcRect b="18251"/>
+          <a:stretch/>
+        </p:blipFill>
         <p:spPr>
           <a:xfrm>
-            <a:off x="4606833" y="2066440"/>
-            <a:ext cx="3556102" cy="707886"/>
+            <a:off x="1600164" y="2172470"/>
+            <a:ext cx="3265714" cy="2669694"/>
           </a:xfrm>
           <a:prstGeom prst="rect">
             <a:avLst/>
           </a:prstGeom>
-          <a:noFill/>
-        </p:spPr>
-        <p:txBody>
-          <a:bodyPr wrap="none" rtlCol="0">
-            <a:spAutoFit/>
-          </a:bodyPr>
-          <a:lstStyle/>
-          <a:p>
-            <a:pPr marL="342900" indent="-342900">
-              <a:buAutoNum type="arabicPeriod"/>
-            </a:pPr>
-            <a:r>
-              <a:rPr lang="es-PE" sz="4000" dirty="0" smtClean="0"/>
-              <a:t>HARDWARE</a:t>
-            </a:r>
-          </a:p>
-        </p:txBody>
-      </p:sp>
-      <p:sp>
-        <p:nvSpPr>
-          <p:cNvPr id="15" name="14 Rectángulo redondeado"/>
-          <p:cNvSpPr/>
+        </p:spPr>
+      </p:pic>
+      <p:cxnSp>
+        <p:nvCxnSpPr>
+          <p:cNvPr id="5" name="Conector recto 13"/>
+          <p:cNvCxnSpPr/>
           <p:nvPr/>
-        </p:nvSpPr>
+        </p:nvCxnSpPr>
         <p:spPr>
           <a:xfrm>
-            <a:off x="1851072" y="2131754"/>
-            <a:ext cx="2539293" cy="2423916"/>
-          </a:xfrm>
-          <a:prstGeom prst="roundRect">
+            <a:off x="5370615" y="1916049"/>
+            <a:ext cx="0" cy="3721608"/>
+          </a:xfrm>
+          <a:prstGeom prst="line">
             <a:avLst/>
           </a:prstGeom>
-          <a:noFill/>
-          <a:ln w="19050"/>
+          <a:ln w="38100">
+            <a:solidFill>
+              <a:schemeClr val="bg1">
+                <a:lumMod val="65000"/>
+              </a:schemeClr>
+            </a:solidFill>
+          </a:ln>
         </p:spPr>
         <p:style>
-          <a:lnRef idx="2">
-            <a:schemeClr val="accent1">
-              <a:shade val="50000"/>
-            </a:schemeClr>
+          <a:lnRef idx="1">
+            <a:schemeClr val="accent1"/>
           </a:lnRef>
-          <a:fillRef idx="1">
+          <a:fillRef idx="0">
             <a:schemeClr val="accent1"/>
           </a:fillRef>
           <a:effectRef idx="0">
             <a:schemeClr val="accent1"/>
           </a:effectRef>
           <a:fontRef idx="minor">
-            <a:schemeClr val="lt1"/>
+            <a:schemeClr val="tx1"/>
           </a:fontRef>
         </p:style>
-        <p:txBody>
-          <a:bodyPr rtlCol="0" anchor="ctr"/>
-          <a:lstStyle/>
-          <a:p>
-            <a:pPr algn="ctr"/>
-            <a:r>
-              <a:rPr lang="es-ES" sz="3600" b="1" dirty="0" smtClean="0">
-                <a:solidFill>
-                  <a:srgbClr val="00B050"/>
-                </a:solidFill>
-              </a:rPr>
-              <a:t>Prototipo</a:t>
-            </a:r>
-          </a:p>
-          <a:p>
-            <a:pPr algn="ctr"/>
-            <a:r>
-              <a:rPr lang="es-ES" sz="3600" b="1" dirty="0" smtClean="0">
-                <a:solidFill>
-                  <a:schemeClr val="tx1"/>
-                </a:solidFill>
-              </a:rPr>
-              <a:t>+</a:t>
-            </a:r>
-          </a:p>
-          <a:p>
-            <a:pPr algn="ctr"/>
-            <a:r>
-              <a:rPr lang="es-ES" sz="3600" b="1" dirty="0" smtClean="0">
-                <a:solidFill>
-                  <a:srgbClr val="0070C0"/>
-                </a:solidFill>
-              </a:rPr>
-              <a:t>Servidor</a:t>
-            </a:r>
-            <a:endParaRPr lang="es-ES" sz="3600" b="1" dirty="0">
-              <a:solidFill>
-                <a:srgbClr val="0070C0"/>
-              </a:solidFill>
-            </a:endParaRPr>
-          </a:p>
-        </p:txBody>
-      </p:sp>
-      <p:sp>
-        <p:nvSpPr>
-          <p:cNvPr id="4" name="CuadroTexto 4"/>
-          <p:cNvSpPr txBox="1"/>
-          <p:nvPr/>
-        </p:nvSpPr>
-        <p:spPr>
-          <a:xfrm>
-            <a:off x="4606833" y="2774326"/>
-            <a:ext cx="6156365" cy="1200329"/>
-          </a:xfrm>
-          <a:prstGeom prst="rect">
-            <a:avLst/>
-          </a:prstGeom>
-          <a:noFill/>
-        </p:spPr>
-        <p:txBody>
-          <a:bodyPr wrap="none" rtlCol="0">
-            <a:spAutoFit/>
-          </a:bodyPr>
-          <a:lstStyle/>
-          <a:p>
-            <a:pPr marL="571500" indent="-571500">
-              <a:buFont typeface="Arial" pitchFamily="34" charset="0"/>
-              <a:buChar char="•"/>
-            </a:pPr>
-            <a:r>
-              <a:rPr lang="es-PE" sz="2400" dirty="0" smtClean="0"/>
-              <a:t>Diseño MODULAR</a:t>
-            </a:r>
-            <a:endParaRPr lang="es-PE" sz="2400" dirty="0"/>
-          </a:p>
-          <a:p>
-            <a:pPr marL="571500" indent="-571500">
-              <a:buFont typeface="Arial" pitchFamily="34" charset="0"/>
-              <a:buChar char="•"/>
-            </a:pPr>
-            <a:r>
-              <a:rPr lang="es-PE" sz="2400" dirty="0"/>
-              <a:t>Basado en un MICROCONTROLADOR</a:t>
-            </a:r>
-          </a:p>
-          <a:p>
-            <a:pPr marL="571500" indent="-571500">
-              <a:buFont typeface="Arial" pitchFamily="34" charset="0"/>
-              <a:buChar char="•"/>
-            </a:pPr>
-            <a:r>
-              <a:rPr lang="es-PE" sz="2400" dirty="0" smtClean="0"/>
-              <a:t> </a:t>
-            </a:r>
-            <a:endParaRPr lang="es-PE" sz="2400" dirty="0"/>
-          </a:p>
-        </p:txBody>
-      </p:sp>
+      </p:cxnSp>
     </p:spTree>
     <p:extLst>
       <p:ext uri="{BB962C8B-B14F-4D97-AF65-F5344CB8AC3E}">
-        <p14:creationId xmlns:p14="http://schemas.microsoft.com/office/powerpoint/2010/main" val="2899903485"/>
+        <p14:creationId xmlns:p14="http://schemas.microsoft.com/office/powerpoint/2010/main" val="3559310170"/>
       </p:ext>
     </p:extLst>
   </p:cSld>
@@ -3625,6 +3726,253 @@
       </p:grpSpPr>
       <p:sp>
         <p:nvSpPr>
+          <p:cNvPr id="5" name="CuadroTexto 4"/>
+          <p:cNvSpPr txBox="1"/>
+          <p:nvPr/>
+        </p:nvSpPr>
+        <p:spPr>
+          <a:xfrm>
+            <a:off x="4606833" y="2066440"/>
+            <a:ext cx="3556102" cy="707886"/>
+          </a:xfrm>
+          <a:prstGeom prst="rect">
+            <a:avLst/>
+          </a:prstGeom>
+          <a:noFill/>
+        </p:spPr>
+        <p:txBody>
+          <a:bodyPr wrap="none" rtlCol="0">
+            <a:spAutoFit/>
+          </a:bodyPr>
+          <a:lstStyle/>
+          <a:p>
+            <a:pPr marL="342900" indent="-342900">
+              <a:buAutoNum type="arabicPeriod"/>
+            </a:pPr>
+            <a:r>
+              <a:rPr lang="es-PE" sz="4000" dirty="0" smtClean="0"/>
+              <a:t>HARDWARE</a:t>
+            </a:r>
+          </a:p>
+        </p:txBody>
+      </p:sp>
+      <p:sp>
+        <p:nvSpPr>
+          <p:cNvPr id="15" name="14 Rectángulo redondeado"/>
+          <p:cNvSpPr/>
+          <p:nvPr/>
+        </p:nvSpPr>
+        <p:spPr>
+          <a:xfrm>
+            <a:off x="1851072" y="2131754"/>
+            <a:ext cx="2539293" cy="2423916"/>
+          </a:xfrm>
+          <a:prstGeom prst="roundRect">
+            <a:avLst/>
+          </a:prstGeom>
+          <a:noFill/>
+          <a:ln w="19050"/>
+        </p:spPr>
+        <p:style>
+          <a:lnRef idx="2">
+            <a:schemeClr val="accent1">
+              <a:shade val="50000"/>
+            </a:schemeClr>
+          </a:lnRef>
+          <a:fillRef idx="1">
+            <a:schemeClr val="accent1"/>
+          </a:fillRef>
+          <a:effectRef idx="0">
+            <a:schemeClr val="accent1"/>
+          </a:effectRef>
+          <a:fontRef idx="minor">
+            <a:schemeClr val="lt1"/>
+          </a:fontRef>
+        </p:style>
+        <p:txBody>
+          <a:bodyPr rtlCol="0" anchor="ctr"/>
+          <a:lstStyle/>
+          <a:p>
+            <a:pPr algn="ctr"/>
+            <a:r>
+              <a:rPr lang="es-ES" sz="3600" b="1" dirty="0" smtClean="0">
+                <a:solidFill>
+                  <a:srgbClr val="00B050"/>
+                </a:solidFill>
+              </a:rPr>
+              <a:t>Prototipo</a:t>
+            </a:r>
+          </a:p>
+          <a:p>
+            <a:pPr algn="ctr"/>
+            <a:r>
+              <a:rPr lang="es-ES" sz="3600" b="1" dirty="0" smtClean="0">
+                <a:solidFill>
+                  <a:schemeClr val="tx1"/>
+                </a:solidFill>
+              </a:rPr>
+              <a:t>+</a:t>
+            </a:r>
+          </a:p>
+          <a:p>
+            <a:pPr algn="ctr"/>
+            <a:r>
+              <a:rPr lang="es-ES" sz="3600" b="1" dirty="0" smtClean="0">
+                <a:solidFill>
+                  <a:srgbClr val="0070C0"/>
+                </a:solidFill>
+              </a:rPr>
+              <a:t>Servidor</a:t>
+            </a:r>
+            <a:endParaRPr lang="es-ES" sz="3600" b="1" dirty="0">
+              <a:solidFill>
+                <a:srgbClr val="0070C0"/>
+              </a:solidFill>
+            </a:endParaRPr>
+          </a:p>
+        </p:txBody>
+      </p:sp>
+      <p:sp>
+        <p:nvSpPr>
+          <p:cNvPr id="4" name="CuadroTexto 4"/>
+          <p:cNvSpPr txBox="1"/>
+          <p:nvPr/>
+        </p:nvSpPr>
+        <p:spPr>
+          <a:xfrm>
+            <a:off x="4606833" y="2774326"/>
+            <a:ext cx="6156365" cy="1569660"/>
+          </a:xfrm>
+          <a:prstGeom prst="rect">
+            <a:avLst/>
+          </a:prstGeom>
+          <a:noFill/>
+        </p:spPr>
+        <p:txBody>
+          <a:bodyPr wrap="none" rtlCol="0">
+            <a:spAutoFit/>
+          </a:bodyPr>
+          <a:lstStyle/>
+          <a:p>
+            <a:pPr marL="571500" indent="-571500">
+              <a:buFont typeface="Arial" pitchFamily="34" charset="0"/>
+              <a:buChar char="•"/>
+            </a:pPr>
+            <a:r>
+              <a:rPr lang="es-PE" sz="2400" dirty="0" smtClean="0">
+                <a:solidFill>
+                  <a:schemeClr val="bg1">
+                    <a:lumMod val="65000"/>
+                  </a:schemeClr>
+                </a:solidFill>
+              </a:rPr>
+              <a:t>Diseño MODULAR</a:t>
+            </a:r>
+            <a:endParaRPr lang="es-PE" sz="2400" dirty="0">
+              <a:solidFill>
+                <a:schemeClr val="bg1">
+                  <a:lumMod val="65000"/>
+                </a:schemeClr>
+              </a:solidFill>
+            </a:endParaRPr>
+          </a:p>
+          <a:p>
+            <a:pPr marL="571500" indent="-571500">
+              <a:buFont typeface="Arial" pitchFamily="34" charset="0"/>
+              <a:buChar char="•"/>
+            </a:pPr>
+            <a:r>
+              <a:rPr lang="es-PE" sz="2400" dirty="0"/>
+              <a:t>Basado en un MICROCONTROLADOR</a:t>
+            </a:r>
+          </a:p>
+          <a:p>
+            <a:pPr marL="571500" indent="-571500">
+              <a:buFont typeface="Arial" pitchFamily="34" charset="0"/>
+              <a:buChar char="•"/>
+            </a:pPr>
+            <a:r>
+              <a:rPr lang="es-PE" sz="2400" dirty="0" smtClean="0">
+                <a:solidFill>
+                  <a:schemeClr val="bg1">
+                    <a:lumMod val="65000"/>
+                  </a:schemeClr>
+                </a:solidFill>
+              </a:rPr>
+              <a:t> </a:t>
+            </a:r>
+            <a:endParaRPr lang="es-PE" sz="2400" dirty="0" smtClean="0">
+              <a:solidFill>
+                <a:schemeClr val="bg1">
+                  <a:lumMod val="65000"/>
+                </a:schemeClr>
+              </a:solidFill>
+            </a:endParaRPr>
+          </a:p>
+          <a:p>
+            <a:pPr marL="571500" indent="-571500">
+              <a:buFont typeface="Arial" pitchFamily="34" charset="0"/>
+              <a:buChar char="•"/>
+            </a:pPr>
+            <a:r>
+              <a:rPr lang="es-PE" sz="2400" dirty="0">
+                <a:solidFill>
+                  <a:schemeClr val="bg1">
+                    <a:lumMod val="65000"/>
+                  </a:schemeClr>
+                </a:solidFill>
+              </a:rPr>
+              <a:t> </a:t>
+            </a:r>
+            <a:endParaRPr lang="es-PE" sz="2400" dirty="0">
+              <a:solidFill>
+                <a:schemeClr val="bg1">
+                  <a:lumMod val="65000"/>
+                </a:schemeClr>
+              </a:solidFill>
+            </a:endParaRPr>
+          </a:p>
+        </p:txBody>
+      </p:sp>
+    </p:spTree>
+    <p:extLst>
+      <p:ext uri="{BB962C8B-B14F-4D97-AF65-F5344CB8AC3E}">
+        <p14:creationId xmlns:p14="http://schemas.microsoft.com/office/powerpoint/2010/main" val="2899903485"/>
+      </p:ext>
+    </p:extLst>
+  </p:cSld>
+  <p:clrMapOvr>
+    <a:masterClrMapping/>
+  </p:clrMapOvr>
+  <p:timing>
+    <p:tnLst>
+      <p:par>
+        <p:cTn id="1" dur="indefinite" restart="never" nodeType="tmRoot"/>
+      </p:par>
+    </p:tnLst>
+  </p:timing>
+</p:sld>
+</file>
+
+<file path=ppt/slides/slide14.xml><?xml version="1.0" encoding="utf-8"?>
+<p:sld xmlns:a="http://schemas.openxmlformats.org/drawingml/2006/main" xmlns:r="http://schemas.openxmlformats.org/officeDocument/2006/relationships" xmlns:p="http://schemas.openxmlformats.org/presentationml/2006/main">
+  <p:cSld>
+    <p:spTree>
+      <p:nvGrpSpPr>
+        <p:cNvPr id="1" name=""/>
+        <p:cNvGrpSpPr/>
+        <p:nvPr/>
+      </p:nvGrpSpPr>
+      <p:grpSpPr>
+        <a:xfrm>
+          <a:off x="0" y="0"/>
+          <a:ext cx="0" cy="0"/>
+          <a:chOff x="0" y="0"/>
+          <a:chExt cx="0" cy="0"/>
+        </a:xfrm>
+      </p:grpSpPr>
+      <p:sp>
+        <p:nvSpPr>
           <p:cNvPr id="2" name="1 Título"/>
           <p:cNvSpPr>
             <a:spLocks noGrp="1"/>
@@ -3754,7 +4102,7 @@
           <a:p>
             <a:pPr algn="ctr"/>
             <a:r>
-              <a:rPr lang="es-PE" dirty="0" smtClean="0">
+              <a:rPr lang="es-PE" sz="2800" b="1" dirty="0" smtClean="0">
                 <a:solidFill>
                   <a:schemeClr val="tx1"/>
                 </a:solidFill>
@@ -4024,7 +4372,7 @@
 </p:sld>
 </file>
 
-<file path=ppt/slides/slide14.xml><?xml version="1.0" encoding="utf-8"?>
+<file path=ppt/slides/slide15.xml><?xml version="1.0" encoding="utf-8"?>
 <p:sld xmlns:a="http://schemas.openxmlformats.org/drawingml/2006/main" xmlns:r="http://schemas.openxmlformats.org/officeDocument/2006/relationships" xmlns:p="http://schemas.openxmlformats.org/presentationml/2006/main">
   <p:cSld>
     <p:spTree>
@@ -4495,212 +4843,6 @@
 </p:sld>
 </file>
 
-<file path=ppt/slides/slide15.xml><?xml version="1.0" encoding="utf-8"?>
-<p:sld xmlns:a="http://schemas.openxmlformats.org/drawingml/2006/main" xmlns:r="http://schemas.openxmlformats.org/officeDocument/2006/relationships" xmlns:p="http://schemas.openxmlformats.org/presentationml/2006/main">
-  <p:cSld>
-    <p:spTree>
-      <p:nvGrpSpPr>
-        <p:cNvPr id="1" name=""/>
-        <p:cNvGrpSpPr/>
-        <p:nvPr/>
-      </p:nvGrpSpPr>
-      <p:grpSpPr>
-        <a:xfrm>
-          <a:off x="0" y="0"/>
-          <a:ext cx="0" cy="0"/>
-          <a:chOff x="0" y="0"/>
-          <a:chExt cx="0" cy="0"/>
-        </a:xfrm>
-      </p:grpSpPr>
-      <p:sp>
-        <p:nvSpPr>
-          <p:cNvPr id="5" name="CuadroTexto 4"/>
-          <p:cNvSpPr txBox="1"/>
-          <p:nvPr/>
-        </p:nvSpPr>
-        <p:spPr>
-          <a:xfrm>
-            <a:off x="4606833" y="2066440"/>
-            <a:ext cx="3556102" cy="707886"/>
-          </a:xfrm>
-          <a:prstGeom prst="rect">
-            <a:avLst/>
-          </a:prstGeom>
-          <a:noFill/>
-        </p:spPr>
-        <p:txBody>
-          <a:bodyPr wrap="none" rtlCol="0">
-            <a:spAutoFit/>
-          </a:bodyPr>
-          <a:lstStyle/>
-          <a:p>
-            <a:pPr marL="342900" indent="-342900">
-              <a:buAutoNum type="arabicPeriod"/>
-            </a:pPr>
-            <a:r>
-              <a:rPr lang="es-PE" sz="4000" dirty="0" smtClean="0"/>
-              <a:t>HARDWARE</a:t>
-            </a:r>
-          </a:p>
-        </p:txBody>
-      </p:sp>
-      <p:sp>
-        <p:nvSpPr>
-          <p:cNvPr id="15" name="14 Rectángulo redondeado"/>
-          <p:cNvSpPr/>
-          <p:nvPr/>
-        </p:nvSpPr>
-        <p:spPr>
-          <a:xfrm>
-            <a:off x="1851072" y="2131754"/>
-            <a:ext cx="2539293" cy="2423916"/>
-          </a:xfrm>
-          <a:prstGeom prst="roundRect">
-            <a:avLst/>
-          </a:prstGeom>
-          <a:noFill/>
-          <a:ln w="19050"/>
-        </p:spPr>
-        <p:style>
-          <a:lnRef idx="2">
-            <a:schemeClr val="accent1">
-              <a:shade val="50000"/>
-            </a:schemeClr>
-          </a:lnRef>
-          <a:fillRef idx="1">
-            <a:schemeClr val="accent1"/>
-          </a:fillRef>
-          <a:effectRef idx="0">
-            <a:schemeClr val="accent1"/>
-          </a:effectRef>
-          <a:fontRef idx="minor">
-            <a:schemeClr val="lt1"/>
-          </a:fontRef>
-        </p:style>
-        <p:txBody>
-          <a:bodyPr rtlCol="0" anchor="ctr"/>
-          <a:lstStyle/>
-          <a:p>
-            <a:pPr algn="ctr"/>
-            <a:r>
-              <a:rPr lang="es-ES" sz="3600" b="1" dirty="0" smtClean="0">
-                <a:solidFill>
-                  <a:srgbClr val="00B050"/>
-                </a:solidFill>
-              </a:rPr>
-              <a:t>Prototipo</a:t>
-            </a:r>
-          </a:p>
-          <a:p>
-            <a:pPr algn="ctr"/>
-            <a:r>
-              <a:rPr lang="es-ES" sz="3600" b="1" dirty="0" smtClean="0">
-                <a:solidFill>
-                  <a:schemeClr val="tx1"/>
-                </a:solidFill>
-              </a:rPr>
-              <a:t>+</a:t>
-            </a:r>
-          </a:p>
-          <a:p>
-            <a:pPr algn="ctr"/>
-            <a:r>
-              <a:rPr lang="es-ES" sz="3600" b="1" dirty="0" smtClean="0">
-                <a:solidFill>
-                  <a:srgbClr val="0070C0"/>
-                </a:solidFill>
-              </a:rPr>
-              <a:t>Servidor</a:t>
-            </a:r>
-            <a:endParaRPr lang="es-ES" sz="3600" b="1" dirty="0">
-              <a:solidFill>
-                <a:srgbClr val="0070C0"/>
-              </a:solidFill>
-            </a:endParaRPr>
-          </a:p>
-        </p:txBody>
-      </p:sp>
-      <p:sp>
-        <p:nvSpPr>
-          <p:cNvPr id="4" name="CuadroTexto 4"/>
-          <p:cNvSpPr txBox="1"/>
-          <p:nvPr/>
-        </p:nvSpPr>
-        <p:spPr>
-          <a:xfrm>
-            <a:off x="4606833" y="2774326"/>
-            <a:ext cx="6332311" cy="1569660"/>
-          </a:xfrm>
-          <a:prstGeom prst="rect">
-            <a:avLst/>
-          </a:prstGeom>
-          <a:noFill/>
-        </p:spPr>
-        <p:txBody>
-          <a:bodyPr wrap="none" rtlCol="0">
-            <a:spAutoFit/>
-          </a:bodyPr>
-          <a:lstStyle/>
-          <a:p>
-            <a:pPr marL="571500" indent="-571500">
-              <a:buFont typeface="Arial" pitchFamily="34" charset="0"/>
-              <a:buChar char="•"/>
-            </a:pPr>
-            <a:r>
-              <a:rPr lang="es-PE" sz="2400" dirty="0" smtClean="0"/>
-              <a:t>Diseño MODULAR</a:t>
-            </a:r>
-            <a:endParaRPr lang="es-PE" sz="2400" dirty="0"/>
-          </a:p>
-          <a:p>
-            <a:pPr marL="571500" indent="-571500">
-              <a:buFont typeface="Arial" pitchFamily="34" charset="0"/>
-              <a:buChar char="•"/>
-            </a:pPr>
-            <a:r>
-              <a:rPr lang="es-PE" sz="2400" dirty="0"/>
-              <a:t>Basado en un MICROCONTROLADOR</a:t>
-            </a:r>
-          </a:p>
-          <a:p>
-            <a:pPr marL="571500" indent="-571500">
-              <a:buFont typeface="Arial" pitchFamily="34" charset="0"/>
-              <a:buChar char="•"/>
-            </a:pPr>
-            <a:r>
-              <a:rPr lang="es-PE" sz="2400" dirty="0" smtClean="0"/>
-              <a:t>Receptor GPS y transmisor GSM/GPRS</a:t>
-            </a:r>
-          </a:p>
-          <a:p>
-            <a:pPr marL="571500" indent="-571500">
-              <a:buFont typeface="Arial" pitchFamily="34" charset="0"/>
-              <a:buChar char="•"/>
-            </a:pPr>
-            <a:endParaRPr lang="es-PE" sz="2400" dirty="0"/>
-          </a:p>
-        </p:txBody>
-      </p:sp>
-    </p:spTree>
-    <p:extLst>
-      <p:ext uri="{BB962C8B-B14F-4D97-AF65-F5344CB8AC3E}">
-        <p14:creationId xmlns:p14="http://schemas.microsoft.com/office/powerpoint/2010/main" val="1729308610"/>
-      </p:ext>
-    </p:extLst>
-  </p:cSld>
-  <p:clrMapOvr>
-    <a:masterClrMapping/>
-  </p:clrMapOvr>
-  <p:timing>
-    <p:tnLst>
-      <p:par>
-        <p:cTn id="1" dur="indefinite" restart="never" nodeType="tmRoot"/>
-      </p:par>
-    </p:tnLst>
-  </p:timing>
-</p:sld>
-</file>
-
 <file path=ppt/slides/slide16.xml><?xml version="1.0" encoding="utf-8"?>
 <p:sld xmlns:a="http://schemas.openxmlformats.org/drawingml/2006/main" xmlns:r="http://schemas.openxmlformats.org/officeDocument/2006/relationships" xmlns:p="http://schemas.openxmlformats.org/presentationml/2006/main">
   <p:cSld>
@@ -4720,60 +4862,211 @@
       </p:grpSpPr>
       <p:sp>
         <p:nvSpPr>
-          <p:cNvPr id="2" name="1 Título"/>
-          <p:cNvSpPr>
-            <a:spLocks noGrp="1"/>
-          </p:cNvSpPr>
-          <p:nvPr>
-            <p:ph type="title"/>
-          </p:nvPr>
-        </p:nvSpPr>
-        <p:spPr/>
-        <p:txBody>
-          <a:bodyPr/>
-          <a:lstStyle/>
-          <a:p>
-            <a:r>
-              <a:rPr lang="es-ES" dirty="0" smtClean="0"/>
-              <a:t>1. HARDWARE</a:t>
-            </a:r>
-            <a:endParaRPr lang="es-ES" dirty="0"/>
-          </a:p>
-        </p:txBody>
-      </p:sp>
-      <p:sp>
-        <p:nvSpPr>
-          <p:cNvPr id="3" name="Marcador de contenido 2"/>
-          <p:cNvSpPr>
-            <a:spLocks noGrp="1"/>
-          </p:cNvSpPr>
-          <p:nvPr>
-            <p:ph idx="1"/>
-          </p:nvPr>
-        </p:nvSpPr>
-        <p:spPr/>
-        <p:txBody>
-          <a:bodyPr/>
-          <a:lstStyle/>
-          <a:p>
-            <a:r>
-              <a:rPr lang="es-PE" dirty="0" smtClean="0"/>
-              <a:t>Empleo de una CAMARA IR serial</a:t>
-            </a:r>
-          </a:p>
-          <a:p>
-            <a:r>
-              <a:rPr lang="es-PE" dirty="0" smtClean="0"/>
-              <a:t>Conexión de un Sensor magnético</a:t>
-            </a:r>
-            <a:endParaRPr lang="es-PE" dirty="0"/>
+          <p:cNvPr id="5" name="CuadroTexto 4"/>
+          <p:cNvSpPr txBox="1"/>
+          <p:nvPr/>
+        </p:nvSpPr>
+        <p:spPr>
+          <a:xfrm>
+            <a:off x="4606833" y="2066440"/>
+            <a:ext cx="3556102" cy="707886"/>
+          </a:xfrm>
+          <a:prstGeom prst="rect">
+            <a:avLst/>
+          </a:prstGeom>
+          <a:noFill/>
+        </p:spPr>
+        <p:txBody>
+          <a:bodyPr wrap="none" rtlCol="0">
+            <a:spAutoFit/>
+          </a:bodyPr>
+          <a:lstStyle/>
+          <a:p>
+            <a:pPr marL="342900" indent="-342900">
+              <a:buAutoNum type="arabicPeriod"/>
+            </a:pPr>
+            <a:r>
+              <a:rPr lang="es-PE" sz="4000" dirty="0" smtClean="0"/>
+              <a:t>HARDWARE</a:t>
+            </a:r>
+          </a:p>
+        </p:txBody>
+      </p:sp>
+      <p:sp>
+        <p:nvSpPr>
+          <p:cNvPr id="15" name="14 Rectángulo redondeado"/>
+          <p:cNvSpPr/>
+          <p:nvPr/>
+        </p:nvSpPr>
+        <p:spPr>
+          <a:xfrm>
+            <a:off x="1851072" y="2131754"/>
+            <a:ext cx="2539293" cy="2423916"/>
+          </a:xfrm>
+          <a:prstGeom prst="roundRect">
+            <a:avLst/>
+          </a:prstGeom>
+          <a:noFill/>
+          <a:ln w="19050"/>
+        </p:spPr>
+        <p:style>
+          <a:lnRef idx="2">
+            <a:schemeClr val="accent1">
+              <a:shade val="50000"/>
+            </a:schemeClr>
+          </a:lnRef>
+          <a:fillRef idx="1">
+            <a:schemeClr val="accent1"/>
+          </a:fillRef>
+          <a:effectRef idx="0">
+            <a:schemeClr val="accent1"/>
+          </a:effectRef>
+          <a:fontRef idx="minor">
+            <a:schemeClr val="lt1"/>
+          </a:fontRef>
+        </p:style>
+        <p:txBody>
+          <a:bodyPr rtlCol="0" anchor="ctr"/>
+          <a:lstStyle/>
+          <a:p>
+            <a:pPr algn="ctr"/>
+            <a:r>
+              <a:rPr lang="es-ES" sz="3600" b="1" dirty="0" smtClean="0">
+                <a:solidFill>
+                  <a:srgbClr val="00B050"/>
+                </a:solidFill>
+              </a:rPr>
+              <a:t>Prototipo</a:t>
+            </a:r>
+          </a:p>
+          <a:p>
+            <a:pPr algn="ctr"/>
+            <a:r>
+              <a:rPr lang="es-ES" sz="3600" b="1" dirty="0" smtClean="0">
+                <a:solidFill>
+                  <a:schemeClr val="tx1"/>
+                </a:solidFill>
+              </a:rPr>
+              <a:t>+</a:t>
+            </a:r>
+          </a:p>
+          <a:p>
+            <a:pPr algn="ctr"/>
+            <a:r>
+              <a:rPr lang="es-ES" sz="3600" b="1" dirty="0" smtClean="0">
+                <a:solidFill>
+                  <a:srgbClr val="0070C0"/>
+                </a:solidFill>
+              </a:rPr>
+              <a:t>Servidor</a:t>
+            </a:r>
+            <a:endParaRPr lang="es-ES" sz="3600" b="1" dirty="0">
+              <a:solidFill>
+                <a:srgbClr val="0070C0"/>
+              </a:solidFill>
+            </a:endParaRPr>
+          </a:p>
+        </p:txBody>
+      </p:sp>
+      <p:sp>
+        <p:nvSpPr>
+          <p:cNvPr id="4" name="CuadroTexto 4"/>
+          <p:cNvSpPr txBox="1"/>
+          <p:nvPr/>
+        </p:nvSpPr>
+        <p:spPr>
+          <a:xfrm>
+            <a:off x="4606833" y="2774326"/>
+            <a:ext cx="6332311" cy="1569660"/>
+          </a:xfrm>
+          <a:prstGeom prst="rect">
+            <a:avLst/>
+          </a:prstGeom>
+          <a:noFill/>
+        </p:spPr>
+        <p:txBody>
+          <a:bodyPr wrap="none" rtlCol="0">
+            <a:spAutoFit/>
+          </a:bodyPr>
+          <a:lstStyle/>
+          <a:p>
+            <a:pPr marL="571500" indent="-571500">
+              <a:buFont typeface="Arial" pitchFamily="34" charset="0"/>
+              <a:buChar char="•"/>
+            </a:pPr>
+            <a:r>
+              <a:rPr lang="es-PE" sz="2400" dirty="0" smtClean="0">
+                <a:solidFill>
+                  <a:schemeClr val="bg1">
+                    <a:lumMod val="65000"/>
+                  </a:schemeClr>
+                </a:solidFill>
+              </a:rPr>
+              <a:t>Diseño MODULAR</a:t>
+            </a:r>
+            <a:endParaRPr lang="es-PE" sz="2400" dirty="0">
+              <a:solidFill>
+                <a:schemeClr val="bg1">
+                  <a:lumMod val="65000"/>
+                </a:schemeClr>
+              </a:solidFill>
+            </a:endParaRPr>
+          </a:p>
+          <a:p>
+            <a:pPr marL="571500" indent="-571500">
+              <a:buFont typeface="Arial" pitchFamily="34" charset="0"/>
+              <a:buChar char="•"/>
+            </a:pPr>
+            <a:r>
+              <a:rPr lang="es-PE" sz="2400" dirty="0">
+                <a:solidFill>
+                  <a:schemeClr val="bg1">
+                    <a:lumMod val="65000"/>
+                  </a:schemeClr>
+                </a:solidFill>
+              </a:rPr>
+              <a:t>Basado en un MICROCONTROLADOR</a:t>
+            </a:r>
+          </a:p>
+          <a:p>
+            <a:pPr marL="571500" indent="-571500">
+              <a:buFont typeface="Arial" pitchFamily="34" charset="0"/>
+              <a:buChar char="•"/>
+            </a:pPr>
+            <a:r>
+              <a:rPr lang="es-PE" sz="2400" dirty="0" smtClean="0"/>
+              <a:t>Receptor GPS y transmisor GSM/GPRS</a:t>
+            </a:r>
+          </a:p>
+          <a:p>
+            <a:pPr marL="571500" indent="-571500">
+              <a:buFont typeface="Arial" pitchFamily="34" charset="0"/>
+              <a:buChar char="•"/>
+            </a:pPr>
+            <a:r>
+              <a:rPr lang="es-PE" sz="2400" dirty="0" smtClean="0">
+                <a:solidFill>
+                  <a:schemeClr val="bg1">
+                    <a:lumMod val="65000"/>
+                  </a:schemeClr>
+                </a:solidFill>
+              </a:rPr>
+              <a:t> </a:t>
+            </a:r>
+            <a:endParaRPr lang="es-PE" sz="2400" dirty="0">
+              <a:solidFill>
+                <a:schemeClr val="bg1">
+                  <a:lumMod val="65000"/>
+                </a:schemeClr>
+              </a:solidFill>
+            </a:endParaRPr>
           </a:p>
         </p:txBody>
       </p:sp>
     </p:spTree>
     <p:extLst>
       <p:ext uri="{BB962C8B-B14F-4D97-AF65-F5344CB8AC3E}">
-        <p14:creationId xmlns:p14="http://schemas.microsoft.com/office/powerpoint/2010/main" val="945995512"/>
+        <p14:creationId xmlns:p14="http://schemas.microsoft.com/office/powerpoint/2010/main" val="1729308610"/>
       </p:ext>
     </p:extLst>
   </p:cSld>
@@ -4809,52 +5102,182 @@
       </p:grpSpPr>
       <p:sp>
         <p:nvSpPr>
-          <p:cNvPr id="5" name="CuadroTexto 4"/>
-          <p:cNvSpPr txBox="1"/>
+          <p:cNvPr id="2" name="1 Título"/>
+          <p:cNvSpPr>
+            <a:spLocks noGrp="1"/>
+          </p:cNvSpPr>
+          <p:nvPr>
+            <p:ph type="title"/>
+          </p:nvPr>
+        </p:nvSpPr>
+        <p:spPr/>
+        <p:txBody>
+          <a:bodyPr/>
+          <a:lstStyle/>
+          <a:p>
+            <a:r>
+              <a:rPr lang="es-ES" dirty="0" smtClean="0"/>
+              <a:t>1. HARDWARE</a:t>
+            </a:r>
+            <a:endParaRPr lang="es-ES" dirty="0"/>
+          </a:p>
+        </p:txBody>
+      </p:sp>
+      <p:sp>
+        <p:nvSpPr>
+          <p:cNvPr id="3" name="Marcador de contenido 2"/>
+          <p:cNvSpPr>
+            <a:spLocks noGrp="1"/>
+          </p:cNvSpPr>
+          <p:nvPr>
+            <p:ph idx="1"/>
+          </p:nvPr>
+        </p:nvSpPr>
+        <p:spPr>
+          <a:xfrm>
+            <a:off x="838200" y="5078187"/>
+            <a:ext cx="6313714" cy="1098776"/>
+          </a:xfrm>
+        </p:spPr>
+        <p:txBody>
+          <a:bodyPr>
+            <a:normAutofit/>
+          </a:bodyPr>
+          <a:lstStyle/>
+          <a:p>
+            <a:r>
+              <a:rPr lang="es-PE" dirty="0" smtClean="0"/>
+              <a:t>Empleo de una CAMARA IR serial</a:t>
+            </a:r>
+          </a:p>
+          <a:p>
+            <a:r>
+              <a:rPr lang="es-PE" dirty="0" smtClean="0"/>
+              <a:t>Conexión de un Sensor magnético</a:t>
+            </a:r>
+            <a:endParaRPr lang="es-PE" dirty="0"/>
+          </a:p>
+        </p:txBody>
+      </p:sp>
+      <p:pic>
+        <p:nvPicPr>
+          <p:cNvPr id="4" name="3 Imagen"/>
+          <p:cNvPicPr>
+            <a:picLocks noChangeAspect="1"/>
+          </p:cNvPicPr>
           <p:nvPr/>
-        </p:nvSpPr>
+        </p:nvPicPr>
+        <p:blipFill>
+          <a:blip r:embed="rId2" cstate="print">
+            <a:extLst>
+              <a:ext uri="{28A0092B-C50C-407E-A947-70E740481C1C}">
+                <a14:useLocalDpi xmlns:a14="http://schemas.microsoft.com/office/drawing/2010/main" val="0"/>
+              </a:ext>
+            </a:extLst>
+          </a:blip>
+          <a:stretch>
+            <a:fillRect/>
+          </a:stretch>
+        </p:blipFill>
         <p:spPr>
           <a:xfrm>
-            <a:off x="4606833" y="2066440"/>
-            <a:ext cx="3556102" cy="707886"/>
+            <a:off x="7282542" y="4284710"/>
+            <a:ext cx="4067989" cy="1830595"/>
           </a:xfrm>
           <a:prstGeom prst="rect">
             <a:avLst/>
           </a:prstGeom>
-          <a:noFill/>
-        </p:spPr>
-        <p:txBody>
-          <a:bodyPr wrap="none" rtlCol="0">
-            <a:spAutoFit/>
-          </a:bodyPr>
-          <a:lstStyle/>
-          <a:p>
-            <a:pPr marL="342900" indent="-342900">
-              <a:buAutoNum type="arabicPeriod"/>
-            </a:pPr>
-            <a:r>
-              <a:rPr lang="es-PE" sz="4000" dirty="0" smtClean="0"/>
-              <a:t>HARDWARE</a:t>
-            </a:r>
-          </a:p>
-        </p:txBody>
-      </p:sp>
-      <p:sp>
-        <p:nvSpPr>
-          <p:cNvPr id="15" name="14 Rectángulo redondeado"/>
+          <a:scene3d>
+            <a:camera prst="orthographicFront">
+              <a:rot lat="0" lon="0" rev="0"/>
+            </a:camera>
+            <a:lightRig rig="threePt" dir="t"/>
+          </a:scene3d>
+        </p:spPr>
+      </p:pic>
+      <p:pic>
+        <p:nvPicPr>
+          <p:cNvPr id="5" name="4 Imagen"/>
+          <p:cNvPicPr>
+            <a:picLocks noChangeAspect="1"/>
+          </p:cNvPicPr>
+          <p:nvPr/>
+        </p:nvPicPr>
+        <p:blipFill>
+          <a:blip r:embed="rId3">
+            <a:extLst>
+              <a:ext uri="{28A0092B-C50C-407E-A947-70E740481C1C}">
+                <a14:useLocalDpi xmlns:a14="http://schemas.microsoft.com/office/drawing/2010/main" val="0"/>
+              </a:ext>
+            </a:extLst>
+          </a:blip>
+          <a:stretch>
+            <a:fillRect/>
+          </a:stretch>
+        </p:blipFill>
+        <p:spPr>
+          <a:xfrm>
+            <a:off x="1436913" y="1699474"/>
+            <a:ext cx="5078187" cy="3134579"/>
+          </a:xfrm>
+          <a:prstGeom prst="rect">
+            <a:avLst/>
+          </a:prstGeom>
+          <a:effectLst>
+            <a:softEdge rad="63500"/>
+          </a:effectLst>
+        </p:spPr>
+      </p:pic>
+      <p:pic>
+        <p:nvPicPr>
+          <p:cNvPr id="6" name="5 Imagen"/>
+          <p:cNvPicPr>
+            <a:picLocks noChangeAspect="1"/>
+          </p:cNvPicPr>
+          <p:nvPr/>
+        </p:nvPicPr>
+        <p:blipFill>
+          <a:blip r:embed="rId4" cstate="print">
+            <a:extLst>
+              <a:ext uri="{28A0092B-C50C-407E-A947-70E740481C1C}">
+                <a14:useLocalDpi xmlns:a14="http://schemas.microsoft.com/office/drawing/2010/main" val="0"/>
+              </a:ext>
+            </a:extLst>
+          </a:blip>
+          <a:stretch>
+            <a:fillRect/>
+          </a:stretch>
+        </p:blipFill>
+        <p:spPr>
+          <a:xfrm>
+            <a:off x="9264009" y="2012042"/>
+            <a:ext cx="1717221" cy="1717221"/>
+          </a:xfrm>
+          <a:prstGeom prst="rect">
+            <a:avLst/>
+          </a:prstGeom>
+        </p:spPr>
+      </p:pic>
+      <p:sp>
+        <p:nvSpPr>
+          <p:cNvPr id="7" name="6 Elipse"/>
           <p:cNvSpPr/>
           <p:nvPr/>
         </p:nvSpPr>
         <p:spPr>
           <a:xfrm>
-            <a:off x="1851072" y="2131754"/>
-            <a:ext cx="2539293" cy="2423916"/>
-          </a:xfrm>
-          <a:prstGeom prst="roundRect">
+            <a:off x="9034645" y="5480314"/>
+            <a:ext cx="360260" cy="325583"/>
+          </a:xfrm>
+          <a:prstGeom prst="ellipse">
             <a:avLst/>
           </a:prstGeom>
           <a:noFill/>
-          <a:ln w="19050"/>
+          <a:ln w="19050">
+            <a:solidFill>
+              <a:srgbClr val="0070C0"/>
+            </a:solidFill>
+          </a:ln>
         </p:spPr>
         <p:style>
           <a:lnRef idx="2">
@@ -4877,124 +5300,172 @@
           <a:lstStyle/>
           <a:p>
             <a:pPr algn="ctr"/>
-            <a:r>
-              <a:rPr lang="es-ES" sz="3600" b="1" dirty="0" smtClean="0">
-                <a:solidFill>
-                  <a:srgbClr val="00B050"/>
-                </a:solidFill>
-              </a:rPr>
-              <a:t>Prototipo</a:t>
-            </a:r>
-          </a:p>
-          <a:p>
-            <a:pPr algn="ctr"/>
-            <a:r>
-              <a:rPr lang="es-ES" sz="3600" b="1" dirty="0" smtClean="0">
-                <a:solidFill>
-                  <a:schemeClr val="tx1"/>
-                </a:solidFill>
-              </a:rPr>
-              <a:t>+</a:t>
-            </a:r>
-          </a:p>
-          <a:p>
-            <a:pPr algn="ctr"/>
-            <a:r>
-              <a:rPr lang="es-ES" sz="3600" b="1" dirty="0" smtClean="0">
-                <a:solidFill>
-                  <a:srgbClr val="0070C0"/>
-                </a:solidFill>
-              </a:rPr>
-              <a:t>Servidor</a:t>
-            </a:r>
-            <a:endParaRPr lang="es-ES" sz="3600" b="1" dirty="0">
-              <a:solidFill>
-                <a:srgbClr val="0070C0"/>
-              </a:solidFill>
-            </a:endParaRPr>
-          </a:p>
-        </p:txBody>
-      </p:sp>
-      <p:sp>
-        <p:nvSpPr>
-          <p:cNvPr id="4" name="CuadroTexto 4"/>
-          <p:cNvSpPr txBox="1"/>
+            <a:endParaRPr lang="es-ES"/>
+          </a:p>
+        </p:txBody>
+      </p:sp>
+      <p:sp>
+        <p:nvSpPr>
+          <p:cNvPr id="13" name="12 Elipse"/>
+          <p:cNvSpPr/>
           <p:nvPr/>
         </p:nvSpPr>
         <p:spPr>
           <a:xfrm>
-            <a:off x="4606833" y="2774326"/>
-            <a:ext cx="6247351" cy="1938992"/>
-          </a:xfrm>
-          <a:prstGeom prst="rect">
+            <a:off x="9031872" y="2012042"/>
+            <a:ext cx="2070830" cy="1841500"/>
+          </a:xfrm>
+          <a:prstGeom prst="ellipse">
             <a:avLst/>
           </a:prstGeom>
           <a:noFill/>
-        </p:spPr>
-        <p:txBody>
-          <a:bodyPr wrap="none" rtlCol="0">
-            <a:spAutoFit/>
-          </a:bodyPr>
-          <a:lstStyle/>
-          <a:p>
-            <a:pPr marL="571500" indent="-571500">
-              <a:buFont typeface="Arial" pitchFamily="34" charset="0"/>
-              <a:buChar char="•"/>
-            </a:pPr>
-            <a:r>
-              <a:rPr lang="es-PE" sz="2400" dirty="0" smtClean="0"/>
-              <a:t>Diseño MODULAR</a:t>
-            </a:r>
-            <a:endParaRPr lang="es-PE" sz="2400" dirty="0"/>
-          </a:p>
-          <a:p>
-            <a:pPr marL="571500" indent="-571500">
-              <a:buFont typeface="Arial" pitchFamily="34" charset="0"/>
-              <a:buChar char="•"/>
-            </a:pPr>
-            <a:r>
-              <a:rPr lang="es-PE" sz="2400" dirty="0"/>
-              <a:t>Basado en un MICROCONTROLADOR</a:t>
-            </a:r>
-          </a:p>
-          <a:p>
-            <a:pPr marL="571500" indent="-571500">
-              <a:buFont typeface="Arial" pitchFamily="34" charset="0"/>
-              <a:buChar char="•"/>
-            </a:pPr>
-            <a:r>
-              <a:rPr lang="es-PE" sz="2400" dirty="0" smtClean="0"/>
-              <a:t>Receptor GPS y transmisor </a:t>
-            </a:r>
-            <a:r>
-              <a:rPr lang="es-PE" sz="2400" dirty="0" smtClean="0"/>
-              <a:t>GSM/GPRS</a:t>
-            </a:r>
-          </a:p>
-          <a:p>
-            <a:pPr marL="571500" indent="-571500">
-              <a:buFont typeface="Arial" pitchFamily="34" charset="0"/>
-              <a:buChar char="•"/>
-            </a:pPr>
-            <a:r>
-              <a:rPr lang="es-PE" sz="2400" dirty="0" smtClean="0"/>
-              <a:t>CAMARA IR y sensor magnético</a:t>
-            </a:r>
-            <a:endParaRPr lang="es-PE" sz="2400" dirty="0" smtClean="0"/>
-          </a:p>
-          <a:p>
-            <a:pPr marL="571500" indent="-571500">
-              <a:buFont typeface="Arial" pitchFamily="34" charset="0"/>
-              <a:buChar char="•"/>
-            </a:pPr>
-            <a:endParaRPr lang="es-PE" sz="2400" dirty="0"/>
-          </a:p>
-        </p:txBody>
-      </p:sp>
+          <a:ln w="19050">
+            <a:solidFill>
+              <a:srgbClr val="0070C0"/>
+            </a:solidFill>
+          </a:ln>
+        </p:spPr>
+        <p:style>
+          <a:lnRef idx="2">
+            <a:schemeClr val="accent1">
+              <a:shade val="50000"/>
+            </a:schemeClr>
+          </a:lnRef>
+          <a:fillRef idx="1">
+            <a:schemeClr val="accent1"/>
+          </a:fillRef>
+          <a:effectRef idx="0">
+            <a:schemeClr val="accent1"/>
+          </a:effectRef>
+          <a:fontRef idx="minor">
+            <a:schemeClr val="lt1"/>
+          </a:fontRef>
+        </p:style>
+        <p:txBody>
+          <a:bodyPr rtlCol="0" anchor="ctr"/>
+          <a:lstStyle/>
+          <a:p>
+            <a:pPr algn="ctr"/>
+            <a:endParaRPr lang="es-ES"/>
+          </a:p>
+        </p:txBody>
+      </p:sp>
+      <p:cxnSp>
+        <p:nvCxnSpPr>
+          <p:cNvPr id="15" name="14 Conector recto"/>
+          <p:cNvCxnSpPr>
+            <a:stCxn id="7" idx="2"/>
+            <a:endCxn id="13" idx="2"/>
+          </p:cNvCxnSpPr>
+          <p:nvPr/>
+        </p:nvCxnSpPr>
+        <p:spPr>
+          <a:xfrm flipH="1" flipV="1">
+            <a:off x="9031872" y="2932792"/>
+            <a:ext cx="2773" cy="2710314"/>
+          </a:xfrm>
+          <a:prstGeom prst="line">
+            <a:avLst/>
+          </a:prstGeom>
+          <a:ln w="19050">
+            <a:solidFill>
+              <a:srgbClr val="0070C0"/>
+            </a:solidFill>
+          </a:ln>
+        </p:spPr>
+        <p:style>
+          <a:lnRef idx="1">
+            <a:schemeClr val="accent1"/>
+          </a:lnRef>
+          <a:fillRef idx="0">
+            <a:schemeClr val="accent1"/>
+          </a:fillRef>
+          <a:effectRef idx="0">
+            <a:schemeClr val="accent1"/>
+          </a:effectRef>
+          <a:fontRef idx="minor">
+            <a:schemeClr val="tx1"/>
+          </a:fontRef>
+        </p:style>
+      </p:cxnSp>
+      <p:cxnSp>
+        <p:nvCxnSpPr>
+          <p:cNvPr id="17" name="16 Conector recto"/>
+          <p:cNvCxnSpPr>
+            <a:stCxn id="7" idx="5"/>
+            <a:endCxn id="13" idx="5"/>
+          </p:cNvCxnSpPr>
+          <p:nvPr/>
+        </p:nvCxnSpPr>
+        <p:spPr>
+          <a:xfrm flipV="1">
+            <a:off x="9342146" y="3583861"/>
+            <a:ext cx="1457290" cy="2174355"/>
+          </a:xfrm>
+          <a:prstGeom prst="line">
+            <a:avLst/>
+          </a:prstGeom>
+          <a:ln w="19050">
+            <a:solidFill>
+              <a:srgbClr val="0070C0"/>
+            </a:solidFill>
+          </a:ln>
+        </p:spPr>
+        <p:style>
+          <a:lnRef idx="1">
+            <a:schemeClr val="accent1"/>
+          </a:lnRef>
+          <a:fillRef idx="0">
+            <a:schemeClr val="accent1"/>
+          </a:fillRef>
+          <a:effectRef idx="0">
+            <a:schemeClr val="accent1"/>
+          </a:effectRef>
+          <a:fontRef idx="minor">
+            <a:schemeClr val="tx1"/>
+          </a:fontRef>
+        </p:style>
+      </p:cxnSp>
+      <p:cxnSp>
+        <p:nvCxnSpPr>
+          <p:cNvPr id="21" name="20 Conector recto de flecha"/>
+          <p:cNvCxnSpPr/>
+          <p:nvPr/>
+        </p:nvCxnSpPr>
+        <p:spPr>
+          <a:xfrm flipH="1" flipV="1">
+            <a:off x="6515101" y="3412671"/>
+            <a:ext cx="2383970" cy="1583872"/>
+          </a:xfrm>
+          <a:prstGeom prst="straightConnector1">
+            <a:avLst/>
+          </a:prstGeom>
+          <a:ln w="19050">
+            <a:solidFill>
+              <a:srgbClr val="00B050"/>
+            </a:solidFill>
+            <a:tailEnd type="arrow"/>
+          </a:ln>
+        </p:spPr>
+        <p:style>
+          <a:lnRef idx="1">
+            <a:schemeClr val="accent1"/>
+          </a:lnRef>
+          <a:fillRef idx="0">
+            <a:schemeClr val="accent1"/>
+          </a:fillRef>
+          <a:effectRef idx="0">
+            <a:schemeClr val="accent1"/>
+          </a:effectRef>
+          <a:fontRef idx="minor">
+            <a:schemeClr val="tx1"/>
+          </a:fontRef>
+        </p:style>
+      </p:cxnSp>
     </p:spTree>
     <p:extLst>
       <p:ext uri="{BB962C8B-B14F-4D97-AF65-F5344CB8AC3E}">
-        <p14:creationId xmlns:p14="http://schemas.microsoft.com/office/powerpoint/2010/main" val="2341241448"/>
+        <p14:creationId xmlns:p14="http://schemas.microsoft.com/office/powerpoint/2010/main" val="945995512"/>
       </p:ext>
     </p:extLst>
   </p:cSld>
@@ -5030,50 +5501,211 @@
       </p:grpSpPr>
       <p:sp>
         <p:nvSpPr>
-          <p:cNvPr id="4" name="Título 3"/>
-          <p:cNvSpPr>
-            <a:spLocks noGrp="1"/>
-          </p:cNvSpPr>
-          <p:nvPr>
-            <p:ph type="ctrTitle"/>
-          </p:nvPr>
-        </p:nvSpPr>
-        <p:spPr/>
-        <p:txBody>
-          <a:bodyPr/>
-          <a:lstStyle/>
-          <a:p>
-            <a:r>
-              <a:rPr lang="es-PE" dirty="0" smtClean="0"/>
-              <a:t>2. Implementación</a:t>
-            </a:r>
-            <a:endParaRPr lang="es-PE" dirty="0"/>
-          </a:p>
-        </p:txBody>
-      </p:sp>
-      <p:sp>
-        <p:nvSpPr>
-          <p:cNvPr id="5" name="Subtítulo 4"/>
-          <p:cNvSpPr>
-            <a:spLocks noGrp="1"/>
-          </p:cNvSpPr>
-          <p:nvPr>
-            <p:ph type="subTitle" idx="1"/>
-          </p:nvPr>
-        </p:nvSpPr>
-        <p:spPr/>
-        <p:txBody>
-          <a:bodyPr/>
-          <a:lstStyle/>
-          <a:p>
-            <a:endParaRPr lang="es-PE"/>
+          <p:cNvPr id="5" name="CuadroTexto 4"/>
+          <p:cNvSpPr txBox="1"/>
+          <p:nvPr/>
+        </p:nvSpPr>
+        <p:spPr>
+          <a:xfrm>
+            <a:off x="4606833" y="2066440"/>
+            <a:ext cx="3556102" cy="707886"/>
+          </a:xfrm>
+          <a:prstGeom prst="rect">
+            <a:avLst/>
+          </a:prstGeom>
+          <a:noFill/>
+        </p:spPr>
+        <p:txBody>
+          <a:bodyPr wrap="none" rtlCol="0">
+            <a:spAutoFit/>
+          </a:bodyPr>
+          <a:lstStyle/>
+          <a:p>
+            <a:pPr marL="342900" indent="-342900">
+              <a:buAutoNum type="arabicPeriod"/>
+            </a:pPr>
+            <a:r>
+              <a:rPr lang="es-PE" sz="4000" dirty="0" smtClean="0"/>
+              <a:t>HARDWARE</a:t>
+            </a:r>
+          </a:p>
+        </p:txBody>
+      </p:sp>
+      <p:sp>
+        <p:nvSpPr>
+          <p:cNvPr id="15" name="14 Rectángulo redondeado"/>
+          <p:cNvSpPr/>
+          <p:nvPr/>
+        </p:nvSpPr>
+        <p:spPr>
+          <a:xfrm>
+            <a:off x="1851072" y="2131754"/>
+            <a:ext cx="2539293" cy="2423916"/>
+          </a:xfrm>
+          <a:prstGeom prst="roundRect">
+            <a:avLst/>
+          </a:prstGeom>
+          <a:noFill/>
+          <a:ln w="19050"/>
+        </p:spPr>
+        <p:style>
+          <a:lnRef idx="2">
+            <a:schemeClr val="accent1">
+              <a:shade val="50000"/>
+            </a:schemeClr>
+          </a:lnRef>
+          <a:fillRef idx="1">
+            <a:schemeClr val="accent1"/>
+          </a:fillRef>
+          <a:effectRef idx="0">
+            <a:schemeClr val="accent1"/>
+          </a:effectRef>
+          <a:fontRef idx="minor">
+            <a:schemeClr val="lt1"/>
+          </a:fontRef>
+        </p:style>
+        <p:txBody>
+          <a:bodyPr rtlCol="0" anchor="ctr"/>
+          <a:lstStyle/>
+          <a:p>
+            <a:pPr algn="ctr"/>
+            <a:r>
+              <a:rPr lang="es-ES" sz="3600" b="1" dirty="0" smtClean="0">
+                <a:solidFill>
+                  <a:srgbClr val="00B050"/>
+                </a:solidFill>
+              </a:rPr>
+              <a:t>Prototipo</a:t>
+            </a:r>
+          </a:p>
+          <a:p>
+            <a:pPr algn="ctr"/>
+            <a:r>
+              <a:rPr lang="es-ES" sz="3600" b="1" dirty="0" smtClean="0">
+                <a:solidFill>
+                  <a:schemeClr val="tx1"/>
+                </a:solidFill>
+              </a:rPr>
+              <a:t>+</a:t>
+            </a:r>
+          </a:p>
+          <a:p>
+            <a:pPr algn="ctr"/>
+            <a:r>
+              <a:rPr lang="es-ES" sz="3600" b="1" dirty="0" smtClean="0">
+                <a:solidFill>
+                  <a:srgbClr val="0070C0"/>
+                </a:solidFill>
+              </a:rPr>
+              <a:t>Servidor</a:t>
+            </a:r>
+            <a:endParaRPr lang="es-ES" sz="3600" b="1" dirty="0">
+              <a:solidFill>
+                <a:srgbClr val="0070C0"/>
+              </a:solidFill>
+            </a:endParaRPr>
+          </a:p>
+        </p:txBody>
+      </p:sp>
+      <p:sp>
+        <p:nvSpPr>
+          <p:cNvPr id="4" name="CuadroTexto 4"/>
+          <p:cNvSpPr txBox="1"/>
+          <p:nvPr/>
+        </p:nvSpPr>
+        <p:spPr>
+          <a:xfrm>
+            <a:off x="4606833" y="2774326"/>
+            <a:ext cx="6247351" cy="1938992"/>
+          </a:xfrm>
+          <a:prstGeom prst="rect">
+            <a:avLst/>
+          </a:prstGeom>
+          <a:noFill/>
+        </p:spPr>
+        <p:txBody>
+          <a:bodyPr wrap="none" rtlCol="0">
+            <a:spAutoFit/>
+          </a:bodyPr>
+          <a:lstStyle/>
+          <a:p>
+            <a:pPr marL="571500" indent="-571500">
+              <a:buFont typeface="Arial" pitchFamily="34" charset="0"/>
+              <a:buChar char="•"/>
+            </a:pPr>
+            <a:r>
+              <a:rPr lang="es-PE" sz="2400" dirty="0" smtClean="0">
+                <a:solidFill>
+                  <a:schemeClr val="bg1">
+                    <a:lumMod val="65000"/>
+                  </a:schemeClr>
+                </a:solidFill>
+              </a:rPr>
+              <a:t>Diseño MODULAR</a:t>
+            </a:r>
+            <a:endParaRPr lang="es-PE" sz="2400" dirty="0">
+              <a:solidFill>
+                <a:schemeClr val="bg1">
+                  <a:lumMod val="65000"/>
+                </a:schemeClr>
+              </a:solidFill>
+            </a:endParaRPr>
+          </a:p>
+          <a:p>
+            <a:pPr marL="571500" indent="-571500">
+              <a:buFont typeface="Arial" pitchFamily="34" charset="0"/>
+              <a:buChar char="•"/>
+            </a:pPr>
+            <a:r>
+              <a:rPr lang="es-PE" sz="2400" dirty="0">
+                <a:solidFill>
+                  <a:schemeClr val="bg1">
+                    <a:lumMod val="65000"/>
+                  </a:schemeClr>
+                </a:solidFill>
+              </a:rPr>
+              <a:t>Basado en un MICROCONTROLADOR</a:t>
+            </a:r>
+          </a:p>
+          <a:p>
+            <a:pPr marL="571500" indent="-571500">
+              <a:buFont typeface="Arial" pitchFamily="34" charset="0"/>
+              <a:buChar char="•"/>
+            </a:pPr>
+            <a:r>
+              <a:rPr lang="es-PE" sz="2400" dirty="0" smtClean="0">
+                <a:solidFill>
+                  <a:schemeClr val="bg1">
+                    <a:lumMod val="65000"/>
+                  </a:schemeClr>
+                </a:solidFill>
+              </a:rPr>
+              <a:t>Receptor GPS y transmisor GSM/GPRS</a:t>
+            </a:r>
+          </a:p>
+          <a:p>
+            <a:pPr marL="571500" indent="-571500">
+              <a:buFont typeface="Arial" pitchFamily="34" charset="0"/>
+              <a:buChar char="•"/>
+            </a:pPr>
+            <a:r>
+              <a:rPr lang="es-PE" sz="2400" dirty="0" smtClean="0"/>
+              <a:t>CAMARA IR y sensor magnético</a:t>
+            </a:r>
+          </a:p>
+          <a:p>
+            <a:pPr marL="571500" indent="-571500">
+              <a:buFont typeface="Arial" pitchFamily="34" charset="0"/>
+              <a:buChar char="•"/>
+            </a:pPr>
+            <a:endParaRPr lang="es-PE" sz="2400" dirty="0"/>
           </a:p>
         </p:txBody>
       </p:sp>
     </p:spTree>
     <p:extLst>
       <p:ext uri="{BB962C8B-B14F-4D97-AF65-F5344CB8AC3E}">
-        <p14:creationId xmlns:p14="http://schemas.microsoft.com/office/powerpoint/2010/main" val="4119243393"/>
+        <p14:creationId xmlns:p14="http://schemas.microsoft.com/office/powerpoint/2010/main" val="2341241448"/>
       </p:ext>
     </p:extLst>
   </p:cSld>
@@ -5109,7 +5741,7 @@
       </p:grpSpPr>
       <p:sp>
         <p:nvSpPr>
-          <p:cNvPr id="2" name="Título 1"/>
+          <p:cNvPr id="4" name="Título 3"/>
           <p:cNvSpPr>
             <a:spLocks noGrp="1"/>
           </p:cNvSpPr>
@@ -5124,7 +5756,7 @@
           <a:p>
             <a:r>
               <a:rPr lang="es-PE" dirty="0" smtClean="0"/>
-              <a:t>3. Pruebas</a:t>
+              <a:t>2. Implementación</a:t>
             </a:r>
             <a:endParaRPr lang="es-PE" dirty="0"/>
           </a:p>
@@ -5132,7 +5764,7 @@
       </p:sp>
       <p:sp>
         <p:nvSpPr>
-          <p:cNvPr id="4" name="Subtítulo 3"/>
+          <p:cNvPr id="5" name="Subtítulo 4"/>
           <p:cNvSpPr>
             <a:spLocks noGrp="1"/>
           </p:cNvSpPr>
@@ -5152,7 +5784,7 @@
     </p:spTree>
     <p:extLst>
       <p:ext uri="{BB962C8B-B14F-4D97-AF65-F5344CB8AC3E}">
-        <p14:creationId xmlns:p14="http://schemas.microsoft.com/office/powerpoint/2010/main" val="3878144365"/>
+        <p14:creationId xmlns:p14="http://schemas.microsoft.com/office/powerpoint/2010/main" val="4119243393"/>
       </p:ext>
     </p:extLst>
   </p:cSld>
@@ -5347,6 +5979,85 @@
     <p:extLst>
       <p:ext uri="{BB962C8B-B14F-4D97-AF65-F5344CB8AC3E}">
         <p14:creationId xmlns:p14="http://schemas.microsoft.com/office/powerpoint/2010/main" val="3137897114"/>
+      </p:ext>
+    </p:extLst>
+  </p:cSld>
+  <p:clrMapOvr>
+    <a:masterClrMapping/>
+  </p:clrMapOvr>
+  <p:timing>
+    <p:tnLst>
+      <p:par>
+        <p:cTn id="1" dur="indefinite" restart="never" nodeType="tmRoot"/>
+      </p:par>
+    </p:tnLst>
+  </p:timing>
+</p:sld>
+</file>
+
+<file path=ppt/slides/slide20.xml><?xml version="1.0" encoding="utf-8"?>
+<p:sld xmlns:a="http://schemas.openxmlformats.org/drawingml/2006/main" xmlns:r="http://schemas.openxmlformats.org/officeDocument/2006/relationships" xmlns:p="http://schemas.openxmlformats.org/presentationml/2006/main">
+  <p:cSld>
+    <p:spTree>
+      <p:nvGrpSpPr>
+        <p:cNvPr id="1" name=""/>
+        <p:cNvGrpSpPr/>
+        <p:nvPr/>
+      </p:nvGrpSpPr>
+      <p:grpSpPr>
+        <a:xfrm>
+          <a:off x="0" y="0"/>
+          <a:ext cx="0" cy="0"/>
+          <a:chOff x="0" y="0"/>
+          <a:chExt cx="0" cy="0"/>
+        </a:xfrm>
+      </p:grpSpPr>
+      <p:sp>
+        <p:nvSpPr>
+          <p:cNvPr id="2" name="Título 1"/>
+          <p:cNvSpPr>
+            <a:spLocks noGrp="1"/>
+          </p:cNvSpPr>
+          <p:nvPr>
+            <p:ph type="ctrTitle"/>
+          </p:nvPr>
+        </p:nvSpPr>
+        <p:spPr/>
+        <p:txBody>
+          <a:bodyPr/>
+          <a:lstStyle/>
+          <a:p>
+            <a:r>
+              <a:rPr lang="es-PE" dirty="0" smtClean="0"/>
+              <a:t>3. Pruebas</a:t>
+            </a:r>
+            <a:endParaRPr lang="es-PE" dirty="0"/>
+          </a:p>
+        </p:txBody>
+      </p:sp>
+      <p:sp>
+        <p:nvSpPr>
+          <p:cNvPr id="4" name="Subtítulo 3"/>
+          <p:cNvSpPr>
+            <a:spLocks noGrp="1"/>
+          </p:cNvSpPr>
+          <p:nvPr>
+            <p:ph type="subTitle" idx="1"/>
+          </p:nvPr>
+        </p:nvSpPr>
+        <p:spPr/>
+        <p:txBody>
+          <a:bodyPr/>
+          <a:lstStyle/>
+          <a:p>
+            <a:endParaRPr lang="es-PE"/>
+          </a:p>
+        </p:txBody>
+      </p:sp>
+    </p:spTree>
+    <p:extLst>
+      <p:ext uri="{BB962C8B-B14F-4D97-AF65-F5344CB8AC3E}">
+        <p14:creationId xmlns:p14="http://schemas.microsoft.com/office/powerpoint/2010/main" val="3878144365"/>
       </p:ext>
     </p:extLst>
   </p:cSld>
@@ -7166,6 +7877,96 @@
       </p:grpSpPr>
       <p:sp>
         <p:nvSpPr>
+          <p:cNvPr id="7" name="6 Rectángulo redondeado"/>
+          <p:cNvSpPr/>
+          <p:nvPr/>
+        </p:nvSpPr>
+        <p:spPr>
+          <a:xfrm>
+            <a:off x="1126680" y="2569997"/>
+            <a:ext cx="5551715" cy="3482463"/>
+          </a:xfrm>
+          <a:prstGeom prst="roundRect">
+            <a:avLst/>
+          </a:prstGeom>
+          <a:noFill/>
+          <a:ln w="19050"/>
+        </p:spPr>
+        <p:style>
+          <a:lnRef idx="2">
+            <a:schemeClr val="accent1">
+              <a:shade val="50000"/>
+            </a:schemeClr>
+          </a:lnRef>
+          <a:fillRef idx="1">
+            <a:schemeClr val="accent1"/>
+          </a:fillRef>
+          <a:effectRef idx="0">
+            <a:schemeClr val="accent1"/>
+          </a:effectRef>
+          <a:fontRef idx="minor">
+            <a:schemeClr val="lt1"/>
+          </a:fontRef>
+        </p:style>
+        <p:txBody>
+          <a:bodyPr rtlCol="0" anchor="ctr"/>
+          <a:lstStyle/>
+          <a:p>
+            <a:pPr algn="ctr"/>
+            <a:endParaRPr lang="es-ES"/>
+          </a:p>
+        </p:txBody>
+      </p:sp>
+      <p:sp>
+        <p:nvSpPr>
+          <p:cNvPr id="5" name="4 Flecha derecha"/>
+          <p:cNvSpPr/>
+          <p:nvPr/>
+        </p:nvSpPr>
+        <p:spPr>
+          <a:xfrm rot="16200000">
+            <a:off x="5825154" y="3813149"/>
+            <a:ext cx="3311075" cy="824770"/>
+          </a:xfrm>
+          <a:prstGeom prst="rightArrow">
+            <a:avLst/>
+          </a:prstGeom>
+          <a:solidFill>
+            <a:srgbClr val="00B050"/>
+          </a:solidFill>
+          <a:ln>
+            <a:solidFill>
+              <a:srgbClr val="00B050"/>
+            </a:solidFill>
+          </a:ln>
+        </p:spPr>
+        <p:style>
+          <a:lnRef idx="2">
+            <a:schemeClr val="accent1">
+              <a:shade val="50000"/>
+            </a:schemeClr>
+          </a:lnRef>
+          <a:fillRef idx="1">
+            <a:schemeClr val="accent1"/>
+          </a:fillRef>
+          <a:effectRef idx="0">
+            <a:schemeClr val="accent1"/>
+          </a:effectRef>
+          <a:fontRef idx="minor">
+            <a:schemeClr val="lt1"/>
+          </a:fontRef>
+        </p:style>
+        <p:txBody>
+          <a:bodyPr rtlCol="0" anchor="ctr"/>
+          <a:lstStyle/>
+          <a:p>
+            <a:pPr algn="ctr"/>
+            <a:endParaRPr lang="es-ES"/>
+          </a:p>
+        </p:txBody>
+      </p:sp>
+      <p:sp>
+        <p:nvSpPr>
           <p:cNvPr id="2" name="1 Título"/>
           <p:cNvSpPr>
             <a:spLocks noGrp="1"/>
@@ -7199,8 +8000,8 @@
         </p:nvSpPr>
         <p:spPr>
           <a:xfrm>
-            <a:off x="838200" y="1859606"/>
-            <a:ext cx="5313218" cy="4351338"/>
+            <a:off x="7893076" y="3397526"/>
+            <a:ext cx="3841723" cy="2483546"/>
           </a:xfrm>
         </p:spPr>
         <p:txBody>
@@ -7209,19 +8010,23 @@
           <a:p>
             <a:r>
               <a:rPr lang="es-PE" dirty="0" smtClean="0"/>
-              <a:t>Diseño </a:t>
+              <a:t>Diseño MODULAR: </a:t>
             </a:r>
             <a:r>
               <a:rPr lang="es-PE" dirty="0" smtClean="0"/>
-              <a:t>MODULAR: Escalable</a:t>
-            </a:r>
-            <a:endParaRPr lang="es-PE" dirty="0" smtClean="0"/>
-          </a:p>
-          <a:p>
+              <a:t>Escalable</a:t>
+            </a:r>
+          </a:p>
+          <a:p>
+            <a:r>
+              <a:rPr lang="es-PE" dirty="0"/>
+              <a:t>Permite actualizar cada parte por </a:t>
+            </a:r>
             <a:r>
               <a:rPr lang="es-PE" dirty="0" smtClean="0"/>
-              <a:t>Permite actualizar cada parte por separado</a:t>
-            </a:r>
+              <a:t>separado</a:t>
+            </a:r>
+            <a:endParaRPr lang="es-PE" dirty="0"/>
           </a:p>
         </p:txBody>
       </p:sp>
@@ -7233,15 +8038,15 @@
         </p:nvSpPr>
         <p:spPr>
           <a:xfrm>
-            <a:off x="2740289" y="4889899"/>
-            <a:ext cx="3645565" cy="951588"/>
+            <a:off x="1780412" y="4812739"/>
+            <a:ext cx="2738967" cy="951588"/>
           </a:xfrm>
           <a:prstGeom prst="roundRect">
             <a:avLst/>
           </a:prstGeom>
           <a:solidFill>
-            <a:schemeClr val="accent1">
-              <a:lumMod val="75000"/>
+            <a:schemeClr val="bg1">
+              <a:lumMod val="65000"/>
             </a:schemeClr>
           </a:solidFill>
           <a:ln>
@@ -7299,27 +8104,26 @@
       </p:sp>
       <p:sp>
         <p:nvSpPr>
-          <p:cNvPr id="13" name="Rectángulo redondeado 12"/>
+          <p:cNvPr id="14" name="Rectángulo redondeado 3"/>
           <p:cNvSpPr/>
           <p:nvPr/>
         </p:nvSpPr>
         <p:spPr>
           <a:xfrm>
-            <a:off x="4137956" y="4181591"/>
-            <a:ext cx="3080084" cy="951588"/>
+            <a:off x="2315353" y="4122404"/>
+            <a:ext cx="2738967" cy="951588"/>
           </a:xfrm>
           <a:prstGeom prst="roundRect">
             <a:avLst/>
           </a:prstGeom>
           <a:solidFill>
-            <a:schemeClr val="accent6">
-              <a:lumMod val="60000"/>
-              <a:lumOff val="40000"/>
+            <a:schemeClr val="bg1">
+              <a:lumMod val="65000"/>
             </a:schemeClr>
           </a:solidFill>
           <a:ln>
             <a:solidFill>
-              <a:schemeClr val="accent6">
+              <a:schemeClr val="bg1">
                 <a:lumMod val="50000"/>
               </a:schemeClr>
             </a:solidFill>
@@ -7332,8 +8136,8 @@
             <a:bevelT w="107950"/>
             <a:bevelB/>
             <a:extrusionClr>
-              <a:schemeClr val="accent6">
-                <a:lumMod val="75000"/>
+              <a:schemeClr val="bg1">
+                <a:lumMod val="50000"/>
               </a:schemeClr>
             </a:extrusionClr>
           </a:sp3d>
@@ -7367,7 +8171,7 @@
               </a:rPr>
               <a:t>RECEPTOR</a:t>
             </a:r>
-            <a:endParaRPr lang="es-PE" sz="2000" dirty="0">
+            <a:endParaRPr lang="es-PE" sz="2000" dirty="0" smtClean="0">
               <a:solidFill>
                 <a:schemeClr val="tx1"/>
               </a:solidFill>
@@ -7377,29 +8181,27 @@
       </p:sp>
       <p:sp>
         <p:nvSpPr>
-          <p:cNvPr id="23" name="Rectángulo redondeado 22"/>
+          <p:cNvPr id="15" name="Rectángulo redondeado 3"/>
           <p:cNvSpPr/>
           <p:nvPr/>
         </p:nvSpPr>
         <p:spPr>
           <a:xfrm>
-            <a:off x="5677998" y="3484343"/>
-            <a:ext cx="3080084" cy="951588"/>
+            <a:off x="2874230" y="3487574"/>
+            <a:ext cx="2738967" cy="951588"/>
           </a:xfrm>
           <a:prstGeom prst="roundRect">
             <a:avLst/>
           </a:prstGeom>
           <a:solidFill>
-            <a:schemeClr val="accent4">
-              <a:lumMod val="60000"/>
-              <a:lumOff val="40000"/>
+            <a:schemeClr val="bg1">
+              <a:lumMod val="65000"/>
             </a:schemeClr>
           </a:solidFill>
           <a:ln>
             <a:solidFill>
-              <a:schemeClr val="tx1">
+              <a:schemeClr val="bg1">
                 <a:lumMod val="50000"/>
-                <a:lumOff val="50000"/>
               </a:schemeClr>
             </a:solidFill>
           </a:ln>
@@ -7446,7 +8248,7 @@
               </a:rPr>
               <a:t>CAMARA</a:t>
             </a:r>
-            <a:endParaRPr lang="es-PE" sz="2000" dirty="0">
+            <a:endParaRPr lang="es-PE" sz="2000" dirty="0" smtClean="0">
               <a:solidFill>
                 <a:schemeClr val="tx1"/>
               </a:solidFill>
@@ -7456,24 +8258,30 @@
       </p:sp>
       <p:sp>
         <p:nvSpPr>
-          <p:cNvPr id="11" name="Rectángulo redondeado 10"/>
+          <p:cNvPr id="16" name="Rectángulo redondeado 3"/>
           <p:cNvSpPr/>
           <p:nvPr/>
         </p:nvSpPr>
         <p:spPr>
           <a:xfrm>
-            <a:off x="7096372" y="2803130"/>
-            <a:ext cx="3080084" cy="951588"/>
+            <a:off x="3492796" y="2798208"/>
+            <a:ext cx="2738967" cy="951588"/>
           </a:xfrm>
           <a:prstGeom prst="roundRect">
             <a:avLst/>
           </a:prstGeom>
           <a:solidFill>
-            <a:schemeClr val="accent5">
-              <a:lumMod val="60000"/>
-              <a:lumOff val="40000"/>
+            <a:schemeClr val="bg1">
+              <a:lumMod val="65000"/>
             </a:schemeClr>
           </a:solidFill>
+          <a:ln>
+            <a:solidFill>
+              <a:schemeClr val="bg1">
+                <a:lumMod val="50000"/>
+              </a:schemeClr>
+            </a:solidFill>
+          </a:ln>
           <a:scene3d>
             <a:camera prst="perspectiveRelaxedModerately"/>
             <a:lightRig rig="threePt" dir="t"/>
@@ -7481,6 +8289,11 @@
           <a:sp3d extrusionH="63500">
             <a:bevelT w="107950"/>
             <a:bevelB/>
+            <a:extrusionClr>
+              <a:schemeClr val="bg1">
+                <a:lumMod val="50000"/>
+              </a:schemeClr>
+            </a:extrusionClr>
           </a:sp3d>
         </p:spPr>
         <p:style>
@@ -7512,9 +8325,85 @@
               </a:rPr>
               <a:t>MODEM TRANSMISOR</a:t>
             </a:r>
-            <a:endParaRPr lang="es-PE" sz="2000" dirty="0">
+            <a:endParaRPr lang="es-PE" sz="2000" dirty="0" smtClean="0">
               <a:solidFill>
                 <a:schemeClr val="tx1"/>
+              </a:solidFill>
+            </a:endParaRPr>
+          </a:p>
+        </p:txBody>
+      </p:sp>
+      <p:sp>
+        <p:nvSpPr>
+          <p:cNvPr id="18" name="17 CuadroTexto"/>
+          <p:cNvSpPr txBox="1"/>
+          <p:nvPr/>
+        </p:nvSpPr>
+        <p:spPr>
+          <a:xfrm>
+            <a:off x="3191628" y="1985946"/>
+            <a:ext cx="1690078" cy="400110"/>
+          </a:xfrm>
+          <a:prstGeom prst="rect">
+            <a:avLst/>
+          </a:prstGeom>
+          <a:noFill/>
+        </p:spPr>
+        <p:txBody>
+          <a:bodyPr wrap="none" rtlCol="0">
+            <a:spAutoFit/>
+          </a:bodyPr>
+          <a:lstStyle/>
+          <a:p>
+            <a:r>
+              <a:rPr lang="es-ES" sz="2000" b="1" dirty="0" smtClean="0">
+                <a:solidFill>
+                  <a:srgbClr val="0070C0"/>
+                </a:solidFill>
+              </a:rPr>
+              <a:t>PROTOTIPO</a:t>
+            </a:r>
+            <a:endParaRPr lang="es-ES" sz="2000" b="1" dirty="0">
+              <a:solidFill>
+                <a:srgbClr val="0070C0"/>
+              </a:solidFill>
+            </a:endParaRPr>
+          </a:p>
+        </p:txBody>
+      </p:sp>
+      <p:sp>
+        <p:nvSpPr>
+          <p:cNvPr id="20" name="19 CuadroTexto"/>
+          <p:cNvSpPr txBox="1"/>
+          <p:nvPr/>
+        </p:nvSpPr>
+        <p:spPr>
+          <a:xfrm>
+            <a:off x="6678395" y="1985946"/>
+            <a:ext cx="1757212" cy="400110"/>
+          </a:xfrm>
+          <a:prstGeom prst="rect">
+            <a:avLst/>
+          </a:prstGeom>
+          <a:noFill/>
+        </p:spPr>
+        <p:txBody>
+          <a:bodyPr wrap="none" rtlCol="0">
+            <a:spAutoFit/>
+          </a:bodyPr>
+          <a:lstStyle/>
+          <a:p>
+            <a:r>
+              <a:rPr lang="es-ES" sz="2000" b="1" dirty="0" smtClean="0">
+                <a:solidFill>
+                  <a:srgbClr val="00B050"/>
+                </a:solidFill>
+              </a:rPr>
+              <a:t>ESCALABLE</a:t>
+            </a:r>
+            <a:endParaRPr lang="es-ES" sz="2000" b="1" dirty="0">
+              <a:solidFill>
+                <a:srgbClr val="00B050"/>
               </a:solidFill>
             </a:endParaRPr>
           </a:p>
@@ -7559,46 +8448,14 @@
       </p:grpSpPr>
       <p:sp>
         <p:nvSpPr>
-          <p:cNvPr id="5" name="CuadroTexto 4"/>
-          <p:cNvSpPr txBox="1"/>
-          <p:nvPr/>
-        </p:nvSpPr>
-        <p:spPr>
-          <a:xfrm>
-            <a:off x="4606833" y="2066440"/>
-            <a:ext cx="3556102" cy="707886"/>
-          </a:xfrm>
-          <a:prstGeom prst="rect">
-            <a:avLst/>
-          </a:prstGeom>
-          <a:noFill/>
-        </p:spPr>
-        <p:txBody>
-          <a:bodyPr wrap="none" rtlCol="0">
-            <a:spAutoFit/>
-          </a:bodyPr>
-          <a:lstStyle/>
-          <a:p>
-            <a:pPr marL="342900" indent="-342900">
-              <a:buAutoNum type="arabicPeriod"/>
-            </a:pPr>
-            <a:r>
-              <a:rPr lang="es-PE" sz="4000" dirty="0" smtClean="0"/>
-              <a:t>HARDWARE</a:t>
-            </a:r>
-          </a:p>
-        </p:txBody>
-      </p:sp>
-      <p:sp>
-        <p:nvSpPr>
-          <p:cNvPr id="15" name="14 Rectángulo redondeado"/>
+          <p:cNvPr id="7" name="6 Rectángulo redondeado"/>
           <p:cNvSpPr/>
           <p:nvPr/>
         </p:nvSpPr>
         <p:spPr>
           <a:xfrm>
-            <a:off x="1851072" y="2131754"/>
-            <a:ext cx="2539293" cy="2423916"/>
+            <a:off x="1273815" y="2437069"/>
+            <a:ext cx="4310744" cy="3331945"/>
           </a:xfrm>
           <a:prstGeom prst="roundRect">
             <a:avLst/>
@@ -7627,37 +8484,367 @@
           <a:lstStyle/>
           <a:p>
             <a:pPr algn="ctr"/>
-            <a:r>
-              <a:rPr lang="es-ES" sz="3600" b="1" dirty="0" smtClean="0">
-                <a:solidFill>
-                  <a:srgbClr val="00B050"/>
+            <a:endParaRPr lang="es-ES"/>
+          </a:p>
+        </p:txBody>
+      </p:sp>
+      <p:sp>
+        <p:nvSpPr>
+          <p:cNvPr id="2" name="1 Título"/>
+          <p:cNvSpPr>
+            <a:spLocks noGrp="1"/>
+          </p:cNvSpPr>
+          <p:nvPr>
+            <p:ph type="title"/>
+          </p:nvPr>
+        </p:nvSpPr>
+        <p:spPr/>
+        <p:txBody>
+          <a:bodyPr/>
+          <a:lstStyle/>
+          <a:p>
+            <a:r>
+              <a:rPr lang="es-ES" dirty="0" smtClean="0"/>
+              <a:t>1. HARDWARE</a:t>
+            </a:r>
+            <a:endParaRPr lang="es-ES" dirty="0"/>
+          </a:p>
+        </p:txBody>
+      </p:sp>
+      <p:sp>
+        <p:nvSpPr>
+          <p:cNvPr id="4" name="Rectángulo redondeado 3"/>
+          <p:cNvSpPr/>
+          <p:nvPr/>
+        </p:nvSpPr>
+        <p:spPr>
+          <a:xfrm>
+            <a:off x="1714687" y="4476820"/>
+            <a:ext cx="2738967" cy="951588"/>
+          </a:xfrm>
+          <a:prstGeom prst="roundRect">
+            <a:avLst/>
+          </a:prstGeom>
+          <a:solidFill>
+            <a:schemeClr val="bg1">
+              <a:lumMod val="65000"/>
+            </a:schemeClr>
+          </a:solidFill>
+          <a:ln>
+            <a:solidFill>
+              <a:schemeClr val="bg1">
+                <a:lumMod val="50000"/>
+              </a:schemeClr>
+            </a:solidFill>
+          </a:ln>
+          <a:scene3d>
+            <a:camera prst="perspectiveRelaxedModerately"/>
+            <a:lightRig rig="threePt" dir="t"/>
+          </a:scene3d>
+          <a:sp3d extrusionH="63500">
+            <a:bevelT w="107950"/>
+            <a:bevelB/>
+            <a:extrusionClr>
+              <a:schemeClr val="bg1">
+                <a:lumMod val="50000"/>
+              </a:schemeClr>
+            </a:extrusionClr>
+          </a:sp3d>
+        </p:spPr>
+        <p:style>
+          <a:lnRef idx="2">
+            <a:schemeClr val="accent1">
+              <a:shade val="50000"/>
+            </a:schemeClr>
+          </a:lnRef>
+          <a:fillRef idx="1">
+            <a:schemeClr val="accent1"/>
+          </a:fillRef>
+          <a:effectRef idx="0">
+            <a:schemeClr val="accent1"/>
+          </a:effectRef>
+          <a:fontRef idx="minor">
+            <a:schemeClr val="lt1"/>
+          </a:fontRef>
+        </p:style>
+        <p:txBody>
+          <a:bodyPr rtlCol="0" anchor="ctr"/>
+          <a:lstStyle/>
+          <a:p>
+            <a:pPr algn="ctr"/>
+            <a:r>
+              <a:rPr lang="es-PE" sz="2000" dirty="0" smtClean="0">
+                <a:solidFill>
+                  <a:schemeClr val="tx1"/>
                 </a:solidFill>
               </a:rPr>
-              <a:t>Prototipo</a:t>
-            </a:r>
-          </a:p>
+              <a:t>PLATAFORMA</a:t>
+            </a:r>
+          </a:p>
+        </p:txBody>
+      </p:sp>
+      <p:sp>
+        <p:nvSpPr>
+          <p:cNvPr id="14" name="Rectángulo redondeado 3"/>
+          <p:cNvSpPr/>
+          <p:nvPr/>
+        </p:nvSpPr>
+        <p:spPr>
+          <a:xfrm>
+            <a:off x="1943884" y="3865865"/>
+            <a:ext cx="2738967" cy="951588"/>
+          </a:xfrm>
+          <a:prstGeom prst="roundRect">
+            <a:avLst/>
+          </a:prstGeom>
+          <a:solidFill>
+            <a:schemeClr val="bg1">
+              <a:lumMod val="65000"/>
+            </a:schemeClr>
+          </a:solidFill>
+          <a:ln>
+            <a:solidFill>
+              <a:schemeClr val="bg1">
+                <a:lumMod val="50000"/>
+              </a:schemeClr>
+            </a:solidFill>
+          </a:ln>
+          <a:scene3d>
+            <a:camera prst="perspectiveRelaxedModerately"/>
+            <a:lightRig rig="threePt" dir="t"/>
+          </a:scene3d>
+          <a:sp3d extrusionH="63500">
+            <a:bevelT w="107950"/>
+            <a:bevelB/>
+            <a:extrusionClr>
+              <a:schemeClr val="bg1">
+                <a:lumMod val="50000"/>
+              </a:schemeClr>
+            </a:extrusionClr>
+          </a:sp3d>
+        </p:spPr>
+        <p:style>
+          <a:lnRef idx="2">
+            <a:schemeClr val="accent1">
+              <a:shade val="50000"/>
+            </a:schemeClr>
+          </a:lnRef>
+          <a:fillRef idx="1">
+            <a:schemeClr val="accent1"/>
+          </a:fillRef>
+          <a:effectRef idx="0">
+            <a:schemeClr val="accent1"/>
+          </a:effectRef>
+          <a:fontRef idx="minor">
+            <a:schemeClr val="lt1"/>
+          </a:fontRef>
+        </p:style>
+        <p:txBody>
+          <a:bodyPr rtlCol="0" anchor="ctr"/>
+          <a:lstStyle/>
           <a:p>
             <a:pPr algn="ctr"/>
             <a:r>
-              <a:rPr lang="es-ES" sz="3600" b="1" dirty="0" smtClean="0">
+              <a:rPr lang="es-PE" sz="2000" dirty="0" smtClean="0">
                 <a:solidFill>
                   <a:schemeClr val="tx1"/>
                 </a:solidFill>
               </a:rPr>
-              <a:t>+</a:t>
-            </a:r>
-          </a:p>
+              <a:t>RECEPTOR</a:t>
+            </a:r>
+            <a:endParaRPr lang="es-PE" sz="2000" dirty="0" smtClean="0">
+              <a:solidFill>
+                <a:schemeClr val="tx1"/>
+              </a:solidFill>
+            </a:endParaRPr>
+          </a:p>
+        </p:txBody>
+      </p:sp>
+      <p:sp>
+        <p:nvSpPr>
+          <p:cNvPr id="15" name="Rectángulo redondeado 3"/>
+          <p:cNvSpPr/>
+          <p:nvPr/>
+        </p:nvSpPr>
+        <p:spPr>
+          <a:xfrm>
+            <a:off x="2125023" y="3213073"/>
+            <a:ext cx="2738967" cy="951588"/>
+          </a:xfrm>
+          <a:prstGeom prst="roundRect">
+            <a:avLst/>
+          </a:prstGeom>
+          <a:solidFill>
+            <a:schemeClr val="bg1">
+              <a:lumMod val="65000"/>
+            </a:schemeClr>
+          </a:solidFill>
+          <a:ln>
+            <a:solidFill>
+              <a:schemeClr val="bg1">
+                <a:lumMod val="50000"/>
+              </a:schemeClr>
+            </a:solidFill>
+          </a:ln>
+          <a:scene3d>
+            <a:camera prst="perspectiveRelaxedModerately"/>
+            <a:lightRig rig="threePt" dir="t"/>
+          </a:scene3d>
+          <a:sp3d extrusionH="63500">
+            <a:bevelT w="107950"/>
+            <a:bevelB/>
+            <a:extrusionClr>
+              <a:schemeClr val="bg1">
+                <a:lumMod val="50000"/>
+              </a:schemeClr>
+            </a:extrusionClr>
+          </a:sp3d>
+        </p:spPr>
+        <p:style>
+          <a:lnRef idx="2">
+            <a:schemeClr val="accent1">
+              <a:shade val="50000"/>
+            </a:schemeClr>
+          </a:lnRef>
+          <a:fillRef idx="1">
+            <a:schemeClr val="accent1"/>
+          </a:fillRef>
+          <a:effectRef idx="0">
+            <a:schemeClr val="accent1"/>
+          </a:effectRef>
+          <a:fontRef idx="minor">
+            <a:schemeClr val="lt1"/>
+          </a:fontRef>
+        </p:style>
+        <p:txBody>
+          <a:bodyPr rtlCol="0" anchor="ctr"/>
+          <a:lstStyle/>
           <a:p>
             <a:pPr algn="ctr"/>
             <a:r>
-              <a:rPr lang="es-ES" sz="3600" b="1" dirty="0" smtClean="0">
+              <a:rPr lang="es-PE" sz="2000" dirty="0" smtClean="0">
+                <a:solidFill>
+                  <a:schemeClr val="tx1"/>
+                </a:solidFill>
+              </a:rPr>
+              <a:t>CAMARA</a:t>
+            </a:r>
+            <a:endParaRPr lang="es-PE" sz="2000" dirty="0" smtClean="0">
+              <a:solidFill>
+                <a:schemeClr val="tx1"/>
+              </a:solidFill>
+            </a:endParaRPr>
+          </a:p>
+        </p:txBody>
+      </p:sp>
+      <p:sp>
+        <p:nvSpPr>
+          <p:cNvPr id="16" name="Rectángulo redondeado 3"/>
+          <p:cNvSpPr/>
+          <p:nvPr/>
+        </p:nvSpPr>
+        <p:spPr>
+          <a:xfrm>
+            <a:off x="2419341" y="2556664"/>
+            <a:ext cx="2738967" cy="951588"/>
+          </a:xfrm>
+          <a:prstGeom prst="roundRect">
+            <a:avLst/>
+          </a:prstGeom>
+          <a:solidFill>
+            <a:schemeClr val="bg1">
+              <a:lumMod val="65000"/>
+            </a:schemeClr>
+          </a:solidFill>
+          <a:ln>
+            <a:solidFill>
+              <a:schemeClr val="bg1">
+                <a:lumMod val="50000"/>
+              </a:schemeClr>
+            </a:solidFill>
+          </a:ln>
+          <a:scene3d>
+            <a:camera prst="perspectiveRelaxedModerately"/>
+            <a:lightRig rig="threePt" dir="t"/>
+          </a:scene3d>
+          <a:sp3d extrusionH="63500">
+            <a:bevelT w="107950"/>
+            <a:bevelB/>
+            <a:extrusionClr>
+              <a:schemeClr val="bg1">
+                <a:lumMod val="50000"/>
+              </a:schemeClr>
+            </a:extrusionClr>
+          </a:sp3d>
+        </p:spPr>
+        <p:style>
+          <a:lnRef idx="2">
+            <a:schemeClr val="accent1">
+              <a:shade val="50000"/>
+            </a:schemeClr>
+          </a:lnRef>
+          <a:fillRef idx="1">
+            <a:schemeClr val="accent1"/>
+          </a:fillRef>
+          <a:effectRef idx="0">
+            <a:schemeClr val="accent1"/>
+          </a:effectRef>
+          <a:fontRef idx="minor">
+            <a:schemeClr val="lt1"/>
+          </a:fontRef>
+        </p:style>
+        <p:txBody>
+          <a:bodyPr rtlCol="0" anchor="ctr"/>
+          <a:lstStyle/>
+          <a:p>
+            <a:pPr algn="ctr"/>
+            <a:r>
+              <a:rPr lang="es-PE" sz="2000" dirty="0" smtClean="0">
+                <a:solidFill>
+                  <a:schemeClr val="tx1"/>
+                </a:solidFill>
+              </a:rPr>
+              <a:t>MODEM TRANSMISOR</a:t>
+            </a:r>
+            <a:endParaRPr lang="es-PE" sz="2000" dirty="0" smtClean="0">
+              <a:solidFill>
+                <a:schemeClr val="tx1"/>
+              </a:solidFill>
+            </a:endParaRPr>
+          </a:p>
+        </p:txBody>
+      </p:sp>
+      <p:sp>
+        <p:nvSpPr>
+          <p:cNvPr id="18" name="17 CuadroTexto"/>
+          <p:cNvSpPr txBox="1"/>
+          <p:nvPr/>
+        </p:nvSpPr>
+        <p:spPr>
+          <a:xfrm>
+            <a:off x="2763576" y="2036959"/>
+            <a:ext cx="1690078" cy="400110"/>
+          </a:xfrm>
+          <a:prstGeom prst="rect">
+            <a:avLst/>
+          </a:prstGeom>
+          <a:noFill/>
+        </p:spPr>
+        <p:txBody>
+          <a:bodyPr wrap="none" rtlCol="0">
+            <a:spAutoFit/>
+          </a:bodyPr>
+          <a:lstStyle/>
+          <a:p>
+            <a:r>
+              <a:rPr lang="es-ES" sz="2000" b="1" dirty="0" smtClean="0">
                 <a:solidFill>
                   <a:srgbClr val="0070C0"/>
                 </a:solidFill>
               </a:rPr>
-              <a:t>Servidor</a:t>
-            </a:r>
-            <a:endParaRPr lang="es-ES" sz="3600" b="1" dirty="0">
+              <a:t>PROTOTIPO</a:t>
+            </a:r>
+            <a:endParaRPr lang="es-ES" sz="2000" b="1" dirty="0">
               <a:solidFill>
                 <a:srgbClr val="0070C0"/>
               </a:solidFill>
@@ -7665,16 +8852,176 @@
           </a:p>
         </p:txBody>
       </p:sp>
-      <p:sp>
-        <p:nvSpPr>
-          <p:cNvPr id="4" name="CuadroTexto 4"/>
+      <p:pic>
+        <p:nvPicPr>
+          <p:cNvPr id="17" name="Imagen 7"/>
+          <p:cNvPicPr>
+            <a:picLocks noChangeAspect="1"/>
+          </p:cNvPicPr>
+          <p:nvPr/>
+        </p:nvPicPr>
+        <p:blipFill rotWithShape="1">
+          <a:blip r:embed="rId2" cstate="print">
+            <a:extLst>
+              <a:ext uri="{28A0092B-C50C-407E-A947-70E740481C1C}">
+                <a14:useLocalDpi xmlns:a14="http://schemas.microsoft.com/office/drawing/2010/main" val="0"/>
+              </a:ext>
+            </a:extLst>
+          </a:blip>
+          <a:srcRect l="15315" r="11580" b="12468"/>
+          <a:stretch/>
+        </p:blipFill>
+        <p:spPr>
+          <a:xfrm rot="730320">
+            <a:off x="7680475" y="1036458"/>
+            <a:ext cx="1915064" cy="1832844"/>
+          </a:xfrm>
+          <a:prstGeom prst="rect">
+            <a:avLst/>
+          </a:prstGeom>
+        </p:spPr>
+      </p:pic>
+      <p:pic>
+        <p:nvPicPr>
+          <p:cNvPr id="19" name="Imagen 14"/>
+          <p:cNvPicPr>
+            <a:picLocks noChangeAspect="1"/>
+          </p:cNvPicPr>
+          <p:nvPr/>
+        </p:nvPicPr>
+        <p:blipFill>
+          <a:blip r:embed="rId3" cstate="print">
+            <a:extLst>
+              <a:ext uri="{28A0092B-C50C-407E-A947-70E740481C1C}">
+                <a14:useLocalDpi xmlns:a14="http://schemas.microsoft.com/office/drawing/2010/main" val="0"/>
+              </a:ext>
+            </a:extLst>
+          </a:blip>
+          <a:stretch>
+            <a:fillRect/>
+          </a:stretch>
+        </p:blipFill>
+        <p:spPr>
+          <a:xfrm rot="1955264">
+            <a:off x="7742859" y="3719343"/>
+            <a:ext cx="1612166" cy="1340481"/>
+          </a:xfrm>
+          <a:prstGeom prst="rect">
+            <a:avLst/>
+          </a:prstGeom>
+        </p:spPr>
+      </p:pic>
+      <p:pic>
+        <p:nvPicPr>
+          <p:cNvPr id="21" name="20 Imagen"/>
+          <p:cNvPicPr>
+            <a:picLocks noChangeAspect="1"/>
+          </p:cNvPicPr>
+          <p:nvPr/>
+        </p:nvPicPr>
+        <p:blipFill rotWithShape="1">
+          <a:blip r:embed="rId4" cstate="print">
+            <a:extLst>
+              <a:ext uri="{28A0092B-C50C-407E-A947-70E740481C1C}">
+                <a14:useLocalDpi xmlns:a14="http://schemas.microsoft.com/office/drawing/2010/main" val="0"/>
+              </a:ext>
+            </a:extLst>
+          </a:blip>
+          <a:srcRect t="10963" b="11623"/>
+          <a:stretch/>
+        </p:blipFill>
+        <p:spPr>
+          <a:xfrm>
+            <a:off x="7857800" y="2740498"/>
+            <a:ext cx="1382287" cy="1070084"/>
+          </a:xfrm>
+          <a:prstGeom prst="rect">
+            <a:avLst/>
+          </a:prstGeom>
+        </p:spPr>
+      </p:pic>
+      <p:pic>
+        <p:nvPicPr>
+          <p:cNvPr id="13" name="12 Imagen"/>
+          <p:cNvPicPr>
+            <a:picLocks noChangeAspect="1"/>
+          </p:cNvPicPr>
+          <p:nvPr/>
+        </p:nvPicPr>
+        <p:blipFill>
+          <a:blip r:embed="rId5" cstate="print">
+            <a:extLst>
+              <a:ext uri="{28A0092B-C50C-407E-A947-70E740481C1C}">
+                <a14:useLocalDpi xmlns:a14="http://schemas.microsoft.com/office/drawing/2010/main" val="0"/>
+              </a:ext>
+            </a:extLst>
+          </a:blip>
+          <a:stretch>
+            <a:fillRect/>
+          </a:stretch>
+        </p:blipFill>
+        <p:spPr>
+          <a:xfrm>
+            <a:off x="7590420" y="4894622"/>
+            <a:ext cx="1917044" cy="1490678"/>
+          </a:xfrm>
+          <a:prstGeom prst="rect">
+            <a:avLst/>
+          </a:prstGeom>
+        </p:spPr>
+      </p:pic>
+      <p:sp>
+        <p:nvSpPr>
+          <p:cNvPr id="22" name="21 Rectángulo redondeado"/>
+          <p:cNvSpPr/>
+          <p:nvPr/>
+        </p:nvSpPr>
+        <p:spPr>
+          <a:xfrm>
+            <a:off x="6968126" y="1143000"/>
+            <a:ext cx="4739459" cy="5279165"/>
+          </a:xfrm>
+          <a:prstGeom prst="roundRect">
+            <a:avLst/>
+          </a:prstGeom>
+          <a:noFill/>
+          <a:ln w="19050"/>
+        </p:spPr>
+        <p:style>
+          <a:lnRef idx="2">
+            <a:schemeClr val="accent1">
+              <a:shade val="50000"/>
+            </a:schemeClr>
+          </a:lnRef>
+          <a:fillRef idx="1">
+            <a:schemeClr val="accent1"/>
+          </a:fillRef>
+          <a:effectRef idx="0">
+            <a:schemeClr val="accent1"/>
+          </a:effectRef>
+          <a:fontRef idx="minor">
+            <a:schemeClr val="lt1"/>
+          </a:fontRef>
+        </p:style>
+        <p:txBody>
+          <a:bodyPr rtlCol="0" anchor="ctr"/>
+          <a:lstStyle/>
+          <a:p>
+            <a:pPr algn="ctr"/>
+            <a:endParaRPr lang="es-ES"/>
+          </a:p>
+        </p:txBody>
+      </p:sp>
+      <p:sp>
+        <p:nvSpPr>
+          <p:cNvPr id="8" name="7 CuadroTexto"/>
           <p:cNvSpPr txBox="1"/>
           <p:nvPr/>
         </p:nvSpPr>
         <p:spPr>
           <a:xfrm>
-            <a:off x="4606833" y="2774326"/>
-            <a:ext cx="4832670" cy="1569660"/>
+            <a:off x="9589107" y="1775349"/>
+            <a:ext cx="1882896" cy="923330"/>
           </a:xfrm>
           <a:prstGeom prst="rect">
             <a:avLst/>
@@ -7682,58 +9029,29 @@
           <a:noFill/>
         </p:spPr>
         <p:txBody>
-          <a:bodyPr wrap="none" rtlCol="0">
+          <a:bodyPr wrap="square" rtlCol="0">
             <a:spAutoFit/>
           </a:bodyPr>
           <a:lstStyle/>
           <a:p>
-            <a:pPr marL="571500" indent="-571500">
-              <a:buFont typeface="Arial" pitchFamily="34" charset="0"/>
-              <a:buChar char="•"/>
-            </a:pPr>
-            <a:r>
-              <a:rPr lang="es-PE" sz="2400" dirty="0" smtClean="0"/>
-              <a:t>Diseño </a:t>
-            </a:r>
-            <a:r>
-              <a:rPr lang="es-PE" sz="2400" dirty="0" smtClean="0"/>
-              <a:t>MODULAR: Escalable</a:t>
-            </a:r>
-            <a:endParaRPr lang="es-PE" sz="2400" dirty="0"/>
-          </a:p>
-          <a:p>
-            <a:pPr marL="571500" indent="-571500">
-              <a:buFont typeface="Arial" pitchFamily="34" charset="0"/>
-              <a:buChar char="•"/>
-            </a:pPr>
-            <a:r>
-              <a:rPr lang="es-PE" sz="2400" i="1" dirty="0" smtClean="0"/>
-              <a:t> </a:t>
-            </a:r>
-          </a:p>
-          <a:p>
-            <a:pPr marL="571500" indent="-571500">
-              <a:buFont typeface="Arial" pitchFamily="34" charset="0"/>
-              <a:buChar char="•"/>
-            </a:pPr>
-            <a:r>
-              <a:rPr lang="es-PE" sz="2400" dirty="0" smtClean="0"/>
-              <a:t> </a:t>
-            </a:r>
-            <a:endParaRPr lang="es-PE" sz="2400" dirty="0"/>
-          </a:p>
-          <a:p>
-            <a:r>
-              <a:rPr lang="es-PE" sz="2400" dirty="0" smtClean="0"/>
-              <a:t> </a:t>
-            </a:r>
+            <a:r>
+              <a:rPr lang="es-ES" dirty="0" smtClean="0"/>
+              <a:t>MODEM GSM/GPRS</a:t>
+            </a:r>
+          </a:p>
+          <a:p>
+            <a:r>
+              <a:rPr lang="es-ES" dirty="0" smtClean="0"/>
+              <a:t>SIM900</a:t>
+            </a:r>
+            <a:endParaRPr lang="es-ES" dirty="0"/>
           </a:p>
         </p:txBody>
       </p:sp>
     </p:spTree>
     <p:extLst>
       <p:ext uri="{BB962C8B-B14F-4D97-AF65-F5344CB8AC3E}">
-        <p14:creationId xmlns:p14="http://schemas.microsoft.com/office/powerpoint/2010/main" val="1523573905"/>
+        <p14:creationId xmlns:p14="http://schemas.microsoft.com/office/powerpoint/2010/main" val="2698899021"/>
       </p:ext>
     </p:extLst>
   </p:cSld>
@@ -7945,7 +9263,7 @@
   <a:extraClrSchemeLst/>
   <a:extLst>
     <a:ext uri="{05A4C25C-085E-4340-85A3-A5531E510DB2}">
-      <thm15:themeFamily xmlns:thm15="http://schemas.microsoft.com/office/thememl/2012/main" name="Office Theme" id="{62F939B6-93AF-4DB8-9C6B-D6C7DFDC589F}" vid="{4A3C46E8-61CC-4603-A589-7422A47A8E4A}"/>
+      <thm15:themeFamily xmlns:thm15="http://schemas.microsoft.com/office/thememl/2012/main" xmlns="" name="Office Theme" id="{62F939B6-93AF-4DB8-9C6B-D6C7DFDC589F}" vid="{4A3C46E8-61CC-4603-A589-7422A47A8E4A}"/>
     </a:ext>
   </a:extLst>
 </a:theme>

--- a/Telelocalización y Captura de Imágenes.pptx
+++ b/Telelocalización y Captura de Imágenes.pptx
@@ -125,7 +125,7 @@
   </p:defaultTextStyle>
   <p:extLst>
     <p:ext uri="{EFAFB233-063F-42B5-8137-9DF3F51BA10A}">
-      <p15:sldGuideLst xmlns:p15="http://schemas.microsoft.com/office/powerpoint/2012/main" xmlns="">
+      <p15:sldGuideLst xmlns:p15="http://schemas.microsoft.com/office/powerpoint/2012/main">
         <p15:guide id="1" orient="horz" pos="2160">
           <p15:clr>
             <a:srgbClr val="A4A3A4"/>
@@ -273,7 +273,7 @@
           <a:p>
             <a:fld id="{F3D66D49-C998-4448-A9A4-08248D17FD06}" type="datetimeFigureOut">
               <a:rPr lang="es-PE" smtClean="0"/>
-              <a:t>07/12/2015</a:t>
+              <a:t>08/12/2015</a:t>
             </a:fld>
             <a:endParaRPr lang="es-PE"/>
           </a:p>
@@ -443,7 +443,7 @@
           <a:p>
             <a:fld id="{F3D66D49-C998-4448-A9A4-08248D17FD06}" type="datetimeFigureOut">
               <a:rPr lang="es-PE" smtClean="0"/>
-              <a:t>07/12/2015</a:t>
+              <a:t>08/12/2015</a:t>
             </a:fld>
             <a:endParaRPr lang="es-PE"/>
           </a:p>
@@ -623,7 +623,7 @@
           <a:p>
             <a:fld id="{F3D66D49-C998-4448-A9A4-08248D17FD06}" type="datetimeFigureOut">
               <a:rPr lang="es-PE" smtClean="0"/>
-              <a:t>07/12/2015</a:t>
+              <a:t>08/12/2015</a:t>
             </a:fld>
             <a:endParaRPr lang="es-PE"/>
           </a:p>
@@ -793,7 +793,7 @@
           <a:p>
             <a:fld id="{F3D66D49-C998-4448-A9A4-08248D17FD06}" type="datetimeFigureOut">
               <a:rPr lang="es-PE" smtClean="0"/>
-              <a:t>07/12/2015</a:t>
+              <a:t>08/12/2015</a:t>
             </a:fld>
             <a:endParaRPr lang="es-PE"/>
           </a:p>
@@ -1039,7 +1039,7 @@
           <a:p>
             <a:fld id="{F3D66D49-C998-4448-A9A4-08248D17FD06}" type="datetimeFigureOut">
               <a:rPr lang="es-PE" smtClean="0"/>
-              <a:t>07/12/2015</a:t>
+              <a:t>08/12/2015</a:t>
             </a:fld>
             <a:endParaRPr lang="es-PE"/>
           </a:p>
@@ -1271,7 +1271,7 @@
           <a:p>
             <a:fld id="{F3D66D49-C998-4448-A9A4-08248D17FD06}" type="datetimeFigureOut">
               <a:rPr lang="es-PE" smtClean="0"/>
-              <a:t>07/12/2015</a:t>
+              <a:t>08/12/2015</a:t>
             </a:fld>
             <a:endParaRPr lang="es-PE"/>
           </a:p>
@@ -1638,7 +1638,7 @@
           <a:p>
             <a:fld id="{F3D66D49-C998-4448-A9A4-08248D17FD06}" type="datetimeFigureOut">
               <a:rPr lang="es-PE" smtClean="0"/>
-              <a:t>07/12/2015</a:t>
+              <a:t>08/12/2015</a:t>
             </a:fld>
             <a:endParaRPr lang="es-PE"/>
           </a:p>
@@ -1756,7 +1756,7 @@
           <a:p>
             <a:fld id="{F3D66D49-C998-4448-A9A4-08248D17FD06}" type="datetimeFigureOut">
               <a:rPr lang="es-PE" smtClean="0"/>
-              <a:t>07/12/2015</a:t>
+              <a:t>08/12/2015</a:t>
             </a:fld>
             <a:endParaRPr lang="es-PE"/>
           </a:p>
@@ -1851,7 +1851,7 @@
           <a:p>
             <a:fld id="{F3D66D49-C998-4448-A9A4-08248D17FD06}" type="datetimeFigureOut">
               <a:rPr lang="es-PE" smtClean="0"/>
-              <a:t>07/12/2015</a:t>
+              <a:t>08/12/2015</a:t>
             </a:fld>
             <a:endParaRPr lang="es-PE"/>
           </a:p>
@@ -2128,7 +2128,7 @@
           <a:p>
             <a:fld id="{F3D66D49-C998-4448-A9A4-08248D17FD06}" type="datetimeFigureOut">
               <a:rPr lang="es-PE" smtClean="0"/>
-              <a:t>07/12/2015</a:t>
+              <a:t>08/12/2015</a:t>
             </a:fld>
             <a:endParaRPr lang="es-PE"/>
           </a:p>
@@ -2381,7 +2381,7 @@
           <a:p>
             <a:fld id="{F3D66D49-C998-4448-A9A4-08248D17FD06}" type="datetimeFigureOut">
               <a:rPr lang="es-PE" smtClean="0"/>
-              <a:t>07/12/2015</a:t>
+              <a:t>08/12/2015</a:t>
             </a:fld>
             <a:endParaRPr lang="es-PE"/>
           </a:p>
@@ -2594,7 +2594,7 @@
           <a:p>
             <a:fld id="{F3D66D49-C998-4448-A9A4-08248D17FD06}" type="datetimeFigureOut">
               <a:rPr lang="es-PE" smtClean="0"/>
-              <a:t>07/12/2015</a:t>
+              <a:t>08/12/2015</a:t>
             </a:fld>
             <a:endParaRPr lang="es-PE"/>
           </a:p>
@@ -3253,7 +3253,6 @@
               <a:rPr lang="es-PE" sz="2400" dirty="0" smtClean="0"/>
               <a:t> </a:t>
             </a:r>
-            <a:endParaRPr lang="es-PE" sz="2400" dirty="0" smtClean="0"/>
           </a:p>
           <a:p>
             <a:pPr marL="571500" indent="-571500">
@@ -3269,7 +3268,6 @@
               <a:rPr lang="es-PE" sz="2400" dirty="0"/>
               <a:t> </a:t>
             </a:r>
-            <a:endParaRPr lang="es-PE" sz="2400" dirty="0"/>
           </a:p>
           <a:p>
             <a:r>
@@ -3605,11 +3603,7 @@
           <a:p>
             <a:r>
               <a:rPr lang="es-ES" dirty="0" smtClean="0"/>
-              <a:t>Puerto serial soft</a:t>
-            </a:r>
-            <a:r>
-              <a:rPr lang="es-ES" dirty="0" smtClean="0"/>
-              <a:t>ware: n</a:t>
+              <a:t>Puerto serial software: n</a:t>
             </a:r>
           </a:p>
           <a:p>
@@ -3617,7 +3611,6 @@
               <a:rPr lang="es-ES" dirty="0" smtClean="0"/>
               <a:t>Consumo: 4mA</a:t>
             </a:r>
-            <a:endParaRPr lang="es-ES" dirty="0" smtClean="0"/>
           </a:p>
         </p:txBody>
       </p:sp>
@@ -3901,13 +3894,6 @@
               </a:rPr>
               <a:t> </a:t>
             </a:r>
-            <a:endParaRPr lang="es-PE" sz="2400" dirty="0" smtClean="0">
-              <a:solidFill>
-                <a:schemeClr val="bg1">
-                  <a:lumMod val="65000"/>
-                </a:schemeClr>
-              </a:solidFill>
-            </a:endParaRPr>
           </a:p>
           <a:p>
             <a:pPr marL="571500" indent="-571500">
@@ -3924,13 +3910,6 @@
               </a:rPr>
               <a:t> </a:t>
             </a:r>
-            <a:endParaRPr lang="es-PE" sz="2400" dirty="0">
-              <a:solidFill>
-                <a:schemeClr val="bg1">
-                  <a:lumMod val="65000"/>
-                </a:schemeClr>
-              </a:solidFill>
-            </a:endParaRPr>
           </a:p>
         </p:txBody>
       </p:sp>
@@ -8010,11 +7989,7 @@
           <a:p>
             <a:r>
               <a:rPr lang="es-PE" dirty="0" smtClean="0"/>
-              <a:t>Diseño MODULAR: </a:t>
-            </a:r>
-            <a:r>
-              <a:rPr lang="es-PE" dirty="0" smtClean="0"/>
-              <a:t>Escalable</a:t>
+              <a:t>Diseño MODULAR: Escalable</a:t>
             </a:r>
           </a:p>
           <a:p>
@@ -8171,11 +8146,6 @@
               </a:rPr>
               <a:t>RECEPTOR</a:t>
             </a:r>
-            <a:endParaRPr lang="es-PE" sz="2000" dirty="0" smtClean="0">
-              <a:solidFill>
-                <a:schemeClr val="tx1"/>
-              </a:solidFill>
-            </a:endParaRPr>
           </a:p>
         </p:txBody>
       </p:sp>
@@ -8248,11 +8218,6 @@
               </a:rPr>
               <a:t>CAMARA</a:t>
             </a:r>
-            <a:endParaRPr lang="es-PE" sz="2000" dirty="0" smtClean="0">
-              <a:solidFill>
-                <a:schemeClr val="tx1"/>
-              </a:solidFill>
-            </a:endParaRPr>
           </a:p>
         </p:txBody>
       </p:sp>
@@ -8325,11 +8290,6 @@
               </a:rPr>
               <a:t>MODEM TRANSMISOR</a:t>
             </a:r>
-            <a:endParaRPr lang="es-PE" sz="2000" dirty="0" smtClean="0">
-              <a:solidFill>
-                <a:schemeClr val="tx1"/>
-              </a:solidFill>
-            </a:endParaRPr>
           </a:p>
         </p:txBody>
       </p:sp>
@@ -8454,8 +8414,8 @@
         </p:nvSpPr>
         <p:spPr>
           <a:xfrm>
-            <a:off x="1273815" y="2437069"/>
-            <a:ext cx="4310744" cy="3331945"/>
+            <a:off x="4171235" y="1925975"/>
+            <a:ext cx="3548002" cy="4417316"/>
           </a:xfrm>
           <a:prstGeom prst="roundRect">
             <a:avLst/>
@@ -8519,7 +8479,7 @@
         </p:nvSpPr>
         <p:spPr>
           <a:xfrm>
-            <a:off x="1714687" y="4476820"/>
+            <a:off x="4601634" y="5182275"/>
             <a:ext cx="2738967" cy="951588"/>
           </a:xfrm>
           <a:prstGeom prst="roundRect">
@@ -8591,7 +8551,7 @@
         </p:nvSpPr>
         <p:spPr>
           <a:xfrm>
-            <a:off x="1943884" y="3865865"/>
+            <a:off x="4603709" y="4082336"/>
             <a:ext cx="2738967" cy="951588"/>
           </a:xfrm>
           <a:prstGeom prst="roundRect">
@@ -8652,11 +8612,6 @@
               </a:rPr>
               <a:t>RECEPTOR</a:t>
             </a:r>
-            <a:endParaRPr lang="es-PE" sz="2000" dirty="0" smtClean="0">
-              <a:solidFill>
-                <a:schemeClr val="tx1"/>
-              </a:solidFill>
-            </a:endParaRPr>
           </a:p>
         </p:txBody>
       </p:sp>
@@ -8668,7 +8623,7 @@
         </p:nvSpPr>
         <p:spPr>
           <a:xfrm>
-            <a:off x="2125023" y="3213073"/>
+            <a:off x="4601635" y="3062149"/>
             <a:ext cx="2738967" cy="951588"/>
           </a:xfrm>
           <a:prstGeom prst="roundRect">
@@ -8729,11 +8684,6 @@
               </a:rPr>
               <a:t>CAMARA</a:t>
             </a:r>
-            <a:endParaRPr lang="es-PE" sz="2000" dirty="0" smtClean="0">
-              <a:solidFill>
-                <a:schemeClr val="tx1"/>
-              </a:solidFill>
-            </a:endParaRPr>
           </a:p>
         </p:txBody>
       </p:sp>
@@ -8745,7 +8695,7 @@
         </p:nvSpPr>
         <p:spPr>
           <a:xfrm>
-            <a:off x="2419341" y="2556664"/>
+            <a:off x="4634374" y="2030809"/>
             <a:ext cx="2738967" cy="951588"/>
           </a:xfrm>
           <a:prstGeom prst="roundRect">
@@ -8806,11 +8756,6 @@
               </a:rPr>
               <a:t>MODEM TRANSMISOR</a:t>
             </a:r>
-            <a:endParaRPr lang="es-PE" sz="2000" dirty="0" smtClean="0">
-              <a:solidFill>
-                <a:schemeClr val="tx1"/>
-              </a:solidFill>
-            </a:endParaRPr>
           </a:p>
         </p:txBody>
       </p:sp>
@@ -8822,7 +8767,7 @@
         </p:nvSpPr>
         <p:spPr>
           <a:xfrm>
-            <a:off x="2763576" y="2036959"/>
+            <a:off x="5100197" y="1472702"/>
             <a:ext cx="1690078" cy="400110"/>
           </a:xfrm>
           <a:prstGeom prst="rect">
@@ -8873,7 +8818,7 @@
         </p:blipFill>
         <p:spPr>
           <a:xfrm rot="730320">
-            <a:off x="7680475" y="1036458"/>
+            <a:off x="9001627" y="2123466"/>
             <a:ext cx="1915064" cy="1832844"/>
           </a:xfrm>
           <a:prstGeom prst="rect">
@@ -8902,8 +8847,8 @@
           </a:stretch>
         </p:blipFill>
         <p:spPr>
-          <a:xfrm rot="1955264">
-            <a:off x="7742859" y="3719343"/>
+          <a:xfrm rot="2810706">
+            <a:off x="1439510" y="2598003"/>
             <a:ext cx="1612166" cy="1340481"/>
           </a:xfrm>
           <a:prstGeom prst="rect">
@@ -8932,7 +8877,7 @@
         </p:blipFill>
         <p:spPr>
           <a:xfrm>
-            <a:off x="7857800" y="2740498"/>
+            <a:off x="1576754" y="4771347"/>
             <a:ext cx="1382287" cy="1070084"/>
           </a:xfrm>
           <a:prstGeom prst="rect">
@@ -8962,7 +8907,7 @@
         </p:blipFill>
         <p:spPr>
           <a:xfrm>
-            <a:off x="7590420" y="4894622"/>
+            <a:off x="8988816" y="4852612"/>
             <a:ext cx="1917044" cy="1490678"/>
           </a:xfrm>
           <a:prstGeom prst="rect">
@@ -8972,20 +8917,175 @@
       </p:pic>
       <p:sp>
         <p:nvSpPr>
-          <p:cNvPr id="22" name="21 Rectángulo redondeado"/>
+          <p:cNvPr id="8" name="7 CuadroTexto"/>
+          <p:cNvSpPr txBox="1"/>
+          <p:nvPr/>
+        </p:nvSpPr>
+        <p:spPr>
+          <a:xfrm>
+            <a:off x="9019851" y="1975386"/>
+            <a:ext cx="1882896" cy="646331"/>
+          </a:xfrm>
+          <a:prstGeom prst="rect">
+            <a:avLst/>
+          </a:prstGeom>
+          <a:noFill/>
+        </p:spPr>
+        <p:txBody>
+          <a:bodyPr wrap="square" rtlCol="0">
+            <a:spAutoFit/>
+          </a:bodyPr>
+          <a:lstStyle/>
+          <a:p>
+            <a:pPr algn="ctr"/>
+            <a:r>
+              <a:rPr lang="es-ES" dirty="0" smtClean="0"/>
+              <a:t>GSM/GPRS</a:t>
+            </a:r>
+            <a:endParaRPr lang="es-ES" dirty="0" smtClean="0"/>
+          </a:p>
+          <a:p>
+            <a:pPr algn="ctr"/>
+            <a:r>
+              <a:rPr lang="es-ES" dirty="0" smtClean="0"/>
+              <a:t>SIM900</a:t>
+            </a:r>
+            <a:endParaRPr lang="es-ES" dirty="0"/>
+          </a:p>
+        </p:txBody>
+      </p:sp>
+      <p:sp>
+        <p:nvSpPr>
+          <p:cNvPr id="20" name="7 CuadroTexto"/>
+          <p:cNvSpPr txBox="1"/>
+          <p:nvPr/>
+        </p:nvSpPr>
+        <p:spPr>
+          <a:xfrm>
+            <a:off x="1648893" y="4207015"/>
+            <a:ext cx="1348518" cy="646331"/>
+          </a:xfrm>
+          <a:prstGeom prst="rect">
+            <a:avLst/>
+          </a:prstGeom>
+          <a:noFill/>
+        </p:spPr>
+        <p:txBody>
+          <a:bodyPr wrap="square" rtlCol="0">
+            <a:spAutoFit/>
+          </a:bodyPr>
+          <a:lstStyle/>
+          <a:p>
+            <a:r>
+              <a:rPr lang="es-ES" dirty="0" err="1" smtClean="0"/>
+              <a:t>LinkSprite</a:t>
+            </a:r>
+            <a:endParaRPr lang="es-ES" dirty="0" smtClean="0"/>
+          </a:p>
+          <a:p>
+            <a:r>
+              <a:rPr lang="es-ES" dirty="0" smtClean="0"/>
+              <a:t>Sen11610</a:t>
+            </a:r>
+            <a:endParaRPr lang="es-ES" dirty="0"/>
+          </a:p>
+        </p:txBody>
+      </p:sp>
+      <p:sp>
+        <p:nvSpPr>
+          <p:cNvPr id="23" name="7 CuadroTexto"/>
+          <p:cNvSpPr txBox="1"/>
+          <p:nvPr/>
+        </p:nvSpPr>
+        <p:spPr>
+          <a:xfrm>
+            <a:off x="1813921" y="2156428"/>
+            <a:ext cx="1882896" cy="646331"/>
+          </a:xfrm>
+          <a:prstGeom prst="rect">
+            <a:avLst/>
+          </a:prstGeom>
+          <a:noFill/>
+        </p:spPr>
+        <p:txBody>
+          <a:bodyPr wrap="square" rtlCol="0">
+            <a:spAutoFit/>
+          </a:bodyPr>
+          <a:lstStyle/>
+          <a:p>
+            <a:r>
+              <a:rPr lang="es-ES" dirty="0" err="1" smtClean="0"/>
+              <a:t>Skylab</a:t>
+            </a:r>
+            <a:endParaRPr lang="es-ES" dirty="0" smtClean="0"/>
+          </a:p>
+          <a:p>
+            <a:r>
+              <a:rPr lang="es-ES" dirty="0" smtClean="0"/>
+              <a:t>SKM53</a:t>
+            </a:r>
+            <a:endParaRPr lang="es-ES" dirty="0"/>
+          </a:p>
+        </p:txBody>
+      </p:sp>
+      <p:sp>
+        <p:nvSpPr>
+          <p:cNvPr id="24" name="7 CuadroTexto"/>
+          <p:cNvSpPr txBox="1"/>
+          <p:nvPr/>
+        </p:nvSpPr>
+        <p:spPr>
+          <a:xfrm>
+            <a:off x="9453398" y="4275613"/>
+            <a:ext cx="1163426" cy="646331"/>
+          </a:xfrm>
+          <a:prstGeom prst="rect">
+            <a:avLst/>
+          </a:prstGeom>
+          <a:noFill/>
+        </p:spPr>
+        <p:txBody>
+          <a:bodyPr wrap="square" rtlCol="0">
+            <a:spAutoFit/>
+          </a:bodyPr>
+          <a:lstStyle/>
+          <a:p>
+            <a:r>
+              <a:rPr lang="es-ES" dirty="0" err="1" smtClean="0"/>
+              <a:t>Arduino</a:t>
+            </a:r>
+            <a:endParaRPr lang="es-ES" dirty="0" smtClean="0"/>
+          </a:p>
+          <a:p>
+            <a:r>
+              <a:rPr lang="es-ES" dirty="0" smtClean="0"/>
+              <a:t>UNO R3</a:t>
+            </a:r>
+          </a:p>
+        </p:txBody>
+      </p:sp>
+      <p:sp>
+        <p:nvSpPr>
+          <p:cNvPr id="33" name="Rectángulo redondeado 32"/>
           <p:cNvSpPr/>
           <p:nvPr/>
         </p:nvSpPr>
         <p:spPr>
           <a:xfrm>
-            <a:off x="6968126" y="1143000"/>
-            <a:ext cx="4739459" cy="5279165"/>
+            <a:off x="1453893" y="2156428"/>
+            <a:ext cx="1628008" cy="1626670"/>
           </a:xfrm>
           <a:prstGeom prst="roundRect">
             <a:avLst/>
           </a:prstGeom>
           <a:noFill/>
-          <a:ln w="19050"/>
+          <a:ln w="19050">
+            <a:solidFill>
+              <a:schemeClr val="bg1">
+                <a:lumMod val="65000"/>
+              </a:schemeClr>
+            </a:solidFill>
+          </a:ln>
         </p:spPr>
         <p:style>
           <a:lnRef idx="2">
@@ -9008,46 +9108,319 @@
           <a:lstStyle/>
           <a:p>
             <a:pPr algn="ctr"/>
-            <a:endParaRPr lang="es-ES"/>
-          </a:p>
-        </p:txBody>
-      </p:sp>
-      <p:sp>
-        <p:nvSpPr>
-          <p:cNvPr id="8" name="7 CuadroTexto"/>
-          <p:cNvSpPr txBox="1"/>
+            <a:endParaRPr lang="es-PE"/>
+          </a:p>
+        </p:txBody>
+      </p:sp>
+      <p:sp>
+        <p:nvSpPr>
+          <p:cNvPr id="35" name="Rectángulo redondeado 34"/>
+          <p:cNvSpPr/>
           <p:nvPr/>
         </p:nvSpPr>
         <p:spPr>
           <a:xfrm>
-            <a:off x="9589107" y="1775349"/>
-            <a:ext cx="1882896" cy="923330"/>
-          </a:xfrm>
-          <a:prstGeom prst="rect">
+            <a:off x="8839960" y="4207015"/>
+            <a:ext cx="2244696" cy="2136276"/>
+          </a:xfrm>
+          <a:prstGeom prst="roundRect">
             <a:avLst/>
           </a:prstGeom>
           <a:noFill/>
-        </p:spPr>
-        <p:txBody>
-          <a:bodyPr wrap="square" rtlCol="0">
-            <a:spAutoFit/>
-          </a:bodyPr>
-          <a:lstStyle/>
-          <a:p>
-            <a:r>
-              <a:rPr lang="es-ES" dirty="0" smtClean="0"/>
-              <a:t>MODEM GSM/GPRS</a:t>
-            </a:r>
-          </a:p>
-          <a:p>
-            <a:r>
-              <a:rPr lang="es-ES" dirty="0" smtClean="0"/>
-              <a:t>SIM900</a:t>
-            </a:r>
-            <a:endParaRPr lang="es-ES" dirty="0"/>
-          </a:p>
-        </p:txBody>
-      </p:sp>
+          <a:ln w="19050">
+            <a:solidFill>
+              <a:schemeClr val="bg1">
+                <a:lumMod val="65000"/>
+              </a:schemeClr>
+            </a:solidFill>
+          </a:ln>
+        </p:spPr>
+        <p:style>
+          <a:lnRef idx="2">
+            <a:schemeClr val="accent1">
+              <a:shade val="50000"/>
+            </a:schemeClr>
+          </a:lnRef>
+          <a:fillRef idx="1">
+            <a:schemeClr val="accent1"/>
+          </a:fillRef>
+          <a:effectRef idx="0">
+            <a:schemeClr val="accent1"/>
+          </a:effectRef>
+          <a:fontRef idx="minor">
+            <a:schemeClr val="lt1"/>
+          </a:fontRef>
+        </p:style>
+        <p:txBody>
+          <a:bodyPr rtlCol="0" anchor="ctr"/>
+          <a:lstStyle/>
+          <a:p>
+            <a:pPr algn="ctr"/>
+            <a:endParaRPr lang="es-PE"/>
+          </a:p>
+        </p:txBody>
+      </p:sp>
+      <p:sp>
+        <p:nvSpPr>
+          <p:cNvPr id="36" name="Rectángulo redondeado 35"/>
+          <p:cNvSpPr/>
+          <p:nvPr/>
+        </p:nvSpPr>
+        <p:spPr>
+          <a:xfrm>
+            <a:off x="1453893" y="4214761"/>
+            <a:ext cx="1628008" cy="1626670"/>
+          </a:xfrm>
+          <a:prstGeom prst="roundRect">
+            <a:avLst/>
+          </a:prstGeom>
+          <a:noFill/>
+          <a:ln w="19050">
+            <a:solidFill>
+              <a:schemeClr val="bg1">
+                <a:lumMod val="65000"/>
+              </a:schemeClr>
+            </a:solidFill>
+          </a:ln>
+        </p:spPr>
+        <p:style>
+          <a:lnRef idx="2">
+            <a:schemeClr val="accent1">
+              <a:shade val="50000"/>
+            </a:schemeClr>
+          </a:lnRef>
+          <a:fillRef idx="1">
+            <a:schemeClr val="accent1"/>
+          </a:fillRef>
+          <a:effectRef idx="0">
+            <a:schemeClr val="accent1"/>
+          </a:effectRef>
+          <a:fontRef idx="minor">
+            <a:schemeClr val="lt1"/>
+          </a:fontRef>
+        </p:style>
+        <p:txBody>
+          <a:bodyPr rtlCol="0" anchor="ctr"/>
+          <a:lstStyle/>
+          <a:p>
+            <a:pPr algn="ctr"/>
+            <a:endParaRPr lang="es-PE"/>
+          </a:p>
+        </p:txBody>
+      </p:sp>
+      <p:sp>
+        <p:nvSpPr>
+          <p:cNvPr id="37" name="Rectángulo redondeado 36"/>
+          <p:cNvSpPr/>
+          <p:nvPr/>
+        </p:nvSpPr>
+        <p:spPr>
+          <a:xfrm>
+            <a:off x="8833670" y="1925975"/>
+            <a:ext cx="2244696" cy="2136276"/>
+          </a:xfrm>
+          <a:prstGeom prst="roundRect">
+            <a:avLst/>
+          </a:prstGeom>
+          <a:noFill/>
+          <a:ln w="19050">
+            <a:solidFill>
+              <a:schemeClr val="bg1">
+                <a:lumMod val="65000"/>
+              </a:schemeClr>
+            </a:solidFill>
+          </a:ln>
+        </p:spPr>
+        <p:style>
+          <a:lnRef idx="2">
+            <a:schemeClr val="accent1">
+              <a:shade val="50000"/>
+            </a:schemeClr>
+          </a:lnRef>
+          <a:fillRef idx="1">
+            <a:schemeClr val="accent1"/>
+          </a:fillRef>
+          <a:effectRef idx="0">
+            <a:schemeClr val="accent1"/>
+          </a:effectRef>
+          <a:fontRef idx="minor">
+            <a:schemeClr val="lt1"/>
+          </a:fontRef>
+        </p:style>
+        <p:txBody>
+          <a:bodyPr rtlCol="0" anchor="ctr"/>
+          <a:lstStyle/>
+          <a:p>
+            <a:pPr algn="ctr"/>
+            <a:endParaRPr lang="es-PE"/>
+          </a:p>
+        </p:txBody>
+      </p:sp>
+      <p:cxnSp>
+        <p:nvCxnSpPr>
+          <p:cNvPr id="52" name="Conector recto de flecha 51"/>
+          <p:cNvCxnSpPr>
+            <a:stCxn id="35" idx="1"/>
+            <a:endCxn id="4" idx="3"/>
+          </p:cNvCxnSpPr>
+          <p:nvPr/>
+        </p:nvCxnSpPr>
+        <p:spPr>
+          <a:xfrm flipH="1">
+            <a:off x="7340601" y="5275153"/>
+            <a:ext cx="1499359" cy="382916"/>
+          </a:xfrm>
+          <a:prstGeom prst="straightConnector1">
+            <a:avLst/>
+          </a:prstGeom>
+          <a:ln w="19050">
+            <a:solidFill>
+              <a:schemeClr val="bg1">
+                <a:lumMod val="65000"/>
+              </a:schemeClr>
+            </a:solidFill>
+            <a:prstDash val="sysDot"/>
+            <a:tailEnd type="triangle"/>
+          </a:ln>
+        </p:spPr>
+        <p:style>
+          <a:lnRef idx="1">
+            <a:schemeClr val="accent1"/>
+          </a:lnRef>
+          <a:fillRef idx="0">
+            <a:schemeClr val="accent1"/>
+          </a:fillRef>
+          <a:effectRef idx="0">
+            <a:schemeClr val="accent1"/>
+          </a:effectRef>
+          <a:fontRef idx="minor">
+            <a:schemeClr val="tx1"/>
+          </a:fontRef>
+        </p:style>
+      </p:cxnSp>
+      <p:cxnSp>
+        <p:nvCxnSpPr>
+          <p:cNvPr id="53" name="Conector recto de flecha 52"/>
+          <p:cNvCxnSpPr>
+            <a:stCxn id="37" idx="1"/>
+          </p:cNvCxnSpPr>
+          <p:nvPr/>
+        </p:nvCxnSpPr>
+        <p:spPr>
+          <a:xfrm flipH="1" flipV="1">
+            <a:off x="7373341" y="2586355"/>
+            <a:ext cx="1460329" cy="407758"/>
+          </a:xfrm>
+          <a:prstGeom prst="straightConnector1">
+            <a:avLst/>
+          </a:prstGeom>
+          <a:ln w="19050">
+            <a:solidFill>
+              <a:schemeClr val="bg1">
+                <a:lumMod val="65000"/>
+              </a:schemeClr>
+            </a:solidFill>
+            <a:prstDash val="sysDot"/>
+            <a:tailEnd type="triangle"/>
+          </a:ln>
+        </p:spPr>
+        <p:style>
+          <a:lnRef idx="1">
+            <a:schemeClr val="accent1"/>
+          </a:lnRef>
+          <a:fillRef idx="0">
+            <a:schemeClr val="accent1"/>
+          </a:fillRef>
+          <a:effectRef idx="0">
+            <a:schemeClr val="accent1"/>
+          </a:effectRef>
+          <a:fontRef idx="minor">
+            <a:schemeClr val="tx1"/>
+          </a:fontRef>
+        </p:style>
+      </p:cxnSp>
+      <p:cxnSp>
+        <p:nvCxnSpPr>
+          <p:cNvPr id="58" name="Conector recto de flecha 57"/>
+          <p:cNvCxnSpPr>
+            <a:stCxn id="33" idx="3"/>
+          </p:cNvCxnSpPr>
+          <p:nvPr/>
+        </p:nvCxnSpPr>
+        <p:spPr>
+          <a:xfrm flipV="1">
+            <a:off x="3081901" y="2555619"/>
+            <a:ext cx="1542449" cy="414144"/>
+          </a:xfrm>
+          <a:prstGeom prst="straightConnector1">
+            <a:avLst/>
+          </a:prstGeom>
+          <a:ln w="19050">
+            <a:solidFill>
+              <a:schemeClr val="bg1">
+                <a:lumMod val="65000"/>
+              </a:schemeClr>
+            </a:solidFill>
+            <a:prstDash val="sysDot"/>
+            <a:tailEnd type="triangle"/>
+          </a:ln>
+        </p:spPr>
+        <p:style>
+          <a:lnRef idx="1">
+            <a:schemeClr val="accent1"/>
+          </a:lnRef>
+          <a:fillRef idx="0">
+            <a:schemeClr val="accent1"/>
+          </a:fillRef>
+          <a:effectRef idx="0">
+            <a:schemeClr val="accent1"/>
+          </a:effectRef>
+          <a:fontRef idx="minor">
+            <a:schemeClr val="tx1"/>
+          </a:fontRef>
+        </p:style>
+      </p:cxnSp>
+      <p:cxnSp>
+        <p:nvCxnSpPr>
+          <p:cNvPr id="61" name="Conector recto de flecha 60"/>
+          <p:cNvCxnSpPr>
+            <a:stCxn id="36" idx="3"/>
+          </p:cNvCxnSpPr>
+          <p:nvPr/>
+        </p:nvCxnSpPr>
+        <p:spPr>
+          <a:xfrm flipV="1">
+            <a:off x="3081901" y="4648029"/>
+            <a:ext cx="1511060" cy="380067"/>
+          </a:xfrm>
+          <a:prstGeom prst="straightConnector1">
+            <a:avLst/>
+          </a:prstGeom>
+          <a:ln w="19050">
+            <a:solidFill>
+              <a:schemeClr val="bg1">
+                <a:lumMod val="65000"/>
+              </a:schemeClr>
+            </a:solidFill>
+            <a:prstDash val="sysDot"/>
+            <a:tailEnd type="triangle"/>
+          </a:ln>
+        </p:spPr>
+        <p:style>
+          <a:lnRef idx="1">
+            <a:schemeClr val="accent1"/>
+          </a:lnRef>
+          <a:fillRef idx="0">
+            <a:schemeClr val="accent1"/>
+          </a:fillRef>
+          <a:effectRef idx="0">
+            <a:schemeClr val="accent1"/>
+          </a:effectRef>
+          <a:fontRef idx="minor">
+            <a:schemeClr val="tx1"/>
+          </a:fontRef>
+        </p:style>
+      </p:cxnSp>
     </p:spTree>
     <p:extLst>
       <p:ext uri="{BB962C8B-B14F-4D97-AF65-F5344CB8AC3E}">
@@ -9263,7 +9636,7 @@
   <a:extraClrSchemeLst/>
   <a:extLst>
     <a:ext uri="{05A4C25C-085E-4340-85A3-A5531E510DB2}">
-      <thm15:themeFamily xmlns:thm15="http://schemas.microsoft.com/office/thememl/2012/main" xmlns="" name="Office Theme" id="{62F939B6-93AF-4DB8-9C6B-D6C7DFDC589F}" vid="{4A3C46E8-61CC-4603-A589-7422A47A8E4A}"/>
+      <thm15:themeFamily xmlns:thm15="http://schemas.microsoft.com/office/thememl/2012/main" name="Office Theme" id="{62F939B6-93AF-4DB8-9C6B-D6C7DFDC589F}" vid="{4A3C46E8-61CC-4603-A589-7422A47A8E4A}"/>
     </a:ext>
   </a:extLst>
 </a:theme>

--- a/Telelocalización y Captura de Imágenes.pptx
+++ b/Telelocalización y Captura de Imágenes.pptx
@@ -22,9 +22,10 @@
     <p:sldId id="268" r:id="rId16"/>
     <p:sldId id="274" r:id="rId17"/>
     <p:sldId id="272" r:id="rId18"/>
-    <p:sldId id="276" r:id="rId19"/>
-    <p:sldId id="262" r:id="rId20"/>
-    <p:sldId id="263" r:id="rId21"/>
+    <p:sldId id="281" r:id="rId19"/>
+    <p:sldId id="276" r:id="rId20"/>
+    <p:sldId id="262" r:id="rId21"/>
+    <p:sldId id="263" r:id="rId22"/>
   </p:sldIdLst>
   <p:sldSz cx="12192000" cy="6858000"/>
   <p:notesSz cx="6858000" cy="9144000"/>
@@ -5480,211 +5481,96 @@
       </p:grpSpPr>
       <p:sp>
         <p:nvSpPr>
-          <p:cNvPr id="5" name="CuadroTexto 4"/>
-          <p:cNvSpPr txBox="1"/>
+          <p:cNvPr id="2" name="1 Título"/>
+          <p:cNvSpPr>
+            <a:spLocks noGrp="1"/>
+          </p:cNvSpPr>
+          <p:nvPr>
+            <p:ph type="title"/>
+          </p:nvPr>
+        </p:nvSpPr>
+        <p:spPr/>
+        <p:txBody>
+          <a:bodyPr/>
+          <a:lstStyle/>
+          <a:p>
+            <a:r>
+              <a:rPr lang="es-ES" dirty="0" smtClean="0"/>
+              <a:t>1. HARDWARE</a:t>
+            </a:r>
+            <a:endParaRPr lang="es-ES" dirty="0"/>
+          </a:p>
+        </p:txBody>
+      </p:sp>
+      <p:sp>
+        <p:nvSpPr>
+          <p:cNvPr id="3" name="Marcador de contenido 2"/>
+          <p:cNvSpPr>
+            <a:spLocks noGrp="1"/>
+          </p:cNvSpPr>
+          <p:nvPr>
+            <p:ph idx="1"/>
+          </p:nvPr>
+        </p:nvSpPr>
+        <p:spPr>
+          <a:xfrm>
+            <a:off x="6324600" y="2106388"/>
+            <a:ext cx="3868882" cy="1634340"/>
+          </a:xfrm>
+        </p:spPr>
+        <p:txBody>
+          <a:bodyPr>
+            <a:normAutofit lnSpcReduction="10000"/>
+          </a:bodyPr>
+          <a:lstStyle/>
+          <a:p>
+            <a:r>
+              <a:rPr lang="es-PE" dirty="0" smtClean="0"/>
+              <a:t>Empleo de una CAMARA IR serial</a:t>
+            </a:r>
+          </a:p>
+          <a:p>
+            <a:r>
+              <a:rPr lang="es-PE" dirty="0" smtClean="0"/>
+              <a:t>Conexión de un Sensor magnético</a:t>
+            </a:r>
+            <a:endParaRPr lang="es-PE" dirty="0"/>
+          </a:p>
+        </p:txBody>
+      </p:sp>
+      <p:pic>
+        <p:nvPicPr>
+          <p:cNvPr id="8" name="Imagen 7"/>
+          <p:cNvPicPr>
+            <a:picLocks noChangeAspect="1"/>
+          </p:cNvPicPr>
           <p:nvPr/>
-        </p:nvSpPr>
-        <p:spPr>
-          <a:xfrm>
-            <a:off x="4606833" y="2066440"/>
-            <a:ext cx="3556102" cy="707886"/>
+        </p:nvPicPr>
+        <p:blipFill rotWithShape="1">
+          <a:blip r:embed="rId2">
+            <a:extLst>
+              <a:ext uri="{28A0092B-C50C-407E-A947-70E740481C1C}">
+                <a14:useLocalDpi xmlns:a14="http://schemas.microsoft.com/office/drawing/2010/main" val="0"/>
+              </a:ext>
+            </a:extLst>
+          </a:blip>
+          <a:srcRect t="8908" b="22364"/>
+          <a:stretch/>
+        </p:blipFill>
+        <p:spPr>
+          <a:xfrm>
+            <a:off x="2119746" y="1742643"/>
+            <a:ext cx="3030682" cy="2082905"/>
           </a:xfrm>
           <a:prstGeom prst="rect">
             <a:avLst/>
           </a:prstGeom>
-          <a:noFill/>
-        </p:spPr>
-        <p:txBody>
-          <a:bodyPr wrap="none" rtlCol="0">
-            <a:spAutoFit/>
-          </a:bodyPr>
-          <a:lstStyle/>
-          <a:p>
-            <a:pPr marL="342900" indent="-342900">
-              <a:buAutoNum type="arabicPeriod"/>
-            </a:pPr>
-            <a:r>
-              <a:rPr lang="es-PE" sz="4000" dirty="0" smtClean="0"/>
-              <a:t>HARDWARE</a:t>
-            </a:r>
-          </a:p>
-        </p:txBody>
-      </p:sp>
-      <p:sp>
-        <p:nvSpPr>
-          <p:cNvPr id="15" name="14 Rectángulo redondeado"/>
-          <p:cNvSpPr/>
-          <p:nvPr/>
-        </p:nvSpPr>
-        <p:spPr>
-          <a:xfrm>
-            <a:off x="1851072" y="2131754"/>
-            <a:ext cx="2539293" cy="2423916"/>
-          </a:xfrm>
-          <a:prstGeom prst="roundRect">
-            <a:avLst/>
-          </a:prstGeom>
-          <a:noFill/>
-          <a:ln w="19050"/>
-        </p:spPr>
-        <p:style>
-          <a:lnRef idx="2">
-            <a:schemeClr val="accent1">
-              <a:shade val="50000"/>
-            </a:schemeClr>
-          </a:lnRef>
-          <a:fillRef idx="1">
-            <a:schemeClr val="accent1"/>
-          </a:fillRef>
-          <a:effectRef idx="0">
-            <a:schemeClr val="accent1"/>
-          </a:effectRef>
-          <a:fontRef idx="minor">
-            <a:schemeClr val="lt1"/>
-          </a:fontRef>
-        </p:style>
-        <p:txBody>
-          <a:bodyPr rtlCol="0" anchor="ctr"/>
-          <a:lstStyle/>
-          <a:p>
-            <a:pPr algn="ctr"/>
-            <a:r>
-              <a:rPr lang="es-ES" sz="3600" b="1" dirty="0" smtClean="0">
-                <a:solidFill>
-                  <a:srgbClr val="00B050"/>
-                </a:solidFill>
-              </a:rPr>
-              <a:t>Prototipo</a:t>
-            </a:r>
-          </a:p>
-          <a:p>
-            <a:pPr algn="ctr"/>
-            <a:r>
-              <a:rPr lang="es-ES" sz="3600" b="1" dirty="0" smtClean="0">
-                <a:solidFill>
-                  <a:schemeClr val="tx1"/>
-                </a:solidFill>
-              </a:rPr>
-              <a:t>+</a:t>
-            </a:r>
-          </a:p>
-          <a:p>
-            <a:pPr algn="ctr"/>
-            <a:r>
-              <a:rPr lang="es-ES" sz="3600" b="1" dirty="0" smtClean="0">
-                <a:solidFill>
-                  <a:srgbClr val="0070C0"/>
-                </a:solidFill>
-              </a:rPr>
-              <a:t>Servidor</a:t>
-            </a:r>
-            <a:endParaRPr lang="es-ES" sz="3600" b="1" dirty="0">
-              <a:solidFill>
-                <a:srgbClr val="0070C0"/>
-              </a:solidFill>
-            </a:endParaRPr>
-          </a:p>
-        </p:txBody>
-      </p:sp>
-      <p:sp>
-        <p:nvSpPr>
-          <p:cNvPr id="4" name="CuadroTexto 4"/>
-          <p:cNvSpPr txBox="1"/>
-          <p:nvPr/>
-        </p:nvSpPr>
-        <p:spPr>
-          <a:xfrm>
-            <a:off x="4606833" y="2774326"/>
-            <a:ext cx="6247351" cy="1938992"/>
-          </a:xfrm>
-          <a:prstGeom prst="rect">
-            <a:avLst/>
-          </a:prstGeom>
-          <a:noFill/>
-        </p:spPr>
-        <p:txBody>
-          <a:bodyPr wrap="none" rtlCol="0">
-            <a:spAutoFit/>
-          </a:bodyPr>
-          <a:lstStyle/>
-          <a:p>
-            <a:pPr marL="571500" indent="-571500">
-              <a:buFont typeface="Arial" pitchFamily="34" charset="0"/>
-              <a:buChar char="•"/>
-            </a:pPr>
-            <a:r>
-              <a:rPr lang="es-PE" sz="2400" dirty="0" smtClean="0">
-                <a:solidFill>
-                  <a:schemeClr val="bg1">
-                    <a:lumMod val="65000"/>
-                  </a:schemeClr>
-                </a:solidFill>
-              </a:rPr>
-              <a:t>Diseño MODULAR</a:t>
-            </a:r>
-            <a:endParaRPr lang="es-PE" sz="2400" dirty="0">
-              <a:solidFill>
-                <a:schemeClr val="bg1">
-                  <a:lumMod val="65000"/>
-                </a:schemeClr>
-              </a:solidFill>
-            </a:endParaRPr>
-          </a:p>
-          <a:p>
-            <a:pPr marL="571500" indent="-571500">
-              <a:buFont typeface="Arial" pitchFamily="34" charset="0"/>
-              <a:buChar char="•"/>
-            </a:pPr>
-            <a:r>
-              <a:rPr lang="es-PE" sz="2400" dirty="0">
-                <a:solidFill>
-                  <a:schemeClr val="bg1">
-                    <a:lumMod val="65000"/>
-                  </a:schemeClr>
-                </a:solidFill>
-              </a:rPr>
-              <a:t>Basado en un MICROCONTROLADOR</a:t>
-            </a:r>
-          </a:p>
-          <a:p>
-            <a:pPr marL="571500" indent="-571500">
-              <a:buFont typeface="Arial" pitchFamily="34" charset="0"/>
-              <a:buChar char="•"/>
-            </a:pPr>
-            <a:r>
-              <a:rPr lang="es-PE" sz="2400" dirty="0" smtClean="0">
-                <a:solidFill>
-                  <a:schemeClr val="bg1">
-                    <a:lumMod val="65000"/>
-                  </a:schemeClr>
-                </a:solidFill>
-              </a:rPr>
-              <a:t>Receptor GPS y transmisor GSM/GPRS</a:t>
-            </a:r>
-          </a:p>
-          <a:p>
-            <a:pPr marL="571500" indent="-571500">
-              <a:buFont typeface="Arial" pitchFamily="34" charset="0"/>
-              <a:buChar char="•"/>
-            </a:pPr>
-            <a:r>
-              <a:rPr lang="es-PE" sz="2400" dirty="0" smtClean="0"/>
-              <a:t>CAMARA IR y sensor magnético</a:t>
-            </a:r>
-          </a:p>
-          <a:p>
-            <a:pPr marL="571500" indent="-571500">
-              <a:buFont typeface="Arial" pitchFamily="34" charset="0"/>
-              <a:buChar char="•"/>
-            </a:pPr>
-            <a:endParaRPr lang="es-PE" sz="2400" dirty="0"/>
-          </a:p>
-        </p:txBody>
-      </p:sp>
+        </p:spPr>
+      </p:pic>
     </p:spTree>
     <p:extLst>
       <p:ext uri="{BB962C8B-B14F-4D97-AF65-F5344CB8AC3E}">
-        <p14:creationId xmlns:p14="http://schemas.microsoft.com/office/powerpoint/2010/main" val="2341241448"/>
+        <p14:creationId xmlns:p14="http://schemas.microsoft.com/office/powerpoint/2010/main" val="1472406831"/>
       </p:ext>
     </p:extLst>
   </p:cSld>
@@ -5720,50 +5606,211 @@
       </p:grpSpPr>
       <p:sp>
         <p:nvSpPr>
-          <p:cNvPr id="4" name="Título 3"/>
-          <p:cNvSpPr>
-            <a:spLocks noGrp="1"/>
-          </p:cNvSpPr>
-          <p:nvPr>
-            <p:ph type="ctrTitle"/>
-          </p:nvPr>
-        </p:nvSpPr>
-        <p:spPr/>
-        <p:txBody>
-          <a:bodyPr/>
-          <a:lstStyle/>
-          <a:p>
-            <a:r>
-              <a:rPr lang="es-PE" dirty="0" smtClean="0"/>
-              <a:t>2. Implementación</a:t>
-            </a:r>
-            <a:endParaRPr lang="es-PE" dirty="0"/>
-          </a:p>
-        </p:txBody>
-      </p:sp>
-      <p:sp>
-        <p:nvSpPr>
-          <p:cNvPr id="5" name="Subtítulo 4"/>
-          <p:cNvSpPr>
-            <a:spLocks noGrp="1"/>
-          </p:cNvSpPr>
-          <p:nvPr>
-            <p:ph type="subTitle" idx="1"/>
-          </p:nvPr>
-        </p:nvSpPr>
-        <p:spPr/>
-        <p:txBody>
-          <a:bodyPr/>
-          <a:lstStyle/>
-          <a:p>
-            <a:endParaRPr lang="es-PE"/>
+          <p:cNvPr id="5" name="CuadroTexto 4"/>
+          <p:cNvSpPr txBox="1"/>
+          <p:nvPr/>
+        </p:nvSpPr>
+        <p:spPr>
+          <a:xfrm>
+            <a:off x="4606833" y="2066440"/>
+            <a:ext cx="3556102" cy="707886"/>
+          </a:xfrm>
+          <a:prstGeom prst="rect">
+            <a:avLst/>
+          </a:prstGeom>
+          <a:noFill/>
+        </p:spPr>
+        <p:txBody>
+          <a:bodyPr wrap="none" rtlCol="0">
+            <a:spAutoFit/>
+          </a:bodyPr>
+          <a:lstStyle/>
+          <a:p>
+            <a:pPr marL="342900" indent="-342900">
+              <a:buAutoNum type="arabicPeriod"/>
+            </a:pPr>
+            <a:r>
+              <a:rPr lang="es-PE" sz="4000" dirty="0" smtClean="0"/>
+              <a:t>HARDWARE</a:t>
+            </a:r>
+          </a:p>
+        </p:txBody>
+      </p:sp>
+      <p:sp>
+        <p:nvSpPr>
+          <p:cNvPr id="15" name="14 Rectángulo redondeado"/>
+          <p:cNvSpPr/>
+          <p:nvPr/>
+        </p:nvSpPr>
+        <p:spPr>
+          <a:xfrm>
+            <a:off x="1851072" y="2131754"/>
+            <a:ext cx="2539293" cy="2423916"/>
+          </a:xfrm>
+          <a:prstGeom prst="roundRect">
+            <a:avLst/>
+          </a:prstGeom>
+          <a:noFill/>
+          <a:ln w="19050"/>
+        </p:spPr>
+        <p:style>
+          <a:lnRef idx="2">
+            <a:schemeClr val="accent1">
+              <a:shade val="50000"/>
+            </a:schemeClr>
+          </a:lnRef>
+          <a:fillRef idx="1">
+            <a:schemeClr val="accent1"/>
+          </a:fillRef>
+          <a:effectRef idx="0">
+            <a:schemeClr val="accent1"/>
+          </a:effectRef>
+          <a:fontRef idx="minor">
+            <a:schemeClr val="lt1"/>
+          </a:fontRef>
+        </p:style>
+        <p:txBody>
+          <a:bodyPr rtlCol="0" anchor="ctr"/>
+          <a:lstStyle/>
+          <a:p>
+            <a:pPr algn="ctr"/>
+            <a:r>
+              <a:rPr lang="es-ES" sz="3600" b="1" dirty="0" smtClean="0">
+                <a:solidFill>
+                  <a:srgbClr val="00B050"/>
+                </a:solidFill>
+              </a:rPr>
+              <a:t>Prototipo</a:t>
+            </a:r>
+          </a:p>
+          <a:p>
+            <a:pPr algn="ctr"/>
+            <a:r>
+              <a:rPr lang="es-ES" sz="3600" b="1" dirty="0" smtClean="0">
+                <a:solidFill>
+                  <a:schemeClr val="tx1"/>
+                </a:solidFill>
+              </a:rPr>
+              <a:t>+</a:t>
+            </a:r>
+          </a:p>
+          <a:p>
+            <a:pPr algn="ctr"/>
+            <a:r>
+              <a:rPr lang="es-ES" sz="3600" b="1" dirty="0" smtClean="0">
+                <a:solidFill>
+                  <a:srgbClr val="0070C0"/>
+                </a:solidFill>
+              </a:rPr>
+              <a:t>Servidor</a:t>
+            </a:r>
+            <a:endParaRPr lang="es-ES" sz="3600" b="1" dirty="0">
+              <a:solidFill>
+                <a:srgbClr val="0070C0"/>
+              </a:solidFill>
+            </a:endParaRPr>
+          </a:p>
+        </p:txBody>
+      </p:sp>
+      <p:sp>
+        <p:nvSpPr>
+          <p:cNvPr id="4" name="CuadroTexto 4"/>
+          <p:cNvSpPr txBox="1"/>
+          <p:nvPr/>
+        </p:nvSpPr>
+        <p:spPr>
+          <a:xfrm>
+            <a:off x="4606833" y="2774326"/>
+            <a:ext cx="6247351" cy="1938992"/>
+          </a:xfrm>
+          <a:prstGeom prst="rect">
+            <a:avLst/>
+          </a:prstGeom>
+          <a:noFill/>
+        </p:spPr>
+        <p:txBody>
+          <a:bodyPr wrap="none" rtlCol="0">
+            <a:spAutoFit/>
+          </a:bodyPr>
+          <a:lstStyle/>
+          <a:p>
+            <a:pPr marL="571500" indent="-571500">
+              <a:buFont typeface="Arial" pitchFamily="34" charset="0"/>
+              <a:buChar char="•"/>
+            </a:pPr>
+            <a:r>
+              <a:rPr lang="es-PE" sz="2400" dirty="0" smtClean="0">
+                <a:solidFill>
+                  <a:schemeClr val="bg1">
+                    <a:lumMod val="65000"/>
+                  </a:schemeClr>
+                </a:solidFill>
+              </a:rPr>
+              <a:t>Diseño MODULAR</a:t>
+            </a:r>
+            <a:endParaRPr lang="es-PE" sz="2400" dirty="0">
+              <a:solidFill>
+                <a:schemeClr val="bg1">
+                  <a:lumMod val="65000"/>
+                </a:schemeClr>
+              </a:solidFill>
+            </a:endParaRPr>
+          </a:p>
+          <a:p>
+            <a:pPr marL="571500" indent="-571500">
+              <a:buFont typeface="Arial" pitchFamily="34" charset="0"/>
+              <a:buChar char="•"/>
+            </a:pPr>
+            <a:r>
+              <a:rPr lang="es-PE" sz="2400" dirty="0">
+                <a:solidFill>
+                  <a:schemeClr val="bg1">
+                    <a:lumMod val="65000"/>
+                  </a:schemeClr>
+                </a:solidFill>
+              </a:rPr>
+              <a:t>Basado en un MICROCONTROLADOR</a:t>
+            </a:r>
+          </a:p>
+          <a:p>
+            <a:pPr marL="571500" indent="-571500">
+              <a:buFont typeface="Arial" pitchFamily="34" charset="0"/>
+              <a:buChar char="•"/>
+            </a:pPr>
+            <a:r>
+              <a:rPr lang="es-PE" sz="2400" dirty="0" smtClean="0">
+                <a:solidFill>
+                  <a:schemeClr val="bg1">
+                    <a:lumMod val="65000"/>
+                  </a:schemeClr>
+                </a:solidFill>
+              </a:rPr>
+              <a:t>Receptor GPS y transmisor GSM/GPRS</a:t>
+            </a:r>
+          </a:p>
+          <a:p>
+            <a:pPr marL="571500" indent="-571500">
+              <a:buFont typeface="Arial" pitchFamily="34" charset="0"/>
+              <a:buChar char="•"/>
+            </a:pPr>
+            <a:r>
+              <a:rPr lang="es-PE" sz="2400" dirty="0" smtClean="0"/>
+              <a:t>CAMARA IR y sensor magnético</a:t>
+            </a:r>
+          </a:p>
+          <a:p>
+            <a:pPr marL="571500" indent="-571500">
+              <a:buFont typeface="Arial" pitchFamily="34" charset="0"/>
+              <a:buChar char="•"/>
+            </a:pPr>
+            <a:endParaRPr lang="es-PE" sz="2400" dirty="0"/>
           </a:p>
         </p:txBody>
       </p:sp>
     </p:spTree>
     <p:extLst>
       <p:ext uri="{BB962C8B-B14F-4D97-AF65-F5344CB8AC3E}">
-        <p14:creationId xmlns:p14="http://schemas.microsoft.com/office/powerpoint/2010/main" val="4119243393"/>
+        <p14:creationId xmlns:p14="http://schemas.microsoft.com/office/powerpoint/2010/main" val="2341241448"/>
       </p:ext>
     </p:extLst>
   </p:cSld>
@@ -5993,6 +6040,85 @@
       </p:grpSpPr>
       <p:sp>
         <p:nvSpPr>
+          <p:cNvPr id="4" name="Título 3"/>
+          <p:cNvSpPr>
+            <a:spLocks noGrp="1"/>
+          </p:cNvSpPr>
+          <p:nvPr>
+            <p:ph type="ctrTitle"/>
+          </p:nvPr>
+        </p:nvSpPr>
+        <p:spPr/>
+        <p:txBody>
+          <a:bodyPr/>
+          <a:lstStyle/>
+          <a:p>
+            <a:r>
+              <a:rPr lang="es-PE" dirty="0" smtClean="0"/>
+              <a:t>2. Implementación</a:t>
+            </a:r>
+            <a:endParaRPr lang="es-PE" dirty="0"/>
+          </a:p>
+        </p:txBody>
+      </p:sp>
+      <p:sp>
+        <p:nvSpPr>
+          <p:cNvPr id="5" name="Subtítulo 4"/>
+          <p:cNvSpPr>
+            <a:spLocks noGrp="1"/>
+          </p:cNvSpPr>
+          <p:nvPr>
+            <p:ph type="subTitle" idx="1"/>
+          </p:nvPr>
+        </p:nvSpPr>
+        <p:spPr/>
+        <p:txBody>
+          <a:bodyPr/>
+          <a:lstStyle/>
+          <a:p>
+            <a:endParaRPr lang="es-PE"/>
+          </a:p>
+        </p:txBody>
+      </p:sp>
+    </p:spTree>
+    <p:extLst>
+      <p:ext uri="{BB962C8B-B14F-4D97-AF65-F5344CB8AC3E}">
+        <p14:creationId xmlns:p14="http://schemas.microsoft.com/office/powerpoint/2010/main" val="4119243393"/>
+      </p:ext>
+    </p:extLst>
+  </p:cSld>
+  <p:clrMapOvr>
+    <a:masterClrMapping/>
+  </p:clrMapOvr>
+  <p:timing>
+    <p:tnLst>
+      <p:par>
+        <p:cTn id="1" dur="indefinite" restart="never" nodeType="tmRoot"/>
+      </p:par>
+    </p:tnLst>
+  </p:timing>
+</p:sld>
+</file>
+
+<file path=ppt/slides/slide21.xml><?xml version="1.0" encoding="utf-8"?>
+<p:sld xmlns:a="http://schemas.openxmlformats.org/drawingml/2006/main" xmlns:r="http://schemas.openxmlformats.org/officeDocument/2006/relationships" xmlns:p="http://schemas.openxmlformats.org/presentationml/2006/main">
+  <p:cSld>
+    <p:spTree>
+      <p:nvGrpSpPr>
+        <p:cNvPr id="1" name=""/>
+        <p:cNvGrpSpPr/>
+        <p:nvPr/>
+      </p:nvGrpSpPr>
+      <p:grpSpPr>
+        <a:xfrm>
+          <a:off x="0" y="0"/>
+          <a:ext cx="0" cy="0"/>
+          <a:chOff x="0" y="0"/>
+          <a:chExt cx="0" cy="0"/>
+        </a:xfrm>
+      </p:grpSpPr>
+      <p:sp>
+        <p:nvSpPr>
           <p:cNvPr id="2" name="Título 1"/>
           <p:cNvSpPr>
             <a:spLocks noGrp="1"/>
@@ -6118,7 +6244,12 @@
             <p:ph idx="1"/>
           </p:nvPr>
         </p:nvSpPr>
-        <p:spPr/>
+        <p:spPr>
+          <a:xfrm>
+            <a:off x="838200" y="1825625"/>
+            <a:ext cx="3609109" cy="4351338"/>
+          </a:xfrm>
+        </p:spPr>
         <p:txBody>
           <a:bodyPr/>
           <a:lstStyle/>
@@ -6127,26 +6258,115 @@
           </a:p>
           <a:p>
             <a:r>
+              <a:rPr lang="es-PE" dirty="0"/>
+              <a:t>Uso de cámara infrarroja</a:t>
+            </a:r>
+          </a:p>
+          <a:p>
+            <a:r>
               <a:rPr lang="es-PE" dirty="0" smtClean="0"/>
-              <a:t>Fotos del interior o exterior del automóvil</a:t>
-            </a:r>
-          </a:p>
-          <a:p>
+              <a:t>Fotos </a:t>
+            </a:r>
             <a:r>
               <a:rPr lang="es-PE" dirty="0" smtClean="0"/>
-              <a:t>Uso de cámaras </a:t>
-            </a:r>
-            <a:r>
-              <a:rPr lang="es-PE" dirty="0" err="1" smtClean="0"/>
-              <a:t>infrarojas</a:t>
+              <a:t>del </a:t>
+            </a:r>
+            <a:r>
+              <a:rPr lang="es-PE" dirty="0" smtClean="0"/>
+              <a:t>interior </a:t>
+            </a:r>
+            <a:r>
+              <a:rPr lang="es-PE" dirty="0" smtClean="0"/>
+              <a:t>del </a:t>
+            </a:r>
+            <a:r>
+              <a:rPr lang="es-PE" dirty="0" smtClean="0"/>
+              <a:t>vehículo</a:t>
             </a:r>
             <a:endParaRPr lang="es-PE" dirty="0" smtClean="0"/>
           </a:p>
-          <a:p>
-            <a:endParaRPr lang="es-PE" dirty="0"/>
-          </a:p>
-        </p:txBody>
-      </p:sp>
+        </p:txBody>
+      </p:sp>
+      <p:pic>
+        <p:nvPicPr>
+          <p:cNvPr id="6" name="Imagen 5"/>
+          <p:cNvPicPr>
+            <a:picLocks noChangeAspect="1"/>
+          </p:cNvPicPr>
+          <p:nvPr/>
+        </p:nvPicPr>
+        <p:blipFill rotWithShape="1">
+          <a:blip r:embed="rId2">
+            <a:extLst>
+              <a:ext uri="{28A0092B-C50C-407E-A947-70E740481C1C}">
+                <a14:useLocalDpi xmlns:a14="http://schemas.microsoft.com/office/drawing/2010/main" val="0"/>
+              </a:ext>
+            </a:extLst>
+          </a:blip>
+          <a:srcRect l="10173" t="16753" r="16580" b="12078"/>
+          <a:stretch/>
+        </p:blipFill>
+        <p:spPr>
+          <a:xfrm>
+            <a:off x="9207472" y="2096488"/>
+            <a:ext cx="1960418" cy="1904805"/>
+          </a:xfrm>
+          <a:prstGeom prst="rect">
+            <a:avLst/>
+          </a:prstGeom>
+        </p:spPr>
+      </p:pic>
+      <p:pic>
+        <p:nvPicPr>
+          <p:cNvPr id="5" name="Imagen 4"/>
+          <p:cNvPicPr>
+            <a:picLocks noChangeAspect="1"/>
+          </p:cNvPicPr>
+          <p:nvPr/>
+        </p:nvPicPr>
+        <p:blipFill rotWithShape="1">
+          <a:blip r:embed="rId3" cstate="print">
+            <a:extLst>
+              <a:ext uri="{28A0092B-C50C-407E-A947-70E740481C1C}">
+                <a14:useLocalDpi xmlns:a14="http://schemas.microsoft.com/office/drawing/2010/main" val="0"/>
+              </a:ext>
+            </a:extLst>
+          </a:blip>
+          <a:srcRect r="28877"/>
+          <a:stretch/>
+        </p:blipFill>
+        <p:spPr>
+          <a:xfrm>
+            <a:off x="4428863" y="2291810"/>
+            <a:ext cx="4872127" cy="3418967"/>
+          </a:xfrm>
+          <a:prstGeom prst="ellipse">
+            <a:avLst/>
+          </a:prstGeom>
+          <a:ln w="63500" cap="rnd">
+            <a:noFill/>
+          </a:ln>
+          <a:effectLst>
+            <a:outerShdw blurRad="381000" dist="292100" dir="5400000" sx="-80000" sy="-18000" rotWithShape="0">
+              <a:srgbClr val="000000">
+                <a:alpha val="22000"/>
+              </a:srgbClr>
+            </a:outerShdw>
+          </a:effectLst>
+          <a:scene3d>
+            <a:camera prst="orthographicFront"/>
+            <a:lightRig rig="contrasting" dir="t">
+              <a:rot lat="0" lon="0" rev="3000000"/>
+            </a:lightRig>
+          </a:scene3d>
+          <a:sp3d contourW="7620">
+            <a:bevelT w="95250" h="31750"/>
+            <a:contourClr>
+              <a:srgbClr val="333333"/>
+            </a:contourClr>
+          </a:sp3d>
+        </p:spPr>
+      </p:pic>
     </p:spTree>
     <p:extLst>
       <p:ext uri="{BB962C8B-B14F-4D97-AF65-F5344CB8AC3E}">
@@ -8942,7 +9162,6 @@
               <a:rPr lang="es-ES" dirty="0" smtClean="0"/>
               <a:t>GSM/GPRS</a:t>
             </a:r>
-            <a:endParaRPr lang="es-ES" dirty="0" smtClean="0"/>
           </a:p>
           <a:p>
             <a:pPr algn="ctr"/>

--- a/Telelocalización y Captura de Imágenes.pptx
+++ b/Telelocalización y Captura de Imágenes.pptx
@@ -126,7 +126,7 @@
   </p:defaultTextStyle>
   <p:extLst>
     <p:ext uri="{EFAFB233-063F-42B5-8137-9DF3F51BA10A}">
-      <p15:sldGuideLst xmlns:p15="http://schemas.microsoft.com/office/powerpoint/2012/main">
+      <p15:sldGuideLst xmlns="" xmlns:p15="http://schemas.microsoft.com/office/powerpoint/2012/main">
         <p15:guide id="1" orient="horz" pos="2160">
           <p15:clr>
             <a:srgbClr val="A4A3A4"/>
@@ -274,7 +274,7 @@
           <a:p>
             <a:fld id="{F3D66D49-C998-4448-A9A4-08248D17FD06}" type="datetimeFigureOut">
               <a:rPr lang="es-PE" smtClean="0"/>
-              <a:t>08/12/2015</a:t>
+              <a:t>09/12/2015</a:t>
             </a:fld>
             <a:endParaRPr lang="es-PE"/>
           </a:p>
@@ -444,7 +444,7 @@
           <a:p>
             <a:fld id="{F3D66D49-C998-4448-A9A4-08248D17FD06}" type="datetimeFigureOut">
               <a:rPr lang="es-PE" smtClean="0"/>
-              <a:t>08/12/2015</a:t>
+              <a:t>09/12/2015</a:t>
             </a:fld>
             <a:endParaRPr lang="es-PE"/>
           </a:p>
@@ -624,7 +624,7 @@
           <a:p>
             <a:fld id="{F3D66D49-C998-4448-A9A4-08248D17FD06}" type="datetimeFigureOut">
               <a:rPr lang="es-PE" smtClean="0"/>
-              <a:t>08/12/2015</a:t>
+              <a:t>09/12/2015</a:t>
             </a:fld>
             <a:endParaRPr lang="es-PE"/>
           </a:p>
@@ -794,7 +794,7 @@
           <a:p>
             <a:fld id="{F3D66D49-C998-4448-A9A4-08248D17FD06}" type="datetimeFigureOut">
               <a:rPr lang="es-PE" smtClean="0"/>
-              <a:t>08/12/2015</a:t>
+              <a:t>09/12/2015</a:t>
             </a:fld>
             <a:endParaRPr lang="es-PE"/>
           </a:p>
@@ -1040,7 +1040,7 @@
           <a:p>
             <a:fld id="{F3D66D49-C998-4448-A9A4-08248D17FD06}" type="datetimeFigureOut">
               <a:rPr lang="es-PE" smtClean="0"/>
-              <a:t>08/12/2015</a:t>
+              <a:t>09/12/2015</a:t>
             </a:fld>
             <a:endParaRPr lang="es-PE"/>
           </a:p>
@@ -1272,7 +1272,7 @@
           <a:p>
             <a:fld id="{F3D66D49-C998-4448-A9A4-08248D17FD06}" type="datetimeFigureOut">
               <a:rPr lang="es-PE" smtClean="0"/>
-              <a:t>08/12/2015</a:t>
+              <a:t>09/12/2015</a:t>
             </a:fld>
             <a:endParaRPr lang="es-PE"/>
           </a:p>
@@ -1639,7 +1639,7 @@
           <a:p>
             <a:fld id="{F3D66D49-C998-4448-A9A4-08248D17FD06}" type="datetimeFigureOut">
               <a:rPr lang="es-PE" smtClean="0"/>
-              <a:t>08/12/2015</a:t>
+              <a:t>09/12/2015</a:t>
             </a:fld>
             <a:endParaRPr lang="es-PE"/>
           </a:p>
@@ -1757,7 +1757,7 @@
           <a:p>
             <a:fld id="{F3D66D49-C998-4448-A9A4-08248D17FD06}" type="datetimeFigureOut">
               <a:rPr lang="es-PE" smtClean="0"/>
-              <a:t>08/12/2015</a:t>
+              <a:t>09/12/2015</a:t>
             </a:fld>
             <a:endParaRPr lang="es-PE"/>
           </a:p>
@@ -1852,7 +1852,7 @@
           <a:p>
             <a:fld id="{F3D66D49-C998-4448-A9A4-08248D17FD06}" type="datetimeFigureOut">
               <a:rPr lang="es-PE" smtClean="0"/>
-              <a:t>08/12/2015</a:t>
+              <a:t>09/12/2015</a:t>
             </a:fld>
             <a:endParaRPr lang="es-PE"/>
           </a:p>
@@ -2129,7 +2129,7 @@
           <a:p>
             <a:fld id="{F3D66D49-C998-4448-A9A4-08248D17FD06}" type="datetimeFigureOut">
               <a:rPr lang="es-PE" smtClean="0"/>
-              <a:t>08/12/2015</a:t>
+              <a:t>09/12/2015</a:t>
             </a:fld>
             <a:endParaRPr lang="es-PE"/>
           </a:p>
@@ -2382,7 +2382,7 @@
           <a:p>
             <a:fld id="{F3D66D49-C998-4448-A9A4-08248D17FD06}" type="datetimeFigureOut">
               <a:rPr lang="es-PE" smtClean="0"/>
-              <a:t>08/12/2015</a:t>
+              <a:t>09/12/2015</a:t>
             </a:fld>
             <a:endParaRPr lang="es-PE"/>
           </a:p>
@@ -2595,7 +2595,7 @@
           <a:p>
             <a:fld id="{F3D66D49-C998-4448-A9A4-08248D17FD06}" type="datetimeFigureOut">
               <a:rPr lang="es-PE" smtClean="0"/>
-              <a:t>08/12/2015</a:t>
+              <a:t>09/12/2015</a:t>
             </a:fld>
             <a:endParaRPr lang="es-PE"/>
           </a:p>
@@ -3048,6 +3048,76 @@
           </a:p>
         </p:txBody>
       </p:sp>
+      <p:cxnSp>
+        <p:nvCxnSpPr>
+          <p:cNvPr id="7" name="6 Conector recto"/>
+          <p:cNvCxnSpPr/>
+          <p:nvPr/>
+        </p:nvCxnSpPr>
+        <p:spPr>
+          <a:xfrm>
+            <a:off x="2788857" y="3494314"/>
+            <a:ext cx="3239831" cy="0"/>
+          </a:xfrm>
+          <a:prstGeom prst="line">
+            <a:avLst/>
+          </a:prstGeom>
+          <a:ln w="19050">
+            <a:solidFill>
+              <a:srgbClr val="0070C0"/>
+            </a:solidFill>
+          </a:ln>
+        </p:spPr>
+        <p:style>
+          <a:lnRef idx="1">
+            <a:schemeClr val="accent1"/>
+          </a:lnRef>
+          <a:fillRef idx="0">
+            <a:schemeClr val="accent1"/>
+          </a:fillRef>
+          <a:effectRef idx="0">
+            <a:schemeClr val="accent1"/>
+          </a:effectRef>
+          <a:fontRef idx="minor">
+            <a:schemeClr val="tx1"/>
+          </a:fontRef>
+        </p:style>
+      </p:cxnSp>
+      <p:cxnSp>
+        <p:nvCxnSpPr>
+          <p:cNvPr id="9" name="8 Conector recto"/>
+          <p:cNvCxnSpPr/>
+          <p:nvPr/>
+        </p:nvCxnSpPr>
+        <p:spPr>
+          <a:xfrm>
+            <a:off x="6070893" y="3494314"/>
+            <a:ext cx="3239831" cy="0"/>
+          </a:xfrm>
+          <a:prstGeom prst="line">
+            <a:avLst/>
+          </a:prstGeom>
+          <a:ln w="19050">
+            <a:solidFill>
+              <a:srgbClr val="00B050"/>
+            </a:solidFill>
+          </a:ln>
+        </p:spPr>
+        <p:style>
+          <a:lnRef idx="1">
+            <a:schemeClr val="accent1"/>
+          </a:lnRef>
+          <a:fillRef idx="0">
+            <a:schemeClr val="accent1"/>
+          </a:fillRef>
+          <a:effectRef idx="0">
+            <a:schemeClr val="accent1"/>
+          </a:effectRef>
+          <a:fontRef idx="minor">
+            <a:schemeClr val="tx1"/>
+          </a:fontRef>
+        </p:style>
+      </p:cxnSp>
     </p:spTree>
     <p:extLst>
       <p:ext uri="{BB962C8B-B14F-4D97-AF65-F5344CB8AC3E}">
@@ -3350,17 +3420,25 @@
         </p:nvSpPr>
         <p:spPr>
           <a:xfrm>
-            <a:off x="4769553" y="4968792"/>
-            <a:ext cx="6584247" cy="1188317"/>
+            <a:off x="5455371" y="4968792"/>
+            <a:ext cx="5811361" cy="1188317"/>
           </a:xfrm>
         </p:spPr>
         <p:txBody>
-          <a:bodyPr/>
+          <a:bodyPr>
+            <a:normAutofit fontScale="92500" lnSpcReduction="20000"/>
+          </a:bodyPr>
           <a:lstStyle/>
           <a:p>
             <a:r>
               <a:rPr lang="es-ES" dirty="0" smtClean="0"/>
-              <a:t>Plataforma de desarrollo</a:t>
+              <a:t>Plataforma electrónica de desarrollo</a:t>
+            </a:r>
+          </a:p>
+          <a:p>
+            <a:r>
+              <a:rPr lang="es-ES" dirty="0" smtClean="0"/>
+              <a:t>Permite conectar módulos</a:t>
             </a:r>
           </a:p>
           <a:p>
@@ -3500,9 +3578,237 @@
   <p:timing>
     <p:tnLst>
       <p:par>
-        <p:cTn id="1" dur="indefinite" restart="never" nodeType="tmRoot"/>
+        <p:cTn id="1" dur="indefinite" restart="never" nodeType="tmRoot">
+          <p:childTnLst>
+            <p:seq concurrent="1" nextAc="seek">
+              <p:cTn id="2" dur="indefinite" nodeType="mainSeq">
+                <p:childTnLst>
+                  <p:par>
+                    <p:cTn id="3" fill="hold">
+                      <p:stCondLst>
+                        <p:cond delay="indefinite"/>
+                      </p:stCondLst>
+                      <p:childTnLst>
+                        <p:par>
+                          <p:cTn id="4" fill="hold">
+                            <p:stCondLst>
+                              <p:cond delay="0"/>
+                            </p:stCondLst>
+                            <p:childTnLst>
+                              <p:par>
+                                <p:cTn id="5" presetID="1" presetClass="entr" presetSubtype="0" fill="hold" grpId="0" nodeType="clickEffect">
+                                  <p:stCondLst>
+                                    <p:cond delay="0"/>
+                                  </p:stCondLst>
+                                  <p:childTnLst>
+                                    <p:set>
+                                      <p:cBhvr>
+                                        <p:cTn id="6" dur="1" fill="hold">
+                                          <p:stCondLst>
+                                            <p:cond delay="0"/>
+                                          </p:stCondLst>
+                                        </p:cTn>
+                                        <p:tgtEl>
+                                          <p:spTgt spid="12">
+                                            <p:txEl>
+                                              <p:pRg st="0" end="0"/>
+                                            </p:txEl>
+                                          </p:spTgt>
+                                        </p:tgtEl>
+                                        <p:attrNameLst>
+                                          <p:attrName>style.visibility</p:attrName>
+                                        </p:attrNameLst>
+                                      </p:cBhvr>
+                                      <p:to>
+                                        <p:strVal val="visible"/>
+                                      </p:to>
+                                    </p:set>
+                                  </p:childTnLst>
+                                </p:cTn>
+                              </p:par>
+                            </p:childTnLst>
+                          </p:cTn>
+                        </p:par>
+                      </p:childTnLst>
+                    </p:cTn>
+                  </p:par>
+                  <p:par>
+                    <p:cTn id="7" fill="hold">
+                      <p:stCondLst>
+                        <p:cond delay="indefinite"/>
+                      </p:stCondLst>
+                      <p:childTnLst>
+                        <p:par>
+                          <p:cTn id="8" fill="hold">
+                            <p:stCondLst>
+                              <p:cond delay="0"/>
+                            </p:stCondLst>
+                            <p:childTnLst>
+                              <p:par>
+                                <p:cTn id="9" presetID="1" presetClass="entr" presetSubtype="0" fill="hold" grpId="0" nodeType="clickEffect">
+                                  <p:stCondLst>
+                                    <p:cond delay="0"/>
+                                  </p:stCondLst>
+                                  <p:childTnLst>
+                                    <p:set>
+                                      <p:cBhvr>
+                                        <p:cTn id="10" dur="1" fill="hold">
+                                          <p:stCondLst>
+                                            <p:cond delay="0"/>
+                                          </p:stCondLst>
+                                        </p:cTn>
+                                        <p:tgtEl>
+                                          <p:spTgt spid="12">
+                                            <p:txEl>
+                                              <p:pRg st="1" end="1"/>
+                                            </p:txEl>
+                                          </p:spTgt>
+                                        </p:tgtEl>
+                                        <p:attrNameLst>
+                                          <p:attrName>style.visibility</p:attrName>
+                                        </p:attrNameLst>
+                                      </p:cBhvr>
+                                      <p:to>
+                                        <p:strVal val="visible"/>
+                                      </p:to>
+                                    </p:set>
+                                  </p:childTnLst>
+                                </p:cTn>
+                              </p:par>
+                            </p:childTnLst>
+                          </p:cTn>
+                        </p:par>
+                      </p:childTnLst>
+                    </p:cTn>
+                  </p:par>
+                  <p:par>
+                    <p:cTn id="11" fill="hold">
+                      <p:stCondLst>
+                        <p:cond delay="indefinite"/>
+                      </p:stCondLst>
+                      <p:childTnLst>
+                        <p:par>
+                          <p:cTn id="12" fill="hold">
+                            <p:stCondLst>
+                              <p:cond delay="0"/>
+                            </p:stCondLst>
+                            <p:childTnLst>
+                              <p:par>
+                                <p:cTn id="13" presetID="1" presetClass="entr" presetSubtype="0" fill="hold" grpId="0" nodeType="clickEffect">
+                                  <p:stCondLst>
+                                    <p:cond delay="0"/>
+                                  </p:stCondLst>
+                                  <p:childTnLst>
+                                    <p:set>
+                                      <p:cBhvr>
+                                        <p:cTn id="14" dur="1" fill="hold">
+                                          <p:stCondLst>
+                                            <p:cond delay="0"/>
+                                          </p:stCondLst>
+                                        </p:cTn>
+                                        <p:tgtEl>
+                                          <p:spTgt spid="12">
+                                            <p:txEl>
+                                              <p:pRg st="2" end="2"/>
+                                            </p:txEl>
+                                          </p:spTgt>
+                                        </p:tgtEl>
+                                        <p:attrNameLst>
+                                          <p:attrName>style.visibility</p:attrName>
+                                        </p:attrNameLst>
+                                      </p:cBhvr>
+                                      <p:to>
+                                        <p:strVal val="visible"/>
+                                      </p:to>
+                                    </p:set>
+                                  </p:childTnLst>
+                                </p:cTn>
+                              </p:par>
+                              <p:par>
+                                <p:cTn id="15" presetID="1" presetClass="entr" presetSubtype="0" fill="hold" grpId="0" nodeType="withEffect">
+                                  <p:stCondLst>
+                                    <p:cond delay="0"/>
+                                  </p:stCondLst>
+                                  <p:childTnLst>
+                                    <p:set>
+                                      <p:cBhvr>
+                                        <p:cTn id="16" dur="1" fill="hold">
+                                          <p:stCondLst>
+                                            <p:cond delay="0"/>
+                                          </p:stCondLst>
+                                        </p:cTn>
+                                        <p:tgtEl>
+                                          <p:spTgt spid="10"/>
+                                        </p:tgtEl>
+                                        <p:attrNameLst>
+                                          <p:attrName>style.visibility</p:attrName>
+                                        </p:attrNameLst>
+                                      </p:cBhvr>
+                                      <p:to>
+                                        <p:strVal val="visible"/>
+                                      </p:to>
+                                    </p:set>
+                                  </p:childTnLst>
+                                </p:cTn>
+                              </p:par>
+                              <p:par>
+                                <p:cTn id="17" presetID="1" presetClass="entr" presetSubtype="0" fill="hold" nodeType="withEffect">
+                                  <p:stCondLst>
+                                    <p:cond delay="0"/>
+                                  </p:stCondLst>
+                                  <p:childTnLst>
+                                    <p:set>
+                                      <p:cBhvr>
+                                        <p:cTn id="18" dur="1" fill="hold">
+                                          <p:stCondLst>
+                                            <p:cond delay="0"/>
+                                          </p:stCondLst>
+                                        </p:cTn>
+                                        <p:tgtEl>
+                                          <p:spTgt spid="6"/>
+                                        </p:tgtEl>
+                                        <p:attrNameLst>
+                                          <p:attrName>style.visibility</p:attrName>
+                                        </p:attrNameLst>
+                                      </p:cBhvr>
+                                      <p:to>
+                                        <p:strVal val="visible"/>
+                                      </p:to>
+                                    </p:set>
+                                  </p:childTnLst>
+                                </p:cTn>
+                              </p:par>
+                            </p:childTnLst>
+                          </p:cTn>
+                        </p:par>
+                      </p:childTnLst>
+                    </p:cTn>
+                  </p:par>
+                </p:childTnLst>
+              </p:cTn>
+              <p:prevCondLst>
+                <p:cond evt="onPrev" delay="0">
+                  <p:tgtEl>
+                    <p:sldTgt/>
+                  </p:tgtEl>
+                </p:cond>
+              </p:prevCondLst>
+              <p:nextCondLst>
+                <p:cond evt="onNext" delay="0">
+                  <p:tgtEl>
+                    <p:sldTgt/>
+                  </p:tgtEl>
+                </p:cond>
+              </p:nextCondLst>
+            </p:seq>
+          </p:childTnLst>
+        </p:cTn>
       </p:par>
     </p:tnLst>
+    <p:bldLst>
+      <p:bldP spid="12" grpId="0" build="p"/>
+      <p:bldP spid="10" grpId="0" animBg="1"/>
+    </p:bldLst>
   </p:timing>
 </p:sld>
 </file>
@@ -3860,7 +4166,7 @@
                   </a:schemeClr>
                 </a:solidFill>
               </a:rPr>
-              <a:t>Diseño MODULAR</a:t>
+              <a:t>Diseño MODULAR: Escalable</a:t>
             </a:r>
             <a:endParaRPr lang="es-PE" sz="2400" dirty="0">
               <a:solidFill>
@@ -4220,7 +4526,7 @@
         </p:nvSpPr>
         <p:spPr>
           <a:xfrm>
-            <a:off x="3952536" y="3780075"/>
+            <a:off x="3936207" y="3780075"/>
             <a:ext cx="1462901" cy="369332"/>
           </a:xfrm>
           <a:prstGeom prst="rect">
@@ -4278,7 +4584,11 @@
             </a:pPr>
             <a:r>
               <a:rPr lang="es-PE" sz="2400" dirty="0" smtClean="0"/>
-              <a:t>Receptor GPS</a:t>
+              <a:t>Receptor </a:t>
+            </a:r>
+            <a:r>
+              <a:rPr lang="es-PE" sz="2400" b="1" dirty="0" smtClean="0"/>
+              <a:t>GPS</a:t>
             </a:r>
           </a:p>
           <a:p>
@@ -4288,9 +4598,13 @@
             </a:pPr>
             <a:r>
               <a:rPr lang="es-PE" sz="2400" dirty="0" smtClean="0"/>
-              <a:t>Transmisor GSM/GPRS</a:t>
-            </a:r>
-            <a:endParaRPr lang="es-PE" sz="2400" dirty="0"/>
+              <a:t>Transmisor </a:t>
+            </a:r>
+            <a:r>
+              <a:rPr lang="es-PE" sz="2400" b="1" dirty="0" smtClean="0"/>
+              <a:t>GSM/GPRS</a:t>
+            </a:r>
+            <a:endParaRPr lang="es-PE" sz="2400" b="1" dirty="0"/>
           </a:p>
         </p:txBody>
       </p:sp>
@@ -4302,7 +4616,7 @@
         </p:nvSpPr>
         <p:spPr>
           <a:xfrm>
-            <a:off x="7340489" y="3780075"/>
+            <a:off x="7373147" y="3780075"/>
             <a:ext cx="1736373" cy="369332"/>
           </a:xfrm>
           <a:prstGeom prst="rect">
@@ -4345,9 +4659,278 @@
   <p:timing>
     <p:tnLst>
       <p:par>
-        <p:cTn id="1" dur="indefinite" restart="never" nodeType="tmRoot"/>
+        <p:cTn id="1" dur="indefinite" restart="never" nodeType="tmRoot">
+          <p:childTnLst>
+            <p:seq concurrent="1" nextAc="seek">
+              <p:cTn id="2" dur="indefinite" nodeType="mainSeq">
+                <p:childTnLst>
+                  <p:par>
+                    <p:cTn id="3" fill="hold">
+                      <p:stCondLst>
+                        <p:cond delay="indefinite"/>
+                      </p:stCondLst>
+                      <p:childTnLst>
+                        <p:par>
+                          <p:cTn id="4" fill="hold">
+                            <p:stCondLst>
+                              <p:cond delay="0"/>
+                            </p:stCondLst>
+                            <p:childTnLst>
+                              <p:par>
+                                <p:cTn id="5" presetID="1" presetClass="entr" presetSubtype="0" fill="hold" grpId="0" nodeType="clickEffect">
+                                  <p:stCondLst>
+                                    <p:cond delay="0"/>
+                                  </p:stCondLst>
+                                  <p:childTnLst>
+                                    <p:set>
+                                      <p:cBhvr>
+                                        <p:cTn id="6" dur="1" fill="hold">
+                                          <p:stCondLst>
+                                            <p:cond delay="0"/>
+                                          </p:stCondLst>
+                                        </p:cTn>
+                                        <p:tgtEl>
+                                          <p:spTgt spid="18"/>
+                                        </p:tgtEl>
+                                        <p:attrNameLst>
+                                          <p:attrName>style.visibility</p:attrName>
+                                        </p:attrNameLst>
+                                      </p:cBhvr>
+                                      <p:to>
+                                        <p:strVal val="visible"/>
+                                      </p:to>
+                                    </p:set>
+                                  </p:childTnLst>
+                                </p:cTn>
+                              </p:par>
+                              <p:par>
+                                <p:cTn id="7" presetID="1" presetClass="entr" presetSubtype="0" fill="hold" nodeType="withEffect">
+                                  <p:stCondLst>
+                                    <p:cond delay="0"/>
+                                  </p:stCondLst>
+                                  <p:childTnLst>
+                                    <p:set>
+                                      <p:cBhvr>
+                                        <p:cTn id="8" dur="1" fill="hold">
+                                          <p:stCondLst>
+                                            <p:cond delay="0"/>
+                                          </p:stCondLst>
+                                        </p:cTn>
+                                        <p:tgtEl>
+                                          <p:spTgt spid="11"/>
+                                        </p:tgtEl>
+                                        <p:attrNameLst>
+                                          <p:attrName>style.visibility</p:attrName>
+                                        </p:attrNameLst>
+                                      </p:cBhvr>
+                                      <p:to>
+                                        <p:strVal val="visible"/>
+                                      </p:to>
+                                    </p:set>
+                                  </p:childTnLst>
+                                </p:cTn>
+                              </p:par>
+                            </p:childTnLst>
+                          </p:cTn>
+                        </p:par>
+                      </p:childTnLst>
+                    </p:cTn>
+                  </p:par>
+                  <p:par>
+                    <p:cTn id="9" fill="hold">
+                      <p:stCondLst>
+                        <p:cond delay="indefinite"/>
+                      </p:stCondLst>
+                      <p:childTnLst>
+                        <p:par>
+                          <p:cTn id="10" fill="hold">
+                            <p:stCondLst>
+                              <p:cond delay="0"/>
+                            </p:stCondLst>
+                            <p:childTnLst>
+                              <p:par>
+                                <p:cTn id="11" presetID="1" presetClass="entr" presetSubtype="0" fill="hold" grpId="0" nodeType="clickEffect">
+                                  <p:stCondLst>
+                                    <p:cond delay="0"/>
+                                  </p:stCondLst>
+                                  <p:childTnLst>
+                                    <p:set>
+                                      <p:cBhvr>
+                                        <p:cTn id="12" dur="1" fill="hold">
+                                          <p:stCondLst>
+                                            <p:cond delay="0"/>
+                                          </p:stCondLst>
+                                        </p:cTn>
+                                        <p:tgtEl>
+                                          <p:spTgt spid="28"/>
+                                        </p:tgtEl>
+                                        <p:attrNameLst>
+                                          <p:attrName>style.visibility</p:attrName>
+                                        </p:attrNameLst>
+                                      </p:cBhvr>
+                                      <p:to>
+                                        <p:strVal val="visible"/>
+                                      </p:to>
+                                    </p:set>
+                                  </p:childTnLst>
+                                </p:cTn>
+                              </p:par>
+                              <p:par>
+                                <p:cTn id="13" presetID="1" presetClass="entr" presetSubtype="0" fill="hold" nodeType="withEffect">
+                                  <p:stCondLst>
+                                    <p:cond delay="0"/>
+                                  </p:stCondLst>
+                                  <p:childTnLst>
+                                    <p:set>
+                                      <p:cBhvr>
+                                        <p:cTn id="14" dur="1" fill="hold">
+                                          <p:stCondLst>
+                                            <p:cond delay="0"/>
+                                          </p:stCondLst>
+                                        </p:cTn>
+                                        <p:tgtEl>
+                                          <p:spTgt spid="14"/>
+                                        </p:tgtEl>
+                                        <p:attrNameLst>
+                                          <p:attrName>style.visibility</p:attrName>
+                                        </p:attrNameLst>
+                                      </p:cBhvr>
+                                      <p:to>
+                                        <p:strVal val="visible"/>
+                                      </p:to>
+                                    </p:set>
+                                  </p:childTnLst>
+                                </p:cTn>
+                              </p:par>
+                            </p:childTnLst>
+                          </p:cTn>
+                        </p:par>
+                      </p:childTnLst>
+                    </p:cTn>
+                  </p:par>
+                  <p:par>
+                    <p:cTn id="15" fill="hold">
+                      <p:stCondLst>
+                        <p:cond delay="indefinite"/>
+                      </p:stCondLst>
+                      <p:childTnLst>
+                        <p:par>
+                          <p:cTn id="16" fill="hold">
+                            <p:stCondLst>
+                              <p:cond delay="0"/>
+                            </p:stCondLst>
+                            <p:childTnLst>
+                              <p:par>
+                                <p:cTn id="17" presetID="1" presetClass="entr" presetSubtype="0" fill="hold" nodeType="clickEffect">
+                                  <p:stCondLst>
+                                    <p:cond delay="0"/>
+                                  </p:stCondLst>
+                                  <p:childTnLst>
+                                    <p:set>
+                                      <p:cBhvr>
+                                        <p:cTn id="18" dur="1" fill="hold">
+                                          <p:stCondLst>
+                                            <p:cond delay="0"/>
+                                          </p:stCondLst>
+                                        </p:cTn>
+                                        <p:tgtEl>
+                                          <p:spTgt spid="27">
+                                            <p:txEl>
+                                              <p:pRg st="0" end="0"/>
+                                            </p:txEl>
+                                          </p:spTgt>
+                                        </p:tgtEl>
+                                        <p:attrNameLst>
+                                          <p:attrName>style.visibility</p:attrName>
+                                        </p:attrNameLst>
+                                      </p:cBhvr>
+                                      <p:to>
+                                        <p:strVal val="visible"/>
+                                      </p:to>
+                                    </p:set>
+                                  </p:childTnLst>
+                                </p:cTn>
+                              </p:par>
+                            </p:childTnLst>
+                          </p:cTn>
+                        </p:par>
+                      </p:childTnLst>
+                    </p:cTn>
+                  </p:par>
+                  <p:par>
+                    <p:cTn id="19" fill="hold">
+                      <p:stCondLst>
+                        <p:cond delay="indefinite"/>
+                      </p:stCondLst>
+                      <p:childTnLst>
+                        <p:par>
+                          <p:cTn id="20" fill="hold">
+                            <p:stCondLst>
+                              <p:cond delay="0"/>
+                            </p:stCondLst>
+                            <p:childTnLst>
+                              <p:par>
+                                <p:cTn id="21" presetID="1" presetClass="entr" presetSubtype="0" fill="hold" nodeType="clickEffect">
+                                  <p:stCondLst>
+                                    <p:cond delay="0"/>
+                                  </p:stCondLst>
+                                  <p:childTnLst>
+                                    <p:set>
+                                      <p:cBhvr>
+                                        <p:cTn id="22" dur="1" fill="hold">
+                                          <p:stCondLst>
+                                            <p:cond delay="0"/>
+                                          </p:stCondLst>
+                                        </p:cTn>
+                                        <p:tgtEl>
+                                          <p:spTgt spid="27">
+                                            <p:txEl>
+                                              <p:pRg st="1" end="1"/>
+                                            </p:txEl>
+                                          </p:spTgt>
+                                        </p:tgtEl>
+                                        <p:attrNameLst>
+                                          <p:attrName>style.visibility</p:attrName>
+                                        </p:attrNameLst>
+                                      </p:cBhvr>
+                                      <p:to>
+                                        <p:strVal val="visible"/>
+                                      </p:to>
+                                    </p:set>
+                                  </p:childTnLst>
+                                </p:cTn>
+                              </p:par>
+                            </p:childTnLst>
+                          </p:cTn>
+                        </p:par>
+                      </p:childTnLst>
+                    </p:cTn>
+                  </p:par>
+                </p:childTnLst>
+              </p:cTn>
+              <p:prevCondLst>
+                <p:cond evt="onPrev" delay="0">
+                  <p:tgtEl>
+                    <p:sldTgt/>
+                  </p:tgtEl>
+                </p:cond>
+              </p:prevCondLst>
+              <p:nextCondLst>
+                <p:cond evt="onNext" delay="0">
+                  <p:tgtEl>
+                    <p:sldTgt/>
+                  </p:tgtEl>
+                </p:cond>
+              </p:nextCondLst>
+            </p:seq>
+          </p:childTnLst>
+        </p:cTn>
       </p:par>
     </p:tnLst>
+    <p:bldLst>
+      <p:bldP spid="18" grpId="0"/>
+      <p:bldP spid="28" grpId="0"/>
+    </p:bldLst>
   </p:timing>
 </p:sld>
 </file>
@@ -4390,37 +4973,14 @@
         </p:blipFill>
         <p:spPr>
           <a:xfrm rot="730320">
-            <a:off x="2019109" y="1564887"/>
-            <a:ext cx="2677373" cy="2562426"/>
+            <a:off x="2281459" y="4165005"/>
+            <a:ext cx="1948318" cy="1864671"/>
           </a:xfrm>
           <a:prstGeom prst="rect">
             <a:avLst/>
           </a:prstGeom>
         </p:spPr>
       </p:pic>
-      <p:sp>
-        <p:nvSpPr>
-          <p:cNvPr id="2" name="1 Título"/>
-          <p:cNvSpPr>
-            <a:spLocks noGrp="1"/>
-          </p:cNvSpPr>
-          <p:nvPr>
-            <p:ph type="title"/>
-          </p:nvPr>
-        </p:nvSpPr>
-        <p:spPr/>
-        <p:txBody>
-          <a:bodyPr/>
-          <a:lstStyle/>
-          <a:p>
-            <a:r>
-              <a:rPr lang="es-ES" dirty="0" smtClean="0"/>
-              <a:t>1. HARDWARE</a:t>
-            </a:r>
-            <a:endParaRPr lang="es-ES" dirty="0"/>
-          </a:p>
-        </p:txBody>
-      </p:sp>
       <p:sp>
         <p:nvSpPr>
           <p:cNvPr id="12" name="11 Marcador de contenido"/>
@@ -4433,7 +4993,7 @@
         </p:nvSpPr>
         <p:spPr>
           <a:xfrm>
-            <a:off x="5804703" y="2040412"/>
+            <a:off x="5561751" y="4310085"/>
             <a:ext cx="5115008" cy="1611377"/>
           </a:xfrm>
           <a:solidFill>
@@ -4486,8 +5046,8 @@
         </p:nvCxnSpPr>
         <p:spPr>
           <a:xfrm>
-            <a:off x="5370615" y="1795725"/>
-            <a:ext cx="0" cy="2100750"/>
+            <a:off x="5134238" y="4160888"/>
+            <a:ext cx="0" cy="1909773"/>
           </a:xfrm>
           <a:prstGeom prst="line">
             <a:avLst/>
@@ -4537,8 +5097,8 @@
         </p:blipFill>
         <p:spPr>
           <a:xfrm rot="1955264">
-            <a:off x="2559040" y="4435806"/>
-            <a:ext cx="2076052" cy="1726193"/>
+            <a:off x="2253864" y="1357606"/>
+            <a:ext cx="1958023" cy="1628055"/>
           </a:xfrm>
           <a:prstGeom prst="rect">
             <a:avLst/>
@@ -4553,8 +5113,8 @@
         </p:nvCxnSpPr>
         <p:spPr>
           <a:xfrm>
-            <a:off x="5355275" y="4430824"/>
-            <a:ext cx="0" cy="1736157"/>
+            <a:off x="5120878" y="1127028"/>
+            <a:ext cx="0" cy="1909773"/>
           </a:xfrm>
           <a:prstGeom prst="line">
             <a:avLst/>
@@ -4592,7 +5152,7 @@
         </p:nvSpPr>
         <p:spPr>
           <a:xfrm>
-            <a:off x="5774022" y="4493213"/>
+            <a:off x="5561751" y="1282006"/>
             <a:ext cx="5115008" cy="1611377"/>
           </a:xfrm>
           <a:prstGeom prst="rect">
@@ -4803,6 +5363,176 @@
           </a:p>
         </p:txBody>
       </p:sp>
+      <p:sp>
+        <p:nvSpPr>
+          <p:cNvPr id="3" name="2 Rectángulo redondeado"/>
+          <p:cNvSpPr/>
+          <p:nvPr/>
+        </p:nvSpPr>
+        <p:spPr>
+          <a:xfrm>
+            <a:off x="2114589" y="4008439"/>
+            <a:ext cx="2366832" cy="2100750"/>
+          </a:xfrm>
+          <a:prstGeom prst="roundRect">
+            <a:avLst/>
+          </a:prstGeom>
+          <a:noFill/>
+          <a:ln w="19050">
+            <a:solidFill>
+              <a:srgbClr val="00B050"/>
+            </a:solidFill>
+          </a:ln>
+        </p:spPr>
+        <p:style>
+          <a:lnRef idx="2">
+            <a:schemeClr val="accent1">
+              <a:shade val="50000"/>
+            </a:schemeClr>
+          </a:lnRef>
+          <a:fillRef idx="1">
+            <a:schemeClr val="accent1"/>
+          </a:fillRef>
+          <a:effectRef idx="0">
+            <a:schemeClr val="accent1"/>
+          </a:effectRef>
+          <a:fontRef idx="minor">
+            <a:schemeClr val="lt1"/>
+          </a:fontRef>
+        </p:style>
+        <p:txBody>
+          <a:bodyPr rtlCol="0" anchor="ctr"/>
+          <a:lstStyle/>
+          <a:p>
+            <a:pPr algn="ctr"/>
+            <a:endParaRPr lang="es-ES"/>
+          </a:p>
+        </p:txBody>
+      </p:sp>
+      <p:sp>
+        <p:nvSpPr>
+          <p:cNvPr id="10" name="9 Rectángulo redondeado"/>
+          <p:cNvSpPr/>
+          <p:nvPr/>
+        </p:nvSpPr>
+        <p:spPr>
+          <a:xfrm>
+            <a:off x="2114591" y="1047870"/>
+            <a:ext cx="2366832" cy="2100750"/>
+          </a:xfrm>
+          <a:prstGeom prst="roundRect">
+            <a:avLst/>
+          </a:prstGeom>
+          <a:noFill/>
+          <a:ln w="19050">
+            <a:solidFill>
+              <a:srgbClr val="00B050"/>
+            </a:solidFill>
+          </a:ln>
+        </p:spPr>
+        <p:style>
+          <a:lnRef idx="2">
+            <a:schemeClr val="accent1">
+              <a:shade val="50000"/>
+            </a:schemeClr>
+          </a:lnRef>
+          <a:fillRef idx="1">
+            <a:schemeClr val="accent1"/>
+          </a:fillRef>
+          <a:effectRef idx="0">
+            <a:schemeClr val="accent1"/>
+          </a:effectRef>
+          <a:fontRef idx="minor">
+            <a:schemeClr val="lt1"/>
+          </a:fontRef>
+        </p:style>
+        <p:txBody>
+          <a:bodyPr rtlCol="0" anchor="ctr"/>
+          <a:lstStyle/>
+          <a:p>
+            <a:pPr algn="ctr"/>
+            <a:endParaRPr lang="es-ES"/>
+          </a:p>
+        </p:txBody>
+      </p:sp>
+      <p:sp>
+        <p:nvSpPr>
+          <p:cNvPr id="5" name="4 CuadroTexto"/>
+          <p:cNvSpPr txBox="1"/>
+          <p:nvPr/>
+        </p:nvSpPr>
+        <p:spPr>
+          <a:xfrm>
+            <a:off x="2493843" y="599084"/>
+            <a:ext cx="1608325" cy="400110"/>
+          </a:xfrm>
+          <a:prstGeom prst="rect">
+            <a:avLst/>
+          </a:prstGeom>
+          <a:noFill/>
+        </p:spPr>
+        <p:txBody>
+          <a:bodyPr wrap="none" rtlCol="0">
+            <a:spAutoFit/>
+          </a:bodyPr>
+          <a:lstStyle/>
+          <a:p>
+            <a:pPr algn="ctr"/>
+            <a:r>
+              <a:rPr lang="es-ES" sz="2000" b="1" dirty="0" smtClean="0">
+                <a:solidFill>
+                  <a:srgbClr val="00B050"/>
+                </a:solidFill>
+              </a:rPr>
+              <a:t>RECEPTOR</a:t>
+            </a:r>
+            <a:endParaRPr lang="es-ES" sz="2000" b="1" dirty="0">
+              <a:solidFill>
+                <a:srgbClr val="00B050"/>
+              </a:solidFill>
+            </a:endParaRPr>
+          </a:p>
+        </p:txBody>
+      </p:sp>
+      <p:sp>
+        <p:nvSpPr>
+          <p:cNvPr id="13" name="12 CuadroTexto"/>
+          <p:cNvSpPr txBox="1"/>
+          <p:nvPr/>
+        </p:nvSpPr>
+        <p:spPr>
+          <a:xfrm>
+            <a:off x="2342456" y="3580455"/>
+            <a:ext cx="1911101" cy="400110"/>
+          </a:xfrm>
+          <a:prstGeom prst="rect">
+            <a:avLst/>
+          </a:prstGeom>
+          <a:noFill/>
+        </p:spPr>
+        <p:txBody>
+          <a:bodyPr wrap="none" rtlCol="0">
+            <a:spAutoFit/>
+          </a:bodyPr>
+          <a:lstStyle/>
+          <a:p>
+            <a:pPr algn="ctr"/>
+            <a:r>
+              <a:rPr lang="es-ES" sz="2000" b="1" dirty="0" smtClean="0">
+                <a:solidFill>
+                  <a:srgbClr val="00B050"/>
+                </a:solidFill>
+              </a:rPr>
+              <a:t>TRANSMISOR</a:t>
+            </a:r>
+            <a:endParaRPr lang="es-ES" sz="2000" b="1" dirty="0">
+              <a:solidFill>
+                <a:srgbClr val="00B050"/>
+              </a:solidFill>
+            </a:endParaRPr>
+          </a:p>
+        </p:txBody>
+      </p:sp>
     </p:spTree>
     <p:extLst>
       <p:ext uri="{BB962C8B-B14F-4D97-AF65-F5344CB8AC3E}">
@@ -4816,9 +5546,281 @@
   <p:timing>
     <p:tnLst>
       <p:par>
-        <p:cTn id="1" dur="indefinite" restart="never" nodeType="tmRoot"/>
+        <p:cTn id="1" dur="indefinite" restart="never" nodeType="tmRoot">
+          <p:childTnLst>
+            <p:seq concurrent="1" nextAc="seek">
+              <p:cTn id="2" dur="indefinite" nodeType="mainSeq">
+                <p:childTnLst>
+                  <p:par>
+                    <p:cTn id="3" fill="hold">
+                      <p:stCondLst>
+                        <p:cond delay="indefinite"/>
+                      </p:stCondLst>
+                      <p:childTnLst>
+                        <p:par>
+                          <p:cTn id="4" fill="hold">
+                            <p:stCondLst>
+                              <p:cond delay="0"/>
+                            </p:stCondLst>
+                            <p:childTnLst>
+                              <p:par>
+                                <p:cTn id="5" presetID="1" presetClass="entr" presetSubtype="0" fill="hold" nodeType="clickEffect">
+                                  <p:stCondLst>
+                                    <p:cond delay="0"/>
+                                  </p:stCondLst>
+                                  <p:childTnLst>
+                                    <p:set>
+                                      <p:cBhvr>
+                                        <p:cTn id="6" dur="1" fill="hold">
+                                          <p:stCondLst>
+                                            <p:cond delay="0"/>
+                                          </p:stCondLst>
+                                        </p:cTn>
+                                        <p:tgtEl>
+                                          <p:spTgt spid="15"/>
+                                        </p:tgtEl>
+                                        <p:attrNameLst>
+                                          <p:attrName>style.visibility</p:attrName>
+                                        </p:attrNameLst>
+                                      </p:cBhvr>
+                                      <p:to>
+                                        <p:strVal val="visible"/>
+                                      </p:to>
+                                    </p:set>
+                                  </p:childTnLst>
+                                </p:cTn>
+                              </p:par>
+                            </p:childTnLst>
+                          </p:cTn>
+                        </p:par>
+                      </p:childTnLst>
+                    </p:cTn>
+                  </p:par>
+                  <p:par>
+                    <p:cTn id="7" fill="hold">
+                      <p:stCondLst>
+                        <p:cond delay="indefinite"/>
+                      </p:stCondLst>
+                      <p:childTnLst>
+                        <p:par>
+                          <p:cTn id="8" fill="hold">
+                            <p:stCondLst>
+                              <p:cond delay="0"/>
+                            </p:stCondLst>
+                            <p:childTnLst>
+                              <p:par>
+                                <p:cTn id="9" presetID="1" presetClass="entr" presetSubtype="0" fill="hold" grpId="0" nodeType="clickEffect">
+                                  <p:stCondLst>
+                                    <p:cond delay="0"/>
+                                  </p:stCondLst>
+                                  <p:childTnLst>
+                                    <p:set>
+                                      <p:cBhvr>
+                                        <p:cTn id="10" dur="1" fill="hold">
+                                          <p:stCondLst>
+                                            <p:cond delay="0"/>
+                                          </p:stCondLst>
+                                        </p:cTn>
+                                        <p:tgtEl>
+                                          <p:spTgt spid="17"/>
+                                        </p:tgtEl>
+                                        <p:attrNameLst>
+                                          <p:attrName>style.visibility</p:attrName>
+                                        </p:attrNameLst>
+                                      </p:cBhvr>
+                                      <p:to>
+                                        <p:strVal val="visible"/>
+                                      </p:to>
+                                    </p:set>
+                                  </p:childTnLst>
+                                </p:cTn>
+                              </p:par>
+                            </p:childTnLst>
+                          </p:cTn>
+                        </p:par>
+                      </p:childTnLst>
+                    </p:cTn>
+                  </p:par>
+                  <p:par>
+                    <p:cTn id="11" fill="hold">
+                      <p:stCondLst>
+                        <p:cond delay="indefinite"/>
+                      </p:stCondLst>
+                      <p:childTnLst>
+                        <p:par>
+                          <p:cTn id="12" fill="hold">
+                            <p:stCondLst>
+                              <p:cond delay="0"/>
+                            </p:stCondLst>
+                            <p:childTnLst>
+                              <p:par>
+                                <p:cTn id="13" presetID="1" presetClass="entr" presetSubtype="0" fill="hold" nodeType="clickEffect">
+                                  <p:stCondLst>
+                                    <p:cond delay="0"/>
+                                  </p:stCondLst>
+                                  <p:childTnLst>
+                                    <p:set>
+                                      <p:cBhvr>
+                                        <p:cTn id="14" dur="1" fill="hold">
+                                          <p:stCondLst>
+                                            <p:cond delay="0"/>
+                                          </p:stCondLst>
+                                        </p:cTn>
+                                        <p:tgtEl>
+                                          <p:spTgt spid="8"/>
+                                        </p:tgtEl>
+                                        <p:attrNameLst>
+                                          <p:attrName>style.visibility</p:attrName>
+                                        </p:attrNameLst>
+                                      </p:cBhvr>
+                                      <p:to>
+                                        <p:strVal val="visible"/>
+                                      </p:to>
+                                    </p:set>
+                                  </p:childTnLst>
+                                </p:cTn>
+                              </p:par>
+                            </p:childTnLst>
+                          </p:cTn>
+                        </p:par>
+                      </p:childTnLst>
+                    </p:cTn>
+                  </p:par>
+                  <p:par>
+                    <p:cTn id="15" fill="hold">
+                      <p:stCondLst>
+                        <p:cond delay="indefinite"/>
+                      </p:stCondLst>
+                      <p:childTnLst>
+                        <p:par>
+                          <p:cTn id="16" fill="hold">
+                            <p:stCondLst>
+                              <p:cond delay="0"/>
+                            </p:stCondLst>
+                            <p:childTnLst>
+                              <p:par>
+                                <p:cTn id="17" presetID="1" presetClass="entr" presetSubtype="0" fill="hold" nodeType="clickEffect">
+                                  <p:stCondLst>
+                                    <p:cond delay="0"/>
+                                  </p:stCondLst>
+                                  <p:childTnLst>
+                                    <p:set>
+                                      <p:cBhvr>
+                                        <p:cTn id="18" dur="1" fill="hold">
+                                          <p:stCondLst>
+                                            <p:cond delay="0"/>
+                                          </p:stCondLst>
+                                        </p:cTn>
+                                        <p:tgtEl>
+                                          <p:spTgt spid="12">
+                                            <p:txEl>
+                                              <p:pRg st="0" end="0"/>
+                                            </p:txEl>
+                                          </p:spTgt>
+                                        </p:tgtEl>
+                                        <p:attrNameLst>
+                                          <p:attrName>style.visibility</p:attrName>
+                                        </p:attrNameLst>
+                                      </p:cBhvr>
+                                      <p:to>
+                                        <p:strVal val="visible"/>
+                                      </p:to>
+                                    </p:set>
+                                  </p:childTnLst>
+                                </p:cTn>
+                              </p:par>
+                              <p:par>
+                                <p:cTn id="19" presetID="1" presetClass="entr" presetSubtype="0" fill="hold" nodeType="withEffect">
+                                  <p:stCondLst>
+                                    <p:cond delay="0"/>
+                                  </p:stCondLst>
+                                  <p:childTnLst>
+                                    <p:set>
+                                      <p:cBhvr>
+                                        <p:cTn id="20" dur="1" fill="hold">
+                                          <p:stCondLst>
+                                            <p:cond delay="0"/>
+                                          </p:stCondLst>
+                                        </p:cTn>
+                                        <p:tgtEl>
+                                          <p:spTgt spid="12">
+                                            <p:txEl>
+                                              <p:pRg st="1" end="1"/>
+                                            </p:txEl>
+                                          </p:spTgt>
+                                        </p:tgtEl>
+                                        <p:attrNameLst>
+                                          <p:attrName>style.visibility</p:attrName>
+                                        </p:attrNameLst>
+                                      </p:cBhvr>
+                                      <p:to>
+                                        <p:strVal val="visible"/>
+                                      </p:to>
+                                    </p:set>
+                                  </p:childTnLst>
+                                </p:cTn>
+                              </p:par>
+                              <p:par>
+                                <p:cTn id="21" presetID="1" presetClass="entr" presetSubtype="0" fill="hold" nodeType="withEffect">
+                                  <p:stCondLst>
+                                    <p:cond delay="0"/>
+                                  </p:stCondLst>
+                                  <p:childTnLst>
+                                    <p:set>
+                                      <p:cBhvr>
+                                        <p:cTn id="22" dur="1" fill="hold">
+                                          <p:stCondLst>
+                                            <p:cond delay="0"/>
+                                          </p:stCondLst>
+                                        </p:cTn>
+                                        <p:tgtEl>
+                                          <p:spTgt spid="12">
+                                            <p:txEl>
+                                              <p:pRg st="2" end="2"/>
+                                            </p:txEl>
+                                          </p:spTgt>
+                                        </p:tgtEl>
+                                        <p:attrNameLst>
+                                          <p:attrName>style.visibility</p:attrName>
+                                        </p:attrNameLst>
+                                      </p:cBhvr>
+                                      <p:to>
+                                        <p:strVal val="visible"/>
+                                      </p:to>
+                                    </p:set>
+                                  </p:childTnLst>
+                                </p:cTn>
+                              </p:par>
+                            </p:childTnLst>
+                          </p:cTn>
+                        </p:par>
+                      </p:childTnLst>
+                    </p:cTn>
+                  </p:par>
+                </p:childTnLst>
+              </p:cTn>
+              <p:prevCondLst>
+                <p:cond evt="onPrev" delay="0">
+                  <p:tgtEl>
+                    <p:sldTgt/>
+                  </p:tgtEl>
+                </p:cond>
+              </p:prevCondLst>
+              <p:nextCondLst>
+                <p:cond evt="onNext" delay="0">
+                  <p:tgtEl>
+                    <p:sldTgt/>
+                  </p:tgtEl>
+                </p:cond>
+              </p:nextCondLst>
+            </p:seq>
+          </p:childTnLst>
+        </p:cTn>
       </p:par>
     </p:tnLst>
+    <p:bldLst>
+      <p:bldP spid="17" grpId="0" animBg="1"/>
+    </p:bldLst>
   </p:timing>
 </p:sld>
 </file>
@@ -4982,7 +5984,7 @@
                   </a:schemeClr>
                 </a:solidFill>
               </a:rPr>
-              <a:t>Diseño MODULAR</a:t>
+              <a:t>Diseño MODULAR: Escalable</a:t>
             </a:r>
             <a:endParaRPr lang="es-PE" sz="2400" dirty="0">
               <a:solidFill>
@@ -5126,16 +6128,15 @@
           <a:lstStyle/>
           <a:p>
             <a:r>
+              <a:rPr lang="es-PE" dirty="0"/>
+              <a:t>Conexión de un Sensor magnético</a:t>
+            </a:r>
+          </a:p>
+          <a:p>
+            <a:r>
               <a:rPr lang="es-PE" dirty="0" smtClean="0"/>
               <a:t>Empleo de una CAMARA IR serial</a:t>
             </a:r>
-          </a:p>
-          <a:p>
-            <a:r>
-              <a:rPr lang="es-PE" dirty="0" smtClean="0"/>
-              <a:t>Conexión de un Sensor magnético</a:t>
-            </a:r>
-            <a:endParaRPr lang="es-PE" dirty="0"/>
           </a:p>
         </p:txBody>
       </p:sp>
@@ -5197,8 +6198,8 @@
         </p:blipFill>
         <p:spPr>
           <a:xfrm>
-            <a:off x="1436913" y="1699474"/>
-            <a:ext cx="5078187" cy="3134579"/>
+            <a:off x="1967266" y="1831168"/>
+            <a:ext cx="4547835" cy="2807212"/>
           </a:xfrm>
           <a:prstGeom prst="rect">
             <a:avLst/>
@@ -5455,9 +6456,359 @@
   <p:timing>
     <p:tnLst>
       <p:par>
-        <p:cTn id="1" dur="indefinite" restart="never" nodeType="tmRoot"/>
+        <p:cTn id="1" dur="indefinite" restart="never" nodeType="tmRoot">
+          <p:childTnLst>
+            <p:seq concurrent="1" nextAc="seek">
+              <p:cTn id="2" dur="indefinite" nodeType="mainSeq">
+                <p:childTnLst>
+                  <p:par>
+                    <p:cTn id="3" fill="hold">
+                      <p:stCondLst>
+                        <p:cond delay="indefinite"/>
+                      </p:stCondLst>
+                      <p:childTnLst>
+                        <p:par>
+                          <p:cTn id="4" fill="hold">
+                            <p:stCondLst>
+                              <p:cond delay="0"/>
+                            </p:stCondLst>
+                            <p:childTnLst>
+                              <p:par>
+                                <p:cTn id="5" presetID="1" presetClass="entr" presetSubtype="0" fill="hold" grpId="0" nodeType="clickEffect">
+                                  <p:stCondLst>
+                                    <p:cond delay="0"/>
+                                  </p:stCondLst>
+                                  <p:childTnLst>
+                                    <p:set>
+                                      <p:cBhvr>
+                                        <p:cTn id="6" dur="1" fill="hold">
+                                          <p:stCondLst>
+                                            <p:cond delay="0"/>
+                                          </p:stCondLst>
+                                        </p:cTn>
+                                        <p:tgtEl>
+                                          <p:spTgt spid="7"/>
+                                        </p:tgtEl>
+                                        <p:attrNameLst>
+                                          <p:attrName>style.visibility</p:attrName>
+                                        </p:attrNameLst>
+                                      </p:cBhvr>
+                                      <p:to>
+                                        <p:strVal val="visible"/>
+                                      </p:to>
+                                    </p:set>
+                                  </p:childTnLst>
+                                </p:cTn>
+                              </p:par>
+                              <p:par>
+                                <p:cTn id="7" presetID="1" presetClass="entr" presetSubtype="0" fill="hold" nodeType="withEffect">
+                                  <p:stCondLst>
+                                    <p:cond delay="0"/>
+                                  </p:stCondLst>
+                                  <p:childTnLst>
+                                    <p:set>
+                                      <p:cBhvr>
+                                        <p:cTn id="8" dur="1" fill="hold">
+                                          <p:stCondLst>
+                                            <p:cond delay="0"/>
+                                          </p:stCondLst>
+                                        </p:cTn>
+                                        <p:tgtEl>
+                                          <p:spTgt spid="15"/>
+                                        </p:tgtEl>
+                                        <p:attrNameLst>
+                                          <p:attrName>style.visibility</p:attrName>
+                                        </p:attrNameLst>
+                                      </p:cBhvr>
+                                      <p:to>
+                                        <p:strVal val="visible"/>
+                                      </p:to>
+                                    </p:set>
+                                  </p:childTnLst>
+                                </p:cTn>
+                              </p:par>
+                              <p:par>
+                                <p:cTn id="9" presetID="1" presetClass="entr" presetSubtype="0" fill="hold" nodeType="withEffect">
+                                  <p:stCondLst>
+                                    <p:cond delay="0"/>
+                                  </p:stCondLst>
+                                  <p:childTnLst>
+                                    <p:set>
+                                      <p:cBhvr>
+                                        <p:cTn id="10" dur="1" fill="hold">
+                                          <p:stCondLst>
+                                            <p:cond delay="0"/>
+                                          </p:stCondLst>
+                                        </p:cTn>
+                                        <p:tgtEl>
+                                          <p:spTgt spid="17"/>
+                                        </p:tgtEl>
+                                        <p:attrNameLst>
+                                          <p:attrName>style.visibility</p:attrName>
+                                        </p:attrNameLst>
+                                      </p:cBhvr>
+                                      <p:to>
+                                        <p:strVal val="visible"/>
+                                      </p:to>
+                                    </p:set>
+                                  </p:childTnLst>
+                                </p:cTn>
+                              </p:par>
+                              <p:par>
+                                <p:cTn id="11" presetID="1" presetClass="entr" presetSubtype="0" fill="hold" grpId="0" nodeType="withEffect">
+                                  <p:stCondLst>
+                                    <p:cond delay="0"/>
+                                  </p:stCondLst>
+                                  <p:childTnLst>
+                                    <p:set>
+                                      <p:cBhvr>
+                                        <p:cTn id="12" dur="1" fill="hold">
+                                          <p:stCondLst>
+                                            <p:cond delay="0"/>
+                                          </p:stCondLst>
+                                        </p:cTn>
+                                        <p:tgtEl>
+                                          <p:spTgt spid="13"/>
+                                        </p:tgtEl>
+                                        <p:attrNameLst>
+                                          <p:attrName>style.visibility</p:attrName>
+                                        </p:attrNameLst>
+                                      </p:cBhvr>
+                                      <p:to>
+                                        <p:strVal val="visible"/>
+                                      </p:to>
+                                    </p:set>
+                                  </p:childTnLst>
+                                </p:cTn>
+                              </p:par>
+                              <p:par>
+                                <p:cTn id="13" presetID="1" presetClass="entr" presetSubtype="0" fill="hold" nodeType="withEffect">
+                                  <p:stCondLst>
+                                    <p:cond delay="0"/>
+                                  </p:stCondLst>
+                                  <p:childTnLst>
+                                    <p:set>
+                                      <p:cBhvr>
+                                        <p:cTn id="14" dur="1" fill="hold">
+                                          <p:stCondLst>
+                                            <p:cond delay="0"/>
+                                          </p:stCondLst>
+                                        </p:cTn>
+                                        <p:tgtEl>
+                                          <p:spTgt spid="6"/>
+                                        </p:tgtEl>
+                                        <p:attrNameLst>
+                                          <p:attrName>style.visibility</p:attrName>
+                                        </p:attrNameLst>
+                                      </p:cBhvr>
+                                      <p:to>
+                                        <p:strVal val="visible"/>
+                                      </p:to>
+                                    </p:set>
+                                  </p:childTnLst>
+                                </p:cTn>
+                              </p:par>
+                            </p:childTnLst>
+                          </p:cTn>
+                        </p:par>
+                      </p:childTnLst>
+                    </p:cTn>
+                  </p:par>
+                  <p:par>
+                    <p:cTn id="15" fill="hold">
+                      <p:stCondLst>
+                        <p:cond delay="indefinite"/>
+                      </p:stCondLst>
+                      <p:childTnLst>
+                        <p:par>
+                          <p:cTn id="16" fill="hold">
+                            <p:stCondLst>
+                              <p:cond delay="0"/>
+                            </p:stCondLst>
+                            <p:childTnLst>
+                              <p:par>
+                                <p:cTn id="17" presetID="1" presetClass="entr" presetSubtype="0" fill="hold" nodeType="clickEffect">
+                                  <p:stCondLst>
+                                    <p:cond delay="0"/>
+                                  </p:stCondLst>
+                                  <p:childTnLst>
+                                    <p:set>
+                                      <p:cBhvr>
+                                        <p:cTn id="18" dur="1" fill="hold">
+                                          <p:stCondLst>
+                                            <p:cond delay="0"/>
+                                          </p:stCondLst>
+                                        </p:cTn>
+                                        <p:tgtEl>
+                                          <p:spTgt spid="21"/>
+                                        </p:tgtEl>
+                                        <p:attrNameLst>
+                                          <p:attrName>style.visibility</p:attrName>
+                                        </p:attrNameLst>
+                                      </p:cBhvr>
+                                      <p:to>
+                                        <p:strVal val="visible"/>
+                                      </p:to>
+                                    </p:set>
+                                  </p:childTnLst>
+                                </p:cTn>
+                              </p:par>
+                              <p:par>
+                                <p:cTn id="19" presetID="1" presetClass="entr" presetSubtype="0" fill="hold" nodeType="withEffect">
+                                  <p:stCondLst>
+                                    <p:cond delay="0"/>
+                                  </p:stCondLst>
+                                  <p:childTnLst>
+                                    <p:set>
+                                      <p:cBhvr>
+                                        <p:cTn id="20" dur="1" fill="hold">
+                                          <p:stCondLst>
+                                            <p:cond delay="0"/>
+                                          </p:stCondLst>
+                                        </p:cTn>
+                                        <p:tgtEl>
+                                          <p:spTgt spid="5"/>
+                                        </p:tgtEl>
+                                        <p:attrNameLst>
+                                          <p:attrName>style.visibility</p:attrName>
+                                        </p:attrNameLst>
+                                      </p:cBhvr>
+                                      <p:to>
+                                        <p:strVal val="visible"/>
+                                      </p:to>
+                                    </p:set>
+                                  </p:childTnLst>
+                                </p:cTn>
+                              </p:par>
+                            </p:childTnLst>
+                          </p:cTn>
+                        </p:par>
+                      </p:childTnLst>
+                    </p:cTn>
+                  </p:par>
+                  <p:par>
+                    <p:cTn id="21" fill="hold">
+                      <p:stCondLst>
+                        <p:cond delay="indefinite"/>
+                      </p:stCondLst>
+                      <p:childTnLst>
+                        <p:par>
+                          <p:cTn id="22" fill="hold">
+                            <p:stCondLst>
+                              <p:cond delay="0"/>
+                            </p:stCondLst>
+                            <p:childTnLst>
+                              <p:par>
+                                <p:cTn id="23" presetID="1" presetClass="entr" presetSubtype="0" fill="hold" nodeType="clickEffect">
+                                  <p:stCondLst>
+                                    <p:cond delay="0"/>
+                                  </p:stCondLst>
+                                  <p:childTnLst>
+                                    <p:set>
+                                      <p:cBhvr>
+                                        <p:cTn id="24" dur="1" fill="hold">
+                                          <p:stCondLst>
+                                            <p:cond delay="0"/>
+                                          </p:stCondLst>
+                                        </p:cTn>
+                                        <p:tgtEl>
+                                          <p:spTgt spid="3">
+                                            <p:txEl>
+                                              <p:pRg st="0" end="0"/>
+                                            </p:txEl>
+                                          </p:spTgt>
+                                        </p:tgtEl>
+                                        <p:attrNameLst>
+                                          <p:attrName>style.visibility</p:attrName>
+                                        </p:attrNameLst>
+                                      </p:cBhvr>
+                                      <p:to>
+                                        <p:strVal val="visible"/>
+                                      </p:to>
+                                    </p:set>
+                                  </p:childTnLst>
+                                </p:cTn>
+                              </p:par>
+                            </p:childTnLst>
+                          </p:cTn>
+                        </p:par>
+                      </p:childTnLst>
+                    </p:cTn>
+                  </p:par>
+                  <p:par>
+                    <p:cTn id="25" fill="hold">
+                      <p:stCondLst>
+                        <p:cond delay="indefinite"/>
+                      </p:stCondLst>
+                      <p:childTnLst>
+                        <p:par>
+                          <p:cTn id="26" fill="hold">
+                            <p:stCondLst>
+                              <p:cond delay="0"/>
+                            </p:stCondLst>
+                            <p:childTnLst>
+                              <p:par>
+                                <p:cTn id="27" presetID="1" presetClass="entr" presetSubtype="0" fill="hold" nodeType="clickEffect">
+                                  <p:stCondLst>
+                                    <p:cond delay="0"/>
+                                  </p:stCondLst>
+                                  <p:childTnLst>
+                                    <p:set>
+                                      <p:cBhvr>
+                                        <p:cTn id="28" dur="1" fill="hold">
+                                          <p:stCondLst>
+                                            <p:cond delay="0"/>
+                                          </p:stCondLst>
+                                        </p:cTn>
+                                        <p:tgtEl>
+                                          <p:spTgt spid="3">
+                                            <p:txEl>
+                                              <p:pRg st="1" end="1"/>
+                                            </p:txEl>
+                                          </p:spTgt>
+                                        </p:tgtEl>
+                                        <p:attrNameLst>
+                                          <p:attrName>style.visibility</p:attrName>
+                                        </p:attrNameLst>
+                                      </p:cBhvr>
+                                      <p:to>
+                                        <p:strVal val="visible"/>
+                                      </p:to>
+                                    </p:set>
+                                  </p:childTnLst>
+                                </p:cTn>
+                              </p:par>
+                            </p:childTnLst>
+                          </p:cTn>
+                        </p:par>
+                      </p:childTnLst>
+                    </p:cTn>
+                  </p:par>
+                </p:childTnLst>
+              </p:cTn>
+              <p:prevCondLst>
+                <p:cond evt="onPrev" delay="0">
+                  <p:tgtEl>
+                    <p:sldTgt/>
+                  </p:tgtEl>
+                </p:cond>
+              </p:prevCondLst>
+              <p:nextCondLst>
+                <p:cond evt="onNext" delay="0">
+                  <p:tgtEl>
+                    <p:sldTgt/>
+                  </p:tgtEl>
+                </p:cond>
+              </p:nextCondLst>
+            </p:seq>
+          </p:childTnLst>
+        </p:cTn>
       </p:par>
     </p:tnLst>
+    <p:bldLst>
+      <p:bldP spid="7" grpId="0" animBg="1"/>
+      <p:bldP spid="13" grpId="0" animBg="1"/>
+    </p:bldLst>
   </p:timing>
 </p:sld>
 </file>
@@ -5514,25 +6865,43 @@
         </p:nvSpPr>
         <p:spPr>
           <a:xfrm>
-            <a:off x="6324600" y="2106388"/>
-            <a:ext cx="3868882" cy="1634340"/>
+            <a:off x="5829300" y="2379461"/>
+            <a:ext cx="4347853" cy="2041069"/>
           </a:xfrm>
         </p:spPr>
         <p:txBody>
           <a:bodyPr>
-            <a:normAutofit lnSpcReduction="10000"/>
+            <a:normAutofit fontScale="92500" lnSpcReduction="20000"/>
           </a:bodyPr>
           <a:lstStyle/>
           <a:p>
             <a:r>
               <a:rPr lang="es-PE" dirty="0" smtClean="0"/>
-              <a:t>Empleo de una CAMARA IR serial</a:t>
+              <a:t>Resolución: VGA/QVGA</a:t>
             </a:r>
           </a:p>
           <a:p>
             <a:r>
               <a:rPr lang="es-PE" dirty="0" smtClean="0"/>
-              <a:t>Conexión de un Sensor magnético</a:t>
+              <a:t>Capturas JPEG</a:t>
+            </a:r>
+          </a:p>
+          <a:p>
+            <a:r>
+              <a:rPr lang="es-PE" dirty="0" smtClean="0"/>
+              <a:t>Sensor IR: automático</a:t>
+            </a:r>
+          </a:p>
+          <a:p>
+            <a:r>
+              <a:rPr lang="es-PE" dirty="0" smtClean="0"/>
+              <a:t>Consumo: 80mA</a:t>
+            </a:r>
+          </a:p>
+          <a:p>
+            <a:r>
+              <a:rPr lang="es-PE" dirty="0" smtClean="0"/>
+              <a:t>Comunicación serial</a:t>
             </a:r>
             <a:endParaRPr lang="es-PE" dirty="0"/>
           </a:p>
@@ -5559,7 +6928,7 @@
         </p:blipFill>
         <p:spPr>
           <a:xfrm>
-            <a:off x="2119746" y="1742643"/>
+            <a:off x="1907475" y="2265157"/>
             <a:ext cx="3030682" cy="2082905"/>
           </a:xfrm>
           <a:prstGeom prst="rect">
@@ -5567,6 +6936,43 @@
           </a:prstGeom>
         </p:spPr>
       </p:pic>
+      <p:cxnSp>
+        <p:nvCxnSpPr>
+          <p:cNvPr id="5" name="Conector recto 13"/>
+          <p:cNvCxnSpPr/>
+          <p:nvPr/>
+        </p:nvCxnSpPr>
+        <p:spPr>
+          <a:xfrm>
+            <a:off x="5370615" y="2318240"/>
+            <a:ext cx="0" cy="2100750"/>
+          </a:xfrm>
+          <a:prstGeom prst="line">
+            <a:avLst/>
+          </a:prstGeom>
+          <a:ln w="38100">
+            <a:solidFill>
+              <a:schemeClr val="bg1">
+                <a:lumMod val="65000"/>
+              </a:schemeClr>
+            </a:solidFill>
+          </a:ln>
+        </p:spPr>
+        <p:style>
+          <a:lnRef idx="1">
+            <a:schemeClr val="accent1"/>
+          </a:lnRef>
+          <a:fillRef idx="0">
+            <a:schemeClr val="accent1"/>
+          </a:fillRef>
+          <a:effectRef idx="0">
+            <a:schemeClr val="accent1"/>
+          </a:effectRef>
+          <a:fontRef idx="minor">
+            <a:schemeClr val="tx1"/>
+          </a:fontRef>
+        </p:style>
+      </p:cxnSp>
     </p:spTree>
     <p:extLst>
       <p:ext uri="{BB962C8B-B14F-4D97-AF65-F5344CB8AC3E}">
@@ -5714,6 +7120,114 @@
       </p:sp>
       <p:sp>
         <p:nvSpPr>
+          <p:cNvPr id="2" name="1 CuadroTexto"/>
+          <p:cNvSpPr txBox="1"/>
+          <p:nvPr/>
+        </p:nvSpPr>
+        <p:spPr>
+          <a:xfrm>
+            <a:off x="4607554" y="2774326"/>
+            <a:ext cx="558166" cy="1569660"/>
+          </a:xfrm>
+          <a:prstGeom prst="rect">
+            <a:avLst/>
+          </a:prstGeom>
+          <a:noFill/>
+        </p:spPr>
+        <p:txBody>
+          <a:bodyPr wrap="none" rtlCol="0">
+            <a:spAutoFit/>
+          </a:bodyPr>
+          <a:lstStyle/>
+          <a:p>
+            <a:pPr marL="285750" indent="-285750">
+              <a:buFont typeface="Arial" pitchFamily="34" charset="0"/>
+              <a:buChar char="•"/>
+            </a:pPr>
+            <a:r>
+              <a:rPr lang="es-ES" sz="2400" dirty="0" smtClean="0">
+                <a:solidFill>
+                  <a:schemeClr val="bg1">
+                    <a:lumMod val="65000"/>
+                  </a:schemeClr>
+                </a:solidFill>
+              </a:rPr>
+              <a:t> </a:t>
+            </a:r>
+          </a:p>
+          <a:p>
+            <a:pPr marL="285750" indent="-285750">
+              <a:buFont typeface="Arial" pitchFamily="34" charset="0"/>
+              <a:buChar char="•"/>
+            </a:pPr>
+            <a:r>
+              <a:rPr lang="es-ES" sz="2400" dirty="0">
+                <a:solidFill>
+                  <a:schemeClr val="bg1">
+                    <a:lumMod val="65000"/>
+                  </a:schemeClr>
+                </a:solidFill>
+              </a:rPr>
+              <a:t> </a:t>
+            </a:r>
+            <a:endParaRPr lang="es-ES" sz="2400" dirty="0" smtClean="0">
+              <a:solidFill>
+                <a:schemeClr val="bg1">
+                  <a:lumMod val="65000"/>
+                </a:schemeClr>
+              </a:solidFill>
+            </a:endParaRPr>
+          </a:p>
+          <a:p>
+            <a:pPr marL="285750" indent="-285750">
+              <a:buFont typeface="Arial" pitchFamily="34" charset="0"/>
+              <a:buChar char="•"/>
+            </a:pPr>
+            <a:r>
+              <a:rPr lang="es-ES" sz="2400" dirty="0">
+                <a:solidFill>
+                  <a:schemeClr val="bg1">
+                    <a:lumMod val="65000"/>
+                  </a:schemeClr>
+                </a:solidFill>
+              </a:rPr>
+              <a:t> </a:t>
+            </a:r>
+            <a:endParaRPr lang="es-ES" sz="2400" dirty="0" smtClean="0">
+              <a:solidFill>
+                <a:schemeClr val="bg1">
+                  <a:lumMod val="65000"/>
+                </a:schemeClr>
+              </a:solidFill>
+            </a:endParaRPr>
+          </a:p>
+          <a:p>
+            <a:pPr marL="285750" indent="-285750">
+              <a:buFont typeface="Arial" pitchFamily="34" charset="0"/>
+              <a:buChar char="•"/>
+            </a:pPr>
+            <a:r>
+              <a:rPr lang="es-ES" sz="2400" dirty="0">
+                <a:solidFill>
+                  <a:schemeClr val="bg1">
+                    <a:lumMod val="65000"/>
+                  </a:schemeClr>
+                </a:solidFill>
+              </a:rPr>
+              <a:t> </a:t>
+            </a:r>
+            <a:endParaRPr lang="es-ES" sz="2400" dirty="0" smtClean="0">
+              <a:solidFill>
+                <a:schemeClr val="bg1">
+                  <a:lumMod val="65000"/>
+                </a:schemeClr>
+              </a:solidFill>
+            </a:endParaRPr>
+          </a:p>
+        </p:txBody>
+      </p:sp>
+      <p:sp>
+        <p:nvSpPr>
           <p:cNvPr id="4" name="CuadroTexto 4"/>
           <p:cNvSpPr txBox="1"/>
           <p:nvPr/>
@@ -5739,22 +7253,10 @@
               <a:buChar char="•"/>
             </a:pPr>
             <a:r>
-              <a:rPr lang="es-PE" sz="2400" dirty="0" smtClean="0">
-                <a:solidFill>
-                  <a:schemeClr val="bg1">
-                    <a:lumMod val="65000"/>
-                  </a:schemeClr>
-                </a:solidFill>
-              </a:rPr>
-              <a:t>Diseño MODULAR</a:t>
-            </a:r>
-            <a:endParaRPr lang="es-PE" sz="2400" dirty="0">
-              <a:solidFill>
-                <a:schemeClr val="bg1">
-                  <a:lumMod val="65000"/>
-                </a:schemeClr>
-              </a:solidFill>
-            </a:endParaRPr>
+              <a:rPr lang="es-PE" sz="2400" dirty="0" smtClean="0"/>
+              <a:t>Diseño MODULAR: Escalable</a:t>
+            </a:r>
+            <a:endParaRPr lang="es-PE" sz="2400" dirty="0"/>
           </a:p>
           <a:p>
             <a:pPr marL="571500" indent="-571500">
@@ -5762,13 +7264,7 @@
               <a:buChar char="•"/>
             </a:pPr>
             <a:r>
-              <a:rPr lang="es-PE" sz="2400" dirty="0">
-                <a:solidFill>
-                  <a:schemeClr val="bg1">
-                    <a:lumMod val="65000"/>
-                  </a:schemeClr>
-                </a:solidFill>
-              </a:rPr>
+              <a:rPr lang="es-PE" sz="2400" dirty="0"/>
               <a:t>Basado en un MICROCONTROLADOR</a:t>
             </a:r>
           </a:p>
@@ -5778,13 +7274,7 @@
               <a:buChar char="•"/>
             </a:pPr>
             <a:r>
-              <a:rPr lang="es-PE" sz="2400" dirty="0" smtClean="0">
-                <a:solidFill>
-                  <a:schemeClr val="bg1">
-                    <a:lumMod val="65000"/>
-                  </a:schemeClr>
-                </a:solidFill>
-              </a:rPr>
+              <a:rPr lang="es-PE" sz="2400" dirty="0" smtClean="0"/>
               <a:t>Receptor GPS y transmisor GSM/GPRS</a:t>
             </a:r>
           </a:p>
@@ -5820,7 +7310,226 @@
   <p:timing>
     <p:tnLst>
       <p:par>
-        <p:cTn id="1" dur="indefinite" restart="never" nodeType="tmRoot"/>
+        <p:cTn id="1" dur="indefinite" restart="never" nodeType="tmRoot">
+          <p:childTnLst>
+            <p:seq concurrent="1" nextAc="seek">
+              <p:cTn id="2" dur="indefinite" nodeType="mainSeq">
+                <p:childTnLst>
+                  <p:par>
+                    <p:cTn id="3" fill="hold">
+                      <p:stCondLst>
+                        <p:cond delay="indefinite"/>
+                      </p:stCondLst>
+                      <p:childTnLst>
+                        <p:par>
+                          <p:cTn id="4" fill="hold">
+                            <p:stCondLst>
+                              <p:cond delay="0"/>
+                            </p:stCondLst>
+                            <p:childTnLst>
+                              <p:par>
+                                <p:cTn id="5" presetID="1" presetClass="entr" presetSubtype="0" fill="hold" nodeType="clickEffect">
+                                  <p:stCondLst>
+                                    <p:cond delay="0"/>
+                                  </p:stCondLst>
+                                  <p:childTnLst>
+                                    <p:set>
+                                      <p:cBhvr>
+                                        <p:cTn id="6" dur="1" fill="hold">
+                                          <p:stCondLst>
+                                            <p:cond delay="0"/>
+                                          </p:stCondLst>
+                                        </p:cTn>
+                                        <p:tgtEl>
+                                          <p:spTgt spid="4">
+                                            <p:txEl>
+                                              <p:pRg st="0" end="0"/>
+                                            </p:txEl>
+                                          </p:spTgt>
+                                        </p:tgtEl>
+                                        <p:attrNameLst>
+                                          <p:attrName>style.visibility</p:attrName>
+                                        </p:attrNameLst>
+                                      </p:cBhvr>
+                                      <p:to>
+                                        <p:strVal val="visible"/>
+                                      </p:to>
+                                    </p:set>
+                                  </p:childTnLst>
+                                </p:cTn>
+                              </p:par>
+                            </p:childTnLst>
+                          </p:cTn>
+                        </p:par>
+                      </p:childTnLst>
+                    </p:cTn>
+                  </p:par>
+                  <p:par>
+                    <p:cTn id="7" fill="hold">
+                      <p:stCondLst>
+                        <p:cond delay="indefinite"/>
+                      </p:stCondLst>
+                      <p:childTnLst>
+                        <p:par>
+                          <p:cTn id="8" fill="hold">
+                            <p:stCondLst>
+                              <p:cond delay="0"/>
+                            </p:stCondLst>
+                            <p:childTnLst>
+                              <p:par>
+                                <p:cTn id="9" presetID="1" presetClass="entr" presetSubtype="0" fill="hold" nodeType="clickEffect">
+                                  <p:stCondLst>
+                                    <p:cond delay="0"/>
+                                  </p:stCondLst>
+                                  <p:childTnLst>
+                                    <p:set>
+                                      <p:cBhvr>
+                                        <p:cTn id="10" dur="1" fill="hold">
+                                          <p:stCondLst>
+                                            <p:cond delay="0"/>
+                                          </p:stCondLst>
+                                        </p:cTn>
+                                        <p:tgtEl>
+                                          <p:spTgt spid="4">
+                                            <p:txEl>
+                                              <p:pRg st="1" end="1"/>
+                                            </p:txEl>
+                                          </p:spTgt>
+                                        </p:tgtEl>
+                                        <p:attrNameLst>
+                                          <p:attrName>style.visibility</p:attrName>
+                                        </p:attrNameLst>
+                                      </p:cBhvr>
+                                      <p:to>
+                                        <p:strVal val="visible"/>
+                                      </p:to>
+                                    </p:set>
+                                  </p:childTnLst>
+                                </p:cTn>
+                              </p:par>
+                            </p:childTnLst>
+                          </p:cTn>
+                        </p:par>
+                      </p:childTnLst>
+                    </p:cTn>
+                  </p:par>
+                  <p:par>
+                    <p:cTn id="11" fill="hold">
+                      <p:stCondLst>
+                        <p:cond delay="indefinite"/>
+                      </p:stCondLst>
+                      <p:childTnLst>
+                        <p:par>
+                          <p:cTn id="12" fill="hold">
+                            <p:stCondLst>
+                              <p:cond delay="0"/>
+                            </p:stCondLst>
+                            <p:childTnLst>
+                              <p:par>
+                                <p:cTn id="13" presetID="1" presetClass="entr" presetSubtype="0" fill="hold" nodeType="clickEffect">
+                                  <p:stCondLst>
+                                    <p:cond delay="0"/>
+                                  </p:stCondLst>
+                                  <p:childTnLst>
+                                    <p:set>
+                                      <p:cBhvr>
+                                        <p:cTn id="14" dur="1" fill="hold">
+                                          <p:stCondLst>
+                                            <p:cond delay="0"/>
+                                          </p:stCondLst>
+                                        </p:cTn>
+                                        <p:tgtEl>
+                                          <p:spTgt spid="4">
+                                            <p:txEl>
+                                              <p:pRg st="2" end="2"/>
+                                            </p:txEl>
+                                          </p:spTgt>
+                                        </p:tgtEl>
+                                        <p:attrNameLst>
+                                          <p:attrName>style.visibility</p:attrName>
+                                        </p:attrNameLst>
+                                      </p:cBhvr>
+                                      <p:to>
+                                        <p:strVal val="visible"/>
+                                      </p:to>
+                                    </p:set>
+                                  </p:childTnLst>
+                                </p:cTn>
+                              </p:par>
+                            </p:childTnLst>
+                          </p:cTn>
+                        </p:par>
+                      </p:childTnLst>
+                    </p:cTn>
+                  </p:par>
+                  <p:par>
+                    <p:cTn id="15" fill="hold">
+                      <p:stCondLst>
+                        <p:cond delay="indefinite"/>
+                      </p:stCondLst>
+                      <p:childTnLst>
+                        <p:par>
+                          <p:cTn id="16" fill="hold">
+                            <p:stCondLst>
+                              <p:cond delay="0"/>
+                            </p:stCondLst>
+                            <p:childTnLst>
+                              <p:par>
+                                <p:cTn id="17" presetID="1" presetClass="entr" presetSubtype="0" fill="hold" nodeType="clickEffect">
+                                  <p:stCondLst>
+                                    <p:cond delay="0"/>
+                                  </p:stCondLst>
+                                  <p:childTnLst>
+                                    <p:set>
+                                      <p:cBhvr>
+                                        <p:cTn id="18" dur="1" fill="hold">
+                                          <p:stCondLst>
+                                            <p:cond delay="0"/>
+                                          </p:stCondLst>
+                                        </p:cTn>
+                                        <p:tgtEl>
+                                          <p:spTgt spid="4">
+                                            <p:txEl>
+                                              <p:pRg st="3" end="3"/>
+                                            </p:txEl>
+                                          </p:spTgt>
+                                        </p:tgtEl>
+                                        <p:attrNameLst>
+                                          <p:attrName>style.visibility</p:attrName>
+                                        </p:attrNameLst>
+                                      </p:cBhvr>
+                                      <p:to>
+                                        <p:strVal val="visible"/>
+                                      </p:to>
+                                    </p:set>
+                                  </p:childTnLst>
+                                </p:cTn>
+                              </p:par>
+                            </p:childTnLst>
+                          </p:cTn>
+                        </p:par>
+                      </p:childTnLst>
+                    </p:cTn>
+                  </p:par>
+                </p:childTnLst>
+              </p:cTn>
+              <p:prevCondLst>
+                <p:cond evt="onPrev" delay="0">
+                  <p:tgtEl>
+                    <p:sldTgt/>
+                  </p:tgtEl>
+                </p:cond>
+              </p:prevCondLst>
+              <p:nextCondLst>
+                <p:cond evt="onNext" delay="0">
+                  <p:tgtEl>
+                    <p:sldTgt/>
+                  </p:tgtEl>
+                </p:cond>
+              </p:nextCondLst>
+            </p:seq>
+          </p:childTnLst>
+        </p:cTn>
       </p:par>
     </p:tnLst>
   </p:timing>
@@ -6014,9 +7723,325 @@
   <p:timing>
     <p:tnLst>
       <p:par>
-        <p:cTn id="1" dur="indefinite" restart="never" nodeType="tmRoot"/>
+        <p:cTn id="1" dur="indefinite" restart="never" nodeType="tmRoot">
+          <p:childTnLst>
+            <p:seq concurrent="1" nextAc="seek">
+              <p:cTn id="2" dur="indefinite" nodeType="mainSeq">
+                <p:childTnLst>
+                  <p:par>
+                    <p:cTn id="3" fill="hold">
+                      <p:stCondLst>
+                        <p:cond delay="indefinite"/>
+                      </p:stCondLst>
+                      <p:childTnLst>
+                        <p:par>
+                          <p:cTn id="4" fill="hold">
+                            <p:stCondLst>
+                              <p:cond delay="0"/>
+                            </p:stCondLst>
+                            <p:childTnLst>
+                              <p:par>
+                                <p:cTn id="5" presetID="1" presetClass="entr" presetSubtype="0" fill="hold" grpId="0" nodeType="clickEffect">
+                                  <p:stCondLst>
+                                    <p:cond delay="0"/>
+                                  </p:stCondLst>
+                                  <p:childTnLst>
+                                    <p:set>
+                                      <p:cBhvr>
+                                        <p:cTn id="6" dur="1" fill="hold">
+                                          <p:stCondLst>
+                                            <p:cond delay="0"/>
+                                          </p:stCondLst>
+                                        </p:cTn>
+                                        <p:tgtEl>
+                                          <p:spTgt spid="3">
+                                            <p:txEl>
+                                              <p:pRg st="1" end="1"/>
+                                            </p:txEl>
+                                          </p:spTgt>
+                                        </p:tgtEl>
+                                        <p:attrNameLst>
+                                          <p:attrName>style.visibility</p:attrName>
+                                        </p:attrNameLst>
+                                      </p:cBhvr>
+                                      <p:to>
+                                        <p:strVal val="visible"/>
+                                      </p:to>
+                                    </p:set>
+                                  </p:childTnLst>
+                                </p:cTn>
+                              </p:par>
+                            </p:childTnLst>
+                          </p:cTn>
+                        </p:par>
+                      </p:childTnLst>
+                    </p:cTn>
+                  </p:par>
+                  <p:par>
+                    <p:cTn id="7" fill="hold">
+                      <p:stCondLst>
+                        <p:cond delay="indefinite"/>
+                      </p:stCondLst>
+                      <p:childTnLst>
+                        <p:par>
+                          <p:cTn id="8" fill="hold">
+                            <p:stCondLst>
+                              <p:cond delay="0"/>
+                            </p:stCondLst>
+                            <p:childTnLst>
+                              <p:par>
+                                <p:cTn id="9" presetID="1" presetClass="entr" presetSubtype="0" fill="hold" grpId="0" nodeType="clickEffect">
+                                  <p:stCondLst>
+                                    <p:cond delay="0"/>
+                                  </p:stCondLst>
+                                  <p:childTnLst>
+                                    <p:set>
+                                      <p:cBhvr>
+                                        <p:cTn id="10" dur="1" fill="hold">
+                                          <p:stCondLst>
+                                            <p:cond delay="0"/>
+                                          </p:stCondLst>
+                                        </p:cTn>
+                                        <p:tgtEl>
+                                          <p:spTgt spid="3">
+                                            <p:txEl>
+                                              <p:pRg st="2" end="2"/>
+                                            </p:txEl>
+                                          </p:spTgt>
+                                        </p:tgtEl>
+                                        <p:attrNameLst>
+                                          <p:attrName>style.visibility</p:attrName>
+                                        </p:attrNameLst>
+                                      </p:cBhvr>
+                                      <p:to>
+                                        <p:strVal val="visible"/>
+                                      </p:to>
+                                    </p:set>
+                                  </p:childTnLst>
+                                </p:cTn>
+                              </p:par>
+                            </p:childTnLst>
+                          </p:cTn>
+                        </p:par>
+                      </p:childTnLst>
+                    </p:cTn>
+                  </p:par>
+                  <p:par>
+                    <p:cTn id="11" fill="hold">
+                      <p:stCondLst>
+                        <p:cond delay="indefinite"/>
+                      </p:stCondLst>
+                      <p:childTnLst>
+                        <p:par>
+                          <p:cTn id="12" fill="hold">
+                            <p:stCondLst>
+                              <p:cond delay="0"/>
+                            </p:stCondLst>
+                            <p:childTnLst>
+                              <p:par>
+                                <p:cTn id="13" presetID="1" presetClass="entr" presetSubtype="0" fill="hold" grpId="0" nodeType="clickEffect">
+                                  <p:stCondLst>
+                                    <p:cond delay="0"/>
+                                  </p:stCondLst>
+                                  <p:childTnLst>
+                                    <p:set>
+                                      <p:cBhvr>
+                                        <p:cTn id="14" dur="1" fill="hold">
+                                          <p:stCondLst>
+                                            <p:cond delay="0"/>
+                                          </p:stCondLst>
+                                        </p:cTn>
+                                        <p:tgtEl>
+                                          <p:spTgt spid="3">
+                                            <p:txEl>
+                                              <p:pRg st="3" end="3"/>
+                                            </p:txEl>
+                                          </p:spTgt>
+                                        </p:tgtEl>
+                                        <p:attrNameLst>
+                                          <p:attrName>style.visibility</p:attrName>
+                                        </p:attrNameLst>
+                                      </p:cBhvr>
+                                      <p:to>
+                                        <p:strVal val="visible"/>
+                                      </p:to>
+                                    </p:set>
+                                  </p:childTnLst>
+                                </p:cTn>
+                              </p:par>
+                            </p:childTnLst>
+                          </p:cTn>
+                        </p:par>
+                      </p:childTnLst>
+                    </p:cTn>
+                  </p:par>
+                  <p:par>
+                    <p:cTn id="15" fill="hold">
+                      <p:stCondLst>
+                        <p:cond delay="indefinite"/>
+                      </p:stCondLst>
+                      <p:childTnLst>
+                        <p:par>
+                          <p:cTn id="16" fill="hold">
+                            <p:stCondLst>
+                              <p:cond delay="0"/>
+                            </p:stCondLst>
+                            <p:childTnLst>
+                              <p:par>
+                                <p:cTn id="17" presetID="1" presetClass="entr" presetSubtype="0" fill="hold" grpId="0" nodeType="clickEffect">
+                                  <p:stCondLst>
+                                    <p:cond delay="0"/>
+                                  </p:stCondLst>
+                                  <p:childTnLst>
+                                    <p:set>
+                                      <p:cBhvr>
+                                        <p:cTn id="18" dur="1" fill="hold">
+                                          <p:stCondLst>
+                                            <p:cond delay="0"/>
+                                          </p:stCondLst>
+                                        </p:cTn>
+                                        <p:tgtEl>
+                                          <p:spTgt spid="3">
+                                            <p:txEl>
+                                              <p:pRg st="4" end="4"/>
+                                            </p:txEl>
+                                          </p:spTgt>
+                                        </p:tgtEl>
+                                        <p:attrNameLst>
+                                          <p:attrName>style.visibility</p:attrName>
+                                        </p:attrNameLst>
+                                      </p:cBhvr>
+                                      <p:to>
+                                        <p:strVal val="visible"/>
+                                      </p:to>
+                                    </p:set>
+                                  </p:childTnLst>
+                                </p:cTn>
+                              </p:par>
+                            </p:childTnLst>
+                          </p:cTn>
+                        </p:par>
+                      </p:childTnLst>
+                    </p:cTn>
+                  </p:par>
+                  <p:par>
+                    <p:cTn id="19" fill="hold">
+                      <p:stCondLst>
+                        <p:cond delay="indefinite"/>
+                      </p:stCondLst>
+                      <p:childTnLst>
+                        <p:par>
+                          <p:cTn id="20" fill="hold">
+                            <p:stCondLst>
+                              <p:cond delay="0"/>
+                            </p:stCondLst>
+                            <p:childTnLst>
+                              <p:par>
+                                <p:cTn id="21" presetID="1" presetClass="entr" presetSubtype="0" fill="hold" grpId="0" nodeType="clickEffect">
+                                  <p:stCondLst>
+                                    <p:cond delay="0"/>
+                                  </p:stCondLst>
+                                  <p:childTnLst>
+                                    <p:set>
+                                      <p:cBhvr>
+                                        <p:cTn id="22" dur="1" fill="hold">
+                                          <p:stCondLst>
+                                            <p:cond delay="0"/>
+                                          </p:stCondLst>
+                                        </p:cTn>
+                                        <p:tgtEl>
+                                          <p:spTgt spid="3">
+                                            <p:txEl>
+                                              <p:pRg st="5" end="5"/>
+                                            </p:txEl>
+                                          </p:spTgt>
+                                        </p:tgtEl>
+                                        <p:attrNameLst>
+                                          <p:attrName>style.visibility</p:attrName>
+                                        </p:attrNameLst>
+                                      </p:cBhvr>
+                                      <p:to>
+                                        <p:strVal val="visible"/>
+                                      </p:to>
+                                    </p:set>
+                                  </p:childTnLst>
+                                </p:cTn>
+                              </p:par>
+                            </p:childTnLst>
+                          </p:cTn>
+                        </p:par>
+                      </p:childTnLst>
+                    </p:cTn>
+                  </p:par>
+                  <p:par>
+                    <p:cTn id="23" fill="hold">
+                      <p:stCondLst>
+                        <p:cond delay="indefinite"/>
+                      </p:stCondLst>
+                      <p:childTnLst>
+                        <p:par>
+                          <p:cTn id="24" fill="hold">
+                            <p:stCondLst>
+                              <p:cond delay="0"/>
+                            </p:stCondLst>
+                            <p:childTnLst>
+                              <p:par>
+                                <p:cTn id="25" presetID="1" presetClass="entr" presetSubtype="0" fill="hold" nodeType="clickEffect">
+                                  <p:stCondLst>
+                                    <p:cond delay="0"/>
+                                  </p:stCondLst>
+                                  <p:childTnLst>
+                                    <p:set>
+                                      <p:cBhvr>
+                                        <p:cTn id="26" dur="1" fill="hold">
+                                          <p:stCondLst>
+                                            <p:cond delay="0"/>
+                                          </p:stCondLst>
+                                        </p:cTn>
+                                        <p:tgtEl>
+                                          <p:spTgt spid="5"/>
+                                        </p:tgtEl>
+                                        <p:attrNameLst>
+                                          <p:attrName>style.visibility</p:attrName>
+                                        </p:attrNameLst>
+                                      </p:cBhvr>
+                                      <p:to>
+                                        <p:strVal val="visible"/>
+                                      </p:to>
+                                    </p:set>
+                                  </p:childTnLst>
+                                </p:cTn>
+                              </p:par>
+                            </p:childTnLst>
+                          </p:cTn>
+                        </p:par>
+                      </p:childTnLst>
+                    </p:cTn>
+                  </p:par>
+                </p:childTnLst>
+              </p:cTn>
+              <p:prevCondLst>
+                <p:cond evt="onPrev" delay="0">
+                  <p:tgtEl>
+                    <p:sldTgt/>
+                  </p:tgtEl>
+                </p:cond>
+              </p:prevCondLst>
+              <p:nextCondLst>
+                <p:cond evt="onNext" delay="0">
+                  <p:tgtEl>
+                    <p:sldTgt/>
+                  </p:tgtEl>
+                </p:cond>
+              </p:nextCondLst>
+            </p:seq>
+          </p:childTnLst>
+        </p:cTn>
       </p:par>
     </p:tnLst>
+    <p:bldLst>
+      <p:bldP spid="3" grpId="0" uiExpand="1" build="p"/>
+    </p:bldLst>
   </p:timing>
 </p:sld>
 </file>
@@ -6265,25 +8290,8 @@
           <a:p>
             <a:r>
               <a:rPr lang="es-PE" dirty="0" smtClean="0"/>
-              <a:t>Fotos </a:t>
-            </a:r>
-            <a:r>
-              <a:rPr lang="es-PE" dirty="0" smtClean="0"/>
-              <a:t>del </a:t>
-            </a:r>
-            <a:r>
-              <a:rPr lang="es-PE" dirty="0" smtClean="0"/>
-              <a:t>interior </a:t>
-            </a:r>
-            <a:r>
-              <a:rPr lang="es-PE" dirty="0" smtClean="0"/>
-              <a:t>del </a:t>
-            </a:r>
-            <a:r>
-              <a:rPr lang="es-PE" dirty="0" smtClean="0"/>
-              <a:t>vehículo</a:t>
-            </a:r>
-            <a:endParaRPr lang="es-PE" dirty="0" smtClean="0"/>
+              <a:t>Fotos del interior del vehículo</a:t>
+            </a:r>
           </a:p>
         </p:txBody>
       </p:sp>
@@ -6380,9 +8388,133 @@
   <p:timing>
     <p:tnLst>
       <p:par>
-        <p:cTn id="1" dur="indefinite" restart="never" nodeType="tmRoot"/>
+        <p:cTn id="1" dur="indefinite" restart="never" nodeType="tmRoot">
+          <p:childTnLst>
+            <p:seq concurrent="1" nextAc="seek">
+              <p:cTn id="2" dur="indefinite" nodeType="mainSeq">
+                <p:childTnLst>
+                  <p:par>
+                    <p:cTn id="3" fill="hold">
+                      <p:stCondLst>
+                        <p:cond delay="indefinite"/>
+                      </p:stCondLst>
+                      <p:childTnLst>
+                        <p:par>
+                          <p:cTn id="4" fill="hold">
+                            <p:stCondLst>
+                              <p:cond delay="0"/>
+                            </p:stCondLst>
+                            <p:childTnLst>
+                              <p:par>
+                                <p:cTn id="5" presetID="1" presetClass="entr" presetSubtype="0" fill="hold" grpId="0" nodeType="clickEffect">
+                                  <p:stCondLst>
+                                    <p:cond delay="0"/>
+                                  </p:stCondLst>
+                                  <p:childTnLst>
+                                    <p:set>
+                                      <p:cBhvr>
+                                        <p:cTn id="6" dur="1" fill="hold">
+                                          <p:stCondLst>
+                                            <p:cond delay="0"/>
+                                          </p:stCondLst>
+                                        </p:cTn>
+                                        <p:tgtEl>
+                                          <p:spTgt spid="3">
+                                            <p:txEl>
+                                              <p:pRg st="1" end="1"/>
+                                            </p:txEl>
+                                          </p:spTgt>
+                                        </p:tgtEl>
+                                        <p:attrNameLst>
+                                          <p:attrName>style.visibility</p:attrName>
+                                        </p:attrNameLst>
+                                      </p:cBhvr>
+                                      <p:to>
+                                        <p:strVal val="visible"/>
+                                      </p:to>
+                                    </p:set>
+                                  </p:childTnLst>
+                                </p:cTn>
+                              </p:par>
+                            </p:childTnLst>
+                          </p:cTn>
+                        </p:par>
+                      </p:childTnLst>
+                    </p:cTn>
+                  </p:par>
+                  <p:par>
+                    <p:cTn id="7" fill="hold">
+                      <p:stCondLst>
+                        <p:cond delay="indefinite"/>
+                      </p:stCondLst>
+                      <p:childTnLst>
+                        <p:par>
+                          <p:cTn id="8" fill="hold">
+                            <p:stCondLst>
+                              <p:cond delay="0"/>
+                            </p:stCondLst>
+                            <p:childTnLst>
+                              <p:par>
+                                <p:cTn id="9" presetID="1" presetClass="entr" presetSubtype="0" fill="hold" grpId="0" nodeType="clickEffect">
+                                  <p:stCondLst>
+                                    <p:cond delay="0"/>
+                                  </p:stCondLst>
+                                  <p:childTnLst>
+                                    <p:set>
+                                      <p:cBhvr>
+                                        <p:cTn id="10" dur="1" fill="hold">
+                                          <p:stCondLst>
+                                            <p:cond delay="0"/>
+                                          </p:stCondLst>
+                                        </p:cTn>
+                                        <p:tgtEl>
+                                          <p:spTgt spid="3">
+                                            <p:txEl>
+                                              <p:pRg st="2" end="2"/>
+                                            </p:txEl>
+                                          </p:spTgt>
+                                        </p:tgtEl>
+                                        <p:attrNameLst>
+                                          <p:attrName>style.visibility</p:attrName>
+                                        </p:attrNameLst>
+                                      </p:cBhvr>
+                                      <p:to>
+                                        <p:strVal val="visible"/>
+                                      </p:to>
+                                    </p:set>
+                                  </p:childTnLst>
+                                </p:cTn>
+                              </p:par>
+                            </p:childTnLst>
+                          </p:cTn>
+                        </p:par>
+                      </p:childTnLst>
+                    </p:cTn>
+                  </p:par>
+                </p:childTnLst>
+              </p:cTn>
+              <p:prevCondLst>
+                <p:cond evt="onPrev" delay="0">
+                  <p:tgtEl>
+                    <p:sldTgt/>
+                  </p:tgtEl>
+                </p:cond>
+              </p:prevCondLst>
+              <p:nextCondLst>
+                <p:cond evt="onNext" delay="0">
+                  <p:tgtEl>
+                    <p:sldTgt/>
+                  </p:tgtEl>
+                </p:cond>
+              </p:nextCondLst>
+            </p:seq>
+          </p:childTnLst>
+        </p:cTn>
       </p:par>
     </p:tnLst>
+    <p:bldLst>
+      <p:bldP spid="3" grpId="0" build="p"/>
+    </p:bldLst>
   </p:timing>
 </p:sld>
 </file>
@@ -6685,7 +8817,7 @@
         <p:spPr>
           <a:xfrm>
             <a:off x="4338309" y="4402776"/>
-            <a:ext cx="2757879" cy="792884"/>
+            <a:ext cx="2757879" cy="855022"/>
           </a:xfrm>
           <a:prstGeom prst="rect">
             <a:avLst/>
@@ -7216,7 +9348,7 @@
         </p:nvSpPr>
         <p:spPr>
           <a:xfrm>
-            <a:off x="5309580" y="3454183"/>
+            <a:off x="5456541" y="3454183"/>
             <a:ext cx="449337" cy="531524"/>
           </a:xfrm>
           <a:prstGeom prst="rect">
@@ -7416,9 +9548,278 @@
   <p:timing>
     <p:tnLst>
       <p:par>
-        <p:cTn id="1" dur="indefinite" restart="never" nodeType="tmRoot"/>
+        <p:cTn id="1" dur="indefinite" restart="never" nodeType="tmRoot">
+          <p:childTnLst>
+            <p:seq concurrent="1" nextAc="seek">
+              <p:cTn id="2" dur="indefinite" nodeType="mainSeq">
+                <p:childTnLst>
+                  <p:par>
+                    <p:cTn id="3" fill="hold">
+                      <p:stCondLst>
+                        <p:cond delay="indefinite"/>
+                      </p:stCondLst>
+                      <p:childTnLst>
+                        <p:par>
+                          <p:cTn id="4" fill="hold">
+                            <p:stCondLst>
+                              <p:cond delay="0"/>
+                            </p:stCondLst>
+                            <p:childTnLst>
+                              <p:par>
+                                <p:cTn id="5" presetID="1" presetClass="entr" presetSubtype="0" fill="hold" grpId="0" nodeType="clickEffect">
+                                  <p:stCondLst>
+                                    <p:cond delay="0"/>
+                                  </p:stCondLst>
+                                  <p:childTnLst>
+                                    <p:set>
+                                      <p:cBhvr>
+                                        <p:cTn id="6" dur="1" fill="hold">
+                                          <p:stCondLst>
+                                            <p:cond delay="0"/>
+                                          </p:stCondLst>
+                                        </p:cTn>
+                                        <p:tgtEl>
+                                          <p:spTgt spid="3">
+                                            <p:txEl>
+                                              <p:pRg st="0" end="0"/>
+                                            </p:txEl>
+                                          </p:spTgt>
+                                        </p:tgtEl>
+                                        <p:attrNameLst>
+                                          <p:attrName>style.visibility</p:attrName>
+                                        </p:attrNameLst>
+                                      </p:cBhvr>
+                                      <p:to>
+                                        <p:strVal val="visible"/>
+                                      </p:to>
+                                    </p:set>
+                                  </p:childTnLst>
+                                </p:cTn>
+                              </p:par>
+                            </p:childTnLst>
+                          </p:cTn>
+                        </p:par>
+                      </p:childTnLst>
+                    </p:cTn>
+                  </p:par>
+                  <p:par>
+                    <p:cTn id="7" fill="hold">
+                      <p:stCondLst>
+                        <p:cond delay="indefinite"/>
+                      </p:stCondLst>
+                      <p:childTnLst>
+                        <p:par>
+                          <p:cTn id="8" fill="hold">
+                            <p:stCondLst>
+                              <p:cond delay="0"/>
+                            </p:stCondLst>
+                            <p:childTnLst>
+                              <p:par>
+                                <p:cTn id="9" presetID="1" presetClass="entr" presetSubtype="0" fill="hold" grpId="0" nodeType="clickEffect">
+                                  <p:stCondLst>
+                                    <p:cond delay="0"/>
+                                  </p:stCondLst>
+                                  <p:childTnLst>
+                                    <p:set>
+                                      <p:cBhvr>
+                                        <p:cTn id="10" dur="1" fill="hold">
+                                          <p:stCondLst>
+                                            <p:cond delay="0"/>
+                                          </p:stCondLst>
+                                        </p:cTn>
+                                        <p:tgtEl>
+                                          <p:spTgt spid="5"/>
+                                        </p:tgtEl>
+                                        <p:attrNameLst>
+                                          <p:attrName>style.visibility</p:attrName>
+                                        </p:attrNameLst>
+                                      </p:cBhvr>
+                                      <p:to>
+                                        <p:strVal val="visible"/>
+                                      </p:to>
+                                    </p:set>
+                                  </p:childTnLst>
+                                </p:cTn>
+                              </p:par>
+                            </p:childTnLst>
+                          </p:cTn>
+                        </p:par>
+                      </p:childTnLst>
+                    </p:cTn>
+                  </p:par>
+                  <p:par>
+                    <p:cTn id="11" fill="hold">
+                      <p:stCondLst>
+                        <p:cond delay="indefinite"/>
+                      </p:stCondLst>
+                      <p:childTnLst>
+                        <p:par>
+                          <p:cTn id="12" fill="hold">
+                            <p:stCondLst>
+                              <p:cond delay="0"/>
+                            </p:stCondLst>
+                            <p:childTnLst>
+                              <p:par>
+                                <p:cTn id="13" presetID="1" presetClass="entr" presetSubtype="0" fill="hold" grpId="0" nodeType="clickEffect">
+                                  <p:stCondLst>
+                                    <p:cond delay="0"/>
+                                  </p:stCondLst>
+                                  <p:childTnLst>
+                                    <p:set>
+                                      <p:cBhvr>
+                                        <p:cTn id="14" dur="1" fill="hold">
+                                          <p:stCondLst>
+                                            <p:cond delay="0"/>
+                                          </p:stCondLst>
+                                        </p:cTn>
+                                        <p:tgtEl>
+                                          <p:spTgt spid="14"/>
+                                        </p:tgtEl>
+                                        <p:attrNameLst>
+                                          <p:attrName>style.visibility</p:attrName>
+                                        </p:attrNameLst>
+                                      </p:cBhvr>
+                                      <p:to>
+                                        <p:strVal val="visible"/>
+                                      </p:to>
+                                    </p:set>
+                                  </p:childTnLst>
+                                </p:cTn>
+                              </p:par>
+                            </p:childTnLst>
+                          </p:cTn>
+                        </p:par>
+                      </p:childTnLst>
+                    </p:cTn>
+                  </p:par>
+                  <p:par>
+                    <p:cTn id="15" fill="hold">
+                      <p:stCondLst>
+                        <p:cond delay="indefinite"/>
+                      </p:stCondLst>
+                      <p:childTnLst>
+                        <p:par>
+                          <p:cTn id="16" fill="hold">
+                            <p:stCondLst>
+                              <p:cond delay="0"/>
+                            </p:stCondLst>
+                            <p:childTnLst>
+                              <p:par>
+                                <p:cTn id="17" presetID="1" presetClass="entr" presetSubtype="0" fill="hold" grpId="0" nodeType="clickEffect">
+                                  <p:stCondLst>
+                                    <p:cond delay="0"/>
+                                  </p:stCondLst>
+                                  <p:childTnLst>
+                                    <p:set>
+                                      <p:cBhvr>
+                                        <p:cTn id="18" dur="1" fill="hold">
+                                          <p:stCondLst>
+                                            <p:cond delay="0"/>
+                                          </p:stCondLst>
+                                        </p:cTn>
+                                        <p:tgtEl>
+                                          <p:spTgt spid="9"/>
+                                        </p:tgtEl>
+                                        <p:attrNameLst>
+                                          <p:attrName>style.visibility</p:attrName>
+                                        </p:attrNameLst>
+                                      </p:cBhvr>
+                                      <p:to>
+                                        <p:strVal val="visible"/>
+                                      </p:to>
+                                    </p:set>
+                                  </p:childTnLst>
+                                </p:cTn>
+                              </p:par>
+                              <p:par>
+                                <p:cTn id="19" presetID="1" presetClass="entr" presetSubtype="0" fill="hold" grpId="0" nodeType="withEffect">
+                                  <p:stCondLst>
+                                    <p:cond delay="0"/>
+                                  </p:stCondLst>
+                                  <p:childTnLst>
+                                    <p:set>
+                                      <p:cBhvr>
+                                        <p:cTn id="20" dur="1" fill="hold">
+                                          <p:stCondLst>
+                                            <p:cond delay="0"/>
+                                          </p:stCondLst>
+                                        </p:cTn>
+                                        <p:tgtEl>
+                                          <p:spTgt spid="13"/>
+                                        </p:tgtEl>
+                                        <p:attrNameLst>
+                                          <p:attrName>style.visibility</p:attrName>
+                                        </p:attrNameLst>
+                                      </p:cBhvr>
+                                      <p:to>
+                                        <p:strVal val="visible"/>
+                                      </p:to>
+                                    </p:set>
+                                  </p:childTnLst>
+                                </p:cTn>
+                              </p:par>
+                              <p:par>
+                                <p:cTn id="21" presetID="1" presetClass="entr" presetSubtype="0" fill="hold" grpId="0" nodeType="withEffect">
+                                  <p:stCondLst>
+                                    <p:cond delay="0"/>
+                                  </p:stCondLst>
+                                  <p:childTnLst>
+                                    <p:set>
+                                      <p:cBhvr>
+                                        <p:cTn id="22" dur="1" fill="hold">
+                                          <p:stCondLst>
+                                            <p:cond delay="0"/>
+                                          </p:stCondLst>
+                                        </p:cTn>
+                                        <p:tgtEl>
+                                          <p:spTgt spid="12"/>
+                                        </p:tgtEl>
+                                        <p:attrNameLst>
+                                          <p:attrName>style.visibility</p:attrName>
+                                        </p:attrNameLst>
+                                      </p:cBhvr>
+                                      <p:to>
+                                        <p:strVal val="visible"/>
+                                      </p:to>
+                                    </p:set>
+                                  </p:childTnLst>
+                                </p:cTn>
+                              </p:par>
+                            </p:childTnLst>
+                          </p:cTn>
+                        </p:par>
+                      </p:childTnLst>
+                    </p:cTn>
+                  </p:par>
+                </p:childTnLst>
+              </p:cTn>
+              <p:prevCondLst>
+                <p:cond evt="onPrev" delay="0">
+                  <p:tgtEl>
+                    <p:sldTgt/>
+                  </p:tgtEl>
+                </p:cond>
+              </p:prevCondLst>
+              <p:nextCondLst>
+                <p:cond evt="onNext" delay="0">
+                  <p:tgtEl>
+                    <p:sldTgt/>
+                  </p:tgtEl>
+                </p:cond>
+              </p:nextCondLst>
+            </p:seq>
+          </p:childTnLst>
+        </p:cTn>
       </p:par>
     </p:tnLst>
+    <p:bldLst>
+      <p:bldP spid="3" grpId="0" build="p"/>
+      <p:bldP spid="5" grpId="0"/>
+      <p:bldP spid="9" grpId="0" animBg="1"/>
+      <p:bldP spid="12" grpId="0"/>
+      <p:bldP spid="13" grpId="0" animBg="1"/>
+      <p:bldP spid="14" grpId="0"/>
+    </p:bldLst>
   </p:timing>
 </p:sld>
 </file>
@@ -7442,6 +9843,98 @@
       </p:grpSpPr>
       <p:sp>
         <p:nvSpPr>
+          <p:cNvPr id="6" name="5 Rectángulo redondeado"/>
+          <p:cNvSpPr/>
+          <p:nvPr/>
+        </p:nvSpPr>
+        <p:spPr>
+          <a:xfrm>
+            <a:off x="6371542" y="2171699"/>
+            <a:ext cx="4598125" cy="3412671"/>
+          </a:xfrm>
+          <a:prstGeom prst="roundRect">
+            <a:avLst/>
+          </a:prstGeom>
+          <a:noFill/>
+          <a:ln w="19050">
+            <a:solidFill>
+              <a:srgbClr val="00B050"/>
+            </a:solidFill>
+          </a:ln>
+        </p:spPr>
+        <p:style>
+          <a:lnRef idx="2">
+            <a:schemeClr val="accent1">
+              <a:shade val="50000"/>
+            </a:schemeClr>
+          </a:lnRef>
+          <a:fillRef idx="1">
+            <a:schemeClr val="accent1"/>
+          </a:fillRef>
+          <a:effectRef idx="0">
+            <a:schemeClr val="accent1"/>
+          </a:effectRef>
+          <a:fontRef idx="minor">
+            <a:schemeClr val="lt1"/>
+          </a:fontRef>
+        </p:style>
+        <p:txBody>
+          <a:bodyPr rtlCol="0" anchor="ctr"/>
+          <a:lstStyle/>
+          <a:p>
+            <a:pPr algn="ctr"/>
+            <a:endParaRPr lang="es-ES"/>
+          </a:p>
+        </p:txBody>
+      </p:sp>
+      <p:sp>
+        <p:nvSpPr>
+          <p:cNvPr id="5" name="4 Rectángulo redondeado"/>
+          <p:cNvSpPr/>
+          <p:nvPr/>
+        </p:nvSpPr>
+        <p:spPr>
+          <a:xfrm>
+            <a:off x="999315" y="2171700"/>
+            <a:ext cx="4598125" cy="3412671"/>
+          </a:xfrm>
+          <a:prstGeom prst="roundRect">
+            <a:avLst/>
+          </a:prstGeom>
+          <a:noFill/>
+          <a:ln w="19050">
+            <a:solidFill>
+              <a:srgbClr val="00B050"/>
+            </a:solidFill>
+          </a:ln>
+        </p:spPr>
+        <p:style>
+          <a:lnRef idx="2">
+            <a:schemeClr val="accent1">
+              <a:shade val="50000"/>
+            </a:schemeClr>
+          </a:lnRef>
+          <a:fillRef idx="1">
+            <a:schemeClr val="accent1"/>
+          </a:fillRef>
+          <a:effectRef idx="0">
+            <a:schemeClr val="accent1"/>
+          </a:effectRef>
+          <a:fontRef idx="minor">
+            <a:schemeClr val="lt1"/>
+          </a:fontRef>
+        </p:style>
+        <p:txBody>
+          <a:bodyPr rtlCol="0" anchor="ctr"/>
+          <a:lstStyle/>
+          <a:p>
+            <a:pPr algn="ctr"/>
+            <a:endParaRPr lang="es-ES"/>
+          </a:p>
+        </p:txBody>
+      </p:sp>
+      <p:sp>
+        <p:nvSpPr>
           <p:cNvPr id="2" name="Título 1"/>
           <p:cNvSpPr>
             <a:spLocks noGrp="1"/>
@@ -7475,12 +9968,14 @@
         </p:nvSpPr>
         <p:spPr>
           <a:xfrm>
-            <a:off x="838200" y="2365952"/>
-            <a:ext cx="4637809" cy="2538557"/>
+            <a:off x="1066806" y="2365952"/>
+            <a:ext cx="4637809" cy="2989819"/>
           </a:xfrm>
         </p:spPr>
         <p:txBody>
-          <a:bodyPr/>
+          <a:bodyPr>
+            <a:normAutofit/>
+          </a:bodyPr>
           <a:lstStyle/>
           <a:p>
             <a:pPr marL="0" indent="0" algn="ctr">
@@ -7490,6 +9985,12 @@
               <a:rPr lang="es-PE" b="1" dirty="0" smtClean="0"/>
               <a:t>Tecnológica</a:t>
             </a:r>
+          </a:p>
+          <a:p>
+            <a:pPr marL="0" indent="0" algn="ctr">
+              <a:buNone/>
+            </a:pPr>
+            <a:endParaRPr lang="es-PE" b="1" dirty="0" smtClean="0"/>
           </a:p>
           <a:p>
             <a:pPr lvl="1"/>
@@ -7518,8 +10019,8 @@
         </p:nvSpPr>
         <p:spPr>
           <a:xfrm>
-            <a:off x="6012873" y="2365951"/>
-            <a:ext cx="4637809" cy="2538557"/>
+            <a:off x="6371542" y="2365951"/>
+            <a:ext cx="4279140" cy="3038806"/>
           </a:xfrm>
           <a:prstGeom prst="rect">
             <a:avLst/>
@@ -7527,7 +10028,7 @@
         </p:spPr>
         <p:txBody>
           <a:bodyPr vert="horz" lIns="91440" tIns="45720" rIns="91440" bIns="45720" rtlCol="0">
-            <a:normAutofit/>
+            <a:normAutofit lnSpcReduction="10000"/>
           </a:bodyPr>
           <a:lstStyle>
             <a:lvl1pPr marL="228600" indent="-228600" algn="l" defTabSz="914400" rtl="0" eaLnBrk="1" latinLnBrk="0" hangingPunct="1">
@@ -7703,6 +10204,12 @@
             </a:r>
           </a:p>
           <a:p>
+            <a:pPr marL="0" indent="0" algn="ctr">
+              <a:buNone/>
+            </a:pPr>
+            <a:endParaRPr lang="es-PE" b="1" dirty="0" smtClean="0"/>
+          </a:p>
+          <a:p>
             <a:pPr lvl="1"/>
             <a:r>
               <a:rPr lang="es-PE" dirty="0" smtClean="0"/>
@@ -7738,7 +10245,275 @@
   <p:timing>
     <p:tnLst>
       <p:par>
-        <p:cTn id="1" dur="indefinite" restart="never" nodeType="tmRoot"/>
+        <p:cTn id="1" dur="indefinite" restart="never" nodeType="tmRoot">
+          <p:childTnLst>
+            <p:seq concurrent="1" nextAc="seek">
+              <p:cTn id="2" dur="indefinite" nodeType="mainSeq">
+                <p:childTnLst>
+                  <p:par>
+                    <p:cTn id="3" fill="hold">
+                      <p:stCondLst>
+                        <p:cond delay="indefinite"/>
+                      </p:stCondLst>
+                      <p:childTnLst>
+                        <p:par>
+                          <p:cTn id="4" fill="hold">
+                            <p:stCondLst>
+                              <p:cond delay="0"/>
+                            </p:stCondLst>
+                            <p:childTnLst>
+                              <p:par>
+                                <p:cTn id="5" presetID="1" presetClass="entr" presetSubtype="0" fill="hold" nodeType="clickEffect">
+                                  <p:stCondLst>
+                                    <p:cond delay="0"/>
+                                  </p:stCondLst>
+                                  <p:childTnLst>
+                                    <p:set>
+                                      <p:cBhvr>
+                                        <p:cTn id="6" dur="1" fill="hold">
+                                          <p:stCondLst>
+                                            <p:cond delay="0"/>
+                                          </p:stCondLst>
+                                        </p:cTn>
+                                        <p:tgtEl>
+                                          <p:spTgt spid="3">
+                                            <p:txEl>
+                                              <p:pRg st="2" end="2"/>
+                                            </p:txEl>
+                                          </p:spTgt>
+                                        </p:tgtEl>
+                                        <p:attrNameLst>
+                                          <p:attrName>style.visibility</p:attrName>
+                                        </p:attrNameLst>
+                                      </p:cBhvr>
+                                      <p:to>
+                                        <p:strVal val="visible"/>
+                                      </p:to>
+                                    </p:set>
+                                  </p:childTnLst>
+                                </p:cTn>
+                              </p:par>
+                            </p:childTnLst>
+                          </p:cTn>
+                        </p:par>
+                      </p:childTnLst>
+                    </p:cTn>
+                  </p:par>
+                  <p:par>
+                    <p:cTn id="7" fill="hold">
+                      <p:stCondLst>
+                        <p:cond delay="indefinite"/>
+                      </p:stCondLst>
+                      <p:childTnLst>
+                        <p:par>
+                          <p:cTn id="8" fill="hold">
+                            <p:stCondLst>
+                              <p:cond delay="0"/>
+                            </p:stCondLst>
+                            <p:childTnLst>
+                              <p:par>
+                                <p:cTn id="9" presetID="1" presetClass="entr" presetSubtype="0" fill="hold" nodeType="clickEffect">
+                                  <p:stCondLst>
+                                    <p:cond delay="0"/>
+                                  </p:stCondLst>
+                                  <p:childTnLst>
+                                    <p:set>
+                                      <p:cBhvr>
+                                        <p:cTn id="10" dur="1" fill="hold">
+                                          <p:stCondLst>
+                                            <p:cond delay="0"/>
+                                          </p:stCondLst>
+                                        </p:cTn>
+                                        <p:tgtEl>
+                                          <p:spTgt spid="3">
+                                            <p:txEl>
+                                              <p:pRg st="3" end="3"/>
+                                            </p:txEl>
+                                          </p:spTgt>
+                                        </p:tgtEl>
+                                        <p:attrNameLst>
+                                          <p:attrName>style.visibility</p:attrName>
+                                        </p:attrNameLst>
+                                      </p:cBhvr>
+                                      <p:to>
+                                        <p:strVal val="visible"/>
+                                      </p:to>
+                                    </p:set>
+                                  </p:childTnLst>
+                                </p:cTn>
+                              </p:par>
+                            </p:childTnLst>
+                          </p:cTn>
+                        </p:par>
+                      </p:childTnLst>
+                    </p:cTn>
+                  </p:par>
+                  <p:par>
+                    <p:cTn id="11" fill="hold">
+                      <p:stCondLst>
+                        <p:cond delay="indefinite"/>
+                      </p:stCondLst>
+                      <p:childTnLst>
+                        <p:par>
+                          <p:cTn id="12" fill="hold">
+                            <p:stCondLst>
+                              <p:cond delay="0"/>
+                            </p:stCondLst>
+                            <p:childTnLst>
+                              <p:par>
+                                <p:cTn id="13" presetID="1" presetClass="entr" presetSubtype="0" fill="hold" nodeType="clickEffect">
+                                  <p:stCondLst>
+                                    <p:cond delay="0"/>
+                                  </p:stCondLst>
+                                  <p:childTnLst>
+                                    <p:set>
+                                      <p:cBhvr>
+                                        <p:cTn id="14" dur="1" fill="hold">
+                                          <p:stCondLst>
+                                            <p:cond delay="0"/>
+                                          </p:stCondLst>
+                                        </p:cTn>
+                                        <p:tgtEl>
+                                          <p:spTgt spid="4">
+                                            <p:txEl>
+                                              <p:pRg st="2" end="2"/>
+                                            </p:txEl>
+                                          </p:spTgt>
+                                        </p:tgtEl>
+                                        <p:attrNameLst>
+                                          <p:attrName>style.visibility</p:attrName>
+                                        </p:attrNameLst>
+                                      </p:cBhvr>
+                                      <p:to>
+                                        <p:strVal val="visible"/>
+                                      </p:to>
+                                    </p:set>
+                                  </p:childTnLst>
+                                </p:cTn>
+                              </p:par>
+                            </p:childTnLst>
+                          </p:cTn>
+                        </p:par>
+                      </p:childTnLst>
+                    </p:cTn>
+                  </p:par>
+                  <p:par>
+                    <p:cTn id="15" fill="hold">
+                      <p:stCondLst>
+                        <p:cond delay="indefinite"/>
+                      </p:stCondLst>
+                      <p:childTnLst>
+                        <p:par>
+                          <p:cTn id="16" fill="hold">
+                            <p:stCondLst>
+                              <p:cond delay="0"/>
+                            </p:stCondLst>
+                            <p:childTnLst>
+                              <p:par>
+                                <p:cTn id="17" presetID="1" presetClass="entr" presetSubtype="0" fill="hold" nodeType="clickEffect">
+                                  <p:stCondLst>
+                                    <p:cond delay="0"/>
+                                  </p:stCondLst>
+                                  <p:childTnLst>
+                                    <p:set>
+                                      <p:cBhvr>
+                                        <p:cTn id="18" dur="1" fill="hold">
+                                          <p:stCondLst>
+                                            <p:cond delay="0"/>
+                                          </p:stCondLst>
+                                        </p:cTn>
+                                        <p:tgtEl>
+                                          <p:spTgt spid="4">
+                                            <p:txEl>
+                                              <p:pRg st="3" end="3"/>
+                                            </p:txEl>
+                                          </p:spTgt>
+                                        </p:tgtEl>
+                                        <p:attrNameLst>
+                                          <p:attrName>style.visibility</p:attrName>
+                                        </p:attrNameLst>
+                                      </p:cBhvr>
+                                      <p:to>
+                                        <p:strVal val="visible"/>
+                                      </p:to>
+                                    </p:set>
+                                  </p:childTnLst>
+                                </p:cTn>
+                              </p:par>
+                            </p:childTnLst>
+                          </p:cTn>
+                        </p:par>
+                      </p:childTnLst>
+                    </p:cTn>
+                  </p:par>
+                  <p:par>
+                    <p:cTn id="19" fill="hold">
+                      <p:stCondLst>
+                        <p:cond delay="indefinite"/>
+                      </p:stCondLst>
+                      <p:childTnLst>
+                        <p:par>
+                          <p:cTn id="20" fill="hold">
+                            <p:stCondLst>
+                              <p:cond delay="0"/>
+                            </p:stCondLst>
+                            <p:childTnLst>
+                              <p:par>
+                                <p:cTn id="21" presetID="1" presetClass="entr" presetSubtype="0" fill="hold" nodeType="clickEffect">
+                                  <p:stCondLst>
+                                    <p:cond delay="0"/>
+                                  </p:stCondLst>
+                                  <p:childTnLst>
+                                    <p:set>
+                                      <p:cBhvr>
+                                        <p:cTn id="22" dur="1" fill="hold">
+                                          <p:stCondLst>
+                                            <p:cond delay="0"/>
+                                          </p:stCondLst>
+                                        </p:cTn>
+                                        <p:tgtEl>
+                                          <p:spTgt spid="4">
+                                            <p:txEl>
+                                              <p:pRg st="4" end="4"/>
+                                            </p:txEl>
+                                          </p:spTgt>
+                                        </p:tgtEl>
+                                        <p:attrNameLst>
+                                          <p:attrName>style.visibility</p:attrName>
+                                        </p:attrNameLst>
+                                      </p:cBhvr>
+                                      <p:to>
+                                        <p:strVal val="visible"/>
+                                      </p:to>
+                                    </p:set>
+                                  </p:childTnLst>
+                                </p:cTn>
+                              </p:par>
+                            </p:childTnLst>
+                          </p:cTn>
+                        </p:par>
+                      </p:childTnLst>
+                    </p:cTn>
+                  </p:par>
+                </p:childTnLst>
+              </p:cTn>
+              <p:prevCondLst>
+                <p:cond evt="onPrev" delay="0">
+                  <p:tgtEl>
+                    <p:sldTgt/>
+                  </p:tgtEl>
+                </p:cond>
+              </p:prevCondLst>
+              <p:nextCondLst>
+                <p:cond evt="onNext" delay="0">
+                  <p:tgtEl>
+                    <p:sldTgt/>
+                  </p:tgtEl>
+                </p:cond>
+              </p:nextCondLst>
+            </p:seq>
+          </p:childTnLst>
+        </p:cTn>
       </p:par>
     </p:tnLst>
   </p:timing>
@@ -7856,7 +10631,7 @@
         </p:blipFill>
         <p:spPr>
           <a:xfrm>
-            <a:off x="9351818" y="4430722"/>
+            <a:off x="9123218" y="4267436"/>
             <a:ext cx="2088572" cy="1912349"/>
           </a:xfrm>
           <a:prstGeom prst="rect">
@@ -7877,9 +10652,231 @@
   <p:timing>
     <p:tnLst>
       <p:par>
-        <p:cTn id="1" dur="indefinite" restart="never" nodeType="tmRoot"/>
+        <p:cTn id="1" dur="indefinite" restart="never" nodeType="tmRoot">
+          <p:childTnLst>
+            <p:seq concurrent="1" nextAc="seek">
+              <p:cTn id="2" dur="indefinite" nodeType="mainSeq">
+                <p:childTnLst>
+                  <p:par>
+                    <p:cTn id="3" fill="hold">
+                      <p:stCondLst>
+                        <p:cond delay="indefinite"/>
+                      </p:stCondLst>
+                      <p:childTnLst>
+                        <p:par>
+                          <p:cTn id="4" fill="hold">
+                            <p:stCondLst>
+                              <p:cond delay="0"/>
+                            </p:stCondLst>
+                            <p:childTnLst>
+                              <p:par>
+                                <p:cTn id="5" presetID="1" presetClass="entr" presetSubtype="0" fill="hold" grpId="0" nodeType="clickEffect">
+                                  <p:stCondLst>
+                                    <p:cond delay="0"/>
+                                  </p:stCondLst>
+                                  <p:childTnLst>
+                                    <p:set>
+                                      <p:cBhvr>
+                                        <p:cTn id="6" dur="1" fill="hold">
+                                          <p:stCondLst>
+                                            <p:cond delay="0"/>
+                                          </p:stCondLst>
+                                        </p:cTn>
+                                        <p:tgtEl>
+                                          <p:spTgt spid="3">
+                                            <p:txEl>
+                                              <p:pRg st="0" end="0"/>
+                                            </p:txEl>
+                                          </p:spTgt>
+                                        </p:tgtEl>
+                                        <p:attrNameLst>
+                                          <p:attrName>style.visibility</p:attrName>
+                                        </p:attrNameLst>
+                                      </p:cBhvr>
+                                      <p:to>
+                                        <p:strVal val="visible"/>
+                                      </p:to>
+                                    </p:set>
+                                  </p:childTnLst>
+                                </p:cTn>
+                              </p:par>
+                            </p:childTnLst>
+                          </p:cTn>
+                        </p:par>
+                      </p:childTnLst>
+                    </p:cTn>
+                  </p:par>
+                  <p:par>
+                    <p:cTn id="7" fill="hold">
+                      <p:stCondLst>
+                        <p:cond delay="indefinite"/>
+                      </p:stCondLst>
+                      <p:childTnLst>
+                        <p:par>
+                          <p:cTn id="8" fill="hold">
+                            <p:stCondLst>
+                              <p:cond delay="0"/>
+                            </p:stCondLst>
+                            <p:childTnLst>
+                              <p:par>
+                                <p:cTn id="9" presetID="1" presetClass="entr" presetSubtype="0" fill="hold" grpId="0" nodeType="clickEffect">
+                                  <p:stCondLst>
+                                    <p:cond delay="0"/>
+                                  </p:stCondLst>
+                                  <p:childTnLst>
+                                    <p:set>
+                                      <p:cBhvr>
+                                        <p:cTn id="10" dur="1" fill="hold">
+                                          <p:stCondLst>
+                                            <p:cond delay="0"/>
+                                          </p:stCondLst>
+                                        </p:cTn>
+                                        <p:tgtEl>
+                                          <p:spTgt spid="3">
+                                            <p:txEl>
+                                              <p:pRg st="1" end="1"/>
+                                            </p:txEl>
+                                          </p:spTgt>
+                                        </p:tgtEl>
+                                        <p:attrNameLst>
+                                          <p:attrName>style.visibility</p:attrName>
+                                        </p:attrNameLst>
+                                      </p:cBhvr>
+                                      <p:to>
+                                        <p:strVal val="visible"/>
+                                      </p:to>
+                                    </p:set>
+                                  </p:childTnLst>
+                                </p:cTn>
+                              </p:par>
+                            </p:childTnLst>
+                          </p:cTn>
+                        </p:par>
+                      </p:childTnLst>
+                    </p:cTn>
+                  </p:par>
+                  <p:par>
+                    <p:cTn id="11" fill="hold">
+                      <p:stCondLst>
+                        <p:cond delay="indefinite"/>
+                      </p:stCondLst>
+                      <p:childTnLst>
+                        <p:par>
+                          <p:cTn id="12" fill="hold">
+                            <p:stCondLst>
+                              <p:cond delay="0"/>
+                            </p:stCondLst>
+                            <p:childTnLst>
+                              <p:par>
+                                <p:cTn id="13" presetID="1" presetClass="entr" presetSubtype="0" fill="hold" grpId="0" nodeType="clickEffect">
+                                  <p:stCondLst>
+                                    <p:cond delay="0"/>
+                                  </p:stCondLst>
+                                  <p:childTnLst>
+                                    <p:set>
+                                      <p:cBhvr>
+                                        <p:cTn id="14" dur="1" fill="hold">
+                                          <p:stCondLst>
+                                            <p:cond delay="0"/>
+                                          </p:stCondLst>
+                                        </p:cTn>
+                                        <p:tgtEl>
+                                          <p:spTgt spid="3">
+                                            <p:txEl>
+                                              <p:pRg st="2" end="2"/>
+                                            </p:txEl>
+                                          </p:spTgt>
+                                        </p:tgtEl>
+                                        <p:attrNameLst>
+                                          <p:attrName>style.visibility</p:attrName>
+                                        </p:attrNameLst>
+                                      </p:cBhvr>
+                                      <p:to>
+                                        <p:strVal val="visible"/>
+                                      </p:to>
+                                    </p:set>
+                                  </p:childTnLst>
+                                </p:cTn>
+                              </p:par>
+                            </p:childTnLst>
+                          </p:cTn>
+                        </p:par>
+                      </p:childTnLst>
+                    </p:cTn>
+                  </p:par>
+                  <p:par>
+                    <p:cTn id="15" fill="hold">
+                      <p:stCondLst>
+                        <p:cond delay="indefinite"/>
+                      </p:stCondLst>
+                      <p:childTnLst>
+                        <p:par>
+                          <p:cTn id="16" fill="hold">
+                            <p:stCondLst>
+                              <p:cond delay="0"/>
+                            </p:stCondLst>
+                            <p:childTnLst>
+                              <p:par>
+                                <p:cTn id="17" presetID="1" presetClass="entr" presetSubtype="0" fill="hold" grpId="0" nodeType="clickEffect">
+                                  <p:stCondLst>
+                                    <p:cond delay="0"/>
+                                  </p:stCondLst>
+                                  <p:childTnLst>
+                                    <p:set>
+                                      <p:cBhvr>
+                                        <p:cTn id="18" dur="1" fill="hold">
+                                          <p:stCondLst>
+                                            <p:cond delay="0"/>
+                                          </p:stCondLst>
+                                        </p:cTn>
+                                        <p:tgtEl>
+                                          <p:spTgt spid="3">
+                                            <p:txEl>
+                                              <p:pRg st="3" end="3"/>
+                                            </p:txEl>
+                                          </p:spTgt>
+                                        </p:tgtEl>
+                                        <p:attrNameLst>
+                                          <p:attrName>style.visibility</p:attrName>
+                                        </p:attrNameLst>
+                                      </p:cBhvr>
+                                      <p:to>
+                                        <p:strVal val="visible"/>
+                                      </p:to>
+                                    </p:set>
+                                  </p:childTnLst>
+                                </p:cTn>
+                              </p:par>
+                            </p:childTnLst>
+                          </p:cTn>
+                        </p:par>
+                      </p:childTnLst>
+                    </p:cTn>
+                  </p:par>
+                </p:childTnLst>
+              </p:cTn>
+              <p:prevCondLst>
+                <p:cond evt="onPrev" delay="0">
+                  <p:tgtEl>
+                    <p:sldTgt/>
+                  </p:tgtEl>
+                </p:cond>
+              </p:prevCondLst>
+              <p:nextCondLst>
+                <p:cond evt="onNext" delay="0">
+                  <p:tgtEl>
+                    <p:sldTgt/>
+                  </p:tgtEl>
+                </p:cond>
+              </p:nextCondLst>
+            </p:seq>
+          </p:childTnLst>
+        </p:cTn>
       </p:par>
     </p:tnLst>
+    <p:bldLst>
+      <p:bldP spid="3" grpId="0" build="p"/>
+    </p:bldLst>
   </p:timing>
 </p:sld>
 </file>
@@ -7909,8 +10906,8 @@
         </p:nvSpPr>
         <p:spPr>
           <a:xfrm>
-            <a:off x="4939342" y="2066440"/>
-            <a:ext cx="5266506" cy="2554545"/>
+            <a:off x="4939342" y="2360362"/>
+            <a:ext cx="5266506" cy="1938992"/>
           </a:xfrm>
           <a:prstGeom prst="rect">
             <a:avLst/>
@@ -7948,16 +10945,6 @@
               <a:rPr lang="es-PE" sz="4000" dirty="0" smtClean="0"/>
               <a:t>FUNCIONAMIENTO</a:t>
             </a:r>
-          </a:p>
-          <a:p>
-            <a:pPr marL="342900" indent="-342900">
-              <a:buAutoNum type="arabicPeriod"/>
-            </a:pPr>
-            <a:r>
-              <a:rPr lang="es-PE" sz="4000" dirty="0" smtClean="0"/>
-              <a:t>PRUEBAS</a:t>
-            </a:r>
-            <a:endParaRPr lang="es-PE" sz="4000" dirty="0"/>
           </a:p>
         </p:txBody>
       </p:sp>
@@ -8082,8 +11069,8 @@
         </p:nvSpPr>
         <p:spPr>
           <a:xfrm>
-            <a:off x="1126680" y="2569997"/>
-            <a:ext cx="5551715" cy="3482463"/>
+            <a:off x="1428017" y="2569997"/>
+            <a:ext cx="5047014" cy="3482463"/>
           </a:xfrm>
           <a:prstGeom prst="roundRect">
             <a:avLst/>
@@ -8602,9 +11589,390 @@
   <p:timing>
     <p:tnLst>
       <p:par>
-        <p:cTn id="1" dur="indefinite" restart="never" nodeType="tmRoot"/>
+        <p:cTn id="1" dur="indefinite" restart="never" nodeType="tmRoot">
+          <p:childTnLst>
+            <p:seq concurrent="1" nextAc="seek">
+              <p:cTn id="2" dur="indefinite" nodeType="mainSeq">
+                <p:childTnLst>
+                  <p:par>
+                    <p:cTn id="3" fill="hold">
+                      <p:stCondLst>
+                        <p:cond delay="indefinite"/>
+                      </p:stCondLst>
+                      <p:childTnLst>
+                        <p:par>
+                          <p:cTn id="4" fill="hold">
+                            <p:stCondLst>
+                              <p:cond delay="0"/>
+                            </p:stCondLst>
+                            <p:childTnLst>
+                              <p:par>
+                                <p:cTn id="5" presetID="1" presetClass="entr" presetSubtype="0" fill="hold" grpId="0" nodeType="clickEffect">
+                                  <p:stCondLst>
+                                    <p:cond delay="0"/>
+                                  </p:stCondLst>
+                                  <p:childTnLst>
+                                    <p:set>
+                                      <p:cBhvr>
+                                        <p:cTn id="6" dur="1" fill="hold">
+                                          <p:stCondLst>
+                                            <p:cond delay="0"/>
+                                          </p:stCondLst>
+                                        </p:cTn>
+                                        <p:tgtEl>
+                                          <p:spTgt spid="4"/>
+                                        </p:tgtEl>
+                                        <p:attrNameLst>
+                                          <p:attrName>style.visibility</p:attrName>
+                                        </p:attrNameLst>
+                                      </p:cBhvr>
+                                      <p:to>
+                                        <p:strVal val="visible"/>
+                                      </p:to>
+                                    </p:set>
+                                  </p:childTnLst>
+                                </p:cTn>
+                              </p:par>
+                            </p:childTnLst>
+                          </p:cTn>
+                        </p:par>
+                      </p:childTnLst>
+                    </p:cTn>
+                  </p:par>
+                  <p:par>
+                    <p:cTn id="7" fill="hold">
+                      <p:stCondLst>
+                        <p:cond delay="indefinite"/>
+                      </p:stCondLst>
+                      <p:childTnLst>
+                        <p:par>
+                          <p:cTn id="8" fill="hold">
+                            <p:stCondLst>
+                              <p:cond delay="0"/>
+                            </p:stCondLst>
+                            <p:childTnLst>
+                              <p:par>
+                                <p:cTn id="9" presetID="1" presetClass="entr" presetSubtype="0" fill="hold" grpId="0" nodeType="clickEffect">
+                                  <p:stCondLst>
+                                    <p:cond delay="0"/>
+                                  </p:stCondLst>
+                                  <p:childTnLst>
+                                    <p:set>
+                                      <p:cBhvr>
+                                        <p:cTn id="10" dur="1" fill="hold">
+                                          <p:stCondLst>
+                                            <p:cond delay="0"/>
+                                          </p:stCondLst>
+                                        </p:cTn>
+                                        <p:tgtEl>
+                                          <p:spTgt spid="14"/>
+                                        </p:tgtEl>
+                                        <p:attrNameLst>
+                                          <p:attrName>style.visibility</p:attrName>
+                                        </p:attrNameLst>
+                                      </p:cBhvr>
+                                      <p:to>
+                                        <p:strVal val="visible"/>
+                                      </p:to>
+                                    </p:set>
+                                  </p:childTnLst>
+                                </p:cTn>
+                              </p:par>
+                            </p:childTnLst>
+                          </p:cTn>
+                        </p:par>
+                      </p:childTnLst>
+                    </p:cTn>
+                  </p:par>
+                  <p:par>
+                    <p:cTn id="11" fill="hold">
+                      <p:stCondLst>
+                        <p:cond delay="indefinite"/>
+                      </p:stCondLst>
+                      <p:childTnLst>
+                        <p:par>
+                          <p:cTn id="12" fill="hold">
+                            <p:stCondLst>
+                              <p:cond delay="0"/>
+                            </p:stCondLst>
+                            <p:childTnLst>
+                              <p:par>
+                                <p:cTn id="13" presetID="1" presetClass="entr" presetSubtype="0" fill="hold" grpId="0" nodeType="clickEffect">
+                                  <p:stCondLst>
+                                    <p:cond delay="0"/>
+                                  </p:stCondLst>
+                                  <p:childTnLst>
+                                    <p:set>
+                                      <p:cBhvr>
+                                        <p:cTn id="14" dur="1" fill="hold">
+                                          <p:stCondLst>
+                                            <p:cond delay="0"/>
+                                          </p:stCondLst>
+                                        </p:cTn>
+                                        <p:tgtEl>
+                                          <p:spTgt spid="15"/>
+                                        </p:tgtEl>
+                                        <p:attrNameLst>
+                                          <p:attrName>style.visibility</p:attrName>
+                                        </p:attrNameLst>
+                                      </p:cBhvr>
+                                      <p:to>
+                                        <p:strVal val="visible"/>
+                                      </p:to>
+                                    </p:set>
+                                  </p:childTnLst>
+                                </p:cTn>
+                              </p:par>
+                            </p:childTnLst>
+                          </p:cTn>
+                        </p:par>
+                      </p:childTnLst>
+                    </p:cTn>
+                  </p:par>
+                  <p:par>
+                    <p:cTn id="15" fill="hold">
+                      <p:stCondLst>
+                        <p:cond delay="indefinite"/>
+                      </p:stCondLst>
+                      <p:childTnLst>
+                        <p:par>
+                          <p:cTn id="16" fill="hold">
+                            <p:stCondLst>
+                              <p:cond delay="0"/>
+                            </p:stCondLst>
+                            <p:childTnLst>
+                              <p:par>
+                                <p:cTn id="17" presetID="1" presetClass="entr" presetSubtype="0" fill="hold" grpId="0" nodeType="clickEffect">
+                                  <p:stCondLst>
+                                    <p:cond delay="0"/>
+                                  </p:stCondLst>
+                                  <p:childTnLst>
+                                    <p:set>
+                                      <p:cBhvr>
+                                        <p:cTn id="18" dur="1" fill="hold">
+                                          <p:stCondLst>
+                                            <p:cond delay="0"/>
+                                          </p:stCondLst>
+                                        </p:cTn>
+                                        <p:tgtEl>
+                                          <p:spTgt spid="16"/>
+                                        </p:tgtEl>
+                                        <p:attrNameLst>
+                                          <p:attrName>style.visibility</p:attrName>
+                                        </p:attrNameLst>
+                                      </p:cBhvr>
+                                      <p:to>
+                                        <p:strVal val="visible"/>
+                                      </p:to>
+                                    </p:set>
+                                  </p:childTnLst>
+                                </p:cTn>
+                              </p:par>
+                            </p:childTnLst>
+                          </p:cTn>
+                        </p:par>
+                      </p:childTnLst>
+                    </p:cTn>
+                  </p:par>
+                  <p:par>
+                    <p:cTn id="19" fill="hold">
+                      <p:stCondLst>
+                        <p:cond delay="indefinite"/>
+                      </p:stCondLst>
+                      <p:childTnLst>
+                        <p:par>
+                          <p:cTn id="20" fill="hold">
+                            <p:stCondLst>
+                              <p:cond delay="0"/>
+                            </p:stCondLst>
+                            <p:childTnLst>
+                              <p:par>
+                                <p:cTn id="21" presetID="1" presetClass="entr" presetSubtype="0" fill="hold" grpId="0" nodeType="clickEffect">
+                                  <p:stCondLst>
+                                    <p:cond delay="0"/>
+                                  </p:stCondLst>
+                                  <p:childTnLst>
+                                    <p:set>
+                                      <p:cBhvr>
+                                        <p:cTn id="22" dur="1" fill="hold">
+                                          <p:stCondLst>
+                                            <p:cond delay="0"/>
+                                          </p:stCondLst>
+                                        </p:cTn>
+                                        <p:tgtEl>
+                                          <p:spTgt spid="5"/>
+                                        </p:tgtEl>
+                                        <p:attrNameLst>
+                                          <p:attrName>style.visibility</p:attrName>
+                                        </p:attrNameLst>
+                                      </p:cBhvr>
+                                      <p:to>
+                                        <p:strVal val="visible"/>
+                                      </p:to>
+                                    </p:set>
+                                  </p:childTnLst>
+                                </p:cTn>
+                              </p:par>
+                              <p:par>
+                                <p:cTn id="23" presetID="1" presetClass="entr" presetSubtype="0" fill="hold" grpId="0" nodeType="withEffect">
+                                  <p:stCondLst>
+                                    <p:cond delay="0"/>
+                                  </p:stCondLst>
+                                  <p:childTnLst>
+                                    <p:set>
+                                      <p:cBhvr>
+                                        <p:cTn id="24" dur="1" fill="hold">
+                                          <p:stCondLst>
+                                            <p:cond delay="0"/>
+                                          </p:stCondLst>
+                                        </p:cTn>
+                                        <p:tgtEl>
+                                          <p:spTgt spid="20"/>
+                                        </p:tgtEl>
+                                        <p:attrNameLst>
+                                          <p:attrName>style.visibility</p:attrName>
+                                        </p:attrNameLst>
+                                      </p:cBhvr>
+                                      <p:to>
+                                        <p:strVal val="visible"/>
+                                      </p:to>
+                                    </p:set>
+                                  </p:childTnLst>
+                                </p:cTn>
+                              </p:par>
+                            </p:childTnLst>
+                          </p:cTn>
+                        </p:par>
+                      </p:childTnLst>
+                    </p:cTn>
+                  </p:par>
+                  <p:par>
+                    <p:cTn id="25" fill="hold">
+                      <p:stCondLst>
+                        <p:cond delay="indefinite"/>
+                      </p:stCondLst>
+                      <p:childTnLst>
+                        <p:par>
+                          <p:cTn id="26" fill="hold">
+                            <p:stCondLst>
+                              <p:cond delay="0"/>
+                            </p:stCondLst>
+                            <p:childTnLst>
+                              <p:par>
+                                <p:cTn id="27" presetID="1" presetClass="entr" presetSubtype="0" fill="hold" nodeType="clickEffect">
+                                  <p:stCondLst>
+                                    <p:cond delay="0"/>
+                                  </p:stCondLst>
+                                  <p:childTnLst>
+                                    <p:set>
+                                      <p:cBhvr>
+                                        <p:cTn id="28" dur="1" fill="hold">
+                                          <p:stCondLst>
+                                            <p:cond delay="0"/>
+                                          </p:stCondLst>
+                                        </p:cTn>
+                                        <p:tgtEl>
+                                          <p:spTgt spid="3">
+                                            <p:txEl>
+                                              <p:pRg st="0" end="0"/>
+                                            </p:txEl>
+                                          </p:spTgt>
+                                        </p:tgtEl>
+                                        <p:attrNameLst>
+                                          <p:attrName>style.visibility</p:attrName>
+                                        </p:attrNameLst>
+                                      </p:cBhvr>
+                                      <p:to>
+                                        <p:strVal val="visible"/>
+                                      </p:to>
+                                    </p:set>
+                                  </p:childTnLst>
+                                </p:cTn>
+                              </p:par>
+                            </p:childTnLst>
+                          </p:cTn>
+                        </p:par>
+                      </p:childTnLst>
+                    </p:cTn>
+                  </p:par>
+                  <p:par>
+                    <p:cTn id="29" fill="hold">
+                      <p:stCondLst>
+                        <p:cond delay="indefinite"/>
+                      </p:stCondLst>
+                      <p:childTnLst>
+                        <p:par>
+                          <p:cTn id="30" fill="hold">
+                            <p:stCondLst>
+                              <p:cond delay="0"/>
+                            </p:stCondLst>
+                            <p:childTnLst>
+                              <p:par>
+                                <p:cTn id="31" presetID="1" presetClass="entr" presetSubtype="0" fill="hold" nodeType="clickEffect">
+                                  <p:stCondLst>
+                                    <p:cond delay="0"/>
+                                  </p:stCondLst>
+                                  <p:childTnLst>
+                                    <p:set>
+                                      <p:cBhvr>
+                                        <p:cTn id="32" dur="1" fill="hold">
+                                          <p:stCondLst>
+                                            <p:cond delay="0"/>
+                                          </p:stCondLst>
+                                        </p:cTn>
+                                        <p:tgtEl>
+                                          <p:spTgt spid="3">
+                                            <p:txEl>
+                                              <p:pRg st="1" end="1"/>
+                                            </p:txEl>
+                                          </p:spTgt>
+                                        </p:tgtEl>
+                                        <p:attrNameLst>
+                                          <p:attrName>style.visibility</p:attrName>
+                                        </p:attrNameLst>
+                                      </p:cBhvr>
+                                      <p:to>
+                                        <p:strVal val="visible"/>
+                                      </p:to>
+                                    </p:set>
+                                  </p:childTnLst>
+                                </p:cTn>
+                              </p:par>
+                            </p:childTnLst>
+                          </p:cTn>
+                        </p:par>
+                      </p:childTnLst>
+                    </p:cTn>
+                  </p:par>
+                </p:childTnLst>
+              </p:cTn>
+              <p:prevCondLst>
+                <p:cond evt="onPrev" delay="0">
+                  <p:tgtEl>
+                    <p:sldTgt/>
+                  </p:tgtEl>
+                </p:cond>
+              </p:prevCondLst>
+              <p:nextCondLst>
+                <p:cond evt="onNext" delay="0">
+                  <p:tgtEl>
+                    <p:sldTgt/>
+                  </p:tgtEl>
+                </p:cond>
+              </p:nextCondLst>
+            </p:seq>
+          </p:childTnLst>
+        </p:cTn>
       </p:par>
     </p:tnLst>
+    <p:bldLst>
+      <p:bldP spid="5" grpId="0" animBg="1"/>
+      <p:bldP spid="4" grpId="0" animBg="1"/>
+      <p:bldP spid="14" grpId="0" animBg="1"/>
+      <p:bldP spid="15" grpId="0" animBg="1"/>
+      <p:bldP spid="16" grpId="0" animBg="1"/>
+      <p:bldP spid="20" grpId="0"/>
+    </p:bldLst>
   </p:timing>
 </p:sld>
 </file>
@@ -9068,7 +12436,7 @@
         </p:blipFill>
         <p:spPr>
           <a:xfrm rot="2810706">
-            <a:off x="1439510" y="2598003"/>
+            <a:off x="1439510" y="4786089"/>
             <a:ext cx="1612166" cy="1340481"/>
           </a:xfrm>
           <a:prstGeom prst="rect">
@@ -9097,7 +12465,7 @@
         </p:blipFill>
         <p:spPr>
           <a:xfrm>
-            <a:off x="1576754" y="4771347"/>
+            <a:off x="1576754" y="2893512"/>
             <a:ext cx="1382287" cy="1070084"/>
           </a:xfrm>
           <a:prstGeom prst="rect">
@@ -9181,7 +12549,7 @@
         </p:nvSpPr>
         <p:spPr>
           <a:xfrm>
-            <a:off x="1648893" y="4207015"/>
+            <a:off x="1648893" y="2329180"/>
             <a:ext cx="1348518" cy="646331"/>
           </a:xfrm>
           <a:prstGeom prst="rect">
@@ -9218,7 +12586,7 @@
         </p:nvSpPr>
         <p:spPr>
           <a:xfrm>
-            <a:off x="1813921" y="2156428"/>
+            <a:off x="1813921" y="4344514"/>
             <a:ext cx="1882896" cy="646331"/>
           </a:xfrm>
           <a:prstGeom prst="rect">
@@ -9291,7 +12659,7 @@
         </p:nvSpPr>
         <p:spPr>
           <a:xfrm>
-            <a:off x="1453893" y="2156428"/>
+            <a:off x="1453893" y="4344514"/>
             <a:ext cx="1628008" cy="1626670"/>
           </a:xfrm>
           <a:prstGeom prst="roundRect">
@@ -9387,7 +12755,7 @@
         </p:nvSpPr>
         <p:spPr>
           <a:xfrm>
-            <a:off x="1453893" y="4214761"/>
+            <a:off x="1453893" y="2336926"/>
             <a:ext cx="1628008" cy="1626670"/>
           </a:xfrm>
           <a:prstGeom prst="roundRect">
@@ -9563,13 +12931,14 @@
           <p:cNvPr id="58" name="Conector recto de flecha 57"/>
           <p:cNvCxnSpPr>
             <a:stCxn id="33" idx="3"/>
+            <a:endCxn id="14" idx="1"/>
           </p:cNvCxnSpPr>
           <p:nvPr/>
         </p:nvCxnSpPr>
         <p:spPr>
           <a:xfrm flipV="1">
-            <a:off x="3081901" y="2555619"/>
-            <a:ext cx="1542449" cy="414144"/>
+            <a:off x="3081901" y="4558130"/>
+            <a:ext cx="1521808" cy="599719"/>
           </a:xfrm>
           <a:prstGeom prst="straightConnector1">
             <a:avLst/>
@@ -9604,13 +12973,14 @@
           <p:cNvPr id="61" name="Conector recto de flecha 60"/>
           <p:cNvCxnSpPr>
             <a:stCxn id="36" idx="3"/>
+            <a:endCxn id="15" idx="1"/>
           </p:cNvCxnSpPr>
           <p:nvPr/>
         </p:nvCxnSpPr>
         <p:spPr>
-          <a:xfrm flipV="1">
-            <a:off x="3081901" y="4648029"/>
-            <a:ext cx="1511060" cy="380067"/>
+          <a:xfrm>
+            <a:off x="3081901" y="3150261"/>
+            <a:ext cx="1519734" cy="387682"/>
           </a:xfrm>
           <a:prstGeom prst="straightConnector1">
             <a:avLst/>
@@ -9653,9 +13023,546 @@
   <p:timing>
     <p:tnLst>
       <p:par>
-        <p:cTn id="1" dur="indefinite" restart="never" nodeType="tmRoot"/>
+        <p:cTn id="1" dur="indefinite" restart="never" nodeType="tmRoot">
+          <p:childTnLst>
+            <p:seq concurrent="1" nextAc="seek">
+              <p:cTn id="2" dur="indefinite" nodeType="mainSeq">
+                <p:childTnLst>
+                  <p:par>
+                    <p:cTn id="3" fill="hold">
+                      <p:stCondLst>
+                        <p:cond delay="indefinite"/>
+                      </p:stCondLst>
+                      <p:childTnLst>
+                        <p:par>
+                          <p:cTn id="4" fill="hold">
+                            <p:stCondLst>
+                              <p:cond delay="0"/>
+                            </p:stCondLst>
+                            <p:childTnLst>
+                              <p:par>
+                                <p:cTn id="5" presetID="1" presetClass="entr" presetSubtype="0" fill="hold" grpId="0" nodeType="clickEffect">
+                                  <p:stCondLst>
+                                    <p:cond delay="0"/>
+                                  </p:stCondLst>
+                                  <p:childTnLst>
+                                    <p:set>
+                                      <p:cBhvr>
+                                        <p:cTn id="6" dur="1" fill="hold">
+                                          <p:stCondLst>
+                                            <p:cond delay="0"/>
+                                          </p:stCondLst>
+                                        </p:cTn>
+                                        <p:tgtEl>
+                                          <p:spTgt spid="35"/>
+                                        </p:tgtEl>
+                                        <p:attrNameLst>
+                                          <p:attrName>style.visibility</p:attrName>
+                                        </p:attrNameLst>
+                                      </p:cBhvr>
+                                      <p:to>
+                                        <p:strVal val="visible"/>
+                                      </p:to>
+                                    </p:set>
+                                  </p:childTnLst>
+                                </p:cTn>
+                              </p:par>
+                              <p:par>
+                                <p:cTn id="7" presetID="1" presetClass="entr" presetSubtype="0" fill="hold" nodeType="withEffect">
+                                  <p:stCondLst>
+                                    <p:cond delay="0"/>
+                                  </p:stCondLst>
+                                  <p:childTnLst>
+                                    <p:set>
+                                      <p:cBhvr>
+                                        <p:cTn id="8" dur="1" fill="hold">
+                                          <p:stCondLst>
+                                            <p:cond delay="0"/>
+                                          </p:stCondLst>
+                                        </p:cTn>
+                                        <p:tgtEl>
+                                          <p:spTgt spid="52"/>
+                                        </p:tgtEl>
+                                        <p:attrNameLst>
+                                          <p:attrName>style.visibility</p:attrName>
+                                        </p:attrNameLst>
+                                      </p:cBhvr>
+                                      <p:to>
+                                        <p:strVal val="visible"/>
+                                      </p:to>
+                                    </p:set>
+                                  </p:childTnLst>
+                                </p:cTn>
+                              </p:par>
+                              <p:par>
+                                <p:cTn id="9" presetID="1" presetClass="entr" presetSubtype="0" fill="hold" grpId="0" nodeType="withEffect">
+                                  <p:stCondLst>
+                                    <p:cond delay="0"/>
+                                  </p:stCondLst>
+                                  <p:childTnLst>
+                                    <p:set>
+                                      <p:cBhvr>
+                                        <p:cTn id="10" dur="1" fill="hold">
+                                          <p:stCondLst>
+                                            <p:cond delay="0"/>
+                                          </p:stCondLst>
+                                        </p:cTn>
+                                        <p:tgtEl>
+                                          <p:spTgt spid="24"/>
+                                        </p:tgtEl>
+                                        <p:attrNameLst>
+                                          <p:attrName>style.visibility</p:attrName>
+                                        </p:attrNameLst>
+                                      </p:cBhvr>
+                                      <p:to>
+                                        <p:strVal val="visible"/>
+                                      </p:to>
+                                    </p:set>
+                                  </p:childTnLst>
+                                </p:cTn>
+                              </p:par>
+                              <p:par>
+                                <p:cTn id="11" presetID="1" presetClass="entr" presetSubtype="0" fill="hold" nodeType="withEffect">
+                                  <p:stCondLst>
+                                    <p:cond delay="0"/>
+                                  </p:stCondLst>
+                                  <p:childTnLst>
+                                    <p:set>
+                                      <p:cBhvr>
+                                        <p:cTn id="12" dur="1" fill="hold">
+                                          <p:stCondLst>
+                                            <p:cond delay="0"/>
+                                          </p:stCondLst>
+                                        </p:cTn>
+                                        <p:tgtEl>
+                                          <p:spTgt spid="13"/>
+                                        </p:tgtEl>
+                                        <p:attrNameLst>
+                                          <p:attrName>style.visibility</p:attrName>
+                                        </p:attrNameLst>
+                                      </p:cBhvr>
+                                      <p:to>
+                                        <p:strVal val="visible"/>
+                                      </p:to>
+                                    </p:set>
+                                  </p:childTnLst>
+                                </p:cTn>
+                              </p:par>
+                            </p:childTnLst>
+                          </p:cTn>
+                        </p:par>
+                      </p:childTnLst>
+                    </p:cTn>
+                  </p:par>
+                  <p:par>
+                    <p:cTn id="13" fill="hold">
+                      <p:stCondLst>
+                        <p:cond delay="indefinite"/>
+                      </p:stCondLst>
+                      <p:childTnLst>
+                        <p:par>
+                          <p:cTn id="14" fill="hold">
+                            <p:stCondLst>
+                              <p:cond delay="0"/>
+                            </p:stCondLst>
+                            <p:childTnLst>
+                              <p:par>
+                                <p:cTn id="15" presetID="1" presetClass="entr" presetSubtype="0" fill="hold" nodeType="clickEffect">
+                                  <p:stCondLst>
+                                    <p:cond delay="0"/>
+                                  </p:stCondLst>
+                                  <p:childTnLst>
+                                    <p:set>
+                                      <p:cBhvr>
+                                        <p:cTn id="16" dur="1" fill="hold">
+                                          <p:stCondLst>
+                                            <p:cond delay="0"/>
+                                          </p:stCondLst>
+                                        </p:cTn>
+                                        <p:tgtEl>
+                                          <p:spTgt spid="21"/>
+                                        </p:tgtEl>
+                                        <p:attrNameLst>
+                                          <p:attrName>style.visibility</p:attrName>
+                                        </p:attrNameLst>
+                                      </p:cBhvr>
+                                      <p:to>
+                                        <p:strVal val="visible"/>
+                                      </p:to>
+                                    </p:set>
+                                  </p:childTnLst>
+                                </p:cTn>
+                              </p:par>
+                              <p:par>
+                                <p:cTn id="17" presetID="1" presetClass="entr" presetSubtype="0" fill="hold" grpId="0" nodeType="withEffect">
+                                  <p:stCondLst>
+                                    <p:cond delay="0"/>
+                                  </p:stCondLst>
+                                  <p:childTnLst>
+                                    <p:set>
+                                      <p:cBhvr>
+                                        <p:cTn id="18" dur="1" fill="hold">
+                                          <p:stCondLst>
+                                            <p:cond delay="0"/>
+                                          </p:stCondLst>
+                                        </p:cTn>
+                                        <p:tgtEl>
+                                          <p:spTgt spid="20"/>
+                                        </p:tgtEl>
+                                        <p:attrNameLst>
+                                          <p:attrName>style.visibility</p:attrName>
+                                        </p:attrNameLst>
+                                      </p:cBhvr>
+                                      <p:to>
+                                        <p:strVal val="visible"/>
+                                      </p:to>
+                                    </p:set>
+                                  </p:childTnLst>
+                                </p:cTn>
+                              </p:par>
+                              <p:par>
+                                <p:cTn id="19" presetID="1" presetClass="entr" presetSubtype="0" fill="hold" grpId="0" nodeType="withEffect">
+                                  <p:stCondLst>
+                                    <p:cond delay="0"/>
+                                  </p:stCondLst>
+                                  <p:childTnLst>
+                                    <p:set>
+                                      <p:cBhvr>
+                                        <p:cTn id="20" dur="1" fill="hold">
+                                          <p:stCondLst>
+                                            <p:cond delay="0"/>
+                                          </p:stCondLst>
+                                        </p:cTn>
+                                        <p:tgtEl>
+                                          <p:spTgt spid="36"/>
+                                        </p:tgtEl>
+                                        <p:attrNameLst>
+                                          <p:attrName>style.visibility</p:attrName>
+                                        </p:attrNameLst>
+                                      </p:cBhvr>
+                                      <p:to>
+                                        <p:strVal val="visible"/>
+                                      </p:to>
+                                    </p:set>
+                                  </p:childTnLst>
+                                </p:cTn>
+                              </p:par>
+                              <p:par>
+                                <p:cTn id="21" presetID="1" presetClass="entr" presetSubtype="0" fill="hold" nodeType="withEffect">
+                                  <p:stCondLst>
+                                    <p:cond delay="0"/>
+                                  </p:stCondLst>
+                                  <p:childTnLst>
+                                    <p:set>
+                                      <p:cBhvr>
+                                        <p:cTn id="22" dur="1" fill="hold">
+                                          <p:stCondLst>
+                                            <p:cond delay="0"/>
+                                          </p:stCondLst>
+                                        </p:cTn>
+                                        <p:tgtEl>
+                                          <p:spTgt spid="61"/>
+                                        </p:tgtEl>
+                                        <p:attrNameLst>
+                                          <p:attrName>style.visibility</p:attrName>
+                                        </p:attrNameLst>
+                                      </p:cBhvr>
+                                      <p:to>
+                                        <p:strVal val="visible"/>
+                                      </p:to>
+                                    </p:set>
+                                  </p:childTnLst>
+                                </p:cTn>
+                              </p:par>
+                            </p:childTnLst>
+                          </p:cTn>
+                        </p:par>
+                      </p:childTnLst>
+                    </p:cTn>
+                  </p:par>
+                  <p:par>
+                    <p:cTn id="23" fill="hold">
+                      <p:stCondLst>
+                        <p:cond delay="indefinite"/>
+                      </p:stCondLst>
+                      <p:childTnLst>
+                        <p:par>
+                          <p:cTn id="24" fill="hold">
+                            <p:stCondLst>
+                              <p:cond delay="0"/>
+                            </p:stCondLst>
+                            <p:childTnLst>
+                              <p:par>
+                                <p:cTn id="25" presetID="1" presetClass="entr" presetSubtype="0" fill="hold" nodeType="clickEffect">
+                                  <p:stCondLst>
+                                    <p:cond delay="0"/>
+                                  </p:stCondLst>
+                                  <p:childTnLst>
+                                    <p:set>
+                                      <p:cBhvr>
+                                        <p:cTn id="26" dur="1" fill="hold">
+                                          <p:stCondLst>
+                                            <p:cond delay="0"/>
+                                          </p:stCondLst>
+                                        </p:cTn>
+                                        <p:tgtEl>
+                                          <p:spTgt spid="19"/>
+                                        </p:tgtEl>
+                                        <p:attrNameLst>
+                                          <p:attrName>style.visibility</p:attrName>
+                                        </p:attrNameLst>
+                                      </p:cBhvr>
+                                      <p:to>
+                                        <p:strVal val="visible"/>
+                                      </p:to>
+                                    </p:set>
+                                  </p:childTnLst>
+                                </p:cTn>
+                              </p:par>
+                              <p:par>
+                                <p:cTn id="27" presetID="1" presetClass="entr" presetSubtype="0" fill="hold" grpId="0" nodeType="withEffect">
+                                  <p:stCondLst>
+                                    <p:cond delay="0"/>
+                                  </p:stCondLst>
+                                  <p:childTnLst>
+                                    <p:set>
+                                      <p:cBhvr>
+                                        <p:cTn id="28" dur="1" fill="hold">
+                                          <p:stCondLst>
+                                            <p:cond delay="0"/>
+                                          </p:stCondLst>
+                                        </p:cTn>
+                                        <p:tgtEl>
+                                          <p:spTgt spid="23"/>
+                                        </p:tgtEl>
+                                        <p:attrNameLst>
+                                          <p:attrName>style.visibility</p:attrName>
+                                        </p:attrNameLst>
+                                      </p:cBhvr>
+                                      <p:to>
+                                        <p:strVal val="visible"/>
+                                      </p:to>
+                                    </p:set>
+                                  </p:childTnLst>
+                                </p:cTn>
+                              </p:par>
+                              <p:par>
+                                <p:cTn id="29" presetID="1" presetClass="entr" presetSubtype="0" fill="hold" grpId="0" nodeType="withEffect">
+                                  <p:stCondLst>
+                                    <p:cond delay="0"/>
+                                  </p:stCondLst>
+                                  <p:childTnLst>
+                                    <p:set>
+                                      <p:cBhvr>
+                                        <p:cTn id="30" dur="1" fill="hold">
+                                          <p:stCondLst>
+                                            <p:cond delay="0"/>
+                                          </p:stCondLst>
+                                        </p:cTn>
+                                        <p:tgtEl>
+                                          <p:spTgt spid="33"/>
+                                        </p:tgtEl>
+                                        <p:attrNameLst>
+                                          <p:attrName>style.visibility</p:attrName>
+                                        </p:attrNameLst>
+                                      </p:cBhvr>
+                                      <p:to>
+                                        <p:strVal val="visible"/>
+                                      </p:to>
+                                    </p:set>
+                                  </p:childTnLst>
+                                </p:cTn>
+                              </p:par>
+                              <p:par>
+                                <p:cTn id="31" presetID="1" presetClass="entr" presetSubtype="0" fill="hold" nodeType="withEffect">
+                                  <p:stCondLst>
+                                    <p:cond delay="0"/>
+                                  </p:stCondLst>
+                                  <p:childTnLst>
+                                    <p:set>
+                                      <p:cBhvr>
+                                        <p:cTn id="32" dur="1" fill="hold">
+                                          <p:stCondLst>
+                                            <p:cond delay="0"/>
+                                          </p:stCondLst>
+                                        </p:cTn>
+                                        <p:tgtEl>
+                                          <p:spTgt spid="58"/>
+                                        </p:tgtEl>
+                                        <p:attrNameLst>
+                                          <p:attrName>style.visibility</p:attrName>
+                                        </p:attrNameLst>
+                                      </p:cBhvr>
+                                      <p:to>
+                                        <p:strVal val="visible"/>
+                                      </p:to>
+                                    </p:set>
+                                  </p:childTnLst>
+                                </p:cTn>
+                              </p:par>
+                            </p:childTnLst>
+                          </p:cTn>
+                        </p:par>
+                      </p:childTnLst>
+                    </p:cTn>
+                  </p:par>
+                  <p:par>
+                    <p:cTn id="33" fill="hold">
+                      <p:stCondLst>
+                        <p:cond delay="indefinite"/>
+                      </p:stCondLst>
+                      <p:childTnLst>
+                        <p:par>
+                          <p:cTn id="34" fill="hold">
+                            <p:stCondLst>
+                              <p:cond delay="0"/>
+                            </p:stCondLst>
+                            <p:childTnLst>
+                              <p:par>
+                                <p:cTn id="35" presetID="1" presetClass="entr" presetSubtype="0" fill="hold" nodeType="clickEffect">
+                                  <p:stCondLst>
+                                    <p:cond delay="0"/>
+                                  </p:stCondLst>
+                                  <p:childTnLst>
+                                    <p:set>
+                                      <p:cBhvr>
+                                        <p:cTn id="36" dur="1" fill="hold">
+                                          <p:stCondLst>
+                                            <p:cond delay="0"/>
+                                          </p:stCondLst>
+                                        </p:cTn>
+                                        <p:tgtEl>
+                                          <p:spTgt spid="53"/>
+                                        </p:tgtEl>
+                                        <p:attrNameLst>
+                                          <p:attrName>style.visibility</p:attrName>
+                                        </p:attrNameLst>
+                                      </p:cBhvr>
+                                      <p:to>
+                                        <p:strVal val="visible"/>
+                                      </p:to>
+                                    </p:set>
+                                  </p:childTnLst>
+                                </p:cTn>
+                              </p:par>
+                              <p:par>
+                                <p:cTn id="37" presetID="1" presetClass="entr" presetSubtype="0" fill="hold" grpId="0" nodeType="withEffect">
+                                  <p:stCondLst>
+                                    <p:cond delay="0"/>
+                                  </p:stCondLst>
+                                  <p:childTnLst>
+                                    <p:set>
+                                      <p:cBhvr>
+                                        <p:cTn id="38" dur="1" fill="hold">
+                                          <p:stCondLst>
+                                            <p:cond delay="0"/>
+                                          </p:stCondLst>
+                                        </p:cTn>
+                                        <p:tgtEl>
+                                          <p:spTgt spid="37"/>
+                                        </p:tgtEl>
+                                        <p:attrNameLst>
+                                          <p:attrName>style.visibility</p:attrName>
+                                        </p:attrNameLst>
+                                      </p:cBhvr>
+                                      <p:to>
+                                        <p:strVal val="visible"/>
+                                      </p:to>
+                                    </p:set>
+                                  </p:childTnLst>
+                                </p:cTn>
+                              </p:par>
+                              <p:par>
+                                <p:cTn id="39" presetID="1" presetClass="entr" presetSubtype="0" fill="hold" grpId="0" nodeType="withEffect">
+                                  <p:stCondLst>
+                                    <p:cond delay="0"/>
+                                  </p:stCondLst>
+                                  <p:childTnLst>
+                                    <p:set>
+                                      <p:cBhvr>
+                                        <p:cTn id="40" dur="1" fill="hold">
+                                          <p:stCondLst>
+                                            <p:cond delay="0"/>
+                                          </p:stCondLst>
+                                        </p:cTn>
+                                        <p:tgtEl>
+                                          <p:spTgt spid="8"/>
+                                        </p:tgtEl>
+                                        <p:attrNameLst>
+                                          <p:attrName>style.visibility</p:attrName>
+                                        </p:attrNameLst>
+                                      </p:cBhvr>
+                                      <p:to>
+                                        <p:strVal val="visible"/>
+                                      </p:to>
+                                    </p:set>
+                                  </p:childTnLst>
+                                </p:cTn>
+                              </p:par>
+                              <p:par>
+                                <p:cTn id="41" presetID="1" presetClass="entr" presetSubtype="0" fill="hold" nodeType="withEffect">
+                                  <p:stCondLst>
+                                    <p:cond delay="0"/>
+                                  </p:stCondLst>
+                                  <p:childTnLst>
+                                    <p:set>
+                                      <p:cBhvr>
+                                        <p:cTn id="42" dur="1" fill="hold">
+                                          <p:stCondLst>
+                                            <p:cond delay="0"/>
+                                          </p:stCondLst>
+                                        </p:cTn>
+                                        <p:tgtEl>
+                                          <p:spTgt spid="17"/>
+                                        </p:tgtEl>
+                                        <p:attrNameLst>
+                                          <p:attrName>style.visibility</p:attrName>
+                                        </p:attrNameLst>
+                                      </p:cBhvr>
+                                      <p:to>
+                                        <p:strVal val="visible"/>
+                                      </p:to>
+                                    </p:set>
+                                  </p:childTnLst>
+                                </p:cTn>
+                              </p:par>
+                            </p:childTnLst>
+                          </p:cTn>
+                        </p:par>
+                      </p:childTnLst>
+                    </p:cTn>
+                  </p:par>
+                </p:childTnLst>
+              </p:cTn>
+              <p:prevCondLst>
+                <p:cond evt="onPrev" delay="0">
+                  <p:tgtEl>
+                    <p:sldTgt/>
+                  </p:tgtEl>
+                </p:cond>
+              </p:prevCondLst>
+              <p:nextCondLst>
+                <p:cond evt="onNext" delay="0">
+                  <p:tgtEl>
+                    <p:sldTgt/>
+                  </p:tgtEl>
+                </p:cond>
+              </p:nextCondLst>
+            </p:seq>
+          </p:childTnLst>
+        </p:cTn>
       </p:par>
     </p:tnLst>
+    <p:bldLst>
+      <p:bldP spid="8" grpId="0"/>
+      <p:bldP spid="20" grpId="0"/>
+      <p:bldP spid="23" grpId="0"/>
+      <p:bldP spid="24" grpId="0"/>
+      <p:bldP spid="33" grpId="0" animBg="1"/>
+      <p:bldP spid="35" grpId="0" animBg="1"/>
+      <p:bldP spid="36" grpId="0" animBg="1"/>
+      <p:bldP spid="37" grpId="0" animBg="1"/>
+    </p:bldLst>
   </p:timing>
 </p:sld>
 </file>
@@ -9855,7 +13762,7 @@
   <a:extraClrSchemeLst/>
   <a:extLst>
     <a:ext uri="{05A4C25C-085E-4340-85A3-A5531E510DB2}">
-      <thm15:themeFamily xmlns:thm15="http://schemas.microsoft.com/office/thememl/2012/main" name="Office Theme" id="{62F939B6-93AF-4DB8-9C6B-D6C7DFDC589F}" vid="{4A3C46E8-61CC-4603-A589-7422A47A8E4A}"/>
+      <thm15:themeFamily xmlns="" xmlns:thm15="http://schemas.microsoft.com/office/thememl/2012/main" name="Office Theme" id="{62F939B6-93AF-4DB8-9C6B-D6C7DFDC589F}" vid="{4A3C46E8-61CC-4603-A589-7422A47A8E4A}"/>
     </a:ext>
   </a:extLst>
 </a:theme>
